--- a/Presentation.pptx
+++ b/Presentation.pptx
@@ -2,7 +2,7 @@
 <file path=ppt/presentation.xml><?xml version="1.0" encoding="utf-8"?>
 <p:presentation xmlns:a="http://schemas.openxmlformats.org/drawingml/2006/main" xmlns:r="http://schemas.openxmlformats.org/officeDocument/2006/relationships" xmlns:p="http://schemas.openxmlformats.org/presentationml/2006/main" saveSubsetFonts="1">
   <p:sldMasterIdLst>
-    <p:sldMasterId id="2147483648" r:id="rId1"/>
+    <p:sldMasterId id="2147483735" r:id="rId1"/>
   </p:sldMasterIdLst>
   <p:sldIdLst>
     <p:sldId id="256" r:id="rId2"/>
@@ -13,7 +13,12 @@
     <p:sldId id="261" r:id="rId7"/>
     <p:sldId id="262" r:id="rId8"/>
     <p:sldId id="263" r:id="rId9"/>
-    <p:sldId id="264" r:id="rId10"/>
+    <p:sldId id="265" r:id="rId10"/>
+    <p:sldId id="264" r:id="rId11"/>
+    <p:sldId id="266" r:id="rId12"/>
+    <p:sldId id="267" r:id="rId13"/>
+    <p:sldId id="268" r:id="rId14"/>
+    <p:sldId id="269" r:id="rId15"/>
   </p:sldIdLst>
   <p:sldSz cx="12192000" cy="6858000"/>
   <p:notesSz cx="6858000" cy="9144000"/>
@@ -21,7 +26,7 @@
     <a:defPPr>
       <a:defRPr lang="en-US"/>
     </a:defPPr>
-    <a:lvl1pPr marL="0" algn="l" defTabSz="914400" rtl="0" eaLnBrk="1" latinLnBrk="0" hangingPunct="1">
+    <a:lvl1pPr marL="0" algn="l" defTabSz="457200" rtl="0" eaLnBrk="1" latinLnBrk="0" hangingPunct="1">
       <a:defRPr sz="1800" kern="1200">
         <a:solidFill>
           <a:schemeClr val="tx1"/>
@@ -31,7 +36,7 @@
         <a:cs typeface="+mn-cs"/>
       </a:defRPr>
     </a:lvl1pPr>
-    <a:lvl2pPr marL="457200" algn="l" defTabSz="914400" rtl="0" eaLnBrk="1" latinLnBrk="0" hangingPunct="1">
+    <a:lvl2pPr marL="457200" algn="l" defTabSz="457200" rtl="0" eaLnBrk="1" latinLnBrk="0" hangingPunct="1">
       <a:defRPr sz="1800" kern="1200">
         <a:solidFill>
           <a:schemeClr val="tx1"/>
@@ -41,7 +46,7 @@
         <a:cs typeface="+mn-cs"/>
       </a:defRPr>
     </a:lvl2pPr>
-    <a:lvl3pPr marL="914400" algn="l" defTabSz="914400" rtl="0" eaLnBrk="1" latinLnBrk="0" hangingPunct="1">
+    <a:lvl3pPr marL="914400" algn="l" defTabSz="457200" rtl="0" eaLnBrk="1" latinLnBrk="0" hangingPunct="1">
       <a:defRPr sz="1800" kern="1200">
         <a:solidFill>
           <a:schemeClr val="tx1"/>
@@ -51,7 +56,7 @@
         <a:cs typeface="+mn-cs"/>
       </a:defRPr>
     </a:lvl3pPr>
-    <a:lvl4pPr marL="1371600" algn="l" defTabSz="914400" rtl="0" eaLnBrk="1" latinLnBrk="0" hangingPunct="1">
+    <a:lvl4pPr marL="1371600" algn="l" defTabSz="457200" rtl="0" eaLnBrk="1" latinLnBrk="0" hangingPunct="1">
       <a:defRPr sz="1800" kern="1200">
         <a:solidFill>
           <a:schemeClr val="tx1"/>
@@ -61,7 +66,7 @@
         <a:cs typeface="+mn-cs"/>
       </a:defRPr>
     </a:lvl4pPr>
-    <a:lvl5pPr marL="1828800" algn="l" defTabSz="914400" rtl="0" eaLnBrk="1" latinLnBrk="0" hangingPunct="1">
+    <a:lvl5pPr marL="1828800" algn="l" defTabSz="457200" rtl="0" eaLnBrk="1" latinLnBrk="0" hangingPunct="1">
       <a:defRPr sz="1800" kern="1200">
         <a:solidFill>
           <a:schemeClr val="tx1"/>
@@ -71,7 +76,7 @@
         <a:cs typeface="+mn-cs"/>
       </a:defRPr>
     </a:lvl5pPr>
-    <a:lvl6pPr marL="2286000" algn="l" defTabSz="914400" rtl="0" eaLnBrk="1" latinLnBrk="0" hangingPunct="1">
+    <a:lvl6pPr marL="2286000" algn="l" defTabSz="457200" rtl="0" eaLnBrk="1" latinLnBrk="0" hangingPunct="1">
       <a:defRPr sz="1800" kern="1200">
         <a:solidFill>
           <a:schemeClr val="tx1"/>
@@ -81,7 +86,7 @@
         <a:cs typeface="+mn-cs"/>
       </a:defRPr>
     </a:lvl6pPr>
-    <a:lvl7pPr marL="2743200" algn="l" defTabSz="914400" rtl="0" eaLnBrk="1" latinLnBrk="0" hangingPunct="1">
+    <a:lvl7pPr marL="2743200" algn="l" defTabSz="457200" rtl="0" eaLnBrk="1" latinLnBrk="0" hangingPunct="1">
       <a:defRPr sz="1800" kern="1200">
         <a:solidFill>
           <a:schemeClr val="tx1"/>
@@ -91,7 +96,7 @@
         <a:cs typeface="+mn-cs"/>
       </a:defRPr>
     </a:lvl7pPr>
-    <a:lvl8pPr marL="3200400" algn="l" defTabSz="914400" rtl="0" eaLnBrk="1" latinLnBrk="0" hangingPunct="1">
+    <a:lvl8pPr marL="3200400" algn="l" defTabSz="457200" rtl="0" eaLnBrk="1" latinLnBrk="0" hangingPunct="1">
       <a:defRPr sz="1800" kern="1200">
         <a:solidFill>
           <a:schemeClr val="tx1"/>
@@ -101,7 +106,7 @@
         <a:cs typeface="+mn-cs"/>
       </a:defRPr>
     </a:lvl8pPr>
-    <a:lvl9pPr marL="3657600" algn="l" defTabSz="914400" rtl="0" eaLnBrk="1" latinLnBrk="0" hangingPunct="1">
+    <a:lvl9pPr marL="3657600" algn="l" defTabSz="457200" rtl="0" eaLnBrk="1" latinLnBrk="0" hangingPunct="1">
       <a:defRPr sz="1800" kern="1200">
         <a:solidFill>
           <a:schemeClr val="tx1"/>
@@ -144,10 +149,15 @@
       </a:p>
     </p188:txBody>
   </p188:cm>
-  <p188:cm id="{286D2F63-C4A4-4FAC-9956-8DD2CF8BC453}" authorId="{3297BFA6-E0BB-E7AC-AE90-D9890E9AD694}" created="2022-08-05T12:49:14.261">
+</p188:cmLst>
+</file>
+
+<file path=ppt/comments/modernComment_103_8D86FD31.xml><?xml version="1.0" encoding="utf-8"?>
+<p188:cmLst xmlns:a="http://schemas.openxmlformats.org/drawingml/2006/main" xmlns:r="http://schemas.openxmlformats.org/officeDocument/2006/relationships" xmlns:p188="http://schemas.microsoft.com/office/powerpoint/2018/8/main">
+  <p188:cm id="{0DFF0E4E-D5AD-40F1-8DB1-9193CACF5083}" authorId="{3297BFA6-E0BB-E7AC-AE90-D9890E9AD694}" created="2022-08-05T13:36:43.132">
     <pc:sldMkLst xmlns:pc="http://schemas.microsoft.com/office/powerpoint/2013/main/command">
       <pc:docMk/>
-      <pc:sldMk cId="2190112605" sldId="258"/>
+      <pc:sldMk cId="2374434097" sldId="259"/>
     </pc:sldMkLst>
     <p188:txBody>
       <a:bodyPr/>
@@ -155,7 +165,28 @@
       <a:p>
         <a:r>
           <a:rPr lang="en-GB"/>
-          <a:t>By default, we want today's files, as opposed to all availible</a:t>
+          <a:t>Ensure screenshots up to date with run.py and ftpmodule.py</a:t>
+        </a:r>
+      </a:p>
+    </p188:txBody>
+  </p188:cm>
+</p188:cmLst>
+</file>
+
+<file path=ppt/comments/modernComment_107_155E1F27.xml><?xml version="1.0" encoding="utf-8"?>
+<p188:cmLst xmlns:a="http://schemas.openxmlformats.org/drawingml/2006/main" xmlns:r="http://schemas.openxmlformats.org/officeDocument/2006/relationships" xmlns:p188="http://schemas.microsoft.com/office/powerpoint/2018/8/main">
+  <p188:cm id="{000E8906-8D6B-4748-9446-841407AA1172}" authorId="{3297BFA6-E0BB-E7AC-AE90-D9890E9AD694}" created="2022-08-05T13:37:08.010">
+    <pc:sldMkLst xmlns:pc="http://schemas.microsoft.com/office/powerpoint/2013/main/command">
+      <pc:docMk/>
+      <pc:sldMk cId="358489895" sldId="263"/>
+    </pc:sldMkLst>
+    <p188:txBody>
+      <a:bodyPr/>
+      <a:lstStyle/>
+      <a:p>
+        <a:r>
+          <a:rPr lang="en-GB"/>
+          <a:t>Ensure up to date with fileValidation.py</a:t>
         </a:r>
       </a:p>
     </p188:txBody>
@@ -182,13 +213,111 @@
       </p:grpSpPr>
       <p:sp>
         <p:nvSpPr>
-          <p:cNvPr id="2" name="Title 1">
-            <a:extLst>
-              <a:ext uri="{FF2B5EF4-FFF2-40B4-BE49-F238E27FC236}">
-                <a16:creationId xmlns:a16="http://schemas.microsoft.com/office/drawing/2014/main" id="{F10CB6DE-0A18-99E1-0813-00BB38D7551E}"/>
-              </a:ext>
-            </a:extLst>
-          </p:cNvPr>
+          <p:cNvPr id="11" name="Freeform 6"/>
+          <p:cNvSpPr/>
+          <p:nvPr/>
+        </p:nvSpPr>
+        <p:spPr bwMode="auto">
+          <a:xfrm>
+            <a:off x="0" y="-3175"/>
+            <a:ext cx="12192000" cy="5203825"/>
+          </a:xfrm>
+          <a:custGeom>
+            <a:avLst/>
+            <a:gdLst/>
+            <a:ahLst/>
+            <a:cxnLst/>
+            <a:rect l="0" t="0" r="r" b="b"/>
+            <a:pathLst>
+              <a:path w="5760" h="3278">
+                <a:moveTo>
+                  <a:pt x="5760" y="0"/>
+                </a:moveTo>
+                <a:lnTo>
+                  <a:pt x="0" y="0"/>
+                </a:lnTo>
+                <a:lnTo>
+                  <a:pt x="0" y="3090"/>
+                </a:lnTo>
+                <a:lnTo>
+                  <a:pt x="943" y="3090"/>
+                </a:lnTo>
+                <a:lnTo>
+                  <a:pt x="1123" y="3270"/>
+                </a:lnTo>
+                <a:lnTo>
+                  <a:pt x="1123" y="3270"/>
+                </a:lnTo>
+                <a:lnTo>
+                  <a:pt x="1127" y="3272"/>
+                </a:lnTo>
+                <a:lnTo>
+                  <a:pt x="1133" y="3275"/>
+                </a:lnTo>
+                <a:lnTo>
+                  <a:pt x="1139" y="3278"/>
+                </a:lnTo>
+                <a:lnTo>
+                  <a:pt x="1144" y="3278"/>
+                </a:lnTo>
+                <a:lnTo>
+                  <a:pt x="1150" y="3278"/>
+                </a:lnTo>
+                <a:lnTo>
+                  <a:pt x="1155" y="3275"/>
+                </a:lnTo>
+                <a:lnTo>
+                  <a:pt x="1161" y="3272"/>
+                </a:lnTo>
+                <a:lnTo>
+                  <a:pt x="1165" y="3270"/>
+                </a:lnTo>
+                <a:lnTo>
+                  <a:pt x="1345" y="3090"/>
+                </a:lnTo>
+                <a:lnTo>
+                  <a:pt x="5760" y="3090"/>
+                </a:lnTo>
+                <a:lnTo>
+                  <a:pt x="5760" y="0"/>
+                </a:lnTo>
+                <a:close/>
+              </a:path>
+            </a:pathLst>
+          </a:custGeom>
+          <a:ln/>
+          <a:effectLst/>
+          <a:extLst>
+            <a:ext uri="{91240B29-F687-4f45-9708-019B960494DF}">
+              <a14:hiddenLine xmlns:a14="http://schemas.microsoft.com/office/drawing/2010/main" xmlns="" w="9525">
+                <a:solidFill>
+                  <a:srgbClr val="000000"/>
+                </a:solidFill>
+                <a:round/>
+                <a:headEnd/>
+                <a:tailEnd/>
+              </a14:hiddenLine>
+            </a:ext>
+          </a:extLst>
+        </p:spPr>
+        <p:style>
+          <a:lnRef idx="1">
+            <a:schemeClr val="accent1"/>
+          </a:lnRef>
+          <a:fillRef idx="3">
+            <a:schemeClr val="accent1"/>
+          </a:fillRef>
+          <a:effectRef idx="2">
+            <a:schemeClr val="accent1"/>
+          </a:effectRef>
+          <a:fontRef idx="minor">
+            <a:schemeClr val="lt1"/>
+          </a:fontRef>
+        </p:style>
+      </p:sp>
+      <p:sp>
+        <p:nvSpPr>
+          <p:cNvPr id="2" name="Title 1"/>
           <p:cNvSpPr>
             <a:spLocks noGrp="1"/>
           </p:cNvSpPr>
@@ -198,15 +327,15 @@
         </p:nvSpPr>
         <p:spPr>
           <a:xfrm>
-            <a:off x="1524000" y="1122363"/>
-            <a:ext cx="9144000" cy="2387600"/>
+            <a:off x="810001" y="1449147"/>
+            <a:ext cx="10572000" cy="2971051"/>
           </a:xfrm>
         </p:spPr>
         <p:txBody>
-          <a:bodyPr anchor="b"/>
+          <a:bodyPr/>
           <a:lstStyle>
-            <a:lvl1pPr algn="ctr">
-              <a:defRPr sz="6000"/>
+            <a:lvl1pPr>
+              <a:defRPr sz="5400"/>
             </a:lvl1pPr>
           </a:lstStyle>
           <a:p>
@@ -214,19 +343,13 @@
               <a:rPr lang="en-US"/>
               <a:t>Click to edit Master title style</a:t>
             </a:r>
-            <a:endParaRPr lang="en-GB"/>
-          </a:p>
-        </p:txBody>
-      </p:sp>
-      <p:sp>
-        <p:nvSpPr>
-          <p:cNvPr id="3" name="Subtitle 2">
-            <a:extLst>
-              <a:ext uri="{FF2B5EF4-FFF2-40B4-BE49-F238E27FC236}">
-                <a16:creationId xmlns:a16="http://schemas.microsoft.com/office/drawing/2014/main" id="{B5A4CB73-8D0A-B938-B111-70FBD4571539}"/>
-              </a:ext>
-            </a:extLst>
-          </p:cNvPr>
+            <a:endParaRPr lang="en-US" dirty="0"/>
+          </a:p>
+        </p:txBody>
+      </p:sp>
+      <p:sp>
+        <p:nvSpPr>
+          <p:cNvPr id="3" name="Subtitle 2"/>
           <p:cNvSpPr>
             <a:spLocks noGrp="1"/>
           </p:cNvSpPr>
@@ -236,48 +359,100 @@
         </p:nvSpPr>
         <p:spPr>
           <a:xfrm>
-            <a:off x="1524000" y="3602038"/>
-            <a:ext cx="9144000" cy="1655762"/>
+            <a:off x="810001" y="5280847"/>
+            <a:ext cx="10572000" cy="434974"/>
           </a:xfrm>
         </p:spPr>
         <p:txBody>
-          <a:bodyPr/>
+          <a:bodyPr anchor="t"/>
           <a:lstStyle>
-            <a:lvl1pPr marL="0" indent="0" algn="ctr">
-              <a:buNone/>
-              <a:defRPr sz="2400"/>
+            <a:lvl1pPr marL="0" indent="0" algn="l">
+              <a:buNone/>
+              <a:defRPr>
+                <a:solidFill>
+                  <a:schemeClr val="tx1"/>
+                </a:solidFill>
+              </a:defRPr>
             </a:lvl1pPr>
             <a:lvl2pPr marL="457200" indent="0" algn="ctr">
               <a:buNone/>
-              <a:defRPr sz="2000"/>
+              <a:defRPr>
+                <a:solidFill>
+                  <a:schemeClr val="tx1">
+                    <a:tint val="75000"/>
+                  </a:schemeClr>
+                </a:solidFill>
+              </a:defRPr>
             </a:lvl2pPr>
             <a:lvl3pPr marL="914400" indent="0" algn="ctr">
               <a:buNone/>
-              <a:defRPr sz="1800"/>
+              <a:defRPr>
+                <a:solidFill>
+                  <a:schemeClr val="tx1">
+                    <a:tint val="75000"/>
+                  </a:schemeClr>
+                </a:solidFill>
+              </a:defRPr>
             </a:lvl3pPr>
             <a:lvl4pPr marL="1371600" indent="0" algn="ctr">
               <a:buNone/>
-              <a:defRPr sz="1600"/>
+              <a:defRPr>
+                <a:solidFill>
+                  <a:schemeClr val="tx1">
+                    <a:tint val="75000"/>
+                  </a:schemeClr>
+                </a:solidFill>
+              </a:defRPr>
             </a:lvl4pPr>
             <a:lvl5pPr marL="1828800" indent="0" algn="ctr">
               <a:buNone/>
-              <a:defRPr sz="1600"/>
+              <a:defRPr>
+                <a:solidFill>
+                  <a:schemeClr val="tx1">
+                    <a:tint val="75000"/>
+                  </a:schemeClr>
+                </a:solidFill>
+              </a:defRPr>
             </a:lvl5pPr>
             <a:lvl6pPr marL="2286000" indent="0" algn="ctr">
               <a:buNone/>
-              <a:defRPr sz="1600"/>
+              <a:defRPr>
+                <a:solidFill>
+                  <a:schemeClr val="tx1">
+                    <a:tint val="75000"/>
+                  </a:schemeClr>
+                </a:solidFill>
+              </a:defRPr>
             </a:lvl6pPr>
             <a:lvl7pPr marL="2743200" indent="0" algn="ctr">
               <a:buNone/>
-              <a:defRPr sz="1600"/>
+              <a:defRPr>
+                <a:solidFill>
+                  <a:schemeClr val="tx1">
+                    <a:tint val="75000"/>
+                  </a:schemeClr>
+                </a:solidFill>
+              </a:defRPr>
             </a:lvl7pPr>
             <a:lvl8pPr marL="3200400" indent="0" algn="ctr">
               <a:buNone/>
-              <a:defRPr sz="1600"/>
+              <a:defRPr>
+                <a:solidFill>
+                  <a:schemeClr val="tx1">
+                    <a:tint val="75000"/>
+                  </a:schemeClr>
+                </a:solidFill>
+              </a:defRPr>
             </a:lvl8pPr>
             <a:lvl9pPr marL="3657600" indent="0" algn="ctr">
               <a:buNone/>
-              <a:defRPr sz="1600"/>
+              <a:defRPr>
+                <a:solidFill>
+                  <a:schemeClr val="tx1">
+                    <a:tint val="75000"/>
+                  </a:schemeClr>
+                </a:solidFill>
+              </a:defRPr>
             </a:lvl9pPr>
           </a:lstStyle>
           <a:p>
@@ -285,19 +460,13 @@
               <a:rPr lang="en-US"/>
               <a:t>Click to edit Master subtitle style</a:t>
             </a:r>
-            <a:endParaRPr lang="en-GB"/>
-          </a:p>
-        </p:txBody>
-      </p:sp>
-      <p:sp>
-        <p:nvSpPr>
-          <p:cNvPr id="4" name="Date Placeholder 3">
-            <a:extLst>
-              <a:ext uri="{FF2B5EF4-FFF2-40B4-BE49-F238E27FC236}">
-                <a16:creationId xmlns:a16="http://schemas.microsoft.com/office/drawing/2014/main" id="{FAA8C167-8A93-56A9-3089-35AFD6A33199}"/>
-              </a:ext>
-            </a:extLst>
-          </p:cNvPr>
+            <a:endParaRPr lang="en-US" dirty="0"/>
+          </a:p>
+        </p:txBody>
+      </p:sp>
+      <p:sp>
+        <p:nvSpPr>
+          <p:cNvPr id="4" name="Date Placeholder 3"/>
           <p:cNvSpPr>
             <a:spLocks noGrp="1"/>
           </p:cNvSpPr>
@@ -320,13 +489,7 @@
       </p:sp>
       <p:sp>
         <p:nvSpPr>
-          <p:cNvPr id="5" name="Footer Placeholder 4">
-            <a:extLst>
-              <a:ext uri="{FF2B5EF4-FFF2-40B4-BE49-F238E27FC236}">
-                <a16:creationId xmlns:a16="http://schemas.microsoft.com/office/drawing/2014/main" id="{1648D7E9-5061-9373-69F8-C53C24E807D1}"/>
-              </a:ext>
-            </a:extLst>
-          </p:cNvPr>
+          <p:cNvPr id="5" name="Footer Placeholder 4"/>
           <p:cNvSpPr>
             <a:spLocks noGrp="1"/>
           </p:cNvSpPr>
@@ -345,13 +508,7 @@
       </p:sp>
       <p:sp>
         <p:nvSpPr>
-          <p:cNvPr id="6" name="Slide Number Placeholder 5">
-            <a:extLst>
-              <a:ext uri="{FF2B5EF4-FFF2-40B4-BE49-F238E27FC236}">
-                <a16:creationId xmlns:a16="http://schemas.microsoft.com/office/drawing/2014/main" id="{7708EDA6-D207-EA7B-36A8-256C66A45ED7}"/>
-              </a:ext>
-            </a:extLst>
-          </p:cNvPr>
+          <p:cNvPr id="6" name="Slide Number Placeholder 5"/>
           <p:cNvSpPr>
             <a:spLocks noGrp="1"/>
           </p:cNvSpPr>
@@ -375,7 +532,7 @@
     </p:spTree>
     <p:extLst>
       <p:ext uri="{BB962C8B-B14F-4D97-AF65-F5344CB8AC3E}">
-        <p14:creationId xmlns:p14="http://schemas.microsoft.com/office/powerpoint/2010/main" val="4151185718"/>
+        <p14:creationId xmlns:p14="http://schemas.microsoft.com/office/powerpoint/2010/main" val="3207778442"/>
       </p:ext>
     </p:extLst>
   </p:cSld>
@@ -386,6 +543,1181 @@
 </file>
 
 <file path=ppt/slideLayouts/slideLayout10.xml><?xml version="1.0" encoding="utf-8"?>
+<p:sldLayout xmlns:a="http://schemas.openxmlformats.org/drawingml/2006/main" xmlns:r="http://schemas.openxmlformats.org/officeDocument/2006/relationships" xmlns:p="http://schemas.openxmlformats.org/presentationml/2006/main" preserve="1">
+  <p:cSld name="Panoramic Picture with Caption">
+    <p:spTree>
+      <p:nvGrpSpPr>
+        <p:cNvPr id="1" name=""/>
+        <p:cNvGrpSpPr/>
+        <p:nvPr/>
+      </p:nvGrpSpPr>
+      <p:grpSpPr>
+        <a:xfrm>
+          <a:off x="0" y="0"/>
+          <a:ext cx="0" cy="0"/>
+          <a:chOff x="0" y="0"/>
+          <a:chExt cx="0" cy="0"/>
+        </a:xfrm>
+      </p:grpSpPr>
+      <p:sp>
+        <p:nvSpPr>
+          <p:cNvPr id="2" name="Title 1"/>
+          <p:cNvSpPr>
+            <a:spLocks noGrp="1"/>
+          </p:cNvSpPr>
+          <p:nvPr>
+            <p:ph type="title"/>
+          </p:nvPr>
+        </p:nvSpPr>
+        <p:spPr>
+          <a:xfrm>
+            <a:off x="810000" y="4800600"/>
+            <a:ext cx="10561418" cy="566738"/>
+          </a:xfrm>
+        </p:spPr>
+        <p:txBody>
+          <a:bodyPr anchor="b">
+            <a:normAutofit/>
+          </a:bodyPr>
+          <a:lstStyle>
+            <a:lvl1pPr algn="l">
+              <a:defRPr sz="2400" b="0"/>
+            </a:lvl1pPr>
+          </a:lstStyle>
+          <a:p>
+            <a:r>
+              <a:rPr lang="en-US"/>
+              <a:t>Click to edit Master title style</a:t>
+            </a:r>
+            <a:endParaRPr lang="en-US" dirty="0"/>
+          </a:p>
+        </p:txBody>
+      </p:sp>
+      <p:sp>
+        <p:nvSpPr>
+          <p:cNvPr id="15" name="Picture Placeholder 14"/>
+          <p:cNvSpPr>
+            <a:spLocks noGrp="1" noChangeAspect="1"/>
+          </p:cNvSpPr>
+          <p:nvPr>
+            <p:ph type="pic" sz="quarter" idx="13"/>
+          </p:nvPr>
+        </p:nvSpPr>
+        <p:spPr bwMode="auto">
+          <a:xfrm>
+            <a:off x="0" y="0"/>
+            <a:ext cx="12192000" cy="4800600"/>
+          </a:xfrm>
+          <a:custGeom>
+            <a:avLst/>
+            <a:gdLst/>
+            <a:ahLst/>
+            <a:cxnLst/>
+            <a:rect l="0" t="0" r="r" b="b"/>
+            <a:pathLst>
+              <a:path w="5760" h="3289">
+                <a:moveTo>
+                  <a:pt x="5760" y="0"/>
+                </a:moveTo>
+                <a:lnTo>
+                  <a:pt x="0" y="0"/>
+                </a:lnTo>
+                <a:lnTo>
+                  <a:pt x="0" y="3100"/>
+                </a:lnTo>
+                <a:lnTo>
+                  <a:pt x="943" y="3100"/>
+                </a:lnTo>
+                <a:lnTo>
+                  <a:pt x="1123" y="3281"/>
+                </a:lnTo>
+                <a:lnTo>
+                  <a:pt x="1123" y="3281"/>
+                </a:lnTo>
+                <a:lnTo>
+                  <a:pt x="1127" y="3283"/>
+                </a:lnTo>
+                <a:lnTo>
+                  <a:pt x="1133" y="3286"/>
+                </a:lnTo>
+                <a:lnTo>
+                  <a:pt x="1139" y="3289"/>
+                </a:lnTo>
+                <a:lnTo>
+                  <a:pt x="1144" y="3289"/>
+                </a:lnTo>
+                <a:lnTo>
+                  <a:pt x="1150" y="3289"/>
+                </a:lnTo>
+                <a:lnTo>
+                  <a:pt x="1155" y="3286"/>
+                </a:lnTo>
+                <a:lnTo>
+                  <a:pt x="1161" y="3283"/>
+                </a:lnTo>
+                <a:lnTo>
+                  <a:pt x="1165" y="3281"/>
+                </a:lnTo>
+                <a:lnTo>
+                  <a:pt x="1345" y="3100"/>
+                </a:lnTo>
+                <a:lnTo>
+                  <a:pt x="5760" y="3100"/>
+                </a:lnTo>
+                <a:lnTo>
+                  <a:pt x="5760" y="0"/>
+                </a:lnTo>
+                <a:close/>
+              </a:path>
+            </a:pathLst>
+          </a:custGeom>
+          <a:noFill/>
+          <a:ln>
+            <a:solidFill>
+              <a:schemeClr val="tx2"/>
+            </a:solidFill>
+          </a:ln>
+        </p:spPr>
+        <p:style>
+          <a:lnRef idx="1">
+            <a:schemeClr val="accent1"/>
+          </a:lnRef>
+          <a:fillRef idx="3">
+            <a:schemeClr val="accent1"/>
+          </a:fillRef>
+          <a:effectRef idx="2">
+            <a:schemeClr val="accent1"/>
+          </a:effectRef>
+          <a:fontRef idx="minor">
+            <a:schemeClr val="lt1"/>
+          </a:fontRef>
+        </p:style>
+        <p:txBody>
+          <a:bodyPr wrap="square" numCol="1" anchor="t" anchorCtr="0" compatLnSpc="1">
+            <a:prstTxWarp prst="textNoShape">
+              <a:avLst/>
+            </a:prstTxWarp>
+            <a:normAutofit/>
+          </a:bodyPr>
+          <a:lstStyle>
+            <a:lvl1pPr marL="0" indent="0" algn="ctr">
+              <a:buFontTx/>
+              <a:buNone/>
+              <a:defRPr sz="1600"/>
+            </a:lvl1pPr>
+          </a:lstStyle>
+          <a:p>
+            <a:r>
+              <a:rPr lang="en-US"/>
+              <a:t>Click icon to add picture</a:t>
+            </a:r>
+            <a:endParaRPr lang="en-US" dirty="0"/>
+          </a:p>
+        </p:txBody>
+      </p:sp>
+      <p:sp>
+        <p:nvSpPr>
+          <p:cNvPr id="4" name="Text Placeholder 3"/>
+          <p:cNvSpPr>
+            <a:spLocks noGrp="1"/>
+          </p:cNvSpPr>
+          <p:nvPr>
+            <p:ph type="body" sz="half" idx="2"/>
+          </p:nvPr>
+        </p:nvSpPr>
+        <p:spPr>
+          <a:xfrm>
+            <a:off x="810000" y="5367338"/>
+            <a:ext cx="10561418" cy="493712"/>
+          </a:xfrm>
+        </p:spPr>
+        <p:txBody>
+          <a:bodyPr>
+            <a:normAutofit/>
+          </a:bodyPr>
+          <a:lstStyle>
+            <a:lvl1pPr marL="0" indent="0">
+              <a:buNone/>
+              <a:defRPr sz="1200"/>
+            </a:lvl1pPr>
+            <a:lvl2pPr marL="457200" indent="0">
+              <a:buNone/>
+              <a:defRPr sz="1200"/>
+            </a:lvl2pPr>
+            <a:lvl3pPr marL="914400" indent="0">
+              <a:buNone/>
+              <a:defRPr sz="1000"/>
+            </a:lvl3pPr>
+            <a:lvl4pPr marL="1371600" indent="0">
+              <a:buNone/>
+              <a:defRPr sz="900"/>
+            </a:lvl4pPr>
+            <a:lvl5pPr marL="1828800" indent="0">
+              <a:buNone/>
+              <a:defRPr sz="900"/>
+            </a:lvl5pPr>
+            <a:lvl6pPr marL="2286000" indent="0">
+              <a:buNone/>
+              <a:defRPr sz="900"/>
+            </a:lvl6pPr>
+            <a:lvl7pPr marL="2743200" indent="0">
+              <a:buNone/>
+              <a:defRPr sz="900"/>
+            </a:lvl7pPr>
+            <a:lvl8pPr marL="3200400" indent="0">
+              <a:buNone/>
+              <a:defRPr sz="900"/>
+            </a:lvl8pPr>
+            <a:lvl9pPr marL="3657600" indent="0">
+              <a:buNone/>
+              <a:defRPr sz="900"/>
+            </a:lvl9pPr>
+          </a:lstStyle>
+          <a:p>
+            <a:pPr lvl="0"/>
+            <a:r>
+              <a:rPr lang="en-US"/>
+              <a:t>Click to edit Master text styles</a:t>
+            </a:r>
+          </a:p>
+        </p:txBody>
+      </p:sp>
+      <p:sp>
+        <p:nvSpPr>
+          <p:cNvPr id="5" name="Date Placeholder 4"/>
+          <p:cNvSpPr>
+            <a:spLocks noGrp="1"/>
+          </p:cNvSpPr>
+          <p:nvPr>
+            <p:ph type="dt" sz="half" idx="10"/>
+          </p:nvPr>
+        </p:nvSpPr>
+        <p:spPr/>
+        <p:txBody>
+          <a:bodyPr/>
+          <a:lstStyle/>
+          <a:p>
+            <a:fld id="{00464503-B255-4BAB-A675-58D659314144}" type="datetimeFigureOut">
+              <a:rPr lang="en-GB" smtClean="0"/>
+              <a:t>05/08/2022</a:t>
+            </a:fld>
+            <a:endParaRPr lang="en-GB"/>
+          </a:p>
+        </p:txBody>
+      </p:sp>
+      <p:sp>
+        <p:nvSpPr>
+          <p:cNvPr id="6" name="Footer Placeholder 5"/>
+          <p:cNvSpPr>
+            <a:spLocks noGrp="1"/>
+          </p:cNvSpPr>
+          <p:nvPr>
+            <p:ph type="ftr" sz="quarter" idx="11"/>
+          </p:nvPr>
+        </p:nvSpPr>
+        <p:spPr/>
+        <p:txBody>
+          <a:bodyPr/>
+          <a:lstStyle/>
+          <a:p>
+            <a:endParaRPr lang="en-GB"/>
+          </a:p>
+        </p:txBody>
+      </p:sp>
+      <p:sp>
+        <p:nvSpPr>
+          <p:cNvPr id="7" name="Slide Number Placeholder 6"/>
+          <p:cNvSpPr>
+            <a:spLocks noGrp="1"/>
+          </p:cNvSpPr>
+          <p:nvPr>
+            <p:ph type="sldNum" sz="quarter" idx="12"/>
+          </p:nvPr>
+        </p:nvSpPr>
+        <p:spPr/>
+        <p:txBody>
+          <a:bodyPr/>
+          <a:lstStyle/>
+          <a:p>
+            <a:fld id="{7B646B38-4373-445A-B781-759CE59DE79F}" type="slidenum">
+              <a:rPr lang="en-GB" smtClean="0"/>
+              <a:t>‹#›</a:t>
+            </a:fld>
+            <a:endParaRPr lang="en-GB"/>
+          </a:p>
+        </p:txBody>
+      </p:sp>
+    </p:spTree>
+    <p:extLst>
+      <p:ext uri="{BB962C8B-B14F-4D97-AF65-F5344CB8AC3E}">
+        <p14:creationId xmlns:p14="http://schemas.microsoft.com/office/powerpoint/2010/main" val="1315190627"/>
+      </p:ext>
+    </p:extLst>
+  </p:cSld>
+  <p:clrMapOvr>
+    <a:masterClrMapping/>
+  </p:clrMapOvr>
+</p:sldLayout>
+</file>
+
+<file path=ppt/slideLayouts/slideLayout11.xml><?xml version="1.0" encoding="utf-8"?>
+<p:sldLayout xmlns:a="http://schemas.openxmlformats.org/drawingml/2006/main" xmlns:r="http://schemas.openxmlformats.org/officeDocument/2006/relationships" xmlns:p="http://schemas.openxmlformats.org/presentationml/2006/main" preserve="1">
+  <p:cSld name="Quote with Caption">
+    <p:spTree>
+      <p:nvGrpSpPr>
+        <p:cNvPr id="1" name=""/>
+        <p:cNvGrpSpPr/>
+        <p:nvPr/>
+      </p:nvGrpSpPr>
+      <p:grpSpPr>
+        <a:xfrm>
+          <a:off x="0" y="0"/>
+          <a:ext cx="0" cy="0"/>
+          <a:chOff x="0" y="0"/>
+          <a:chExt cx="0" cy="0"/>
+        </a:xfrm>
+      </p:grpSpPr>
+      <p:sp>
+        <p:nvSpPr>
+          <p:cNvPr id="8" name="Freeform 6"/>
+          <p:cNvSpPr>
+            <a:spLocks noChangeAspect="1"/>
+          </p:cNvSpPr>
+          <p:nvPr/>
+        </p:nvSpPr>
+        <p:spPr bwMode="auto">
+          <a:xfrm>
+            <a:off x="631697" y="1081456"/>
+            <a:ext cx="6332416" cy="3239188"/>
+          </a:xfrm>
+          <a:custGeom>
+            <a:avLst/>
+            <a:gdLst/>
+            <a:ahLst/>
+            <a:cxnLst/>
+            <a:rect l="0" t="0" r="r" b="b"/>
+            <a:pathLst>
+              <a:path w="3384" h="2308">
+                <a:moveTo>
+                  <a:pt x="3340" y="0"/>
+                </a:moveTo>
+                <a:lnTo>
+                  <a:pt x="44" y="0"/>
+                </a:lnTo>
+                <a:lnTo>
+                  <a:pt x="44" y="0"/>
+                </a:lnTo>
+                <a:lnTo>
+                  <a:pt x="34" y="0"/>
+                </a:lnTo>
+                <a:lnTo>
+                  <a:pt x="26" y="4"/>
+                </a:lnTo>
+                <a:lnTo>
+                  <a:pt x="20" y="8"/>
+                </a:lnTo>
+                <a:lnTo>
+                  <a:pt x="12" y="12"/>
+                </a:lnTo>
+                <a:lnTo>
+                  <a:pt x="8" y="20"/>
+                </a:lnTo>
+                <a:lnTo>
+                  <a:pt x="4" y="26"/>
+                </a:lnTo>
+                <a:lnTo>
+                  <a:pt x="0" y="34"/>
+                </a:lnTo>
+                <a:lnTo>
+                  <a:pt x="0" y="44"/>
+                </a:lnTo>
+                <a:lnTo>
+                  <a:pt x="0" y="2076"/>
+                </a:lnTo>
+                <a:lnTo>
+                  <a:pt x="0" y="2076"/>
+                </a:lnTo>
+                <a:lnTo>
+                  <a:pt x="0" y="2086"/>
+                </a:lnTo>
+                <a:lnTo>
+                  <a:pt x="4" y="2094"/>
+                </a:lnTo>
+                <a:lnTo>
+                  <a:pt x="8" y="2100"/>
+                </a:lnTo>
+                <a:lnTo>
+                  <a:pt x="12" y="2108"/>
+                </a:lnTo>
+                <a:lnTo>
+                  <a:pt x="20" y="2112"/>
+                </a:lnTo>
+                <a:lnTo>
+                  <a:pt x="26" y="2116"/>
+                </a:lnTo>
+                <a:lnTo>
+                  <a:pt x="34" y="2120"/>
+                </a:lnTo>
+                <a:lnTo>
+                  <a:pt x="44" y="2120"/>
+                </a:lnTo>
+                <a:lnTo>
+                  <a:pt x="474" y="2120"/>
+                </a:lnTo>
+                <a:lnTo>
+                  <a:pt x="650" y="2296"/>
+                </a:lnTo>
+                <a:lnTo>
+                  <a:pt x="650" y="2296"/>
+                </a:lnTo>
+                <a:lnTo>
+                  <a:pt x="656" y="2300"/>
+                </a:lnTo>
+                <a:lnTo>
+                  <a:pt x="664" y="2304"/>
+                </a:lnTo>
+                <a:lnTo>
+                  <a:pt x="672" y="2308"/>
+                </a:lnTo>
+                <a:lnTo>
+                  <a:pt x="680" y="2308"/>
+                </a:lnTo>
+                <a:lnTo>
+                  <a:pt x="688" y="2308"/>
+                </a:lnTo>
+                <a:lnTo>
+                  <a:pt x="696" y="2304"/>
+                </a:lnTo>
+                <a:lnTo>
+                  <a:pt x="704" y="2300"/>
+                </a:lnTo>
+                <a:lnTo>
+                  <a:pt x="710" y="2296"/>
+                </a:lnTo>
+                <a:lnTo>
+                  <a:pt x="886" y="2120"/>
+                </a:lnTo>
+                <a:lnTo>
+                  <a:pt x="3340" y="2120"/>
+                </a:lnTo>
+                <a:lnTo>
+                  <a:pt x="3340" y="2120"/>
+                </a:lnTo>
+                <a:lnTo>
+                  <a:pt x="3350" y="2120"/>
+                </a:lnTo>
+                <a:lnTo>
+                  <a:pt x="3358" y="2116"/>
+                </a:lnTo>
+                <a:lnTo>
+                  <a:pt x="3364" y="2112"/>
+                </a:lnTo>
+                <a:lnTo>
+                  <a:pt x="3372" y="2108"/>
+                </a:lnTo>
+                <a:lnTo>
+                  <a:pt x="3376" y="2100"/>
+                </a:lnTo>
+                <a:lnTo>
+                  <a:pt x="3380" y="2094"/>
+                </a:lnTo>
+                <a:lnTo>
+                  <a:pt x="3384" y="2086"/>
+                </a:lnTo>
+                <a:lnTo>
+                  <a:pt x="3384" y="2076"/>
+                </a:lnTo>
+                <a:lnTo>
+                  <a:pt x="3384" y="44"/>
+                </a:lnTo>
+                <a:lnTo>
+                  <a:pt x="3384" y="44"/>
+                </a:lnTo>
+                <a:lnTo>
+                  <a:pt x="3384" y="34"/>
+                </a:lnTo>
+                <a:lnTo>
+                  <a:pt x="3380" y="26"/>
+                </a:lnTo>
+                <a:lnTo>
+                  <a:pt x="3376" y="20"/>
+                </a:lnTo>
+                <a:lnTo>
+                  <a:pt x="3372" y="12"/>
+                </a:lnTo>
+                <a:lnTo>
+                  <a:pt x="3364" y="8"/>
+                </a:lnTo>
+                <a:lnTo>
+                  <a:pt x="3358" y="4"/>
+                </a:lnTo>
+                <a:lnTo>
+                  <a:pt x="3350" y="0"/>
+                </a:lnTo>
+                <a:lnTo>
+                  <a:pt x="3340" y="0"/>
+                </a:lnTo>
+                <a:lnTo>
+                  <a:pt x="3340" y="0"/>
+                </a:lnTo>
+                <a:close/>
+              </a:path>
+            </a:pathLst>
+          </a:custGeom>
+          <a:ln>
+            <a:solidFill>
+              <a:schemeClr val="accent1"/>
+            </a:solidFill>
+          </a:ln>
+        </p:spPr>
+        <p:style>
+          <a:lnRef idx="1">
+            <a:schemeClr val="accent1"/>
+          </a:lnRef>
+          <a:fillRef idx="3">
+            <a:schemeClr val="accent1"/>
+          </a:fillRef>
+          <a:effectRef idx="2">
+            <a:schemeClr val="accent1"/>
+          </a:effectRef>
+          <a:fontRef idx="minor">
+            <a:schemeClr val="lt1"/>
+          </a:fontRef>
+        </p:style>
+      </p:sp>
+      <p:sp>
+        <p:nvSpPr>
+          <p:cNvPr id="2" name="Title 1"/>
+          <p:cNvSpPr>
+            <a:spLocks noGrp="1"/>
+          </p:cNvSpPr>
+          <p:nvPr>
+            <p:ph type="title"/>
+          </p:nvPr>
+        </p:nvSpPr>
+        <p:spPr>
+          <a:xfrm>
+            <a:off x="850985" y="1238502"/>
+            <a:ext cx="5893840" cy="2645912"/>
+          </a:xfrm>
+        </p:spPr>
+        <p:txBody>
+          <a:bodyPr anchor="b"/>
+          <a:lstStyle>
+            <a:lvl1pPr algn="l">
+              <a:defRPr sz="4200" b="1" cap="none"/>
+            </a:lvl1pPr>
+          </a:lstStyle>
+          <a:p>
+            <a:r>
+              <a:rPr lang="en-US"/>
+              <a:t>Click to edit Master title style</a:t>
+            </a:r>
+            <a:endParaRPr lang="en-US" dirty="0"/>
+          </a:p>
+        </p:txBody>
+      </p:sp>
+      <p:sp>
+        <p:nvSpPr>
+          <p:cNvPr id="3" name="Text Placeholder 2"/>
+          <p:cNvSpPr>
+            <a:spLocks noGrp="1"/>
+          </p:cNvSpPr>
+          <p:nvPr>
+            <p:ph type="body" idx="1"/>
+          </p:nvPr>
+        </p:nvSpPr>
+        <p:spPr>
+          <a:xfrm>
+            <a:off x="853190" y="4443680"/>
+            <a:ext cx="5891636" cy="713241"/>
+          </a:xfrm>
+        </p:spPr>
+        <p:txBody>
+          <a:bodyPr anchor="t">
+            <a:noAutofit/>
+          </a:bodyPr>
+          <a:lstStyle>
+            <a:lvl1pPr marL="0" indent="0" algn="l">
+              <a:buNone/>
+              <a:defRPr sz="1800">
+                <a:solidFill>
+                  <a:schemeClr val="tx1"/>
+                </a:solidFill>
+              </a:defRPr>
+            </a:lvl1pPr>
+            <a:lvl2pPr marL="457200" indent="0">
+              <a:buNone/>
+              <a:defRPr sz="1800">
+                <a:solidFill>
+                  <a:schemeClr val="tx1">
+                    <a:tint val="75000"/>
+                  </a:schemeClr>
+                </a:solidFill>
+              </a:defRPr>
+            </a:lvl2pPr>
+            <a:lvl3pPr marL="914400" indent="0">
+              <a:buNone/>
+              <a:defRPr sz="1600">
+                <a:solidFill>
+                  <a:schemeClr val="tx1">
+                    <a:tint val="75000"/>
+                  </a:schemeClr>
+                </a:solidFill>
+              </a:defRPr>
+            </a:lvl3pPr>
+            <a:lvl4pPr marL="1371600" indent="0">
+              <a:buNone/>
+              <a:defRPr sz="1400">
+                <a:solidFill>
+                  <a:schemeClr val="tx1">
+                    <a:tint val="75000"/>
+                  </a:schemeClr>
+                </a:solidFill>
+              </a:defRPr>
+            </a:lvl4pPr>
+            <a:lvl5pPr marL="1828800" indent="0">
+              <a:buNone/>
+              <a:defRPr sz="1400">
+                <a:solidFill>
+                  <a:schemeClr val="tx1">
+                    <a:tint val="75000"/>
+                  </a:schemeClr>
+                </a:solidFill>
+              </a:defRPr>
+            </a:lvl5pPr>
+            <a:lvl6pPr marL="2286000" indent="0">
+              <a:buNone/>
+              <a:defRPr sz="1400">
+                <a:solidFill>
+                  <a:schemeClr val="tx1">
+                    <a:tint val="75000"/>
+                  </a:schemeClr>
+                </a:solidFill>
+              </a:defRPr>
+            </a:lvl6pPr>
+            <a:lvl7pPr marL="2743200" indent="0">
+              <a:buNone/>
+              <a:defRPr sz="1400">
+                <a:solidFill>
+                  <a:schemeClr val="tx1">
+                    <a:tint val="75000"/>
+                  </a:schemeClr>
+                </a:solidFill>
+              </a:defRPr>
+            </a:lvl7pPr>
+            <a:lvl8pPr marL="3200400" indent="0">
+              <a:buNone/>
+              <a:defRPr sz="1400">
+                <a:solidFill>
+                  <a:schemeClr val="tx1">
+                    <a:tint val="75000"/>
+                  </a:schemeClr>
+                </a:solidFill>
+              </a:defRPr>
+            </a:lvl8pPr>
+            <a:lvl9pPr marL="3657600" indent="0">
+              <a:buNone/>
+              <a:defRPr sz="1400">
+                <a:solidFill>
+                  <a:schemeClr val="tx1">
+                    <a:tint val="75000"/>
+                  </a:schemeClr>
+                </a:solidFill>
+              </a:defRPr>
+            </a:lvl9pPr>
+          </a:lstStyle>
+          <a:p>
+            <a:pPr lvl="0"/>
+            <a:r>
+              <a:rPr lang="en-US"/>
+              <a:t>Click to edit Master text styles</a:t>
+            </a:r>
+          </a:p>
+        </p:txBody>
+      </p:sp>
+      <p:sp>
+        <p:nvSpPr>
+          <p:cNvPr id="9" name="Text Placeholder 5"/>
+          <p:cNvSpPr>
+            <a:spLocks noGrp="1"/>
+          </p:cNvSpPr>
+          <p:nvPr>
+            <p:ph type="body" sz="quarter" idx="16"/>
+          </p:nvPr>
+        </p:nvSpPr>
+        <p:spPr>
+          <a:xfrm>
+            <a:off x="7574642" y="1081456"/>
+            <a:ext cx="3810001" cy="4075465"/>
+          </a:xfrm>
+        </p:spPr>
+        <p:txBody>
+          <a:bodyPr anchor="t"/>
+          <a:lstStyle>
+            <a:lvl1pPr marL="0" indent="0">
+              <a:buFontTx/>
+              <a:buNone/>
+              <a:defRPr/>
+            </a:lvl1pPr>
+          </a:lstStyle>
+          <a:p>
+            <a:pPr lvl="0"/>
+            <a:r>
+              <a:rPr lang="en-US"/>
+              <a:t>Click to edit Master text styles</a:t>
+            </a:r>
+          </a:p>
+        </p:txBody>
+      </p:sp>
+      <p:sp>
+        <p:nvSpPr>
+          <p:cNvPr id="4" name="Date Placeholder 3"/>
+          <p:cNvSpPr>
+            <a:spLocks noGrp="1"/>
+          </p:cNvSpPr>
+          <p:nvPr>
+            <p:ph type="dt" sz="half" idx="10"/>
+          </p:nvPr>
+        </p:nvSpPr>
+        <p:spPr/>
+        <p:txBody>
+          <a:bodyPr/>
+          <a:lstStyle/>
+          <a:p>
+            <a:fld id="{00464503-B255-4BAB-A675-58D659314144}" type="datetimeFigureOut">
+              <a:rPr lang="en-GB" smtClean="0"/>
+              <a:t>05/08/2022</a:t>
+            </a:fld>
+            <a:endParaRPr lang="en-GB"/>
+          </a:p>
+        </p:txBody>
+      </p:sp>
+      <p:sp>
+        <p:nvSpPr>
+          <p:cNvPr id="5" name="Footer Placeholder 4"/>
+          <p:cNvSpPr>
+            <a:spLocks noGrp="1"/>
+          </p:cNvSpPr>
+          <p:nvPr>
+            <p:ph type="ftr" sz="quarter" idx="11"/>
+          </p:nvPr>
+        </p:nvSpPr>
+        <p:spPr/>
+        <p:txBody>
+          <a:bodyPr/>
+          <a:lstStyle/>
+          <a:p>
+            <a:endParaRPr lang="en-GB"/>
+          </a:p>
+        </p:txBody>
+      </p:sp>
+      <p:sp>
+        <p:nvSpPr>
+          <p:cNvPr id="6" name="Slide Number Placeholder 5"/>
+          <p:cNvSpPr>
+            <a:spLocks noGrp="1"/>
+          </p:cNvSpPr>
+          <p:nvPr>
+            <p:ph type="sldNum" sz="quarter" idx="12"/>
+          </p:nvPr>
+        </p:nvSpPr>
+        <p:spPr/>
+        <p:txBody>
+          <a:bodyPr/>
+          <a:lstStyle/>
+          <a:p>
+            <a:fld id="{7B646B38-4373-445A-B781-759CE59DE79F}" type="slidenum">
+              <a:rPr lang="en-GB" smtClean="0"/>
+              <a:t>‹#›</a:t>
+            </a:fld>
+            <a:endParaRPr lang="en-GB"/>
+          </a:p>
+        </p:txBody>
+      </p:sp>
+    </p:spTree>
+    <p:extLst>
+      <p:ext uri="{BB962C8B-B14F-4D97-AF65-F5344CB8AC3E}">
+        <p14:creationId xmlns:p14="http://schemas.microsoft.com/office/powerpoint/2010/main" val="2535410496"/>
+      </p:ext>
+    </p:extLst>
+  </p:cSld>
+  <p:clrMapOvr>
+    <a:masterClrMapping/>
+  </p:clrMapOvr>
+</p:sldLayout>
+</file>
+
+<file path=ppt/slideLayouts/slideLayout12.xml><?xml version="1.0" encoding="utf-8"?>
+<p:sldLayout xmlns:a="http://schemas.openxmlformats.org/drawingml/2006/main" xmlns:r="http://schemas.openxmlformats.org/officeDocument/2006/relationships" xmlns:p="http://schemas.openxmlformats.org/presentationml/2006/main" preserve="1">
+  <p:cSld name="Name Card">
+    <p:spTree>
+      <p:nvGrpSpPr>
+        <p:cNvPr id="1" name=""/>
+        <p:cNvGrpSpPr/>
+        <p:nvPr/>
+      </p:nvGrpSpPr>
+      <p:grpSpPr>
+        <a:xfrm>
+          <a:off x="0" y="0"/>
+          <a:ext cx="0" cy="0"/>
+          <a:chOff x="0" y="0"/>
+          <a:chExt cx="0" cy="0"/>
+        </a:xfrm>
+      </p:grpSpPr>
+      <p:sp>
+        <p:nvSpPr>
+          <p:cNvPr id="9" name="Freeform 6"/>
+          <p:cNvSpPr>
+            <a:spLocks noChangeAspect="1"/>
+          </p:cNvSpPr>
+          <p:nvPr/>
+        </p:nvSpPr>
+        <p:spPr bwMode="auto">
+          <a:xfrm>
+            <a:off x="1140884" y="2286585"/>
+            <a:ext cx="4895115" cy="2503972"/>
+          </a:xfrm>
+          <a:custGeom>
+            <a:avLst/>
+            <a:gdLst/>
+            <a:ahLst/>
+            <a:cxnLst/>
+            <a:rect l="0" t="0" r="r" b="b"/>
+            <a:pathLst>
+              <a:path w="3384" h="2308">
+                <a:moveTo>
+                  <a:pt x="3340" y="0"/>
+                </a:moveTo>
+                <a:lnTo>
+                  <a:pt x="44" y="0"/>
+                </a:lnTo>
+                <a:lnTo>
+                  <a:pt x="44" y="0"/>
+                </a:lnTo>
+                <a:lnTo>
+                  <a:pt x="34" y="0"/>
+                </a:lnTo>
+                <a:lnTo>
+                  <a:pt x="26" y="4"/>
+                </a:lnTo>
+                <a:lnTo>
+                  <a:pt x="20" y="8"/>
+                </a:lnTo>
+                <a:lnTo>
+                  <a:pt x="12" y="12"/>
+                </a:lnTo>
+                <a:lnTo>
+                  <a:pt x="8" y="20"/>
+                </a:lnTo>
+                <a:lnTo>
+                  <a:pt x="4" y="26"/>
+                </a:lnTo>
+                <a:lnTo>
+                  <a:pt x="0" y="34"/>
+                </a:lnTo>
+                <a:lnTo>
+                  <a:pt x="0" y="44"/>
+                </a:lnTo>
+                <a:lnTo>
+                  <a:pt x="0" y="2076"/>
+                </a:lnTo>
+                <a:lnTo>
+                  <a:pt x="0" y="2076"/>
+                </a:lnTo>
+                <a:lnTo>
+                  <a:pt x="0" y="2086"/>
+                </a:lnTo>
+                <a:lnTo>
+                  <a:pt x="4" y="2094"/>
+                </a:lnTo>
+                <a:lnTo>
+                  <a:pt x="8" y="2100"/>
+                </a:lnTo>
+                <a:lnTo>
+                  <a:pt x="12" y="2108"/>
+                </a:lnTo>
+                <a:lnTo>
+                  <a:pt x="20" y="2112"/>
+                </a:lnTo>
+                <a:lnTo>
+                  <a:pt x="26" y="2116"/>
+                </a:lnTo>
+                <a:lnTo>
+                  <a:pt x="34" y="2120"/>
+                </a:lnTo>
+                <a:lnTo>
+                  <a:pt x="44" y="2120"/>
+                </a:lnTo>
+                <a:lnTo>
+                  <a:pt x="474" y="2120"/>
+                </a:lnTo>
+                <a:lnTo>
+                  <a:pt x="650" y="2296"/>
+                </a:lnTo>
+                <a:lnTo>
+                  <a:pt x="650" y="2296"/>
+                </a:lnTo>
+                <a:lnTo>
+                  <a:pt x="656" y="2300"/>
+                </a:lnTo>
+                <a:lnTo>
+                  <a:pt x="664" y="2304"/>
+                </a:lnTo>
+                <a:lnTo>
+                  <a:pt x="672" y="2308"/>
+                </a:lnTo>
+                <a:lnTo>
+                  <a:pt x="680" y="2308"/>
+                </a:lnTo>
+                <a:lnTo>
+                  <a:pt x="688" y="2308"/>
+                </a:lnTo>
+                <a:lnTo>
+                  <a:pt x="696" y="2304"/>
+                </a:lnTo>
+                <a:lnTo>
+                  <a:pt x="704" y="2300"/>
+                </a:lnTo>
+                <a:lnTo>
+                  <a:pt x="710" y="2296"/>
+                </a:lnTo>
+                <a:lnTo>
+                  <a:pt x="886" y="2120"/>
+                </a:lnTo>
+                <a:lnTo>
+                  <a:pt x="3340" y="2120"/>
+                </a:lnTo>
+                <a:lnTo>
+                  <a:pt x="3340" y="2120"/>
+                </a:lnTo>
+                <a:lnTo>
+                  <a:pt x="3350" y="2120"/>
+                </a:lnTo>
+                <a:lnTo>
+                  <a:pt x="3358" y="2116"/>
+                </a:lnTo>
+                <a:lnTo>
+                  <a:pt x="3364" y="2112"/>
+                </a:lnTo>
+                <a:lnTo>
+                  <a:pt x="3372" y="2108"/>
+                </a:lnTo>
+                <a:lnTo>
+                  <a:pt x="3376" y="2100"/>
+                </a:lnTo>
+                <a:lnTo>
+                  <a:pt x="3380" y="2094"/>
+                </a:lnTo>
+                <a:lnTo>
+                  <a:pt x="3384" y="2086"/>
+                </a:lnTo>
+                <a:lnTo>
+                  <a:pt x="3384" y="2076"/>
+                </a:lnTo>
+                <a:lnTo>
+                  <a:pt x="3384" y="44"/>
+                </a:lnTo>
+                <a:lnTo>
+                  <a:pt x="3384" y="44"/>
+                </a:lnTo>
+                <a:lnTo>
+                  <a:pt x="3384" y="34"/>
+                </a:lnTo>
+                <a:lnTo>
+                  <a:pt x="3380" y="26"/>
+                </a:lnTo>
+                <a:lnTo>
+                  <a:pt x="3376" y="20"/>
+                </a:lnTo>
+                <a:lnTo>
+                  <a:pt x="3372" y="12"/>
+                </a:lnTo>
+                <a:lnTo>
+                  <a:pt x="3364" y="8"/>
+                </a:lnTo>
+                <a:lnTo>
+                  <a:pt x="3358" y="4"/>
+                </a:lnTo>
+                <a:lnTo>
+                  <a:pt x="3350" y="0"/>
+                </a:lnTo>
+                <a:lnTo>
+                  <a:pt x="3340" y="0"/>
+                </a:lnTo>
+                <a:lnTo>
+                  <a:pt x="3340" y="0"/>
+                </a:lnTo>
+                <a:close/>
+              </a:path>
+            </a:pathLst>
+          </a:custGeom>
+          <a:ln>
+            <a:solidFill>
+              <a:schemeClr val="accent1"/>
+            </a:solidFill>
+          </a:ln>
+        </p:spPr>
+        <p:style>
+          <a:lnRef idx="1">
+            <a:schemeClr val="accent1"/>
+          </a:lnRef>
+          <a:fillRef idx="3">
+            <a:schemeClr val="accent1"/>
+          </a:fillRef>
+          <a:effectRef idx="2">
+            <a:schemeClr val="accent1"/>
+          </a:effectRef>
+          <a:fontRef idx="minor">
+            <a:schemeClr val="lt1"/>
+          </a:fontRef>
+        </p:style>
+      </p:sp>
+      <p:sp>
+        <p:nvSpPr>
+          <p:cNvPr id="38" name="Title 1"/>
+          <p:cNvSpPr>
+            <a:spLocks noGrp="1"/>
+          </p:cNvSpPr>
+          <p:nvPr>
+            <p:ph type="title"/>
+          </p:nvPr>
+        </p:nvSpPr>
+        <p:spPr>
+          <a:xfrm>
+            <a:off x="1357089" y="2435957"/>
+            <a:ext cx="4382521" cy="2007789"/>
+          </a:xfrm>
+        </p:spPr>
+        <p:txBody>
+          <a:bodyPr/>
+          <a:lstStyle>
+            <a:lvl1pPr>
+              <a:defRPr sz="3200"/>
+            </a:lvl1pPr>
+          </a:lstStyle>
+          <a:p>
+            <a:r>
+              <a:rPr lang="en-US"/>
+              <a:t>Click to edit Master title style</a:t>
+            </a:r>
+            <a:endParaRPr lang="en-US" dirty="0"/>
+          </a:p>
+        </p:txBody>
+      </p:sp>
+      <p:sp>
+        <p:nvSpPr>
+          <p:cNvPr id="6" name="Text Placeholder 5"/>
+          <p:cNvSpPr>
+            <a:spLocks noGrp="1"/>
+          </p:cNvSpPr>
+          <p:nvPr>
+            <p:ph type="body" sz="quarter" idx="16"/>
+          </p:nvPr>
+        </p:nvSpPr>
+        <p:spPr>
+          <a:xfrm>
+            <a:off x="6156000" y="2286000"/>
+            <a:ext cx="4880300" cy="2295525"/>
+          </a:xfrm>
+        </p:spPr>
+        <p:txBody>
+          <a:bodyPr anchor="t"/>
+          <a:lstStyle>
+            <a:lvl1pPr marL="0" indent="0">
+              <a:buFontTx/>
+              <a:buNone/>
+              <a:defRPr/>
+            </a:lvl1pPr>
+          </a:lstStyle>
+          <a:p>
+            <a:pPr lvl="0"/>
+            <a:r>
+              <a:rPr lang="en-US"/>
+              <a:t>Click to edit Master text styles</a:t>
+            </a:r>
+          </a:p>
+        </p:txBody>
+      </p:sp>
+      <p:sp>
+        <p:nvSpPr>
+          <p:cNvPr id="2" name="Date Placeholder 1"/>
+          <p:cNvSpPr>
+            <a:spLocks noGrp="1"/>
+          </p:cNvSpPr>
+          <p:nvPr>
+            <p:ph type="dt" sz="half" idx="10"/>
+          </p:nvPr>
+        </p:nvSpPr>
+        <p:spPr/>
+        <p:txBody>
+          <a:bodyPr/>
+          <a:lstStyle/>
+          <a:p>
+            <a:fld id="{00464503-B255-4BAB-A675-58D659314144}" type="datetimeFigureOut">
+              <a:rPr lang="en-GB" smtClean="0"/>
+              <a:t>05/08/2022</a:t>
+            </a:fld>
+            <a:endParaRPr lang="en-GB"/>
+          </a:p>
+        </p:txBody>
+      </p:sp>
+      <p:sp>
+        <p:nvSpPr>
+          <p:cNvPr id="3" name="Footer Placeholder 2"/>
+          <p:cNvSpPr>
+            <a:spLocks noGrp="1"/>
+          </p:cNvSpPr>
+          <p:nvPr>
+            <p:ph type="ftr" sz="quarter" idx="11"/>
+          </p:nvPr>
+        </p:nvSpPr>
+        <p:spPr/>
+        <p:txBody>
+          <a:bodyPr/>
+          <a:lstStyle/>
+          <a:p>
+            <a:endParaRPr lang="en-GB"/>
+          </a:p>
+        </p:txBody>
+      </p:sp>
+      <p:sp>
+        <p:nvSpPr>
+          <p:cNvPr id="4" name="Slide Number Placeholder 3"/>
+          <p:cNvSpPr>
+            <a:spLocks noGrp="1"/>
+          </p:cNvSpPr>
+          <p:nvPr>
+            <p:ph type="sldNum" sz="quarter" idx="12"/>
+          </p:nvPr>
+        </p:nvSpPr>
+        <p:spPr/>
+        <p:txBody>
+          <a:bodyPr/>
+          <a:lstStyle/>
+          <a:p>
+            <a:fld id="{7B646B38-4373-445A-B781-759CE59DE79F}" type="slidenum">
+              <a:rPr lang="en-GB" smtClean="0"/>
+              <a:t>‹#›</a:t>
+            </a:fld>
+            <a:endParaRPr lang="en-GB"/>
+          </a:p>
+        </p:txBody>
+      </p:sp>
+    </p:spTree>
+    <p:extLst>
+      <p:ext uri="{BB962C8B-B14F-4D97-AF65-F5344CB8AC3E}">
+        <p14:creationId xmlns:p14="http://schemas.microsoft.com/office/powerpoint/2010/main" val="2390176291"/>
+      </p:ext>
+    </p:extLst>
+  </p:cSld>
+  <p:clrMapOvr>
+    <a:masterClrMapping/>
+  </p:clrMapOvr>
+</p:sldLayout>
+</file>
+
+<file path=ppt/slideLayouts/slideLayout13.xml><?xml version="1.0" encoding="utf-8"?>
 <p:sldLayout xmlns:a="http://schemas.openxmlformats.org/drawingml/2006/main" xmlns:r="http://schemas.openxmlformats.org/officeDocument/2006/relationships" xmlns:p="http://schemas.openxmlformats.org/presentationml/2006/main" type="vertTx" preserve="1">
   <p:cSld name="Title and Vertical Text">
     <p:spTree>
@@ -404,13 +1736,110 @@
       </p:grpSpPr>
       <p:sp>
         <p:nvSpPr>
-          <p:cNvPr id="2" name="Title 1">
-            <a:extLst>
-              <a:ext uri="{FF2B5EF4-FFF2-40B4-BE49-F238E27FC236}">
-                <a16:creationId xmlns:a16="http://schemas.microsoft.com/office/drawing/2014/main" id="{FB19356B-A23C-ADA0-1F7A-4EDCACA94F11}"/>
-              </a:ext>
-            </a:extLst>
-          </p:cNvPr>
+          <p:cNvPr id="7" name="Freeform 6"/>
+          <p:cNvSpPr/>
+          <p:nvPr/>
+        </p:nvSpPr>
+        <p:spPr bwMode="auto">
+          <a:xfrm>
+            <a:off x="0" y="0"/>
+            <a:ext cx="12192000" cy="2185988"/>
+          </a:xfrm>
+          <a:custGeom>
+            <a:avLst/>
+            <a:gdLst/>
+            <a:ahLst/>
+            <a:cxnLst/>
+            <a:rect l="0" t="0" r="r" b="b"/>
+            <a:pathLst>
+              <a:path w="5760" h="1377">
+                <a:moveTo>
+                  <a:pt x="5760" y="0"/>
+                </a:moveTo>
+                <a:lnTo>
+                  <a:pt x="0" y="0"/>
+                </a:lnTo>
+                <a:lnTo>
+                  <a:pt x="0" y="1189"/>
+                </a:lnTo>
+                <a:lnTo>
+                  <a:pt x="943" y="1189"/>
+                </a:lnTo>
+                <a:lnTo>
+                  <a:pt x="1123" y="1369"/>
+                </a:lnTo>
+                <a:lnTo>
+                  <a:pt x="1123" y="1369"/>
+                </a:lnTo>
+                <a:lnTo>
+                  <a:pt x="1127" y="1371"/>
+                </a:lnTo>
+                <a:lnTo>
+                  <a:pt x="1133" y="1374"/>
+                </a:lnTo>
+                <a:lnTo>
+                  <a:pt x="1139" y="1377"/>
+                </a:lnTo>
+                <a:lnTo>
+                  <a:pt x="1144" y="1377"/>
+                </a:lnTo>
+                <a:lnTo>
+                  <a:pt x="1150" y="1377"/>
+                </a:lnTo>
+                <a:lnTo>
+                  <a:pt x="1155" y="1374"/>
+                </a:lnTo>
+                <a:lnTo>
+                  <a:pt x="1161" y="1371"/>
+                </a:lnTo>
+                <a:lnTo>
+                  <a:pt x="1165" y="1369"/>
+                </a:lnTo>
+                <a:lnTo>
+                  <a:pt x="1345" y="1189"/>
+                </a:lnTo>
+                <a:lnTo>
+                  <a:pt x="5760" y="1189"/>
+                </a:lnTo>
+                <a:lnTo>
+                  <a:pt x="5760" y="0"/>
+                </a:lnTo>
+                <a:close/>
+              </a:path>
+            </a:pathLst>
+          </a:custGeom>
+          <a:ln/>
+          <a:extLst>
+            <a:ext uri="{91240B29-F687-4f45-9708-019B960494DF}">
+              <a14:hiddenLine xmlns:a14="http://schemas.microsoft.com/office/drawing/2010/main" xmlns="" w="9525">
+                <a:solidFill>
+                  <a:srgbClr val="000000"/>
+                </a:solidFill>
+                <a:round/>
+                <a:headEnd/>
+                <a:tailEnd/>
+              </a14:hiddenLine>
+            </a:ext>
+          </a:extLst>
+        </p:spPr>
+        <p:style>
+          <a:lnRef idx="1">
+            <a:schemeClr val="accent1"/>
+          </a:lnRef>
+          <a:fillRef idx="3">
+            <a:schemeClr val="accent1"/>
+          </a:fillRef>
+          <a:effectRef idx="2">
+            <a:schemeClr val="accent1"/>
+          </a:effectRef>
+          <a:fontRef idx="minor">
+            <a:schemeClr val="lt1"/>
+          </a:fontRef>
+        </p:style>
+      </p:sp>
+      <p:sp>
+        <p:nvSpPr>
+          <p:cNvPr id="2" name="Title 1"/>
           <p:cNvSpPr>
             <a:spLocks noGrp="1"/>
           </p:cNvSpPr>
@@ -427,19 +1856,13 @@
               <a:rPr lang="en-US"/>
               <a:t>Click to edit Master title style</a:t>
             </a:r>
-            <a:endParaRPr lang="en-GB"/>
-          </a:p>
-        </p:txBody>
-      </p:sp>
-      <p:sp>
-        <p:nvSpPr>
-          <p:cNvPr id="3" name="Vertical Text Placeholder 2">
-            <a:extLst>
-              <a:ext uri="{FF2B5EF4-FFF2-40B4-BE49-F238E27FC236}">
-                <a16:creationId xmlns:a16="http://schemas.microsoft.com/office/drawing/2014/main" id="{6019CDE4-F671-4462-71A3-FD2C8A032EF1}"/>
-              </a:ext>
-            </a:extLst>
-          </p:cNvPr>
+            <a:endParaRPr lang="en-US" dirty="0"/>
+          </a:p>
+        </p:txBody>
+      </p:sp>
+      <p:sp>
+        <p:nvSpPr>
+          <p:cNvPr id="3" name="Vertical Text Placeholder 2"/>
           <p:cNvSpPr>
             <a:spLocks noGrp="1"/>
           </p:cNvSpPr>
@@ -449,7 +1872,7 @@
         </p:nvSpPr>
         <p:spPr/>
         <p:txBody>
-          <a:bodyPr vert="eaVert"/>
+          <a:bodyPr vert="eaVert" anchor="t"/>
           <a:lstStyle/>
           <a:p>
             <a:pPr lvl="0"/>
@@ -485,19 +1908,13 @@
               <a:rPr lang="en-US"/>
               <a:t>Fifth level</a:t>
             </a:r>
-            <a:endParaRPr lang="en-GB"/>
-          </a:p>
-        </p:txBody>
-      </p:sp>
-      <p:sp>
-        <p:nvSpPr>
-          <p:cNvPr id="4" name="Date Placeholder 3">
-            <a:extLst>
-              <a:ext uri="{FF2B5EF4-FFF2-40B4-BE49-F238E27FC236}">
-                <a16:creationId xmlns:a16="http://schemas.microsoft.com/office/drawing/2014/main" id="{D1E65AA1-7882-9BAB-A6B8-057C285ABFFD}"/>
-              </a:ext>
-            </a:extLst>
-          </p:cNvPr>
+            <a:endParaRPr lang="en-US" dirty="0"/>
+          </a:p>
+        </p:txBody>
+      </p:sp>
+      <p:sp>
+        <p:nvSpPr>
+          <p:cNvPr id="4" name="Date Placeholder 3"/>
           <p:cNvSpPr>
             <a:spLocks noGrp="1"/>
           </p:cNvSpPr>
@@ -520,13 +1937,7 @@
       </p:sp>
       <p:sp>
         <p:nvSpPr>
-          <p:cNvPr id="5" name="Footer Placeholder 4">
-            <a:extLst>
-              <a:ext uri="{FF2B5EF4-FFF2-40B4-BE49-F238E27FC236}">
-                <a16:creationId xmlns:a16="http://schemas.microsoft.com/office/drawing/2014/main" id="{DAEDEBD4-2D8B-DF30-35F4-FD44544B42C4}"/>
-              </a:ext>
-            </a:extLst>
-          </p:cNvPr>
+          <p:cNvPr id="5" name="Footer Placeholder 4"/>
           <p:cNvSpPr>
             <a:spLocks noGrp="1"/>
           </p:cNvSpPr>
@@ -545,13 +1956,7 @@
       </p:sp>
       <p:sp>
         <p:nvSpPr>
-          <p:cNvPr id="6" name="Slide Number Placeholder 5">
-            <a:extLst>
-              <a:ext uri="{FF2B5EF4-FFF2-40B4-BE49-F238E27FC236}">
-                <a16:creationId xmlns:a16="http://schemas.microsoft.com/office/drawing/2014/main" id="{6ACE0EF7-2F70-0440-0103-30B77EAD110E}"/>
-              </a:ext>
-            </a:extLst>
-          </p:cNvPr>
+          <p:cNvPr id="6" name="Slide Number Placeholder 5"/>
           <p:cNvSpPr>
             <a:spLocks noGrp="1"/>
           </p:cNvSpPr>
@@ -575,7 +1980,7 @@
     </p:spTree>
     <p:extLst>
       <p:ext uri="{BB962C8B-B14F-4D97-AF65-F5344CB8AC3E}">
-        <p14:creationId xmlns:p14="http://schemas.microsoft.com/office/powerpoint/2010/main" val="2018853064"/>
+        <p14:creationId xmlns:p14="http://schemas.microsoft.com/office/powerpoint/2010/main" val="493442496"/>
       </p:ext>
     </p:extLst>
   </p:cSld>
@@ -585,7 +1990,7 @@
 </p:sldLayout>
 </file>
 
-<file path=ppt/slideLayouts/slideLayout11.xml><?xml version="1.0" encoding="utf-8"?>
+<file path=ppt/slideLayouts/slideLayout14.xml><?xml version="1.0" encoding="utf-8"?>
 <p:sldLayout xmlns:a="http://schemas.openxmlformats.org/drawingml/2006/main" xmlns:r="http://schemas.openxmlformats.org/officeDocument/2006/relationships" xmlns:p="http://schemas.openxmlformats.org/presentationml/2006/main" type="vertTitleAndTx" preserve="1">
   <p:cSld name="Vertical Title and Text">
     <p:spTree>
@@ -604,13 +2009,112 @@
       </p:grpSpPr>
       <p:sp>
         <p:nvSpPr>
-          <p:cNvPr id="2" name="Vertical Title 1">
-            <a:extLst>
-              <a:ext uri="{FF2B5EF4-FFF2-40B4-BE49-F238E27FC236}">
-                <a16:creationId xmlns:a16="http://schemas.microsoft.com/office/drawing/2014/main" id="{BD50282C-40B7-637A-24C6-C783CE63B87E}"/>
-              </a:ext>
-            </a:extLst>
-          </p:cNvPr>
+          <p:cNvPr id="12" name="Freeform 6"/>
+          <p:cNvSpPr>
+            <a:spLocks noChangeAspect="1"/>
+          </p:cNvSpPr>
+          <p:nvPr/>
+        </p:nvSpPr>
+        <p:spPr bwMode="auto">
+          <a:xfrm>
+            <a:off x="7669651" y="446089"/>
+            <a:ext cx="4522349" cy="5414962"/>
+          </a:xfrm>
+          <a:custGeom>
+            <a:avLst/>
+            <a:gdLst/>
+            <a:ahLst/>
+            <a:cxnLst/>
+            <a:rect l="0" t="0" r="r" b="b"/>
+            <a:pathLst>
+              <a:path w="2879" h="4320">
+                <a:moveTo>
+                  <a:pt x="183" y="0"/>
+                </a:moveTo>
+                <a:lnTo>
+                  <a:pt x="183" y="1197"/>
+                </a:lnTo>
+                <a:lnTo>
+                  <a:pt x="8" y="1372"/>
+                </a:lnTo>
+                <a:lnTo>
+                  <a:pt x="8" y="1372"/>
+                </a:lnTo>
+                <a:lnTo>
+                  <a:pt x="6" y="1376"/>
+                </a:lnTo>
+                <a:lnTo>
+                  <a:pt x="3" y="1382"/>
+                </a:lnTo>
+                <a:lnTo>
+                  <a:pt x="0" y="1387"/>
+                </a:lnTo>
+                <a:lnTo>
+                  <a:pt x="0" y="1393"/>
+                </a:lnTo>
+                <a:lnTo>
+                  <a:pt x="0" y="1399"/>
+                </a:lnTo>
+                <a:lnTo>
+                  <a:pt x="3" y="1404"/>
+                </a:lnTo>
+                <a:lnTo>
+                  <a:pt x="6" y="1410"/>
+                </a:lnTo>
+                <a:lnTo>
+                  <a:pt x="8" y="1414"/>
+                </a:lnTo>
+                <a:lnTo>
+                  <a:pt x="183" y="1589"/>
+                </a:lnTo>
+                <a:lnTo>
+                  <a:pt x="183" y="4320"/>
+                </a:lnTo>
+                <a:lnTo>
+                  <a:pt x="2879" y="4320"/>
+                </a:lnTo>
+                <a:lnTo>
+                  <a:pt x="2879" y="0"/>
+                </a:lnTo>
+                <a:lnTo>
+                  <a:pt x="183" y="0"/>
+                </a:lnTo>
+                <a:close/>
+              </a:path>
+            </a:pathLst>
+          </a:custGeom>
+          <a:ln/>
+          <a:extLst>
+            <a:ext uri="{91240B29-F687-4f45-9708-019B960494DF}">
+              <a14:hiddenLine xmlns:a14="http://schemas.microsoft.com/office/drawing/2010/main" xmlns="" w="9525">
+                <a:solidFill>
+                  <a:srgbClr val="000000"/>
+                </a:solidFill>
+                <a:round/>
+                <a:headEnd/>
+                <a:tailEnd/>
+              </a14:hiddenLine>
+            </a:ext>
+          </a:extLst>
+        </p:spPr>
+        <p:style>
+          <a:lnRef idx="1">
+            <a:schemeClr val="accent1"/>
+          </a:lnRef>
+          <a:fillRef idx="3">
+            <a:schemeClr val="accent1"/>
+          </a:fillRef>
+          <a:effectRef idx="2">
+            <a:schemeClr val="accent1"/>
+          </a:effectRef>
+          <a:fontRef idx="minor">
+            <a:schemeClr val="lt1"/>
+          </a:fontRef>
+        </p:style>
+      </p:sp>
+      <p:sp>
+        <p:nvSpPr>
+          <p:cNvPr id="2" name="Vertical Title 1"/>
           <p:cNvSpPr>
             <a:spLocks noGrp="1"/>
           </p:cNvSpPr>
@@ -620,8 +2124,8 @@
         </p:nvSpPr>
         <p:spPr>
           <a:xfrm>
-            <a:off x="8724900" y="365125"/>
-            <a:ext cx="2628900" cy="5811838"/>
+            <a:off x="8183540" y="586171"/>
+            <a:ext cx="2494791" cy="5134798"/>
           </a:xfrm>
         </p:spPr>
         <p:txBody>
@@ -632,19 +2136,13 @@
               <a:rPr lang="en-US"/>
               <a:t>Click to edit Master title style</a:t>
             </a:r>
-            <a:endParaRPr lang="en-GB"/>
-          </a:p>
-        </p:txBody>
-      </p:sp>
-      <p:sp>
-        <p:nvSpPr>
-          <p:cNvPr id="3" name="Vertical Text Placeholder 2">
-            <a:extLst>
-              <a:ext uri="{FF2B5EF4-FFF2-40B4-BE49-F238E27FC236}">
-                <a16:creationId xmlns:a16="http://schemas.microsoft.com/office/drawing/2014/main" id="{2E2518D6-302D-E2AD-3CB6-60E17E946A39}"/>
-              </a:ext>
-            </a:extLst>
-          </p:cNvPr>
+            <a:endParaRPr lang="en-US" dirty="0"/>
+          </a:p>
+        </p:txBody>
+      </p:sp>
+      <p:sp>
+        <p:nvSpPr>
+          <p:cNvPr id="3" name="Vertical Text Placeholder 2"/>
           <p:cNvSpPr>
             <a:spLocks noGrp="1"/>
           </p:cNvSpPr>
@@ -654,12 +2152,12 @@
         </p:nvSpPr>
         <p:spPr>
           <a:xfrm>
-            <a:off x="838200" y="365125"/>
-            <a:ext cx="7734300" cy="5811838"/>
+            <a:off x="810001" y="446089"/>
+            <a:ext cx="6611540" cy="5414962"/>
           </a:xfrm>
         </p:spPr>
         <p:txBody>
-          <a:bodyPr vert="eaVert"/>
+          <a:bodyPr vert="eaVert" anchor="t"/>
           <a:lstStyle/>
           <a:p>
             <a:pPr lvl="0"/>
@@ -695,19 +2193,13 @@
               <a:rPr lang="en-US"/>
               <a:t>Fifth level</a:t>
             </a:r>
-            <a:endParaRPr lang="en-GB"/>
-          </a:p>
-        </p:txBody>
-      </p:sp>
-      <p:sp>
-        <p:nvSpPr>
-          <p:cNvPr id="4" name="Date Placeholder 3">
-            <a:extLst>
-              <a:ext uri="{FF2B5EF4-FFF2-40B4-BE49-F238E27FC236}">
-                <a16:creationId xmlns:a16="http://schemas.microsoft.com/office/drawing/2014/main" id="{7C4D1755-2A75-C8AF-42E2-608A072A6301}"/>
-              </a:ext>
-            </a:extLst>
-          </p:cNvPr>
+            <a:endParaRPr lang="en-US" dirty="0"/>
+          </a:p>
+        </p:txBody>
+      </p:sp>
+      <p:sp>
+        <p:nvSpPr>
+          <p:cNvPr id="4" name="Date Placeholder 3"/>
           <p:cNvSpPr>
             <a:spLocks noGrp="1"/>
           </p:cNvSpPr>
@@ -730,13 +2222,7 @@
       </p:sp>
       <p:sp>
         <p:nvSpPr>
-          <p:cNvPr id="5" name="Footer Placeholder 4">
-            <a:extLst>
-              <a:ext uri="{FF2B5EF4-FFF2-40B4-BE49-F238E27FC236}">
-                <a16:creationId xmlns:a16="http://schemas.microsoft.com/office/drawing/2014/main" id="{D815F822-D9BD-E087-E9B0-11648CBD07CE}"/>
-              </a:ext>
-            </a:extLst>
-          </p:cNvPr>
+          <p:cNvPr id="5" name="Footer Placeholder 4"/>
           <p:cNvSpPr>
             <a:spLocks noGrp="1"/>
           </p:cNvSpPr>
@@ -755,13 +2241,7 @@
       </p:sp>
       <p:sp>
         <p:nvSpPr>
-          <p:cNvPr id="6" name="Slide Number Placeholder 5">
-            <a:extLst>
-              <a:ext uri="{FF2B5EF4-FFF2-40B4-BE49-F238E27FC236}">
-                <a16:creationId xmlns:a16="http://schemas.microsoft.com/office/drawing/2014/main" id="{879C5C52-8C16-3EAC-A0D9-ADC2B0BD4A1B}"/>
-              </a:ext>
-            </a:extLst>
-          </p:cNvPr>
+          <p:cNvPr id="6" name="Slide Number Placeholder 5"/>
           <p:cNvSpPr>
             <a:spLocks noGrp="1"/>
           </p:cNvSpPr>
@@ -785,7 +2265,7 @@
     </p:spTree>
     <p:extLst>
       <p:ext uri="{BB962C8B-B14F-4D97-AF65-F5344CB8AC3E}">
-        <p14:creationId xmlns:p14="http://schemas.microsoft.com/office/powerpoint/2010/main" val="1875972645"/>
+        <p14:creationId xmlns:p14="http://schemas.microsoft.com/office/powerpoint/2010/main" val="759937802"/>
       </p:ext>
     </p:extLst>
   </p:cSld>
@@ -814,13 +2294,110 @@
       </p:grpSpPr>
       <p:sp>
         <p:nvSpPr>
-          <p:cNvPr id="2" name="Title 1">
-            <a:extLst>
-              <a:ext uri="{FF2B5EF4-FFF2-40B4-BE49-F238E27FC236}">
-                <a16:creationId xmlns:a16="http://schemas.microsoft.com/office/drawing/2014/main" id="{153B023A-D6E8-6410-D66F-60C4C95078F5}"/>
-              </a:ext>
-            </a:extLst>
-          </p:cNvPr>
+          <p:cNvPr id="11" name="Freeform 6"/>
+          <p:cNvSpPr/>
+          <p:nvPr/>
+        </p:nvSpPr>
+        <p:spPr bwMode="auto">
+          <a:xfrm>
+            <a:off x="0" y="0"/>
+            <a:ext cx="12192000" cy="2185988"/>
+          </a:xfrm>
+          <a:custGeom>
+            <a:avLst/>
+            <a:gdLst/>
+            <a:ahLst/>
+            <a:cxnLst/>
+            <a:rect l="0" t="0" r="r" b="b"/>
+            <a:pathLst>
+              <a:path w="5760" h="1377">
+                <a:moveTo>
+                  <a:pt x="5760" y="0"/>
+                </a:moveTo>
+                <a:lnTo>
+                  <a:pt x="0" y="0"/>
+                </a:lnTo>
+                <a:lnTo>
+                  <a:pt x="0" y="1189"/>
+                </a:lnTo>
+                <a:lnTo>
+                  <a:pt x="943" y="1189"/>
+                </a:lnTo>
+                <a:lnTo>
+                  <a:pt x="1123" y="1369"/>
+                </a:lnTo>
+                <a:lnTo>
+                  <a:pt x="1123" y="1369"/>
+                </a:lnTo>
+                <a:lnTo>
+                  <a:pt x="1127" y="1371"/>
+                </a:lnTo>
+                <a:lnTo>
+                  <a:pt x="1133" y="1374"/>
+                </a:lnTo>
+                <a:lnTo>
+                  <a:pt x="1139" y="1377"/>
+                </a:lnTo>
+                <a:lnTo>
+                  <a:pt x="1144" y="1377"/>
+                </a:lnTo>
+                <a:lnTo>
+                  <a:pt x="1150" y="1377"/>
+                </a:lnTo>
+                <a:lnTo>
+                  <a:pt x="1155" y="1374"/>
+                </a:lnTo>
+                <a:lnTo>
+                  <a:pt x="1161" y="1371"/>
+                </a:lnTo>
+                <a:lnTo>
+                  <a:pt x="1165" y="1369"/>
+                </a:lnTo>
+                <a:lnTo>
+                  <a:pt x="1345" y="1189"/>
+                </a:lnTo>
+                <a:lnTo>
+                  <a:pt x="5760" y="1189"/>
+                </a:lnTo>
+                <a:lnTo>
+                  <a:pt x="5760" y="0"/>
+                </a:lnTo>
+                <a:close/>
+              </a:path>
+            </a:pathLst>
+          </a:custGeom>
+          <a:ln/>
+          <a:extLst>
+            <a:ext uri="{91240B29-F687-4f45-9708-019B960494DF}">
+              <a14:hiddenLine xmlns:a14="http://schemas.microsoft.com/office/drawing/2010/main" xmlns="" w="9525">
+                <a:solidFill>
+                  <a:srgbClr val="000000"/>
+                </a:solidFill>
+                <a:round/>
+                <a:headEnd/>
+                <a:tailEnd/>
+              </a14:hiddenLine>
+            </a:ext>
+          </a:extLst>
+        </p:spPr>
+        <p:style>
+          <a:lnRef idx="1">
+            <a:schemeClr val="accent1"/>
+          </a:lnRef>
+          <a:fillRef idx="3">
+            <a:schemeClr val="accent1"/>
+          </a:fillRef>
+          <a:effectRef idx="2">
+            <a:schemeClr val="accent1"/>
+          </a:effectRef>
+          <a:fontRef idx="minor">
+            <a:schemeClr val="lt1"/>
+          </a:fontRef>
+        </p:style>
+      </p:sp>
+      <p:sp>
+        <p:nvSpPr>
+          <p:cNvPr id="2" name="Title 1"/>
           <p:cNvSpPr>
             <a:spLocks noGrp="1"/>
           </p:cNvSpPr>
@@ -828,7 +2405,12 @@
             <p:ph type="title"/>
           </p:nvPr>
         </p:nvSpPr>
-        <p:spPr/>
+        <p:spPr>
+          <a:xfrm>
+            <a:off x="810000" y="447188"/>
+            <a:ext cx="10571998" cy="970450"/>
+          </a:xfrm>
+        </p:spPr>
         <p:txBody>
           <a:bodyPr/>
           <a:lstStyle/>
@@ -837,19 +2419,13 @@
               <a:rPr lang="en-US"/>
               <a:t>Click to edit Master title style</a:t>
             </a:r>
-            <a:endParaRPr lang="en-GB"/>
-          </a:p>
-        </p:txBody>
-      </p:sp>
-      <p:sp>
-        <p:nvSpPr>
-          <p:cNvPr id="3" name="Content Placeholder 2">
-            <a:extLst>
-              <a:ext uri="{FF2B5EF4-FFF2-40B4-BE49-F238E27FC236}">
-                <a16:creationId xmlns:a16="http://schemas.microsoft.com/office/drawing/2014/main" id="{CC4C3361-6E44-1175-59D3-B551A71B5976}"/>
-              </a:ext>
-            </a:extLst>
-          </p:cNvPr>
+            <a:endParaRPr lang="en-US" dirty="0"/>
+          </a:p>
+        </p:txBody>
+      </p:sp>
+      <p:sp>
+        <p:nvSpPr>
+          <p:cNvPr id="3" name="Content Placeholder 2"/>
           <p:cNvSpPr>
             <a:spLocks noGrp="1"/>
           </p:cNvSpPr>
@@ -857,7 +2433,12 @@
             <p:ph idx="1"/>
           </p:nvPr>
         </p:nvSpPr>
-        <p:spPr/>
+        <p:spPr>
+          <a:xfrm>
+            <a:off x="818712" y="2222287"/>
+            <a:ext cx="10554574" cy="3636511"/>
+          </a:xfrm>
+        </p:spPr>
         <p:txBody>
           <a:bodyPr/>
           <a:lstStyle/>
@@ -895,19 +2476,13 @@
               <a:rPr lang="en-US"/>
               <a:t>Fifth level</a:t>
             </a:r>
-            <a:endParaRPr lang="en-GB"/>
-          </a:p>
-        </p:txBody>
-      </p:sp>
-      <p:sp>
-        <p:nvSpPr>
-          <p:cNvPr id="4" name="Date Placeholder 3">
-            <a:extLst>
-              <a:ext uri="{FF2B5EF4-FFF2-40B4-BE49-F238E27FC236}">
-                <a16:creationId xmlns:a16="http://schemas.microsoft.com/office/drawing/2014/main" id="{21B062B8-893F-0AE4-BA6E-B7C68135C556}"/>
-              </a:ext>
-            </a:extLst>
-          </p:cNvPr>
+            <a:endParaRPr lang="en-US" dirty="0"/>
+          </a:p>
+        </p:txBody>
+      </p:sp>
+      <p:sp>
+        <p:nvSpPr>
+          <p:cNvPr id="4" name="Date Placeholder 3"/>
           <p:cNvSpPr>
             <a:spLocks noGrp="1"/>
           </p:cNvSpPr>
@@ -930,13 +2505,7 @@
       </p:sp>
       <p:sp>
         <p:nvSpPr>
-          <p:cNvPr id="5" name="Footer Placeholder 4">
-            <a:extLst>
-              <a:ext uri="{FF2B5EF4-FFF2-40B4-BE49-F238E27FC236}">
-                <a16:creationId xmlns:a16="http://schemas.microsoft.com/office/drawing/2014/main" id="{ED04E53D-230A-B28B-BD5A-37A68BFE232F}"/>
-              </a:ext>
-            </a:extLst>
-          </p:cNvPr>
+          <p:cNvPr id="5" name="Footer Placeholder 4"/>
           <p:cNvSpPr>
             <a:spLocks noGrp="1"/>
           </p:cNvSpPr>
@@ -955,13 +2524,7 @@
       </p:sp>
       <p:sp>
         <p:nvSpPr>
-          <p:cNvPr id="6" name="Slide Number Placeholder 5">
-            <a:extLst>
-              <a:ext uri="{FF2B5EF4-FFF2-40B4-BE49-F238E27FC236}">
-                <a16:creationId xmlns:a16="http://schemas.microsoft.com/office/drawing/2014/main" id="{BB1AF454-0AF0-B67D-55BE-03C86998AE5D}"/>
-              </a:ext>
-            </a:extLst>
-          </p:cNvPr>
+          <p:cNvPr id="6" name="Slide Number Placeholder 5"/>
           <p:cNvSpPr>
             <a:spLocks noGrp="1"/>
           </p:cNvSpPr>
@@ -985,7 +2548,7 @@
     </p:spTree>
     <p:extLst>
       <p:ext uri="{BB962C8B-B14F-4D97-AF65-F5344CB8AC3E}">
-        <p14:creationId xmlns:p14="http://schemas.microsoft.com/office/powerpoint/2010/main" val="1776529110"/>
+        <p14:creationId xmlns:p14="http://schemas.microsoft.com/office/powerpoint/2010/main" val="1712171849"/>
       </p:ext>
     </p:extLst>
   </p:cSld>
@@ -1014,13 +2577,104 @@
       </p:grpSpPr>
       <p:sp>
         <p:nvSpPr>
-          <p:cNvPr id="2" name="Title 1">
-            <a:extLst>
-              <a:ext uri="{FF2B5EF4-FFF2-40B4-BE49-F238E27FC236}">
-                <a16:creationId xmlns:a16="http://schemas.microsoft.com/office/drawing/2014/main" id="{5B4A3F3B-EB21-FE8E-159E-1766077FFAA4}"/>
-              </a:ext>
-            </a:extLst>
-          </p:cNvPr>
+          <p:cNvPr id="10" name="Freeform 7"/>
+          <p:cNvSpPr/>
+          <p:nvPr/>
+        </p:nvSpPr>
+        <p:spPr bwMode="auto">
+          <a:xfrm>
+            <a:off x="0" y="1"/>
+            <a:ext cx="12192000" cy="5203825"/>
+          </a:xfrm>
+          <a:custGeom>
+            <a:avLst/>
+            <a:gdLst/>
+            <a:ahLst/>
+            <a:cxnLst/>
+            <a:rect l="0" t="0" r="r" b="b"/>
+            <a:pathLst>
+              <a:path w="5760" h="3278">
+                <a:moveTo>
+                  <a:pt x="0" y="0"/>
+                </a:moveTo>
+                <a:lnTo>
+                  <a:pt x="5760" y="0"/>
+                </a:lnTo>
+                <a:lnTo>
+                  <a:pt x="5760" y="3090"/>
+                </a:lnTo>
+                <a:lnTo>
+                  <a:pt x="4817" y="3090"/>
+                </a:lnTo>
+                <a:lnTo>
+                  <a:pt x="4637" y="3270"/>
+                </a:lnTo>
+                <a:lnTo>
+                  <a:pt x="4637" y="3270"/>
+                </a:lnTo>
+                <a:lnTo>
+                  <a:pt x="4633" y="3272"/>
+                </a:lnTo>
+                <a:lnTo>
+                  <a:pt x="4627" y="3275"/>
+                </a:lnTo>
+                <a:lnTo>
+                  <a:pt x="4621" y="3278"/>
+                </a:lnTo>
+                <a:lnTo>
+                  <a:pt x="4616" y="3278"/>
+                </a:lnTo>
+                <a:lnTo>
+                  <a:pt x="4610" y="3278"/>
+                </a:lnTo>
+                <a:lnTo>
+                  <a:pt x="4605" y="3275"/>
+                </a:lnTo>
+                <a:lnTo>
+                  <a:pt x="4599" y="3272"/>
+                </a:lnTo>
+                <a:lnTo>
+                  <a:pt x="4595" y="3270"/>
+                </a:lnTo>
+                <a:lnTo>
+                  <a:pt x="4415" y="3090"/>
+                </a:lnTo>
+                <a:lnTo>
+                  <a:pt x="0" y="3090"/>
+                </a:lnTo>
+                <a:lnTo>
+                  <a:pt x="0" y="0"/>
+                </a:lnTo>
+                <a:lnTo>
+                  <a:pt x="0" y="0"/>
+                </a:lnTo>
+                <a:close/>
+              </a:path>
+            </a:pathLst>
+          </a:custGeom>
+          <a:ln>
+            <a:headEnd/>
+            <a:tailEnd/>
+          </a:ln>
+        </p:spPr>
+        <p:style>
+          <a:lnRef idx="1">
+            <a:schemeClr val="accent1"/>
+          </a:lnRef>
+          <a:fillRef idx="3">
+            <a:schemeClr val="accent1"/>
+          </a:fillRef>
+          <a:effectRef idx="2">
+            <a:schemeClr val="accent1"/>
+          </a:effectRef>
+          <a:fontRef idx="minor">
+            <a:schemeClr val="lt1"/>
+          </a:fontRef>
+        </p:style>
+      </p:sp>
+      <p:sp>
+        <p:nvSpPr>
+          <p:cNvPr id="2" name="Title 1"/>
           <p:cNvSpPr>
             <a:spLocks noGrp="1"/>
           </p:cNvSpPr>
@@ -1030,15 +2684,15 @@
         </p:nvSpPr>
         <p:spPr>
           <a:xfrm>
-            <a:off x="831850" y="1709738"/>
-            <a:ext cx="10515600" cy="2852737"/>
+            <a:off x="810000" y="2951396"/>
+            <a:ext cx="10561418" cy="1468800"/>
           </a:xfrm>
         </p:spPr>
         <p:txBody>
           <a:bodyPr anchor="b"/>
           <a:lstStyle>
-            <a:lvl1pPr>
-              <a:defRPr sz="6000"/>
+            <a:lvl1pPr algn="r">
+              <a:defRPr sz="4800" b="1" cap="none"/>
             </a:lvl1pPr>
           </a:lstStyle>
           <a:p>
@@ -1046,19 +2700,13 @@
               <a:rPr lang="en-US"/>
               <a:t>Click to edit Master title style</a:t>
             </a:r>
-            <a:endParaRPr lang="en-GB"/>
-          </a:p>
-        </p:txBody>
-      </p:sp>
-      <p:sp>
-        <p:nvSpPr>
-          <p:cNvPr id="3" name="Text Placeholder 2">
-            <a:extLst>
-              <a:ext uri="{FF2B5EF4-FFF2-40B4-BE49-F238E27FC236}">
-                <a16:creationId xmlns:a16="http://schemas.microsoft.com/office/drawing/2014/main" id="{8F1D61E9-4779-3849-6B76-5CB8AD071AE1}"/>
-              </a:ext>
-            </a:extLst>
-          </p:cNvPr>
+            <a:endParaRPr lang="en-US" dirty="0"/>
+          </a:p>
+        </p:txBody>
+      </p:sp>
+      <p:sp>
+        <p:nvSpPr>
+          <p:cNvPr id="3" name="Text Placeholder 2"/>
           <p:cNvSpPr>
             <a:spLocks noGrp="1"/>
           </p:cNvSpPr>
@@ -1068,26 +2716,26 @@
         </p:nvSpPr>
         <p:spPr>
           <a:xfrm>
-            <a:off x="831850" y="4589463"/>
-            <a:ext cx="10515600" cy="1500187"/>
+            <a:off x="810000" y="5281201"/>
+            <a:ext cx="10561418" cy="433955"/>
           </a:xfrm>
         </p:spPr>
         <p:txBody>
-          <a:bodyPr/>
+          <a:bodyPr anchor="t">
+            <a:noAutofit/>
+          </a:bodyPr>
           <a:lstStyle>
-            <a:lvl1pPr marL="0" indent="0">
-              <a:buNone/>
-              <a:defRPr sz="2400">
+            <a:lvl1pPr marL="0" indent="0" algn="r">
+              <a:buNone/>
+              <a:defRPr sz="1800">
                 <a:solidFill>
-                  <a:schemeClr val="tx1">
-                    <a:tint val="75000"/>
-                  </a:schemeClr>
+                  <a:schemeClr val="tx1"/>
                 </a:solidFill>
               </a:defRPr>
             </a:lvl1pPr>
             <a:lvl2pPr marL="457200" indent="0">
               <a:buNone/>
-              <a:defRPr sz="2000">
+              <a:defRPr sz="1800">
                 <a:solidFill>
                   <a:schemeClr val="tx1">
                     <a:tint val="75000"/>
@@ -1097,7 +2745,7 @@
             </a:lvl2pPr>
             <a:lvl3pPr marL="914400" indent="0">
               <a:buNone/>
-              <a:defRPr sz="1800">
+              <a:defRPr sz="1600">
                 <a:solidFill>
                   <a:schemeClr val="tx1">
                     <a:tint val="75000"/>
@@ -1107,7 +2755,7 @@
             </a:lvl3pPr>
             <a:lvl4pPr marL="1371600" indent="0">
               <a:buNone/>
-              <a:defRPr sz="1600">
+              <a:defRPr sz="1400">
                 <a:solidFill>
                   <a:schemeClr val="tx1">
                     <a:tint val="75000"/>
@@ -1117,7 +2765,7 @@
             </a:lvl4pPr>
             <a:lvl5pPr marL="1828800" indent="0">
               <a:buNone/>
-              <a:defRPr sz="1600">
+              <a:defRPr sz="1400">
                 <a:solidFill>
                   <a:schemeClr val="tx1">
                     <a:tint val="75000"/>
@@ -1127,7 +2775,7 @@
             </a:lvl5pPr>
             <a:lvl6pPr marL="2286000" indent="0">
               <a:buNone/>
-              <a:defRPr sz="1600">
+              <a:defRPr sz="1400">
                 <a:solidFill>
                   <a:schemeClr val="tx1">
                     <a:tint val="75000"/>
@@ -1137,7 +2785,7 @@
             </a:lvl6pPr>
             <a:lvl7pPr marL="2743200" indent="0">
               <a:buNone/>
-              <a:defRPr sz="1600">
+              <a:defRPr sz="1400">
                 <a:solidFill>
                   <a:schemeClr val="tx1">
                     <a:tint val="75000"/>
@@ -1147,7 +2795,7 @@
             </a:lvl7pPr>
             <a:lvl8pPr marL="3200400" indent="0">
               <a:buNone/>
-              <a:defRPr sz="1600">
+              <a:defRPr sz="1400">
                 <a:solidFill>
                   <a:schemeClr val="tx1">
                     <a:tint val="75000"/>
@@ -1157,7 +2805,7 @@
             </a:lvl8pPr>
             <a:lvl9pPr marL="3657600" indent="0">
               <a:buNone/>
-              <a:defRPr sz="1600">
+              <a:defRPr sz="1400">
                 <a:solidFill>
                   <a:schemeClr val="tx1">
                     <a:tint val="75000"/>
@@ -1177,13 +2825,7 @@
       </p:sp>
       <p:sp>
         <p:nvSpPr>
-          <p:cNvPr id="4" name="Date Placeholder 3">
-            <a:extLst>
-              <a:ext uri="{FF2B5EF4-FFF2-40B4-BE49-F238E27FC236}">
-                <a16:creationId xmlns:a16="http://schemas.microsoft.com/office/drawing/2014/main" id="{79679308-1DF9-3BA7-F37A-FB4163037DF9}"/>
-              </a:ext>
-            </a:extLst>
-          </p:cNvPr>
+          <p:cNvPr id="4" name="Date Placeholder 3"/>
           <p:cNvSpPr>
             <a:spLocks noGrp="1"/>
           </p:cNvSpPr>
@@ -1206,13 +2848,7 @@
       </p:sp>
       <p:sp>
         <p:nvSpPr>
-          <p:cNvPr id="5" name="Footer Placeholder 4">
-            <a:extLst>
-              <a:ext uri="{FF2B5EF4-FFF2-40B4-BE49-F238E27FC236}">
-                <a16:creationId xmlns:a16="http://schemas.microsoft.com/office/drawing/2014/main" id="{5570FC69-3684-02F0-9483-BAB66EBD5D2A}"/>
-              </a:ext>
-            </a:extLst>
-          </p:cNvPr>
+          <p:cNvPr id="5" name="Footer Placeholder 4"/>
           <p:cNvSpPr>
             <a:spLocks noGrp="1"/>
           </p:cNvSpPr>
@@ -1231,13 +2867,7 @@
       </p:sp>
       <p:sp>
         <p:nvSpPr>
-          <p:cNvPr id="6" name="Slide Number Placeholder 5">
-            <a:extLst>
-              <a:ext uri="{FF2B5EF4-FFF2-40B4-BE49-F238E27FC236}">
-                <a16:creationId xmlns:a16="http://schemas.microsoft.com/office/drawing/2014/main" id="{C558678C-C0E8-C0ED-C3BD-7AF401BA2ECA}"/>
-              </a:ext>
-            </a:extLst>
-          </p:cNvPr>
+          <p:cNvPr id="6" name="Slide Number Placeholder 5"/>
           <p:cNvSpPr>
             <a:spLocks noGrp="1"/>
           </p:cNvSpPr>
@@ -1261,7 +2891,7 @@
     </p:spTree>
     <p:extLst>
       <p:ext uri="{BB962C8B-B14F-4D97-AF65-F5344CB8AC3E}">
-        <p14:creationId xmlns:p14="http://schemas.microsoft.com/office/powerpoint/2010/main" val="3139996455"/>
+        <p14:creationId xmlns:p14="http://schemas.microsoft.com/office/powerpoint/2010/main" val="2598436071"/>
       </p:ext>
     </p:extLst>
   </p:cSld>
@@ -1290,13 +2920,110 @@
       </p:grpSpPr>
       <p:sp>
         <p:nvSpPr>
-          <p:cNvPr id="2" name="Title 1">
-            <a:extLst>
-              <a:ext uri="{FF2B5EF4-FFF2-40B4-BE49-F238E27FC236}">
-                <a16:creationId xmlns:a16="http://schemas.microsoft.com/office/drawing/2014/main" id="{B35A208C-F243-6E9F-E10F-BA8C329F052B}"/>
-              </a:ext>
-            </a:extLst>
-          </p:cNvPr>
+          <p:cNvPr id="8" name="Freeform 6"/>
+          <p:cNvSpPr/>
+          <p:nvPr/>
+        </p:nvSpPr>
+        <p:spPr bwMode="auto">
+          <a:xfrm>
+            <a:off x="0" y="0"/>
+            <a:ext cx="12192000" cy="2185988"/>
+          </a:xfrm>
+          <a:custGeom>
+            <a:avLst/>
+            <a:gdLst/>
+            <a:ahLst/>
+            <a:cxnLst/>
+            <a:rect l="0" t="0" r="r" b="b"/>
+            <a:pathLst>
+              <a:path w="5760" h="1377">
+                <a:moveTo>
+                  <a:pt x="5760" y="0"/>
+                </a:moveTo>
+                <a:lnTo>
+                  <a:pt x="0" y="0"/>
+                </a:lnTo>
+                <a:lnTo>
+                  <a:pt x="0" y="1189"/>
+                </a:lnTo>
+                <a:lnTo>
+                  <a:pt x="943" y="1189"/>
+                </a:lnTo>
+                <a:lnTo>
+                  <a:pt x="1123" y="1369"/>
+                </a:lnTo>
+                <a:lnTo>
+                  <a:pt x="1123" y="1369"/>
+                </a:lnTo>
+                <a:lnTo>
+                  <a:pt x="1127" y="1371"/>
+                </a:lnTo>
+                <a:lnTo>
+                  <a:pt x="1133" y="1374"/>
+                </a:lnTo>
+                <a:lnTo>
+                  <a:pt x="1139" y="1377"/>
+                </a:lnTo>
+                <a:lnTo>
+                  <a:pt x="1144" y="1377"/>
+                </a:lnTo>
+                <a:lnTo>
+                  <a:pt x="1150" y="1377"/>
+                </a:lnTo>
+                <a:lnTo>
+                  <a:pt x="1155" y="1374"/>
+                </a:lnTo>
+                <a:lnTo>
+                  <a:pt x="1161" y="1371"/>
+                </a:lnTo>
+                <a:lnTo>
+                  <a:pt x="1165" y="1369"/>
+                </a:lnTo>
+                <a:lnTo>
+                  <a:pt x="1345" y="1189"/>
+                </a:lnTo>
+                <a:lnTo>
+                  <a:pt x="5760" y="1189"/>
+                </a:lnTo>
+                <a:lnTo>
+                  <a:pt x="5760" y="0"/>
+                </a:lnTo>
+                <a:close/>
+              </a:path>
+            </a:pathLst>
+          </a:custGeom>
+          <a:ln/>
+          <a:extLst>
+            <a:ext uri="{91240B29-F687-4f45-9708-019B960494DF}">
+              <a14:hiddenLine xmlns:a14="http://schemas.microsoft.com/office/drawing/2010/main" xmlns="" w="9525">
+                <a:solidFill>
+                  <a:srgbClr val="000000"/>
+                </a:solidFill>
+                <a:round/>
+                <a:headEnd/>
+                <a:tailEnd/>
+              </a14:hiddenLine>
+            </a:ext>
+          </a:extLst>
+        </p:spPr>
+        <p:style>
+          <a:lnRef idx="1">
+            <a:schemeClr val="accent1"/>
+          </a:lnRef>
+          <a:fillRef idx="3">
+            <a:schemeClr val="accent1"/>
+          </a:fillRef>
+          <a:effectRef idx="2">
+            <a:schemeClr val="accent1"/>
+          </a:effectRef>
+          <a:fontRef idx="minor">
+            <a:schemeClr val="lt1"/>
+          </a:fontRef>
+        </p:style>
+      </p:sp>
+      <p:sp>
+        <p:nvSpPr>
+          <p:cNvPr id="2" name="Title 1"/>
           <p:cNvSpPr>
             <a:spLocks noGrp="1"/>
           </p:cNvSpPr>
@@ -1313,19 +3040,13 @@
               <a:rPr lang="en-US"/>
               <a:t>Click to edit Master title style</a:t>
             </a:r>
-            <a:endParaRPr lang="en-GB"/>
-          </a:p>
-        </p:txBody>
-      </p:sp>
-      <p:sp>
-        <p:nvSpPr>
-          <p:cNvPr id="3" name="Content Placeholder 2">
-            <a:extLst>
-              <a:ext uri="{FF2B5EF4-FFF2-40B4-BE49-F238E27FC236}">
-                <a16:creationId xmlns:a16="http://schemas.microsoft.com/office/drawing/2014/main" id="{6F3F4BFA-7C51-735A-5369-1D6A1709D821}"/>
-              </a:ext>
-            </a:extLst>
-          </p:cNvPr>
+            <a:endParaRPr lang="en-US" dirty="0"/>
+          </a:p>
+        </p:txBody>
+      </p:sp>
+      <p:sp>
+        <p:nvSpPr>
+          <p:cNvPr id="3" name="Content Placeholder 2"/>
           <p:cNvSpPr>
             <a:spLocks noGrp="1"/>
           </p:cNvSpPr>
@@ -1335,12 +3056,14 @@
         </p:nvSpPr>
         <p:spPr>
           <a:xfrm>
-            <a:off x="838200" y="1825625"/>
-            <a:ext cx="5181600" cy="4351338"/>
+            <a:off x="818712" y="2222287"/>
+            <a:ext cx="5185873" cy="3638763"/>
           </a:xfrm>
         </p:spPr>
         <p:txBody>
-          <a:bodyPr/>
+          <a:bodyPr>
+            <a:normAutofit/>
+          </a:bodyPr>
           <a:lstStyle/>
           <a:p>
             <a:pPr lvl="0"/>
@@ -1376,19 +3099,13 @@
               <a:rPr lang="en-US"/>
               <a:t>Fifth level</a:t>
             </a:r>
-            <a:endParaRPr lang="en-GB"/>
-          </a:p>
-        </p:txBody>
-      </p:sp>
-      <p:sp>
-        <p:nvSpPr>
-          <p:cNvPr id="4" name="Content Placeholder 3">
-            <a:extLst>
-              <a:ext uri="{FF2B5EF4-FFF2-40B4-BE49-F238E27FC236}">
-                <a16:creationId xmlns:a16="http://schemas.microsoft.com/office/drawing/2014/main" id="{21FA83B4-BC00-B2E3-F6D1-5298D683A393}"/>
-              </a:ext>
-            </a:extLst>
-          </p:cNvPr>
+            <a:endParaRPr lang="en-US" dirty="0"/>
+          </a:p>
+        </p:txBody>
+      </p:sp>
+      <p:sp>
+        <p:nvSpPr>
+          <p:cNvPr id="4" name="Content Placeholder 3"/>
           <p:cNvSpPr>
             <a:spLocks noGrp="1"/>
           </p:cNvSpPr>
@@ -1398,12 +3115,14 @@
         </p:nvSpPr>
         <p:spPr>
           <a:xfrm>
-            <a:off x="6172200" y="1825625"/>
-            <a:ext cx="5181600" cy="4351338"/>
+            <a:off x="6187415" y="2222287"/>
+            <a:ext cx="5194583" cy="3638764"/>
           </a:xfrm>
         </p:spPr>
         <p:txBody>
-          <a:bodyPr/>
+          <a:bodyPr>
+            <a:normAutofit/>
+          </a:bodyPr>
           <a:lstStyle/>
           <a:p>
             <a:pPr lvl="0"/>
@@ -1439,19 +3158,13 @@
               <a:rPr lang="en-US"/>
               <a:t>Fifth level</a:t>
             </a:r>
-            <a:endParaRPr lang="en-GB"/>
-          </a:p>
-        </p:txBody>
-      </p:sp>
-      <p:sp>
-        <p:nvSpPr>
-          <p:cNvPr id="5" name="Date Placeholder 4">
-            <a:extLst>
-              <a:ext uri="{FF2B5EF4-FFF2-40B4-BE49-F238E27FC236}">
-                <a16:creationId xmlns:a16="http://schemas.microsoft.com/office/drawing/2014/main" id="{D5ADEC76-C05A-AEE5-18D6-C264A8120FBB}"/>
-              </a:ext>
-            </a:extLst>
-          </p:cNvPr>
+            <a:endParaRPr lang="en-US" dirty="0"/>
+          </a:p>
+        </p:txBody>
+      </p:sp>
+      <p:sp>
+        <p:nvSpPr>
+          <p:cNvPr id="5" name="Date Placeholder 4"/>
           <p:cNvSpPr>
             <a:spLocks noGrp="1"/>
           </p:cNvSpPr>
@@ -1474,13 +3187,7 @@
       </p:sp>
       <p:sp>
         <p:nvSpPr>
-          <p:cNvPr id="6" name="Footer Placeholder 5">
-            <a:extLst>
-              <a:ext uri="{FF2B5EF4-FFF2-40B4-BE49-F238E27FC236}">
-                <a16:creationId xmlns:a16="http://schemas.microsoft.com/office/drawing/2014/main" id="{27D1FADD-D033-240B-FBA9-37DCE083BCE6}"/>
-              </a:ext>
-            </a:extLst>
-          </p:cNvPr>
+          <p:cNvPr id="6" name="Footer Placeholder 5"/>
           <p:cNvSpPr>
             <a:spLocks noGrp="1"/>
           </p:cNvSpPr>
@@ -1499,13 +3206,7 @@
       </p:sp>
       <p:sp>
         <p:nvSpPr>
-          <p:cNvPr id="7" name="Slide Number Placeholder 6">
-            <a:extLst>
-              <a:ext uri="{FF2B5EF4-FFF2-40B4-BE49-F238E27FC236}">
-                <a16:creationId xmlns:a16="http://schemas.microsoft.com/office/drawing/2014/main" id="{FDA8CE7F-60CB-5302-A5BA-3F98D20AB99C}"/>
-              </a:ext>
-            </a:extLst>
-          </p:cNvPr>
+          <p:cNvPr id="7" name="Slide Number Placeholder 6"/>
           <p:cNvSpPr>
             <a:spLocks noGrp="1"/>
           </p:cNvSpPr>
@@ -1529,7 +3230,7 @@
     </p:spTree>
     <p:extLst>
       <p:ext uri="{BB962C8B-B14F-4D97-AF65-F5344CB8AC3E}">
-        <p14:creationId xmlns:p14="http://schemas.microsoft.com/office/powerpoint/2010/main" val="3623472239"/>
+        <p14:creationId xmlns:p14="http://schemas.microsoft.com/office/powerpoint/2010/main" val="195656286"/>
       </p:ext>
     </p:extLst>
   </p:cSld>
@@ -1558,66 +3259,158 @@
       </p:grpSpPr>
       <p:sp>
         <p:nvSpPr>
-          <p:cNvPr id="2" name="Title 1">
-            <a:extLst>
-              <a:ext uri="{FF2B5EF4-FFF2-40B4-BE49-F238E27FC236}">
-                <a16:creationId xmlns:a16="http://schemas.microsoft.com/office/drawing/2014/main" id="{A698AD81-C27F-0D3F-F49D-4450CA7FFD51}"/>
-              </a:ext>
-            </a:extLst>
-          </p:cNvPr>
+          <p:cNvPr id="10" name="Freeform 6"/>
+          <p:cNvSpPr/>
+          <p:nvPr/>
+        </p:nvSpPr>
+        <p:spPr bwMode="auto">
+          <a:xfrm>
+            <a:off x="0" y="0"/>
+            <a:ext cx="12192000" cy="2185988"/>
+          </a:xfrm>
+          <a:custGeom>
+            <a:avLst/>
+            <a:gdLst/>
+            <a:ahLst/>
+            <a:cxnLst/>
+            <a:rect l="0" t="0" r="r" b="b"/>
+            <a:pathLst>
+              <a:path w="5760" h="1377">
+                <a:moveTo>
+                  <a:pt x="5760" y="0"/>
+                </a:moveTo>
+                <a:lnTo>
+                  <a:pt x="0" y="0"/>
+                </a:lnTo>
+                <a:lnTo>
+                  <a:pt x="0" y="1189"/>
+                </a:lnTo>
+                <a:lnTo>
+                  <a:pt x="943" y="1189"/>
+                </a:lnTo>
+                <a:lnTo>
+                  <a:pt x="1123" y="1369"/>
+                </a:lnTo>
+                <a:lnTo>
+                  <a:pt x="1123" y="1369"/>
+                </a:lnTo>
+                <a:lnTo>
+                  <a:pt x="1127" y="1371"/>
+                </a:lnTo>
+                <a:lnTo>
+                  <a:pt x="1133" y="1374"/>
+                </a:lnTo>
+                <a:lnTo>
+                  <a:pt x="1139" y="1377"/>
+                </a:lnTo>
+                <a:lnTo>
+                  <a:pt x="1144" y="1377"/>
+                </a:lnTo>
+                <a:lnTo>
+                  <a:pt x="1150" y="1377"/>
+                </a:lnTo>
+                <a:lnTo>
+                  <a:pt x="1155" y="1374"/>
+                </a:lnTo>
+                <a:lnTo>
+                  <a:pt x="1161" y="1371"/>
+                </a:lnTo>
+                <a:lnTo>
+                  <a:pt x="1165" y="1369"/>
+                </a:lnTo>
+                <a:lnTo>
+                  <a:pt x="1345" y="1189"/>
+                </a:lnTo>
+                <a:lnTo>
+                  <a:pt x="5760" y="1189"/>
+                </a:lnTo>
+                <a:lnTo>
+                  <a:pt x="5760" y="0"/>
+                </a:lnTo>
+                <a:close/>
+              </a:path>
+            </a:pathLst>
+          </a:custGeom>
+          <a:ln/>
+          <a:extLst>
+            <a:ext uri="{91240B29-F687-4f45-9708-019B960494DF}">
+              <a14:hiddenLine xmlns:a14="http://schemas.microsoft.com/office/drawing/2010/main" xmlns="" w="9525">
+                <a:solidFill>
+                  <a:srgbClr val="000000"/>
+                </a:solidFill>
+                <a:round/>
+                <a:headEnd/>
+                <a:tailEnd/>
+              </a14:hiddenLine>
+            </a:ext>
+          </a:extLst>
+        </p:spPr>
+        <p:style>
+          <a:lnRef idx="1">
+            <a:schemeClr val="accent1"/>
+          </a:lnRef>
+          <a:fillRef idx="3">
+            <a:schemeClr val="accent1"/>
+          </a:fillRef>
+          <a:effectRef idx="2">
+            <a:schemeClr val="accent1"/>
+          </a:effectRef>
+          <a:fontRef idx="minor">
+            <a:schemeClr val="lt1"/>
+          </a:fontRef>
+        </p:style>
+      </p:sp>
+      <p:sp>
+        <p:nvSpPr>
+          <p:cNvPr id="2" name="Title 1"/>
           <p:cNvSpPr>
             <a:spLocks noGrp="1"/>
           </p:cNvSpPr>
           <p:nvPr>
             <p:ph type="title"/>
+          </p:nvPr>
+        </p:nvSpPr>
+        <p:spPr/>
+        <p:txBody>
+          <a:bodyPr/>
+          <a:lstStyle>
+            <a:lvl1pPr>
+              <a:defRPr/>
+            </a:lvl1pPr>
+          </a:lstStyle>
+          <a:p>
+            <a:r>
+              <a:rPr lang="en-US"/>
+              <a:t>Click to edit Master title style</a:t>
+            </a:r>
+            <a:endParaRPr lang="en-US" dirty="0"/>
+          </a:p>
+        </p:txBody>
+      </p:sp>
+      <p:sp>
+        <p:nvSpPr>
+          <p:cNvPr id="3" name="Text Placeholder 2"/>
+          <p:cNvSpPr>
+            <a:spLocks noGrp="1"/>
+          </p:cNvSpPr>
+          <p:nvPr>
+            <p:ph type="body" idx="1"/>
           </p:nvPr>
         </p:nvSpPr>
         <p:spPr>
           <a:xfrm>
-            <a:off x="839788" y="365125"/>
-            <a:ext cx="10515600" cy="1325563"/>
+            <a:off x="814728" y="2174875"/>
+            <a:ext cx="5189857" cy="576262"/>
           </a:xfrm>
         </p:spPr>
         <p:txBody>
-          <a:bodyPr/>
-          <a:lstStyle/>
-          <a:p>
-            <a:r>
-              <a:rPr lang="en-US"/>
-              <a:t>Click to edit Master title style</a:t>
-            </a:r>
-            <a:endParaRPr lang="en-GB"/>
-          </a:p>
-        </p:txBody>
-      </p:sp>
-      <p:sp>
-        <p:nvSpPr>
-          <p:cNvPr id="3" name="Text Placeholder 2">
-            <a:extLst>
-              <a:ext uri="{FF2B5EF4-FFF2-40B4-BE49-F238E27FC236}">
-                <a16:creationId xmlns:a16="http://schemas.microsoft.com/office/drawing/2014/main" id="{92CF9FDB-7827-97B6-C741-8710CFEFBE53}"/>
-              </a:ext>
-            </a:extLst>
-          </p:cNvPr>
-          <p:cNvSpPr>
-            <a:spLocks noGrp="1"/>
-          </p:cNvSpPr>
-          <p:nvPr>
-            <p:ph type="body" idx="1"/>
-          </p:nvPr>
-        </p:nvSpPr>
-        <p:spPr>
-          <a:xfrm>
-            <a:off x="839788" y="1681163"/>
-            <a:ext cx="5157787" cy="823912"/>
-          </a:xfrm>
-        </p:spPr>
-        <p:txBody>
-          <a:bodyPr anchor="b"/>
+          <a:bodyPr anchor="b">
+            <a:noAutofit/>
+          </a:bodyPr>
           <a:lstStyle>
-            <a:lvl1pPr marL="0" indent="0">
-              <a:buNone/>
-              <a:defRPr sz="2400" b="1"/>
+            <a:lvl1pPr marL="0" indent="0" algn="ctr">
+              <a:buNone/>
+              <a:defRPr sz="2000" b="0"/>
             </a:lvl1pPr>
             <a:lvl2pPr marL="457200" indent="0">
               <a:buNone/>
@@ -1663,13 +3456,7 @@
       </p:sp>
       <p:sp>
         <p:nvSpPr>
-          <p:cNvPr id="4" name="Content Placeholder 3">
-            <a:extLst>
-              <a:ext uri="{FF2B5EF4-FFF2-40B4-BE49-F238E27FC236}">
-                <a16:creationId xmlns:a16="http://schemas.microsoft.com/office/drawing/2014/main" id="{37D74030-0BE9-846B-185A-48825FCD4BF6}"/>
-              </a:ext>
-            </a:extLst>
-          </p:cNvPr>
+          <p:cNvPr id="4" name="Content Placeholder 3"/>
           <p:cNvSpPr>
             <a:spLocks noGrp="1"/>
           </p:cNvSpPr>
@@ -1679,12 +3466,14 @@
         </p:nvSpPr>
         <p:spPr>
           <a:xfrm>
-            <a:off x="839788" y="2505075"/>
-            <a:ext cx="5157787" cy="3684588"/>
+            <a:off x="814729" y="2751138"/>
+            <a:ext cx="5189856" cy="3109913"/>
           </a:xfrm>
         </p:spPr>
         <p:txBody>
-          <a:bodyPr/>
+          <a:bodyPr anchor="t">
+            <a:normAutofit/>
+          </a:bodyPr>
           <a:lstStyle/>
           <a:p>
             <a:pPr lvl="0"/>
@@ -1720,19 +3509,13 @@
               <a:rPr lang="en-US"/>
               <a:t>Fifth level</a:t>
             </a:r>
-            <a:endParaRPr lang="en-GB"/>
-          </a:p>
-        </p:txBody>
-      </p:sp>
-      <p:sp>
-        <p:nvSpPr>
-          <p:cNvPr id="5" name="Text Placeholder 4">
-            <a:extLst>
-              <a:ext uri="{FF2B5EF4-FFF2-40B4-BE49-F238E27FC236}">
-                <a16:creationId xmlns:a16="http://schemas.microsoft.com/office/drawing/2014/main" id="{9E19BF05-EA19-42FF-B53D-C29C7E592295}"/>
-              </a:ext>
-            </a:extLst>
-          </p:cNvPr>
+            <a:endParaRPr lang="en-US" dirty="0"/>
+          </a:p>
+        </p:txBody>
+      </p:sp>
+      <p:sp>
+        <p:nvSpPr>
+          <p:cNvPr id="5" name="Text Placeholder 4"/>
           <p:cNvSpPr>
             <a:spLocks noGrp="1"/>
           </p:cNvSpPr>
@@ -1742,16 +3525,18 @@
         </p:nvSpPr>
         <p:spPr>
           <a:xfrm>
-            <a:off x="6172200" y="1681163"/>
-            <a:ext cx="5183188" cy="823912"/>
+            <a:off x="6187415" y="2174875"/>
+            <a:ext cx="5194583" cy="576262"/>
           </a:xfrm>
         </p:spPr>
         <p:txBody>
-          <a:bodyPr anchor="b"/>
+          <a:bodyPr anchor="b">
+            <a:noAutofit/>
+          </a:bodyPr>
           <a:lstStyle>
-            <a:lvl1pPr marL="0" indent="0">
-              <a:buNone/>
-              <a:defRPr sz="2400" b="1"/>
+            <a:lvl1pPr marL="0" indent="0" algn="ctr">
+              <a:buNone/>
+              <a:defRPr sz="2000" b="0"/>
             </a:lvl1pPr>
             <a:lvl2pPr marL="457200" indent="0">
               <a:buNone/>
@@ -1797,13 +3582,7 @@
       </p:sp>
       <p:sp>
         <p:nvSpPr>
-          <p:cNvPr id="6" name="Content Placeholder 5">
-            <a:extLst>
-              <a:ext uri="{FF2B5EF4-FFF2-40B4-BE49-F238E27FC236}">
-                <a16:creationId xmlns:a16="http://schemas.microsoft.com/office/drawing/2014/main" id="{8E8D4FA5-96C4-666C-9CC2-D3F2F64FF006}"/>
-              </a:ext>
-            </a:extLst>
-          </p:cNvPr>
+          <p:cNvPr id="6" name="Content Placeholder 5"/>
           <p:cNvSpPr>
             <a:spLocks noGrp="1"/>
           </p:cNvSpPr>
@@ -1813,12 +3592,14 @@
         </p:nvSpPr>
         <p:spPr>
           <a:xfrm>
-            <a:off x="6172200" y="2505075"/>
-            <a:ext cx="5183188" cy="3684588"/>
+            <a:off x="6187415" y="2751138"/>
+            <a:ext cx="5194583" cy="3109913"/>
           </a:xfrm>
         </p:spPr>
         <p:txBody>
-          <a:bodyPr/>
+          <a:bodyPr anchor="t">
+            <a:normAutofit/>
+          </a:bodyPr>
           <a:lstStyle/>
           <a:p>
             <a:pPr lvl="0"/>
@@ -1854,19 +3635,13 @@
               <a:rPr lang="en-US"/>
               <a:t>Fifth level</a:t>
             </a:r>
-            <a:endParaRPr lang="en-GB"/>
-          </a:p>
-        </p:txBody>
-      </p:sp>
-      <p:sp>
-        <p:nvSpPr>
-          <p:cNvPr id="7" name="Date Placeholder 6">
-            <a:extLst>
-              <a:ext uri="{FF2B5EF4-FFF2-40B4-BE49-F238E27FC236}">
-                <a16:creationId xmlns:a16="http://schemas.microsoft.com/office/drawing/2014/main" id="{A30868DD-AB55-031D-14D0-D3C275DD3700}"/>
-              </a:ext>
-            </a:extLst>
-          </p:cNvPr>
+            <a:endParaRPr lang="en-US" dirty="0"/>
+          </a:p>
+        </p:txBody>
+      </p:sp>
+      <p:sp>
+        <p:nvSpPr>
+          <p:cNvPr id="7" name="Date Placeholder 6"/>
           <p:cNvSpPr>
             <a:spLocks noGrp="1"/>
           </p:cNvSpPr>
@@ -1889,13 +3664,7 @@
       </p:sp>
       <p:sp>
         <p:nvSpPr>
-          <p:cNvPr id="8" name="Footer Placeholder 7">
-            <a:extLst>
-              <a:ext uri="{FF2B5EF4-FFF2-40B4-BE49-F238E27FC236}">
-                <a16:creationId xmlns:a16="http://schemas.microsoft.com/office/drawing/2014/main" id="{FDC22127-7125-210F-E897-7F833392BB01}"/>
-              </a:ext>
-            </a:extLst>
-          </p:cNvPr>
+          <p:cNvPr id="8" name="Footer Placeholder 7"/>
           <p:cNvSpPr>
             <a:spLocks noGrp="1"/>
           </p:cNvSpPr>
@@ -1914,13 +3683,7 @@
       </p:sp>
       <p:sp>
         <p:nvSpPr>
-          <p:cNvPr id="9" name="Slide Number Placeholder 8">
-            <a:extLst>
-              <a:ext uri="{FF2B5EF4-FFF2-40B4-BE49-F238E27FC236}">
-                <a16:creationId xmlns:a16="http://schemas.microsoft.com/office/drawing/2014/main" id="{32CDD34A-CEF8-6C15-C78E-01EFF281A0F6}"/>
-              </a:ext>
-            </a:extLst>
-          </p:cNvPr>
+          <p:cNvPr id="9" name="Slide Number Placeholder 8"/>
           <p:cNvSpPr>
             <a:spLocks noGrp="1"/>
           </p:cNvSpPr>
@@ -1944,7 +3707,7 @@
     </p:spTree>
     <p:extLst>
       <p:ext uri="{BB962C8B-B14F-4D97-AF65-F5344CB8AC3E}">
-        <p14:creationId xmlns:p14="http://schemas.microsoft.com/office/powerpoint/2010/main" val="3758422655"/>
+        <p14:creationId xmlns:p14="http://schemas.microsoft.com/office/powerpoint/2010/main" val="1714044349"/>
       </p:ext>
     </p:extLst>
   </p:cSld>
@@ -1973,13 +3736,110 @@
       </p:grpSpPr>
       <p:sp>
         <p:nvSpPr>
-          <p:cNvPr id="2" name="Title 1">
-            <a:extLst>
-              <a:ext uri="{FF2B5EF4-FFF2-40B4-BE49-F238E27FC236}">
-                <a16:creationId xmlns:a16="http://schemas.microsoft.com/office/drawing/2014/main" id="{E388BC10-36D6-44DF-5A65-146BBFF018B6}"/>
-              </a:ext>
-            </a:extLst>
-          </p:cNvPr>
+          <p:cNvPr id="6" name="Freeform 6"/>
+          <p:cNvSpPr/>
+          <p:nvPr/>
+        </p:nvSpPr>
+        <p:spPr bwMode="auto">
+          <a:xfrm>
+            <a:off x="0" y="0"/>
+            <a:ext cx="12192000" cy="2185988"/>
+          </a:xfrm>
+          <a:custGeom>
+            <a:avLst/>
+            <a:gdLst/>
+            <a:ahLst/>
+            <a:cxnLst/>
+            <a:rect l="0" t="0" r="r" b="b"/>
+            <a:pathLst>
+              <a:path w="5760" h="1377">
+                <a:moveTo>
+                  <a:pt x="5760" y="0"/>
+                </a:moveTo>
+                <a:lnTo>
+                  <a:pt x="0" y="0"/>
+                </a:lnTo>
+                <a:lnTo>
+                  <a:pt x="0" y="1189"/>
+                </a:lnTo>
+                <a:lnTo>
+                  <a:pt x="943" y="1189"/>
+                </a:lnTo>
+                <a:lnTo>
+                  <a:pt x="1123" y="1369"/>
+                </a:lnTo>
+                <a:lnTo>
+                  <a:pt x="1123" y="1369"/>
+                </a:lnTo>
+                <a:lnTo>
+                  <a:pt x="1127" y="1371"/>
+                </a:lnTo>
+                <a:lnTo>
+                  <a:pt x="1133" y="1374"/>
+                </a:lnTo>
+                <a:lnTo>
+                  <a:pt x="1139" y="1377"/>
+                </a:lnTo>
+                <a:lnTo>
+                  <a:pt x="1144" y="1377"/>
+                </a:lnTo>
+                <a:lnTo>
+                  <a:pt x="1150" y="1377"/>
+                </a:lnTo>
+                <a:lnTo>
+                  <a:pt x="1155" y="1374"/>
+                </a:lnTo>
+                <a:lnTo>
+                  <a:pt x="1161" y="1371"/>
+                </a:lnTo>
+                <a:lnTo>
+                  <a:pt x="1165" y="1369"/>
+                </a:lnTo>
+                <a:lnTo>
+                  <a:pt x="1345" y="1189"/>
+                </a:lnTo>
+                <a:lnTo>
+                  <a:pt x="5760" y="1189"/>
+                </a:lnTo>
+                <a:lnTo>
+                  <a:pt x="5760" y="0"/>
+                </a:lnTo>
+                <a:close/>
+              </a:path>
+            </a:pathLst>
+          </a:custGeom>
+          <a:ln/>
+          <a:extLst>
+            <a:ext uri="{91240B29-F687-4f45-9708-019B960494DF}">
+              <a14:hiddenLine xmlns:a14="http://schemas.microsoft.com/office/drawing/2010/main" xmlns="" w="9525">
+                <a:solidFill>
+                  <a:srgbClr val="000000"/>
+                </a:solidFill>
+                <a:round/>
+                <a:headEnd/>
+                <a:tailEnd/>
+              </a14:hiddenLine>
+            </a:ext>
+          </a:extLst>
+        </p:spPr>
+        <p:style>
+          <a:lnRef idx="1">
+            <a:schemeClr val="accent1"/>
+          </a:lnRef>
+          <a:fillRef idx="3">
+            <a:schemeClr val="accent1"/>
+          </a:fillRef>
+          <a:effectRef idx="2">
+            <a:schemeClr val="accent1"/>
+          </a:effectRef>
+          <a:fontRef idx="minor">
+            <a:schemeClr val="lt1"/>
+          </a:fontRef>
+        </p:style>
+      </p:sp>
+      <p:sp>
+        <p:nvSpPr>
+          <p:cNvPr id="2" name="Title 1"/>
           <p:cNvSpPr>
             <a:spLocks noGrp="1"/>
           </p:cNvSpPr>
@@ -1996,19 +3856,13 @@
               <a:rPr lang="en-US"/>
               <a:t>Click to edit Master title style</a:t>
             </a:r>
-            <a:endParaRPr lang="en-GB"/>
-          </a:p>
-        </p:txBody>
-      </p:sp>
-      <p:sp>
-        <p:nvSpPr>
-          <p:cNvPr id="3" name="Date Placeholder 2">
-            <a:extLst>
-              <a:ext uri="{FF2B5EF4-FFF2-40B4-BE49-F238E27FC236}">
-                <a16:creationId xmlns:a16="http://schemas.microsoft.com/office/drawing/2014/main" id="{617C3874-6E81-6A4E-ABA2-8DAF155D3709}"/>
-              </a:ext>
-            </a:extLst>
-          </p:cNvPr>
+            <a:endParaRPr lang="en-US" dirty="0"/>
+          </a:p>
+        </p:txBody>
+      </p:sp>
+      <p:sp>
+        <p:nvSpPr>
+          <p:cNvPr id="3" name="Date Placeholder 2"/>
           <p:cNvSpPr>
             <a:spLocks noGrp="1"/>
           </p:cNvSpPr>
@@ -2031,13 +3885,7 @@
       </p:sp>
       <p:sp>
         <p:nvSpPr>
-          <p:cNvPr id="4" name="Footer Placeholder 3">
-            <a:extLst>
-              <a:ext uri="{FF2B5EF4-FFF2-40B4-BE49-F238E27FC236}">
-                <a16:creationId xmlns:a16="http://schemas.microsoft.com/office/drawing/2014/main" id="{39D975B2-69F8-CE34-8260-BFBDA35FB492}"/>
-              </a:ext>
-            </a:extLst>
-          </p:cNvPr>
+          <p:cNvPr id="4" name="Footer Placeholder 3"/>
           <p:cNvSpPr>
             <a:spLocks noGrp="1"/>
           </p:cNvSpPr>
@@ -2056,13 +3904,7 @@
       </p:sp>
       <p:sp>
         <p:nvSpPr>
-          <p:cNvPr id="5" name="Slide Number Placeholder 4">
-            <a:extLst>
-              <a:ext uri="{FF2B5EF4-FFF2-40B4-BE49-F238E27FC236}">
-                <a16:creationId xmlns:a16="http://schemas.microsoft.com/office/drawing/2014/main" id="{482A26A1-6084-6EAE-BD0F-2DF39BF1D76F}"/>
-              </a:ext>
-            </a:extLst>
-          </p:cNvPr>
+          <p:cNvPr id="5" name="Slide Number Placeholder 4"/>
           <p:cNvSpPr>
             <a:spLocks noGrp="1"/>
           </p:cNvSpPr>
@@ -2086,7 +3928,7 @@
     </p:spTree>
     <p:extLst>
       <p:ext uri="{BB962C8B-B14F-4D97-AF65-F5344CB8AC3E}">
-        <p14:creationId xmlns:p14="http://schemas.microsoft.com/office/powerpoint/2010/main" val="1481480435"/>
+        <p14:creationId xmlns:p14="http://schemas.microsoft.com/office/powerpoint/2010/main" val="1507423652"/>
       </p:ext>
     </p:extLst>
   </p:cSld>
@@ -2115,13 +3957,7 @@
       </p:grpSpPr>
       <p:sp>
         <p:nvSpPr>
-          <p:cNvPr id="2" name="Date Placeholder 1">
-            <a:extLst>
-              <a:ext uri="{FF2B5EF4-FFF2-40B4-BE49-F238E27FC236}">
-                <a16:creationId xmlns:a16="http://schemas.microsoft.com/office/drawing/2014/main" id="{F8C9FC10-52E1-F61E-3150-B12ECD76E0AA}"/>
-              </a:ext>
-            </a:extLst>
-          </p:cNvPr>
+          <p:cNvPr id="2" name="Date Placeholder 1"/>
           <p:cNvSpPr>
             <a:spLocks noGrp="1"/>
           </p:cNvSpPr>
@@ -2144,13 +3980,7 @@
       </p:sp>
       <p:sp>
         <p:nvSpPr>
-          <p:cNvPr id="3" name="Footer Placeholder 2">
-            <a:extLst>
-              <a:ext uri="{FF2B5EF4-FFF2-40B4-BE49-F238E27FC236}">
-                <a16:creationId xmlns:a16="http://schemas.microsoft.com/office/drawing/2014/main" id="{DDD1B855-88EE-1D19-6093-62237A3D6623}"/>
-              </a:ext>
-            </a:extLst>
-          </p:cNvPr>
+          <p:cNvPr id="3" name="Footer Placeholder 2"/>
           <p:cNvSpPr>
             <a:spLocks noGrp="1"/>
           </p:cNvSpPr>
@@ -2169,13 +3999,7 @@
       </p:sp>
       <p:sp>
         <p:nvSpPr>
-          <p:cNvPr id="4" name="Slide Number Placeholder 3">
-            <a:extLst>
-              <a:ext uri="{FF2B5EF4-FFF2-40B4-BE49-F238E27FC236}">
-                <a16:creationId xmlns:a16="http://schemas.microsoft.com/office/drawing/2014/main" id="{65E93BDA-9FF3-C773-B9C9-BB652D3BF4E3}"/>
-              </a:ext>
-            </a:extLst>
-          </p:cNvPr>
+          <p:cNvPr id="4" name="Slide Number Placeholder 3"/>
           <p:cNvSpPr>
             <a:spLocks noGrp="1"/>
           </p:cNvSpPr>
@@ -2199,7 +4023,7 @@
     </p:spTree>
     <p:extLst>
       <p:ext uri="{BB962C8B-B14F-4D97-AF65-F5344CB8AC3E}">
-        <p14:creationId xmlns:p14="http://schemas.microsoft.com/office/powerpoint/2010/main" val="1567398224"/>
+        <p14:creationId xmlns:p14="http://schemas.microsoft.com/office/powerpoint/2010/main" val="1834330886"/>
       </p:ext>
     </p:extLst>
   </p:cSld>
@@ -2228,13 +4052,223 @@
       </p:grpSpPr>
       <p:sp>
         <p:nvSpPr>
-          <p:cNvPr id="2" name="Title 1">
-            <a:extLst>
-              <a:ext uri="{FF2B5EF4-FFF2-40B4-BE49-F238E27FC236}">
-                <a16:creationId xmlns:a16="http://schemas.microsoft.com/office/drawing/2014/main" id="{CB6E13FB-5F1B-A869-36C7-B1BC849CAD98}"/>
-              </a:ext>
-            </a:extLst>
-          </p:cNvPr>
+          <p:cNvPr id="12" name="Freeform 6"/>
+          <p:cNvSpPr>
+            <a:spLocks noChangeAspect="1"/>
+          </p:cNvSpPr>
+          <p:nvPr/>
+        </p:nvSpPr>
+        <p:spPr bwMode="auto">
+          <a:xfrm>
+            <a:off x="1073151" y="446087"/>
+            <a:ext cx="3547533" cy="1814651"/>
+          </a:xfrm>
+          <a:custGeom>
+            <a:avLst/>
+            <a:gdLst/>
+            <a:ahLst/>
+            <a:cxnLst/>
+            <a:rect l="0" t="0" r="r" b="b"/>
+            <a:pathLst>
+              <a:path w="3384" h="2308">
+                <a:moveTo>
+                  <a:pt x="3340" y="0"/>
+                </a:moveTo>
+                <a:lnTo>
+                  <a:pt x="44" y="0"/>
+                </a:lnTo>
+                <a:lnTo>
+                  <a:pt x="44" y="0"/>
+                </a:lnTo>
+                <a:lnTo>
+                  <a:pt x="34" y="0"/>
+                </a:lnTo>
+                <a:lnTo>
+                  <a:pt x="26" y="4"/>
+                </a:lnTo>
+                <a:lnTo>
+                  <a:pt x="20" y="8"/>
+                </a:lnTo>
+                <a:lnTo>
+                  <a:pt x="12" y="12"/>
+                </a:lnTo>
+                <a:lnTo>
+                  <a:pt x="8" y="20"/>
+                </a:lnTo>
+                <a:lnTo>
+                  <a:pt x="4" y="26"/>
+                </a:lnTo>
+                <a:lnTo>
+                  <a:pt x="0" y="34"/>
+                </a:lnTo>
+                <a:lnTo>
+                  <a:pt x="0" y="44"/>
+                </a:lnTo>
+                <a:lnTo>
+                  <a:pt x="0" y="2076"/>
+                </a:lnTo>
+                <a:lnTo>
+                  <a:pt x="0" y="2076"/>
+                </a:lnTo>
+                <a:lnTo>
+                  <a:pt x="0" y="2086"/>
+                </a:lnTo>
+                <a:lnTo>
+                  <a:pt x="4" y="2094"/>
+                </a:lnTo>
+                <a:lnTo>
+                  <a:pt x="8" y="2100"/>
+                </a:lnTo>
+                <a:lnTo>
+                  <a:pt x="12" y="2108"/>
+                </a:lnTo>
+                <a:lnTo>
+                  <a:pt x="20" y="2112"/>
+                </a:lnTo>
+                <a:lnTo>
+                  <a:pt x="26" y="2116"/>
+                </a:lnTo>
+                <a:lnTo>
+                  <a:pt x="34" y="2120"/>
+                </a:lnTo>
+                <a:lnTo>
+                  <a:pt x="44" y="2120"/>
+                </a:lnTo>
+                <a:lnTo>
+                  <a:pt x="474" y="2120"/>
+                </a:lnTo>
+                <a:lnTo>
+                  <a:pt x="650" y="2296"/>
+                </a:lnTo>
+                <a:lnTo>
+                  <a:pt x="650" y="2296"/>
+                </a:lnTo>
+                <a:lnTo>
+                  <a:pt x="656" y="2300"/>
+                </a:lnTo>
+                <a:lnTo>
+                  <a:pt x="664" y="2304"/>
+                </a:lnTo>
+                <a:lnTo>
+                  <a:pt x="672" y="2308"/>
+                </a:lnTo>
+                <a:lnTo>
+                  <a:pt x="680" y="2308"/>
+                </a:lnTo>
+                <a:lnTo>
+                  <a:pt x="688" y="2308"/>
+                </a:lnTo>
+                <a:lnTo>
+                  <a:pt x="696" y="2304"/>
+                </a:lnTo>
+                <a:lnTo>
+                  <a:pt x="704" y="2300"/>
+                </a:lnTo>
+                <a:lnTo>
+                  <a:pt x="710" y="2296"/>
+                </a:lnTo>
+                <a:lnTo>
+                  <a:pt x="886" y="2120"/>
+                </a:lnTo>
+                <a:lnTo>
+                  <a:pt x="3340" y="2120"/>
+                </a:lnTo>
+                <a:lnTo>
+                  <a:pt x="3340" y="2120"/>
+                </a:lnTo>
+                <a:lnTo>
+                  <a:pt x="3350" y="2120"/>
+                </a:lnTo>
+                <a:lnTo>
+                  <a:pt x="3358" y="2116"/>
+                </a:lnTo>
+                <a:lnTo>
+                  <a:pt x="3364" y="2112"/>
+                </a:lnTo>
+                <a:lnTo>
+                  <a:pt x="3372" y="2108"/>
+                </a:lnTo>
+                <a:lnTo>
+                  <a:pt x="3376" y="2100"/>
+                </a:lnTo>
+                <a:lnTo>
+                  <a:pt x="3380" y="2094"/>
+                </a:lnTo>
+                <a:lnTo>
+                  <a:pt x="3384" y="2086"/>
+                </a:lnTo>
+                <a:lnTo>
+                  <a:pt x="3384" y="2076"/>
+                </a:lnTo>
+                <a:lnTo>
+                  <a:pt x="3384" y="44"/>
+                </a:lnTo>
+                <a:lnTo>
+                  <a:pt x="3384" y="44"/>
+                </a:lnTo>
+                <a:lnTo>
+                  <a:pt x="3384" y="34"/>
+                </a:lnTo>
+                <a:lnTo>
+                  <a:pt x="3380" y="26"/>
+                </a:lnTo>
+                <a:lnTo>
+                  <a:pt x="3376" y="20"/>
+                </a:lnTo>
+                <a:lnTo>
+                  <a:pt x="3372" y="12"/>
+                </a:lnTo>
+                <a:lnTo>
+                  <a:pt x="3364" y="8"/>
+                </a:lnTo>
+                <a:lnTo>
+                  <a:pt x="3358" y="4"/>
+                </a:lnTo>
+                <a:lnTo>
+                  <a:pt x="3350" y="0"/>
+                </a:lnTo>
+                <a:lnTo>
+                  <a:pt x="3340" y="0"/>
+                </a:lnTo>
+                <a:lnTo>
+                  <a:pt x="3340" y="0"/>
+                </a:lnTo>
+                <a:close/>
+              </a:path>
+            </a:pathLst>
+          </a:custGeom>
+          <a:ln/>
+          <a:extLst>
+            <a:ext uri="{91240B29-F687-4f45-9708-019B960494DF}">
+              <a14:hiddenLine xmlns:a14="http://schemas.microsoft.com/office/drawing/2010/main" xmlns="" w="9525">
+                <a:solidFill>
+                  <a:srgbClr val="000000"/>
+                </a:solidFill>
+                <a:round/>
+                <a:headEnd/>
+                <a:tailEnd/>
+              </a14:hiddenLine>
+            </a:ext>
+          </a:extLst>
+        </p:spPr>
+        <p:style>
+          <a:lnRef idx="1">
+            <a:schemeClr val="accent1"/>
+          </a:lnRef>
+          <a:fillRef idx="3">
+            <a:schemeClr val="accent1"/>
+          </a:fillRef>
+          <a:effectRef idx="2">
+            <a:schemeClr val="accent1"/>
+          </a:effectRef>
+          <a:fontRef idx="minor">
+            <a:schemeClr val="lt1"/>
+          </a:fontRef>
+        </p:style>
+      </p:sp>
+      <p:sp>
+        <p:nvSpPr>
+          <p:cNvPr id="2" name="Title 1"/>
           <p:cNvSpPr>
             <a:spLocks noGrp="1"/>
           </p:cNvSpPr>
@@ -2244,15 +4278,15 @@
         </p:nvSpPr>
         <p:spPr>
           <a:xfrm>
-            <a:off x="839788" y="457200"/>
-            <a:ext cx="3932237" cy="1600200"/>
+            <a:off x="1073151" y="446088"/>
+            <a:ext cx="3547533" cy="1618396"/>
           </a:xfrm>
         </p:spPr>
         <p:txBody>
           <a:bodyPr anchor="b"/>
           <a:lstStyle>
-            <a:lvl1pPr>
-              <a:defRPr sz="3200"/>
+            <a:lvl1pPr algn="l">
+              <a:defRPr sz="2000" b="1"/>
             </a:lvl1pPr>
           </a:lstStyle>
           <a:p>
@@ -2260,19 +4294,13 @@
               <a:rPr lang="en-US"/>
               <a:t>Click to edit Master title style</a:t>
             </a:r>
-            <a:endParaRPr lang="en-GB"/>
-          </a:p>
-        </p:txBody>
-      </p:sp>
-      <p:sp>
-        <p:nvSpPr>
-          <p:cNvPr id="3" name="Content Placeholder 2">
-            <a:extLst>
-              <a:ext uri="{FF2B5EF4-FFF2-40B4-BE49-F238E27FC236}">
-                <a16:creationId xmlns:a16="http://schemas.microsoft.com/office/drawing/2014/main" id="{4013CCD1-FDCB-72A6-3490-C7BC98E43722}"/>
-              </a:ext>
-            </a:extLst>
-          </p:cNvPr>
+            <a:endParaRPr lang="en-US" dirty="0"/>
+          </a:p>
+        </p:txBody>
+      </p:sp>
+      <p:sp>
+        <p:nvSpPr>
+          <p:cNvPr id="3" name="Content Placeholder 2"/>
           <p:cNvSpPr>
             <a:spLocks noGrp="1"/>
           </p:cNvSpPr>
@@ -2282,41 +4310,15 @@
         </p:nvSpPr>
         <p:spPr>
           <a:xfrm>
-            <a:off x="5183188" y="987425"/>
-            <a:ext cx="6172200" cy="4873625"/>
+            <a:off x="4855633" y="446088"/>
+            <a:ext cx="6252633" cy="5414963"/>
           </a:xfrm>
         </p:spPr>
         <p:txBody>
-          <a:bodyPr/>
-          <a:lstStyle>
-            <a:lvl1pPr>
-              <a:defRPr sz="3200"/>
-            </a:lvl1pPr>
-            <a:lvl2pPr>
-              <a:defRPr sz="2800"/>
-            </a:lvl2pPr>
-            <a:lvl3pPr>
-              <a:defRPr sz="2400"/>
-            </a:lvl3pPr>
-            <a:lvl4pPr>
-              <a:defRPr sz="2000"/>
-            </a:lvl4pPr>
-            <a:lvl5pPr>
-              <a:defRPr sz="2000"/>
-            </a:lvl5pPr>
-            <a:lvl6pPr>
-              <a:defRPr sz="2000"/>
-            </a:lvl6pPr>
-            <a:lvl7pPr>
-              <a:defRPr sz="2000"/>
-            </a:lvl7pPr>
-            <a:lvl8pPr>
-              <a:defRPr sz="2000"/>
-            </a:lvl8pPr>
-            <a:lvl9pPr>
-              <a:defRPr sz="2000"/>
-            </a:lvl9pPr>
-          </a:lstStyle>
+          <a:bodyPr>
+            <a:normAutofit/>
+          </a:bodyPr>
+          <a:lstStyle/>
           <a:p>
             <a:pPr lvl="0"/>
             <a:r>
@@ -2351,19 +4353,13 @@
               <a:rPr lang="en-US"/>
               <a:t>Fifth level</a:t>
             </a:r>
-            <a:endParaRPr lang="en-GB"/>
-          </a:p>
-        </p:txBody>
-      </p:sp>
-      <p:sp>
-        <p:nvSpPr>
-          <p:cNvPr id="4" name="Text Placeholder 3">
-            <a:extLst>
-              <a:ext uri="{FF2B5EF4-FFF2-40B4-BE49-F238E27FC236}">
-                <a16:creationId xmlns:a16="http://schemas.microsoft.com/office/drawing/2014/main" id="{B5D22BFD-30C5-C528-9DF1-6B5F6D8DE6EF}"/>
-              </a:ext>
-            </a:extLst>
-          </p:cNvPr>
+            <a:endParaRPr lang="en-US" dirty="0"/>
+          </a:p>
+        </p:txBody>
+      </p:sp>
+      <p:sp>
+        <p:nvSpPr>
+          <p:cNvPr id="4" name="Text Placeholder 3"/>
           <p:cNvSpPr>
             <a:spLocks noGrp="1"/>
           </p:cNvSpPr>
@@ -2373,8 +4369,8 @@
         </p:nvSpPr>
         <p:spPr>
           <a:xfrm>
-            <a:off x="839788" y="2057400"/>
-            <a:ext cx="3932237" cy="3811588"/>
+            <a:off x="1073151" y="2260738"/>
+            <a:ext cx="3547533" cy="3600311"/>
           </a:xfrm>
         </p:spPr>
         <p:txBody>
@@ -2382,39 +4378,39 @@
           <a:lstStyle>
             <a:lvl1pPr marL="0" indent="0">
               <a:buNone/>
-              <a:defRPr sz="1600"/>
+              <a:defRPr sz="1400"/>
             </a:lvl1pPr>
             <a:lvl2pPr marL="457200" indent="0">
               <a:buNone/>
-              <a:defRPr sz="1400"/>
+              <a:defRPr sz="1200"/>
             </a:lvl2pPr>
             <a:lvl3pPr marL="914400" indent="0">
               <a:buNone/>
-              <a:defRPr sz="1200"/>
+              <a:defRPr sz="1000"/>
             </a:lvl3pPr>
             <a:lvl4pPr marL="1371600" indent="0">
               <a:buNone/>
-              <a:defRPr sz="1000"/>
+              <a:defRPr sz="900"/>
             </a:lvl4pPr>
             <a:lvl5pPr marL="1828800" indent="0">
               <a:buNone/>
-              <a:defRPr sz="1000"/>
+              <a:defRPr sz="900"/>
             </a:lvl5pPr>
             <a:lvl6pPr marL="2286000" indent="0">
               <a:buNone/>
-              <a:defRPr sz="1000"/>
+              <a:defRPr sz="900"/>
             </a:lvl6pPr>
             <a:lvl7pPr marL="2743200" indent="0">
               <a:buNone/>
-              <a:defRPr sz="1000"/>
+              <a:defRPr sz="900"/>
             </a:lvl7pPr>
             <a:lvl8pPr marL="3200400" indent="0">
               <a:buNone/>
-              <a:defRPr sz="1000"/>
+              <a:defRPr sz="900"/>
             </a:lvl8pPr>
             <a:lvl9pPr marL="3657600" indent="0">
               <a:buNone/>
-              <a:defRPr sz="1000"/>
+              <a:defRPr sz="900"/>
             </a:lvl9pPr>
           </a:lstStyle>
           <a:p>
@@ -2428,13 +4424,7 @@
       </p:sp>
       <p:sp>
         <p:nvSpPr>
-          <p:cNvPr id="5" name="Date Placeholder 4">
-            <a:extLst>
-              <a:ext uri="{FF2B5EF4-FFF2-40B4-BE49-F238E27FC236}">
-                <a16:creationId xmlns:a16="http://schemas.microsoft.com/office/drawing/2014/main" id="{6CF7F4D5-9B17-8862-B5A8-7647D7012EBB}"/>
-              </a:ext>
-            </a:extLst>
-          </p:cNvPr>
+          <p:cNvPr id="5" name="Date Placeholder 4"/>
           <p:cNvSpPr>
             <a:spLocks noGrp="1"/>
           </p:cNvSpPr>
@@ -2457,13 +4447,7 @@
       </p:sp>
       <p:sp>
         <p:nvSpPr>
-          <p:cNvPr id="6" name="Footer Placeholder 5">
-            <a:extLst>
-              <a:ext uri="{FF2B5EF4-FFF2-40B4-BE49-F238E27FC236}">
-                <a16:creationId xmlns:a16="http://schemas.microsoft.com/office/drawing/2014/main" id="{55FDBEDF-E8F1-A295-3EEA-5125B732A36C}"/>
-              </a:ext>
-            </a:extLst>
-          </p:cNvPr>
+          <p:cNvPr id="6" name="Footer Placeholder 5"/>
           <p:cNvSpPr>
             <a:spLocks noGrp="1"/>
           </p:cNvSpPr>
@@ -2482,13 +4466,7 @@
       </p:sp>
       <p:sp>
         <p:nvSpPr>
-          <p:cNvPr id="7" name="Slide Number Placeholder 6">
-            <a:extLst>
-              <a:ext uri="{FF2B5EF4-FFF2-40B4-BE49-F238E27FC236}">
-                <a16:creationId xmlns:a16="http://schemas.microsoft.com/office/drawing/2014/main" id="{42B62ACF-B114-2ADE-F852-E13776040ECE}"/>
-              </a:ext>
-            </a:extLst>
-          </p:cNvPr>
+          <p:cNvPr id="7" name="Slide Number Placeholder 6"/>
           <p:cNvSpPr>
             <a:spLocks noGrp="1"/>
           </p:cNvSpPr>
@@ -2512,7 +4490,7 @@
     </p:spTree>
     <p:extLst>
       <p:ext uri="{BB962C8B-B14F-4D97-AF65-F5344CB8AC3E}">
-        <p14:creationId xmlns:p14="http://schemas.microsoft.com/office/powerpoint/2010/main" val="1506748938"/>
+        <p14:creationId xmlns:p14="http://schemas.microsoft.com/office/powerpoint/2010/main" val="1346536906"/>
       </p:ext>
     </p:extLst>
   </p:cSld>
@@ -2541,13 +4519,7 @@
       </p:grpSpPr>
       <p:sp>
         <p:nvSpPr>
-          <p:cNvPr id="2" name="Title 1">
-            <a:extLst>
-              <a:ext uri="{FF2B5EF4-FFF2-40B4-BE49-F238E27FC236}">
-                <a16:creationId xmlns:a16="http://schemas.microsoft.com/office/drawing/2014/main" id="{65D883C7-0AE2-E5AE-8B0D-4D6C2622687C}"/>
-              </a:ext>
-            </a:extLst>
-          </p:cNvPr>
+          <p:cNvPr id="2" name="Title 1"/>
           <p:cNvSpPr>
             <a:spLocks noGrp="1"/>
           </p:cNvSpPr>
@@ -2557,15 +4529,17 @@
         </p:nvSpPr>
         <p:spPr>
           <a:xfrm>
-            <a:off x="839788" y="457200"/>
-            <a:ext cx="3932237" cy="1600200"/>
+            <a:off x="814728" y="727522"/>
+            <a:ext cx="4852988" cy="1617163"/>
           </a:xfrm>
         </p:spPr>
         <p:txBody>
-          <a:bodyPr anchor="b"/>
+          <a:bodyPr anchor="b">
+            <a:normAutofit/>
+          </a:bodyPr>
           <a:lstStyle>
-            <a:lvl1pPr>
-              <a:defRPr sz="3200"/>
+            <a:lvl1pPr algn="l">
+              <a:defRPr sz="2400" b="0"/>
             </a:lvl1pPr>
           </a:lstStyle>
           <a:p>
@@ -2573,165 +4547,205 @@
               <a:rPr lang="en-US"/>
               <a:t>Click to edit Master title style</a:t>
             </a:r>
-            <a:endParaRPr lang="en-GB"/>
-          </a:p>
-        </p:txBody>
-      </p:sp>
-      <p:sp>
-        <p:nvSpPr>
-          <p:cNvPr id="3" name="Picture Placeholder 2">
-            <a:extLst>
-              <a:ext uri="{FF2B5EF4-FFF2-40B4-BE49-F238E27FC236}">
-                <a16:creationId xmlns:a16="http://schemas.microsoft.com/office/drawing/2014/main" id="{196A484E-077C-E0EB-51E9-6BCF7D5077E5}"/>
-              </a:ext>
-            </a:extLst>
-          </p:cNvPr>
-          <p:cNvSpPr>
-            <a:spLocks noGrp="1"/>
-          </p:cNvSpPr>
-          <p:nvPr>
-            <p:ph type="pic" idx="1"/>
+            <a:endParaRPr lang="en-US" dirty="0"/>
+          </a:p>
+        </p:txBody>
+      </p:sp>
+      <p:sp>
+        <p:nvSpPr>
+          <p:cNvPr id="9" name="Picture Placeholder 11"/>
+          <p:cNvSpPr>
+            <a:spLocks noGrp="1" noChangeAspect="1"/>
+          </p:cNvSpPr>
+          <p:nvPr>
+            <p:ph type="pic" sz="quarter" idx="13"/>
+          </p:nvPr>
+        </p:nvSpPr>
+        <p:spPr bwMode="auto">
+          <a:xfrm>
+            <a:off x="6098117" y="0"/>
+            <a:ext cx="6093883" cy="6858000"/>
+          </a:xfrm>
+          <a:custGeom>
+            <a:avLst/>
+            <a:gdLst/>
+            <a:ahLst/>
+            <a:cxnLst/>
+            <a:rect l="0" t="0" r="r" b="b"/>
+            <a:pathLst>
+              <a:path w="2879" h="4320">
+                <a:moveTo>
+                  <a:pt x="183" y="0"/>
+                </a:moveTo>
+                <a:lnTo>
+                  <a:pt x="183" y="1197"/>
+                </a:lnTo>
+                <a:lnTo>
+                  <a:pt x="8" y="1372"/>
+                </a:lnTo>
+                <a:lnTo>
+                  <a:pt x="8" y="1372"/>
+                </a:lnTo>
+                <a:lnTo>
+                  <a:pt x="6" y="1376"/>
+                </a:lnTo>
+                <a:lnTo>
+                  <a:pt x="3" y="1382"/>
+                </a:lnTo>
+                <a:lnTo>
+                  <a:pt x="0" y="1387"/>
+                </a:lnTo>
+                <a:lnTo>
+                  <a:pt x="0" y="1393"/>
+                </a:lnTo>
+                <a:lnTo>
+                  <a:pt x="0" y="1399"/>
+                </a:lnTo>
+                <a:lnTo>
+                  <a:pt x="3" y="1404"/>
+                </a:lnTo>
+                <a:lnTo>
+                  <a:pt x="6" y="1410"/>
+                </a:lnTo>
+                <a:lnTo>
+                  <a:pt x="8" y="1414"/>
+                </a:lnTo>
+                <a:lnTo>
+                  <a:pt x="183" y="1589"/>
+                </a:lnTo>
+                <a:lnTo>
+                  <a:pt x="183" y="4320"/>
+                </a:lnTo>
+                <a:lnTo>
+                  <a:pt x="2879" y="4320"/>
+                </a:lnTo>
+                <a:lnTo>
+                  <a:pt x="2879" y="0"/>
+                </a:lnTo>
+                <a:lnTo>
+                  <a:pt x="183" y="0"/>
+                </a:lnTo>
+                <a:close/>
+              </a:path>
+            </a:pathLst>
+          </a:custGeom>
+          <a:noFill/>
+          <a:ln w="9525">
+            <a:solidFill>
+              <a:schemeClr val="tx2"/>
+            </a:solidFill>
+            <a:round/>
+            <a:headEnd/>
+            <a:tailEnd/>
+          </a:ln>
+          <a:effectLst/>
+        </p:spPr>
+        <p:txBody>
+          <a:bodyPr wrap="square" numCol="1" anchor="t" anchorCtr="0" compatLnSpc="1">
+            <a:prstTxWarp prst="textNoShape">
+              <a:avLst/>
+            </a:prstTxWarp>
+            <a:normAutofit/>
+          </a:bodyPr>
+          <a:lstStyle>
+            <a:lvl1pPr algn="ctr">
+              <a:buFontTx/>
+              <a:buNone/>
+              <a:defRPr sz="1400"/>
+            </a:lvl1pPr>
+          </a:lstStyle>
+          <a:p>
+            <a:r>
+              <a:rPr lang="en-US"/>
+              <a:t>Click icon to add picture</a:t>
+            </a:r>
+            <a:endParaRPr lang="en-US" dirty="0"/>
+          </a:p>
+        </p:txBody>
+      </p:sp>
+      <p:sp>
+        <p:nvSpPr>
+          <p:cNvPr id="4" name="Text Placeholder 3"/>
+          <p:cNvSpPr>
+            <a:spLocks noGrp="1"/>
+          </p:cNvSpPr>
+          <p:nvPr>
+            <p:ph type="body" sz="half" idx="2"/>
           </p:nvPr>
         </p:nvSpPr>
         <p:spPr>
           <a:xfrm>
-            <a:off x="5183188" y="987425"/>
-            <a:ext cx="6172200" cy="4873625"/>
+            <a:off x="814728" y="2344684"/>
+            <a:ext cx="4852988" cy="3516365"/>
           </a:xfrm>
         </p:spPr>
         <p:txBody>
-          <a:bodyPr/>
+          <a:bodyPr anchor="t">
+            <a:normAutofit/>
+          </a:bodyPr>
           <a:lstStyle>
             <a:lvl1pPr marL="0" indent="0">
               <a:buNone/>
-              <a:defRPr sz="3200"/>
+              <a:defRPr sz="1200"/>
             </a:lvl1pPr>
             <a:lvl2pPr marL="457200" indent="0">
               <a:buNone/>
-              <a:defRPr sz="2800"/>
+              <a:defRPr sz="1200"/>
             </a:lvl2pPr>
             <a:lvl3pPr marL="914400" indent="0">
               <a:buNone/>
-              <a:defRPr sz="2400"/>
+              <a:defRPr sz="1000"/>
             </a:lvl3pPr>
             <a:lvl4pPr marL="1371600" indent="0">
               <a:buNone/>
-              <a:defRPr sz="2000"/>
+              <a:defRPr sz="900"/>
             </a:lvl4pPr>
             <a:lvl5pPr marL="1828800" indent="0">
               <a:buNone/>
-              <a:defRPr sz="2000"/>
+              <a:defRPr sz="900"/>
             </a:lvl5pPr>
             <a:lvl6pPr marL="2286000" indent="0">
               <a:buNone/>
-              <a:defRPr sz="2000"/>
+              <a:defRPr sz="900"/>
             </a:lvl6pPr>
             <a:lvl7pPr marL="2743200" indent="0">
               <a:buNone/>
-              <a:defRPr sz="2000"/>
+              <a:defRPr sz="900"/>
             </a:lvl7pPr>
             <a:lvl8pPr marL="3200400" indent="0">
               <a:buNone/>
-              <a:defRPr sz="2000"/>
+              <a:defRPr sz="900"/>
             </a:lvl8pPr>
             <a:lvl9pPr marL="3657600" indent="0">
               <a:buNone/>
-              <a:defRPr sz="2000"/>
+              <a:defRPr sz="900"/>
             </a:lvl9pPr>
           </a:lstStyle>
           <a:p>
-            <a:endParaRPr lang="en-GB"/>
-          </a:p>
-        </p:txBody>
-      </p:sp>
-      <p:sp>
-        <p:nvSpPr>
-          <p:cNvPr id="4" name="Text Placeholder 3">
-            <a:extLst>
-              <a:ext uri="{FF2B5EF4-FFF2-40B4-BE49-F238E27FC236}">
-                <a16:creationId xmlns:a16="http://schemas.microsoft.com/office/drawing/2014/main" id="{891B368F-876E-1CDB-350B-FAF5821438BE}"/>
-              </a:ext>
-            </a:extLst>
-          </p:cNvPr>
-          <p:cNvSpPr>
-            <a:spLocks noGrp="1"/>
-          </p:cNvSpPr>
-          <p:nvPr>
-            <p:ph type="body" sz="half" idx="2"/>
+            <a:pPr lvl="0"/>
+            <a:r>
+              <a:rPr lang="en-US"/>
+              <a:t>Click to edit Master text styles</a:t>
+            </a:r>
+          </a:p>
+        </p:txBody>
+      </p:sp>
+      <p:sp>
+        <p:nvSpPr>
+          <p:cNvPr id="5" name="Date Placeholder 4"/>
+          <p:cNvSpPr>
+            <a:spLocks noGrp="1"/>
+          </p:cNvSpPr>
+          <p:nvPr>
+            <p:ph type="dt" sz="half" idx="10"/>
           </p:nvPr>
         </p:nvSpPr>
         <p:spPr>
           <a:xfrm>
-            <a:off x="839788" y="2057400"/>
-            <a:ext cx="3932237" cy="3811588"/>
+            <a:off x="3885810" y="6041362"/>
+            <a:ext cx="976879" cy="365125"/>
           </a:xfrm>
         </p:spPr>
-        <p:txBody>
-          <a:bodyPr/>
-          <a:lstStyle>
-            <a:lvl1pPr marL="0" indent="0">
-              <a:buNone/>
-              <a:defRPr sz="1600"/>
-            </a:lvl1pPr>
-            <a:lvl2pPr marL="457200" indent="0">
-              <a:buNone/>
-              <a:defRPr sz="1400"/>
-            </a:lvl2pPr>
-            <a:lvl3pPr marL="914400" indent="0">
-              <a:buNone/>
-              <a:defRPr sz="1200"/>
-            </a:lvl3pPr>
-            <a:lvl4pPr marL="1371600" indent="0">
-              <a:buNone/>
-              <a:defRPr sz="1000"/>
-            </a:lvl4pPr>
-            <a:lvl5pPr marL="1828800" indent="0">
-              <a:buNone/>
-              <a:defRPr sz="1000"/>
-            </a:lvl5pPr>
-            <a:lvl6pPr marL="2286000" indent="0">
-              <a:buNone/>
-              <a:defRPr sz="1000"/>
-            </a:lvl6pPr>
-            <a:lvl7pPr marL="2743200" indent="0">
-              <a:buNone/>
-              <a:defRPr sz="1000"/>
-            </a:lvl7pPr>
-            <a:lvl8pPr marL="3200400" indent="0">
-              <a:buNone/>
-              <a:defRPr sz="1000"/>
-            </a:lvl8pPr>
-            <a:lvl9pPr marL="3657600" indent="0">
-              <a:buNone/>
-              <a:defRPr sz="1000"/>
-            </a:lvl9pPr>
-          </a:lstStyle>
-          <a:p>
-            <a:pPr lvl="0"/>
-            <a:r>
-              <a:rPr lang="en-US"/>
-              <a:t>Click to edit Master text styles</a:t>
-            </a:r>
-          </a:p>
-        </p:txBody>
-      </p:sp>
-      <p:sp>
-        <p:nvSpPr>
-          <p:cNvPr id="5" name="Date Placeholder 4">
-            <a:extLst>
-              <a:ext uri="{FF2B5EF4-FFF2-40B4-BE49-F238E27FC236}">
-                <a16:creationId xmlns:a16="http://schemas.microsoft.com/office/drawing/2014/main" id="{F7EA34C7-19A7-90D8-9918-94D679383139}"/>
-              </a:ext>
-            </a:extLst>
-          </p:cNvPr>
-          <p:cNvSpPr>
-            <a:spLocks noGrp="1"/>
-          </p:cNvSpPr>
-          <p:nvPr>
-            <p:ph type="dt" sz="half" idx="10"/>
-          </p:nvPr>
-        </p:nvSpPr>
-        <p:spPr/>
         <p:txBody>
           <a:bodyPr/>
           <a:lstStyle/>
@@ -2746,13 +4760,7 @@
       </p:sp>
       <p:sp>
         <p:nvSpPr>
-          <p:cNvPr id="6" name="Footer Placeholder 5">
-            <a:extLst>
-              <a:ext uri="{FF2B5EF4-FFF2-40B4-BE49-F238E27FC236}">
-                <a16:creationId xmlns:a16="http://schemas.microsoft.com/office/drawing/2014/main" id="{BABFAF37-4852-258F-59C8-EABAEC91BA72}"/>
-              </a:ext>
-            </a:extLst>
-          </p:cNvPr>
+          <p:cNvPr id="6" name="Footer Placeholder 5"/>
           <p:cNvSpPr>
             <a:spLocks noGrp="1"/>
           </p:cNvSpPr>
@@ -2760,7 +4768,12 @@
             <p:ph type="ftr" sz="quarter" idx="11"/>
           </p:nvPr>
         </p:nvSpPr>
-        <p:spPr/>
+        <p:spPr>
+          <a:xfrm>
+            <a:off x="590396" y="6041362"/>
+            <a:ext cx="3295413" cy="365125"/>
+          </a:xfrm>
+        </p:spPr>
         <p:txBody>
           <a:bodyPr/>
           <a:lstStyle/>
@@ -2771,13 +4784,7 @@
       </p:sp>
       <p:sp>
         <p:nvSpPr>
-          <p:cNvPr id="7" name="Slide Number Placeholder 6">
-            <a:extLst>
-              <a:ext uri="{FF2B5EF4-FFF2-40B4-BE49-F238E27FC236}">
-                <a16:creationId xmlns:a16="http://schemas.microsoft.com/office/drawing/2014/main" id="{62C9CD2C-AC89-1C64-6CA7-1260C62831DC}"/>
-              </a:ext>
-            </a:extLst>
-          </p:cNvPr>
+          <p:cNvPr id="7" name="Slide Number Placeholder 6"/>
           <p:cNvSpPr>
             <a:spLocks noGrp="1"/>
           </p:cNvSpPr>
@@ -2785,7 +4792,12 @@
             <p:ph type="sldNum" sz="quarter" idx="12"/>
           </p:nvPr>
         </p:nvSpPr>
-        <p:spPr/>
+        <p:spPr>
+          <a:xfrm>
+            <a:off x="4862689" y="5915888"/>
+            <a:ext cx="1062155" cy="490599"/>
+          </a:xfrm>
+        </p:spPr>
         <p:txBody>
           <a:bodyPr/>
           <a:lstStyle/>
@@ -2801,7 +4813,7 @@
     </p:spTree>
     <p:extLst>
       <p:ext uri="{BB962C8B-B14F-4D97-AF65-F5344CB8AC3E}">
-        <p14:creationId xmlns:p14="http://schemas.microsoft.com/office/powerpoint/2010/main" val="793117454"/>
+        <p14:creationId xmlns:p14="http://schemas.microsoft.com/office/powerpoint/2010/main" val="254181204"/>
       </p:ext>
     </p:extLst>
   </p:cSld>
@@ -2816,7 +4828,7 @@
   <p:cSld>
     <p:bg>
       <p:bgRef idx="1001">
-        <a:schemeClr val="bg1"/>
+        <a:schemeClr val="bg2"/>
       </p:bgRef>
     </p:bg>
     <p:spTree>
@@ -2835,13 +4847,7 @@
       </p:grpSpPr>
       <p:sp>
         <p:nvSpPr>
-          <p:cNvPr id="2" name="Title Placeholder 1">
-            <a:extLst>
-              <a:ext uri="{FF2B5EF4-FFF2-40B4-BE49-F238E27FC236}">
-                <a16:creationId xmlns:a16="http://schemas.microsoft.com/office/drawing/2014/main" id="{512159C1-D497-800D-7FDC-7663BE61F2E0}"/>
-              </a:ext>
-            </a:extLst>
-          </p:cNvPr>
+          <p:cNvPr id="2" name="Title Placeholder 1"/>
           <p:cNvSpPr>
             <a:spLocks noGrp="1"/>
           </p:cNvSpPr>
@@ -2851,219 +4857,203 @@
         </p:nvSpPr>
         <p:spPr>
           <a:xfrm>
-            <a:off x="838200" y="365125"/>
-            <a:ext cx="10515600" cy="1325563"/>
+            <a:off x="810000" y="447188"/>
+            <a:ext cx="10571998" cy="970450"/>
+          </a:xfrm>
+          <a:prstGeom prst="rect">
+            <a:avLst/>
+          </a:prstGeom>
+          <a:effectLst>
+            <a:outerShdw blurRad="50800" dir="14400000">
+              <a:srgbClr val="000000">
+                <a:alpha val="60000"/>
+              </a:srgbClr>
+            </a:outerShdw>
+          </a:effectLst>
+        </p:spPr>
+        <p:txBody>
+          <a:bodyPr vert="horz" lIns="91440" tIns="45720" rIns="91440" bIns="45720" rtlCol="0" anchor="b">
+            <a:noAutofit/>
+          </a:bodyPr>
+          <a:lstStyle/>
+          <a:p>
+            <a:r>
+              <a:rPr lang="en-US"/>
+              <a:t>Click to edit Master title style</a:t>
+            </a:r>
+            <a:endParaRPr lang="en-US" dirty="0"/>
+          </a:p>
+        </p:txBody>
+      </p:sp>
+      <p:sp>
+        <p:nvSpPr>
+          <p:cNvPr id="3" name="Text Placeholder 2"/>
+          <p:cNvSpPr>
+            <a:spLocks noGrp="1"/>
+          </p:cNvSpPr>
+          <p:nvPr>
+            <p:ph type="body" idx="1"/>
+          </p:nvPr>
+        </p:nvSpPr>
+        <p:spPr>
+          <a:xfrm>
+            <a:off x="810000" y="2184401"/>
+            <a:ext cx="10563285" cy="3674397"/>
+          </a:xfrm>
+          <a:prstGeom prst="rect">
+            <a:avLst/>
+          </a:prstGeom>
+          <a:effectLst>
+            <a:outerShdw blurRad="50800" dir="14400000">
+              <a:srgbClr val="000000">
+                <a:alpha val="40000"/>
+              </a:srgbClr>
+            </a:outerShdw>
+          </a:effectLst>
+        </p:spPr>
+        <p:txBody>
+          <a:bodyPr vert="horz" lIns="91440" tIns="45720" rIns="91440" bIns="45720" rtlCol="0" anchor="ctr">
+            <a:normAutofit/>
+          </a:bodyPr>
+          <a:lstStyle/>
+          <a:p>
+            <a:pPr lvl="0"/>
+            <a:r>
+              <a:rPr lang="en-US"/>
+              <a:t>Click to edit Master text styles</a:t>
+            </a:r>
+          </a:p>
+          <a:p>
+            <a:pPr lvl="1"/>
+            <a:r>
+              <a:rPr lang="en-US"/>
+              <a:t>Second level</a:t>
+            </a:r>
+          </a:p>
+          <a:p>
+            <a:pPr lvl="2"/>
+            <a:r>
+              <a:rPr lang="en-US"/>
+              <a:t>Third level</a:t>
+            </a:r>
+          </a:p>
+          <a:p>
+            <a:pPr lvl="3"/>
+            <a:r>
+              <a:rPr lang="en-US"/>
+              <a:t>Fourth level</a:t>
+            </a:r>
+          </a:p>
+          <a:p>
+            <a:pPr lvl="4"/>
+            <a:r>
+              <a:rPr lang="en-US"/>
+              <a:t>Fifth level</a:t>
+            </a:r>
+            <a:endParaRPr lang="en-US" dirty="0"/>
+          </a:p>
+        </p:txBody>
+      </p:sp>
+      <p:sp>
+        <p:nvSpPr>
+          <p:cNvPr id="5" name="Footer Placeholder 4"/>
+          <p:cNvSpPr>
+            <a:spLocks noGrp="1"/>
+          </p:cNvSpPr>
+          <p:nvPr>
+            <p:ph type="ftr" sz="quarter" idx="3"/>
+          </p:nvPr>
+        </p:nvSpPr>
+        <p:spPr>
+          <a:xfrm>
+            <a:off x="451514" y="6041362"/>
+            <a:ext cx="8644320" cy="365125"/>
           </a:xfrm>
           <a:prstGeom prst="rect">
             <a:avLst/>
           </a:prstGeom>
         </p:spPr>
         <p:txBody>
-          <a:bodyPr vert="horz" lIns="91440" tIns="45720" rIns="91440" bIns="45720" rtlCol="0" anchor="ctr">
-            <a:normAutofit/>
-          </a:bodyPr>
-          <a:lstStyle/>
-          <a:p>
-            <a:r>
-              <a:rPr lang="en-US"/>
-              <a:t>Click to edit Master title style</a:t>
-            </a:r>
+          <a:bodyPr vert="horz" lIns="91440" tIns="45720" rIns="91440" bIns="45720" rtlCol="0" anchor="b"/>
+          <a:lstStyle>
+            <a:lvl1pPr algn="l">
+              <a:defRPr sz="900">
+                <a:solidFill>
+                  <a:schemeClr val="tx1"/>
+                </a:solidFill>
+              </a:defRPr>
+            </a:lvl1pPr>
+          </a:lstStyle>
+          <a:p>
             <a:endParaRPr lang="en-GB"/>
           </a:p>
         </p:txBody>
       </p:sp>
       <p:sp>
         <p:nvSpPr>
-          <p:cNvPr id="3" name="Text Placeholder 2">
-            <a:extLst>
-              <a:ext uri="{FF2B5EF4-FFF2-40B4-BE49-F238E27FC236}">
-                <a16:creationId xmlns:a16="http://schemas.microsoft.com/office/drawing/2014/main" id="{FD5B1619-C352-D6E2-FAAC-1093703F563B}"/>
-              </a:ext>
-            </a:extLst>
-          </p:cNvPr>
-          <p:cNvSpPr>
-            <a:spLocks noGrp="1"/>
-          </p:cNvSpPr>
-          <p:nvPr>
-            <p:ph type="body" idx="1"/>
+          <p:cNvPr id="4" name="Date Placeholder 3"/>
+          <p:cNvSpPr>
+            <a:spLocks noGrp="1"/>
+          </p:cNvSpPr>
+          <p:nvPr>
+            <p:ph type="dt" sz="half" idx="2"/>
           </p:nvPr>
         </p:nvSpPr>
         <p:spPr>
           <a:xfrm>
-            <a:off x="838200" y="1825625"/>
-            <a:ext cx="10515600" cy="4351338"/>
+            <a:off x="9334626" y="6041362"/>
+            <a:ext cx="1343706" cy="365125"/>
           </a:xfrm>
           <a:prstGeom prst="rect">
             <a:avLst/>
           </a:prstGeom>
         </p:spPr>
         <p:txBody>
-          <a:bodyPr vert="horz" lIns="91440" tIns="45720" rIns="91440" bIns="45720" rtlCol="0">
-            <a:normAutofit/>
-          </a:bodyPr>
-          <a:lstStyle/>
-          <a:p>
-            <a:pPr lvl="0"/>
-            <a:r>
-              <a:rPr lang="en-US"/>
-              <a:t>Click to edit Master text styles</a:t>
-            </a:r>
-          </a:p>
-          <a:p>
-            <a:pPr lvl="1"/>
-            <a:r>
-              <a:rPr lang="en-US"/>
-              <a:t>Second level</a:t>
-            </a:r>
-          </a:p>
-          <a:p>
-            <a:pPr lvl="2"/>
-            <a:r>
-              <a:rPr lang="en-US"/>
-              <a:t>Third level</a:t>
-            </a:r>
-          </a:p>
-          <a:p>
-            <a:pPr lvl="3"/>
-            <a:r>
-              <a:rPr lang="en-US"/>
-              <a:t>Fourth level</a:t>
-            </a:r>
-          </a:p>
-          <a:p>
-            <a:pPr lvl="4"/>
-            <a:r>
-              <a:rPr lang="en-US"/>
-              <a:t>Fifth level</a:t>
-            </a:r>
+          <a:bodyPr vert="horz" lIns="91440" tIns="45720" rIns="91440" bIns="45720" rtlCol="0" anchor="b"/>
+          <a:lstStyle>
+            <a:lvl1pPr algn="r">
+              <a:defRPr sz="900">
+                <a:solidFill>
+                  <a:schemeClr val="tx1"/>
+                </a:solidFill>
+              </a:defRPr>
+            </a:lvl1pPr>
+          </a:lstStyle>
+          <a:p>
+            <a:fld id="{00464503-B255-4BAB-A675-58D659314144}" type="datetimeFigureOut">
+              <a:rPr lang="en-GB" smtClean="0"/>
+              <a:t>05/08/2022</a:t>
+            </a:fld>
             <a:endParaRPr lang="en-GB"/>
           </a:p>
         </p:txBody>
       </p:sp>
       <p:sp>
         <p:nvSpPr>
-          <p:cNvPr id="4" name="Date Placeholder 3">
-            <a:extLst>
-              <a:ext uri="{FF2B5EF4-FFF2-40B4-BE49-F238E27FC236}">
-                <a16:creationId xmlns:a16="http://schemas.microsoft.com/office/drawing/2014/main" id="{174BC755-48F2-878F-8347-17B50AD09A29}"/>
-              </a:ext>
-            </a:extLst>
-          </p:cNvPr>
-          <p:cNvSpPr>
-            <a:spLocks noGrp="1"/>
-          </p:cNvSpPr>
-          <p:nvPr>
-            <p:ph type="dt" sz="half" idx="2"/>
+          <p:cNvPr id="6" name="Slide Number Placeholder 5"/>
+          <p:cNvSpPr>
+            <a:spLocks noGrp="1"/>
+          </p:cNvSpPr>
+          <p:nvPr>
+            <p:ph type="sldNum" sz="quarter" idx="4"/>
           </p:nvPr>
         </p:nvSpPr>
         <p:spPr>
           <a:xfrm>
-            <a:off x="838200" y="6356350"/>
-            <a:ext cx="2743200" cy="365125"/>
+            <a:off x="10678331" y="5915888"/>
+            <a:ext cx="1062155" cy="490599"/>
           </a:xfrm>
           <a:prstGeom prst="rect">
             <a:avLst/>
           </a:prstGeom>
         </p:spPr>
         <p:txBody>
-          <a:bodyPr vert="horz" lIns="91440" tIns="45720" rIns="91440" bIns="45720" rtlCol="0" anchor="ctr"/>
-          <a:lstStyle>
-            <a:lvl1pPr algn="l">
-              <a:defRPr sz="1200">
-                <a:solidFill>
-                  <a:schemeClr val="tx1">
-                    <a:tint val="75000"/>
-                  </a:schemeClr>
-                </a:solidFill>
-              </a:defRPr>
-            </a:lvl1pPr>
-          </a:lstStyle>
-          <a:p>
-            <a:fld id="{00464503-B255-4BAB-A675-58D659314144}" type="datetimeFigureOut">
-              <a:rPr lang="en-GB" smtClean="0"/>
-              <a:t>05/08/2022</a:t>
-            </a:fld>
-            <a:endParaRPr lang="en-GB"/>
-          </a:p>
-        </p:txBody>
-      </p:sp>
-      <p:sp>
-        <p:nvSpPr>
-          <p:cNvPr id="5" name="Footer Placeholder 4">
-            <a:extLst>
-              <a:ext uri="{FF2B5EF4-FFF2-40B4-BE49-F238E27FC236}">
-                <a16:creationId xmlns:a16="http://schemas.microsoft.com/office/drawing/2014/main" id="{19708FB2-6FED-45F1-5E39-DCC4F2738253}"/>
-              </a:ext>
-            </a:extLst>
-          </p:cNvPr>
-          <p:cNvSpPr>
-            <a:spLocks noGrp="1"/>
-          </p:cNvSpPr>
-          <p:nvPr>
-            <p:ph type="ftr" sz="quarter" idx="3"/>
-          </p:nvPr>
-        </p:nvSpPr>
-        <p:spPr>
-          <a:xfrm>
-            <a:off x="4038600" y="6356350"/>
-            <a:ext cx="4114800" cy="365125"/>
-          </a:xfrm>
-          <a:prstGeom prst="rect">
-            <a:avLst/>
-          </a:prstGeom>
-        </p:spPr>
-        <p:txBody>
-          <a:bodyPr vert="horz" lIns="91440" tIns="45720" rIns="91440" bIns="45720" rtlCol="0" anchor="ctr"/>
-          <a:lstStyle>
-            <a:lvl1pPr algn="ctr">
-              <a:defRPr sz="1200">
-                <a:solidFill>
-                  <a:schemeClr val="tx1">
-                    <a:tint val="75000"/>
-                  </a:schemeClr>
-                </a:solidFill>
-              </a:defRPr>
-            </a:lvl1pPr>
-          </a:lstStyle>
-          <a:p>
-            <a:endParaRPr lang="en-GB"/>
-          </a:p>
-        </p:txBody>
-      </p:sp>
-      <p:sp>
-        <p:nvSpPr>
-          <p:cNvPr id="6" name="Slide Number Placeholder 5">
-            <a:extLst>
-              <a:ext uri="{FF2B5EF4-FFF2-40B4-BE49-F238E27FC236}">
-                <a16:creationId xmlns:a16="http://schemas.microsoft.com/office/drawing/2014/main" id="{CD42841B-35F0-929E-C53B-57140C35E3F6}"/>
-              </a:ext>
-            </a:extLst>
-          </p:cNvPr>
-          <p:cNvSpPr>
-            <a:spLocks noGrp="1"/>
-          </p:cNvSpPr>
-          <p:nvPr>
-            <p:ph type="sldNum" sz="quarter" idx="4"/>
-          </p:nvPr>
-        </p:nvSpPr>
-        <p:spPr>
-          <a:xfrm>
-            <a:off x="8610600" y="6356350"/>
-            <a:ext cx="2743200" cy="365125"/>
-          </a:xfrm>
-          <a:prstGeom prst="rect">
-            <a:avLst/>
-          </a:prstGeom>
-        </p:spPr>
-        <p:txBody>
-          <a:bodyPr vert="horz" lIns="91440" tIns="45720" rIns="91440" bIns="45720" rtlCol="0" anchor="ctr"/>
+          <a:bodyPr vert="horz" lIns="91440" tIns="45720" rIns="91440" bIns="10800" rtlCol="0" anchor="b"/>
           <a:lstStyle>
             <a:lvl1pPr algn="r">
-              <a:defRPr sz="1200">
+              <a:defRPr sz="2000">
                 <a:solidFill>
-                  <a:schemeClr val="tx1">
-                    <a:tint val="75000"/>
-                  </a:schemeClr>
+                  <a:schemeClr val="accent1"/>
                 </a:solidFill>
               </a:defRPr>
             </a:lvl1pPr>
@@ -3080,55 +5070,114 @@
     </p:spTree>
     <p:extLst>
       <p:ext uri="{BB962C8B-B14F-4D97-AF65-F5344CB8AC3E}">
-        <p14:creationId xmlns:p14="http://schemas.microsoft.com/office/powerpoint/2010/main" val="1260349743"/>
+        <p14:creationId xmlns:p14="http://schemas.microsoft.com/office/powerpoint/2010/main" val="2299337616"/>
       </p:ext>
     </p:extLst>
   </p:cSld>
-  <p:clrMap bg1="lt1" tx1="dk1" bg2="lt2" tx2="dk2" accent1="accent1" accent2="accent2" accent3="accent3" accent4="accent4" accent5="accent5" accent6="accent6" hlink="hlink" folHlink="folHlink"/>
+  <p:clrMap bg1="dk1" tx1="lt1" bg2="dk2" tx2="lt2" accent1="accent1" accent2="accent2" accent3="accent3" accent4="accent4" accent5="accent5" accent6="accent6" hlink="hlink" folHlink="folHlink"/>
   <p:sldLayoutIdLst>
-    <p:sldLayoutId id="2147483649" r:id="rId1"/>
-    <p:sldLayoutId id="2147483650" r:id="rId2"/>
-    <p:sldLayoutId id="2147483651" r:id="rId3"/>
-    <p:sldLayoutId id="2147483652" r:id="rId4"/>
-    <p:sldLayoutId id="2147483653" r:id="rId5"/>
-    <p:sldLayoutId id="2147483654" r:id="rId6"/>
-    <p:sldLayoutId id="2147483655" r:id="rId7"/>
-    <p:sldLayoutId id="2147483656" r:id="rId8"/>
-    <p:sldLayoutId id="2147483657" r:id="rId9"/>
-    <p:sldLayoutId id="2147483658" r:id="rId10"/>
-    <p:sldLayoutId id="2147483659" r:id="rId11"/>
+    <p:sldLayoutId id="2147483736" r:id="rId1"/>
+    <p:sldLayoutId id="2147483737" r:id="rId2"/>
+    <p:sldLayoutId id="2147483738" r:id="rId3"/>
+    <p:sldLayoutId id="2147483739" r:id="rId4"/>
+    <p:sldLayoutId id="2147483740" r:id="rId5"/>
+    <p:sldLayoutId id="2147483741" r:id="rId6"/>
+    <p:sldLayoutId id="2147483742" r:id="rId7"/>
+    <p:sldLayoutId id="2147483743" r:id="rId8"/>
+    <p:sldLayoutId id="2147483744" r:id="rId9"/>
+    <p:sldLayoutId id="2147483745" r:id="rId10"/>
+    <p:sldLayoutId id="2147483746" r:id="rId11"/>
+    <p:sldLayoutId id="2147483747" r:id="rId12"/>
+    <p:sldLayoutId id="2147483748" r:id="rId13"/>
+    <p:sldLayoutId id="2147483749" r:id="rId14"/>
   </p:sldLayoutIdLst>
   <p:txStyles>
     <p:titleStyle>
-      <a:lvl1pPr algn="l" defTabSz="914400" rtl="0" eaLnBrk="1" latinLnBrk="0" hangingPunct="1">
-        <a:lnSpc>
-          <a:spcPct val="90000"/>
-        </a:lnSpc>
+      <a:lvl1pPr algn="l" defTabSz="457200" rtl="0" eaLnBrk="1" latinLnBrk="0" hangingPunct="1">
         <a:spcBef>
           <a:spcPct val="0"/>
         </a:spcBef>
         <a:buNone/>
-        <a:defRPr sz="4400" kern="1200">
+        <a:defRPr sz="4000" b="1" kern="1200">
           <a:solidFill>
-            <a:schemeClr val="tx1"/>
+            <a:srgbClr val="FEFEFE"/>
           </a:solidFill>
           <a:latin typeface="+mj-lt"/>
           <a:ea typeface="+mj-ea"/>
           <a:cs typeface="+mj-cs"/>
         </a:defRPr>
       </a:lvl1pPr>
+      <a:lvl2pPr eaLnBrk="1" hangingPunct="1">
+        <a:defRPr>
+          <a:solidFill>
+            <a:schemeClr val="tx2"/>
+          </a:solidFill>
+        </a:defRPr>
+      </a:lvl2pPr>
+      <a:lvl3pPr eaLnBrk="1" hangingPunct="1">
+        <a:defRPr>
+          <a:solidFill>
+            <a:schemeClr val="tx2"/>
+          </a:solidFill>
+        </a:defRPr>
+      </a:lvl3pPr>
+      <a:lvl4pPr eaLnBrk="1" hangingPunct="1">
+        <a:defRPr>
+          <a:solidFill>
+            <a:schemeClr val="tx2"/>
+          </a:solidFill>
+        </a:defRPr>
+      </a:lvl4pPr>
+      <a:lvl5pPr eaLnBrk="1" hangingPunct="1">
+        <a:defRPr>
+          <a:solidFill>
+            <a:schemeClr val="tx2"/>
+          </a:solidFill>
+        </a:defRPr>
+      </a:lvl5pPr>
+      <a:lvl6pPr eaLnBrk="1" hangingPunct="1">
+        <a:defRPr>
+          <a:solidFill>
+            <a:schemeClr val="tx2"/>
+          </a:solidFill>
+        </a:defRPr>
+      </a:lvl6pPr>
+      <a:lvl7pPr eaLnBrk="1" hangingPunct="1">
+        <a:defRPr>
+          <a:solidFill>
+            <a:schemeClr val="tx2"/>
+          </a:solidFill>
+        </a:defRPr>
+      </a:lvl7pPr>
+      <a:lvl8pPr eaLnBrk="1" hangingPunct="1">
+        <a:defRPr>
+          <a:solidFill>
+            <a:schemeClr val="tx2"/>
+          </a:solidFill>
+        </a:defRPr>
+      </a:lvl8pPr>
+      <a:lvl9pPr eaLnBrk="1" hangingPunct="1">
+        <a:defRPr>
+          <a:solidFill>
+            <a:schemeClr val="tx2"/>
+          </a:solidFill>
+        </a:defRPr>
+      </a:lvl9pPr>
     </p:titleStyle>
     <p:bodyStyle>
-      <a:lvl1pPr marL="228600" indent="-228600" algn="l" defTabSz="914400" rtl="0" eaLnBrk="1" latinLnBrk="0" hangingPunct="1">
-        <a:lnSpc>
-          <a:spcPct val="90000"/>
-        </a:lnSpc>
+      <a:lvl1pPr marL="342900" indent="-342900" algn="l" defTabSz="457200" rtl="0" eaLnBrk="1" latinLnBrk="0" hangingPunct="1">
         <a:spcBef>
-          <a:spcPts val="1000"/>
+          <a:spcPct val="20000"/>
         </a:spcBef>
-        <a:buFont typeface="Arial" panose="020B0604020202020204" pitchFamily="34" charset="0"/>
-        <a:buChar char="•"/>
-        <a:defRPr sz="2800" kern="1200">
+        <a:spcAft>
+          <a:spcPts val="600"/>
+        </a:spcAft>
+        <a:buClr>
+          <a:schemeClr val="accent1"/>
+        </a:buClr>
+        <a:buFont typeface="Wingdings 2" charset="2"/>
+        <a:buChar char=""/>
+        <a:defRPr sz="1800" kern="1200">
           <a:solidFill>
             <a:schemeClr val="tx1"/>
           </a:solidFill>
@@ -3137,16 +5186,19 @@
           <a:cs typeface="+mn-cs"/>
         </a:defRPr>
       </a:lvl1pPr>
-      <a:lvl2pPr marL="685800" indent="-228600" algn="l" defTabSz="914400" rtl="0" eaLnBrk="1" latinLnBrk="0" hangingPunct="1">
-        <a:lnSpc>
-          <a:spcPct val="90000"/>
-        </a:lnSpc>
+      <a:lvl2pPr marL="742950" indent="-285750" algn="l" defTabSz="457200" rtl="0" eaLnBrk="1" latinLnBrk="0" hangingPunct="1">
         <a:spcBef>
-          <a:spcPts val="500"/>
+          <a:spcPct val="20000"/>
         </a:spcBef>
-        <a:buFont typeface="Arial" panose="020B0604020202020204" pitchFamily="34" charset="0"/>
-        <a:buChar char="•"/>
-        <a:defRPr sz="2400" kern="1200">
+        <a:spcAft>
+          <a:spcPts val="600"/>
+        </a:spcAft>
+        <a:buClr>
+          <a:schemeClr val="accent1"/>
+        </a:buClr>
+        <a:buFont typeface="Wingdings 2" charset="2"/>
+        <a:buChar char=""/>
+        <a:defRPr sz="1600" kern="1200">
           <a:solidFill>
             <a:schemeClr val="tx1"/>
           </a:solidFill>
@@ -3155,16 +5207,19 @@
           <a:cs typeface="+mn-cs"/>
         </a:defRPr>
       </a:lvl2pPr>
-      <a:lvl3pPr marL="1143000" indent="-228600" algn="l" defTabSz="914400" rtl="0" eaLnBrk="1" latinLnBrk="0" hangingPunct="1">
-        <a:lnSpc>
-          <a:spcPct val="90000"/>
-        </a:lnSpc>
+      <a:lvl3pPr marL="1143000" indent="-228600" algn="l" defTabSz="457200" rtl="0" eaLnBrk="1" latinLnBrk="0" hangingPunct="1">
         <a:spcBef>
-          <a:spcPts val="500"/>
+          <a:spcPct val="20000"/>
         </a:spcBef>
-        <a:buFont typeface="Arial" panose="020B0604020202020204" pitchFamily="34" charset="0"/>
-        <a:buChar char="•"/>
-        <a:defRPr sz="2000" kern="1200">
+        <a:spcAft>
+          <a:spcPts val="600"/>
+        </a:spcAft>
+        <a:buClr>
+          <a:schemeClr val="accent1"/>
+        </a:buClr>
+        <a:buFont typeface="Wingdings 2" charset="2"/>
+        <a:buChar char=""/>
+        <a:defRPr sz="1400" kern="1200">
           <a:solidFill>
             <a:schemeClr val="tx1"/>
           </a:solidFill>
@@ -3173,16 +5228,19 @@
           <a:cs typeface="+mn-cs"/>
         </a:defRPr>
       </a:lvl3pPr>
-      <a:lvl4pPr marL="1600200" indent="-228600" algn="l" defTabSz="914400" rtl="0" eaLnBrk="1" latinLnBrk="0" hangingPunct="1">
-        <a:lnSpc>
-          <a:spcPct val="90000"/>
-        </a:lnSpc>
+      <a:lvl4pPr marL="1600200" indent="-228600" algn="l" defTabSz="457200" rtl="0" eaLnBrk="1" latinLnBrk="0" hangingPunct="1">
         <a:spcBef>
-          <a:spcPts val="500"/>
+          <a:spcPct val="20000"/>
         </a:spcBef>
-        <a:buFont typeface="Arial" panose="020B0604020202020204" pitchFamily="34" charset="0"/>
-        <a:buChar char="•"/>
-        <a:defRPr sz="1800" kern="1200">
+        <a:spcAft>
+          <a:spcPts val="600"/>
+        </a:spcAft>
+        <a:buClr>
+          <a:schemeClr val="accent1"/>
+        </a:buClr>
+        <a:buFont typeface="Wingdings 2" charset="2"/>
+        <a:buChar char=""/>
+        <a:defRPr sz="1200" kern="1200">
           <a:solidFill>
             <a:schemeClr val="tx1"/>
           </a:solidFill>
@@ -3191,16 +5249,19 @@
           <a:cs typeface="+mn-cs"/>
         </a:defRPr>
       </a:lvl4pPr>
-      <a:lvl5pPr marL="2057400" indent="-228600" algn="l" defTabSz="914400" rtl="0" eaLnBrk="1" latinLnBrk="0" hangingPunct="1">
-        <a:lnSpc>
-          <a:spcPct val="90000"/>
-        </a:lnSpc>
+      <a:lvl5pPr marL="2057400" indent="-228600" algn="l" defTabSz="457200" rtl="0" eaLnBrk="1" latinLnBrk="0" hangingPunct="1">
         <a:spcBef>
-          <a:spcPts val="500"/>
+          <a:spcPct val="20000"/>
         </a:spcBef>
-        <a:buFont typeface="Arial" panose="020B0604020202020204" pitchFamily="34" charset="0"/>
-        <a:buChar char="•"/>
-        <a:defRPr sz="1800" kern="1200">
+        <a:spcAft>
+          <a:spcPts val="600"/>
+        </a:spcAft>
+        <a:buClr>
+          <a:schemeClr val="accent1"/>
+        </a:buClr>
+        <a:buFont typeface="Wingdings 2" charset="2"/>
+        <a:buChar char=""/>
+        <a:defRPr sz="1200" kern="1200">
           <a:solidFill>
             <a:schemeClr val="tx1"/>
           </a:solidFill>
@@ -3209,16 +5270,19 @@
           <a:cs typeface="+mn-cs"/>
         </a:defRPr>
       </a:lvl5pPr>
-      <a:lvl6pPr marL="2514600" indent="-228600" algn="l" defTabSz="914400" rtl="0" eaLnBrk="1" latinLnBrk="0" hangingPunct="1">
-        <a:lnSpc>
-          <a:spcPct val="90000"/>
-        </a:lnSpc>
+      <a:lvl6pPr marL="2400000" indent="-228600" algn="l" defTabSz="457200" rtl="0" eaLnBrk="1" latinLnBrk="0" hangingPunct="1">
         <a:spcBef>
-          <a:spcPts val="500"/>
+          <a:spcPct val="20000"/>
         </a:spcBef>
-        <a:buFont typeface="Arial" panose="020B0604020202020204" pitchFamily="34" charset="0"/>
-        <a:buChar char="•"/>
-        <a:defRPr sz="1800" kern="1200">
+        <a:spcAft>
+          <a:spcPts val="600"/>
+        </a:spcAft>
+        <a:buClr>
+          <a:schemeClr val="accent1"/>
+        </a:buClr>
+        <a:buFont typeface="Wingdings 2" charset="2"/>
+        <a:buChar char=""/>
+        <a:defRPr sz="1200" kern="1200">
           <a:solidFill>
             <a:schemeClr val="tx1"/>
           </a:solidFill>
@@ -3227,16 +5291,19 @@
           <a:cs typeface="+mn-cs"/>
         </a:defRPr>
       </a:lvl6pPr>
-      <a:lvl7pPr marL="2971800" indent="-228600" algn="l" defTabSz="914400" rtl="0" eaLnBrk="1" latinLnBrk="0" hangingPunct="1">
-        <a:lnSpc>
-          <a:spcPct val="90000"/>
-        </a:lnSpc>
+      <a:lvl7pPr marL="2800000" indent="-228600" algn="l" defTabSz="457200" rtl="0" eaLnBrk="1" latinLnBrk="0" hangingPunct="1">
         <a:spcBef>
-          <a:spcPts val="500"/>
+          <a:spcPct val="20000"/>
         </a:spcBef>
-        <a:buFont typeface="Arial" panose="020B0604020202020204" pitchFamily="34" charset="0"/>
-        <a:buChar char="•"/>
-        <a:defRPr sz="1800" kern="1200">
+        <a:spcAft>
+          <a:spcPts val="600"/>
+        </a:spcAft>
+        <a:buClr>
+          <a:schemeClr val="accent1"/>
+        </a:buClr>
+        <a:buFont typeface="Wingdings 2" charset="2"/>
+        <a:buChar char=""/>
+        <a:defRPr sz="1200" kern="1200">
           <a:solidFill>
             <a:schemeClr val="tx1"/>
           </a:solidFill>
@@ -3245,16 +5312,19 @@
           <a:cs typeface="+mn-cs"/>
         </a:defRPr>
       </a:lvl7pPr>
-      <a:lvl8pPr marL="3429000" indent="-228600" algn="l" defTabSz="914400" rtl="0" eaLnBrk="1" latinLnBrk="0" hangingPunct="1">
-        <a:lnSpc>
-          <a:spcPct val="90000"/>
-        </a:lnSpc>
+      <a:lvl8pPr marL="3200000" indent="-228600" algn="l" defTabSz="457200" rtl="0" eaLnBrk="1" latinLnBrk="0" hangingPunct="1">
         <a:spcBef>
-          <a:spcPts val="500"/>
+          <a:spcPct val="20000"/>
         </a:spcBef>
-        <a:buFont typeface="Arial" panose="020B0604020202020204" pitchFamily="34" charset="0"/>
-        <a:buChar char="•"/>
-        <a:defRPr sz="1800" kern="1200">
+        <a:spcAft>
+          <a:spcPts val="600"/>
+        </a:spcAft>
+        <a:buClr>
+          <a:schemeClr val="accent1"/>
+        </a:buClr>
+        <a:buFont typeface="Wingdings 2" charset="2"/>
+        <a:buChar char=""/>
+        <a:defRPr sz="1200" kern="1200">
           <a:solidFill>
             <a:schemeClr val="tx1"/>
           </a:solidFill>
@@ -3263,16 +5333,19 @@
           <a:cs typeface="+mn-cs"/>
         </a:defRPr>
       </a:lvl8pPr>
-      <a:lvl9pPr marL="3886200" indent="-228600" algn="l" defTabSz="914400" rtl="0" eaLnBrk="1" latinLnBrk="0" hangingPunct="1">
-        <a:lnSpc>
-          <a:spcPct val="90000"/>
-        </a:lnSpc>
+      <a:lvl9pPr marL="3600000" indent="-228600" algn="l" defTabSz="457200" rtl="0" eaLnBrk="1" latinLnBrk="0" hangingPunct="1">
         <a:spcBef>
-          <a:spcPts val="500"/>
+          <a:spcPct val="20000"/>
         </a:spcBef>
-        <a:buFont typeface="Arial" panose="020B0604020202020204" pitchFamily="34" charset="0"/>
-        <a:buChar char="•"/>
-        <a:defRPr sz="1800" kern="1200">
+        <a:spcAft>
+          <a:spcPts val="600"/>
+        </a:spcAft>
+        <a:buClr>
+          <a:schemeClr val="accent1"/>
+        </a:buClr>
+        <a:buFont typeface="Wingdings 2" charset="2"/>
+        <a:buChar char=""/>
+        <a:defRPr sz="1200" kern="1200">
           <a:solidFill>
             <a:schemeClr val="tx1"/>
           </a:solidFill>
@@ -3286,7 +5359,7 @@
       <a:defPPr>
         <a:defRPr lang="en-US"/>
       </a:defPPr>
-      <a:lvl1pPr marL="0" algn="l" defTabSz="914400" rtl="0" eaLnBrk="1" latinLnBrk="0" hangingPunct="1">
+      <a:lvl1pPr marL="0" algn="l" defTabSz="457200" rtl="0" eaLnBrk="1" latinLnBrk="0" hangingPunct="1">
         <a:defRPr sz="1800" kern="1200">
           <a:solidFill>
             <a:schemeClr val="tx1"/>
@@ -3296,7 +5369,7 @@
           <a:cs typeface="+mn-cs"/>
         </a:defRPr>
       </a:lvl1pPr>
-      <a:lvl2pPr marL="457200" algn="l" defTabSz="914400" rtl="0" eaLnBrk="1" latinLnBrk="0" hangingPunct="1">
+      <a:lvl2pPr marL="457200" algn="l" defTabSz="457200" rtl="0" eaLnBrk="1" latinLnBrk="0" hangingPunct="1">
         <a:defRPr sz="1800" kern="1200">
           <a:solidFill>
             <a:schemeClr val="tx1"/>
@@ -3306,7 +5379,7 @@
           <a:cs typeface="+mn-cs"/>
         </a:defRPr>
       </a:lvl2pPr>
-      <a:lvl3pPr marL="914400" algn="l" defTabSz="914400" rtl="0" eaLnBrk="1" latinLnBrk="0" hangingPunct="1">
+      <a:lvl3pPr marL="914400" algn="l" defTabSz="457200" rtl="0" eaLnBrk="1" latinLnBrk="0" hangingPunct="1">
         <a:defRPr sz="1800" kern="1200">
           <a:solidFill>
             <a:schemeClr val="tx1"/>
@@ -3316,7 +5389,7 @@
           <a:cs typeface="+mn-cs"/>
         </a:defRPr>
       </a:lvl3pPr>
-      <a:lvl4pPr marL="1371600" algn="l" defTabSz="914400" rtl="0" eaLnBrk="1" latinLnBrk="0" hangingPunct="1">
+      <a:lvl4pPr marL="1371600" algn="l" defTabSz="457200" rtl="0" eaLnBrk="1" latinLnBrk="0" hangingPunct="1">
         <a:defRPr sz="1800" kern="1200">
           <a:solidFill>
             <a:schemeClr val="tx1"/>
@@ -3326,7 +5399,7 @@
           <a:cs typeface="+mn-cs"/>
         </a:defRPr>
       </a:lvl4pPr>
-      <a:lvl5pPr marL="1828800" algn="l" defTabSz="914400" rtl="0" eaLnBrk="1" latinLnBrk="0" hangingPunct="1">
+      <a:lvl5pPr marL="1828800" algn="l" defTabSz="457200" rtl="0" eaLnBrk="1" latinLnBrk="0" hangingPunct="1">
         <a:defRPr sz="1800" kern="1200">
           <a:solidFill>
             <a:schemeClr val="tx1"/>
@@ -3336,7 +5409,7 @@
           <a:cs typeface="+mn-cs"/>
         </a:defRPr>
       </a:lvl5pPr>
-      <a:lvl6pPr marL="2286000" algn="l" defTabSz="914400" rtl="0" eaLnBrk="1" latinLnBrk="0" hangingPunct="1">
+      <a:lvl6pPr marL="2286000" algn="l" defTabSz="457200" rtl="0" eaLnBrk="1" latinLnBrk="0" hangingPunct="1">
         <a:defRPr sz="1800" kern="1200">
           <a:solidFill>
             <a:schemeClr val="tx1"/>
@@ -3346,7 +5419,7 @@
           <a:cs typeface="+mn-cs"/>
         </a:defRPr>
       </a:lvl6pPr>
-      <a:lvl7pPr marL="2743200" algn="l" defTabSz="914400" rtl="0" eaLnBrk="1" latinLnBrk="0" hangingPunct="1">
+      <a:lvl7pPr marL="2743200" algn="l" defTabSz="457200" rtl="0" eaLnBrk="1" latinLnBrk="0" hangingPunct="1">
         <a:defRPr sz="1800" kern="1200">
           <a:solidFill>
             <a:schemeClr val="tx1"/>
@@ -3356,7 +5429,7 @@
           <a:cs typeface="+mn-cs"/>
         </a:defRPr>
       </a:lvl7pPr>
-      <a:lvl8pPr marL="3200400" algn="l" defTabSz="914400" rtl="0" eaLnBrk="1" latinLnBrk="0" hangingPunct="1">
+      <a:lvl8pPr marL="3200400" algn="l" defTabSz="457200" rtl="0" eaLnBrk="1" latinLnBrk="0" hangingPunct="1">
         <a:defRPr sz="1800" kern="1200">
           <a:solidFill>
             <a:schemeClr val="tx1"/>
@@ -3366,7 +5439,7 @@
           <a:cs typeface="+mn-cs"/>
         </a:defRPr>
       </a:lvl8pPr>
-      <a:lvl9pPr marL="3657600" algn="l" defTabSz="914400" rtl="0" eaLnBrk="1" latinLnBrk="0" hangingPunct="1">
+      <a:lvl9pPr marL="3657600" algn="l" defTabSz="457200" rtl="0" eaLnBrk="1" latinLnBrk="0" hangingPunct="1">
         <a:defRPr sz="1800" kern="1200">
           <a:solidFill>
             <a:schemeClr val="tx1"/>
@@ -3467,6 +5540,449 @@
 </p:sld>
 </file>
 
+<file path=ppt/slides/slide10.xml><?xml version="1.0" encoding="utf-8"?>
+<p:sld xmlns:a="http://schemas.openxmlformats.org/drawingml/2006/main" xmlns:r="http://schemas.openxmlformats.org/officeDocument/2006/relationships" xmlns:p="http://schemas.openxmlformats.org/presentationml/2006/main">
+  <p:cSld>
+    <p:spTree>
+      <p:nvGrpSpPr>
+        <p:cNvPr id="1" name=""/>
+        <p:cNvGrpSpPr/>
+        <p:nvPr/>
+      </p:nvGrpSpPr>
+      <p:grpSpPr>
+        <a:xfrm>
+          <a:off x="0" y="0"/>
+          <a:ext cx="0" cy="0"/>
+          <a:chOff x="0" y="0"/>
+          <a:chExt cx="0" cy="0"/>
+        </a:xfrm>
+      </p:grpSpPr>
+      <p:pic>
+        <p:nvPicPr>
+          <p:cNvPr id="5" name="Picture 4">
+            <a:extLst>
+              <a:ext uri="{FF2B5EF4-FFF2-40B4-BE49-F238E27FC236}">
+                <a16:creationId xmlns:a16="http://schemas.microsoft.com/office/drawing/2014/main" id="{0FEEBFCF-4DCA-2E6D-3A94-D4D44DB32C37}"/>
+              </a:ext>
+            </a:extLst>
+          </p:cNvPr>
+          <p:cNvPicPr>
+            <a:picLocks noChangeAspect="1"/>
+          </p:cNvPicPr>
+          <p:nvPr/>
+        </p:nvPicPr>
+        <p:blipFill>
+          <a:blip r:embed="rId2"/>
+          <a:stretch>
+            <a:fillRect/>
+          </a:stretch>
+        </p:blipFill>
+        <p:spPr>
+          <a:xfrm>
+            <a:off x="0" y="1910439"/>
+            <a:ext cx="5470711" cy="3409533"/>
+          </a:xfrm>
+          <a:prstGeom prst="rect">
+            <a:avLst/>
+          </a:prstGeom>
+        </p:spPr>
+      </p:pic>
+      <p:pic>
+        <p:nvPicPr>
+          <p:cNvPr id="7" name="Picture 6">
+            <a:extLst>
+              <a:ext uri="{FF2B5EF4-FFF2-40B4-BE49-F238E27FC236}">
+                <a16:creationId xmlns:a16="http://schemas.microsoft.com/office/drawing/2014/main" id="{C2911340-7BB9-ED7D-C73F-E59AD3D79164}"/>
+              </a:ext>
+            </a:extLst>
+          </p:cNvPr>
+          <p:cNvPicPr>
+            <a:picLocks noChangeAspect="1"/>
+          </p:cNvPicPr>
+          <p:nvPr/>
+        </p:nvPicPr>
+        <p:blipFill>
+          <a:blip r:embed="rId3"/>
+          <a:stretch>
+            <a:fillRect/>
+          </a:stretch>
+        </p:blipFill>
+        <p:spPr>
+          <a:xfrm>
+            <a:off x="5624857" y="2133974"/>
+            <a:ext cx="6567143" cy="2962465"/>
+          </a:xfrm>
+          <a:prstGeom prst="rect">
+            <a:avLst/>
+          </a:prstGeom>
+        </p:spPr>
+      </p:pic>
+    </p:spTree>
+    <p:extLst>
+      <p:ext uri="{BB962C8B-B14F-4D97-AF65-F5344CB8AC3E}">
+        <p14:creationId xmlns:p14="http://schemas.microsoft.com/office/powerpoint/2010/main" val="40709381"/>
+      </p:ext>
+    </p:extLst>
+  </p:cSld>
+  <p:clrMapOvr>
+    <a:masterClrMapping/>
+  </p:clrMapOvr>
+</p:sld>
+</file>
+
+<file path=ppt/slides/slide11.xml><?xml version="1.0" encoding="utf-8"?>
+<p:sld xmlns:a="http://schemas.openxmlformats.org/drawingml/2006/main" xmlns:r="http://schemas.openxmlformats.org/officeDocument/2006/relationships" xmlns:p="http://schemas.openxmlformats.org/presentationml/2006/main">
+  <p:cSld>
+    <p:spTree>
+      <p:nvGrpSpPr>
+        <p:cNvPr id="1" name=""/>
+        <p:cNvGrpSpPr/>
+        <p:nvPr/>
+      </p:nvGrpSpPr>
+      <p:grpSpPr>
+        <a:xfrm>
+          <a:off x="0" y="0"/>
+          <a:ext cx="0" cy="0"/>
+          <a:chOff x="0" y="0"/>
+          <a:chExt cx="0" cy="0"/>
+        </a:xfrm>
+      </p:grpSpPr>
+      <p:pic>
+        <p:nvPicPr>
+          <p:cNvPr id="3" name="Picture 2">
+            <a:extLst>
+              <a:ext uri="{FF2B5EF4-FFF2-40B4-BE49-F238E27FC236}">
+                <a16:creationId xmlns:a16="http://schemas.microsoft.com/office/drawing/2014/main" id="{8B05EE4B-E09D-9ED1-EB93-E80BA05F5E0B}"/>
+              </a:ext>
+            </a:extLst>
+          </p:cNvPr>
+          <p:cNvPicPr>
+            <a:picLocks noChangeAspect="1"/>
+          </p:cNvPicPr>
+          <p:nvPr/>
+        </p:nvPicPr>
+        <p:blipFill>
+          <a:blip r:embed="rId2"/>
+          <a:stretch>
+            <a:fillRect/>
+          </a:stretch>
+        </p:blipFill>
+        <p:spPr>
+          <a:xfrm>
+            <a:off x="0" y="1617697"/>
+            <a:ext cx="5203696" cy="3622606"/>
+          </a:xfrm>
+          <a:prstGeom prst="rect">
+            <a:avLst/>
+          </a:prstGeom>
+        </p:spPr>
+      </p:pic>
+      <p:pic>
+        <p:nvPicPr>
+          <p:cNvPr id="5" name="Picture 4">
+            <a:extLst>
+              <a:ext uri="{FF2B5EF4-FFF2-40B4-BE49-F238E27FC236}">
+                <a16:creationId xmlns:a16="http://schemas.microsoft.com/office/drawing/2014/main" id="{CDE69570-222F-09BB-5E44-D566AE72C795}"/>
+              </a:ext>
+            </a:extLst>
+          </p:cNvPr>
+          <p:cNvPicPr>
+            <a:picLocks noChangeAspect="1"/>
+          </p:cNvPicPr>
+          <p:nvPr/>
+        </p:nvPicPr>
+        <p:blipFill>
+          <a:blip r:embed="rId3"/>
+          <a:stretch>
+            <a:fillRect/>
+          </a:stretch>
+        </p:blipFill>
+        <p:spPr>
+          <a:xfrm>
+            <a:off x="5668902" y="2190577"/>
+            <a:ext cx="6535062" cy="2476846"/>
+          </a:xfrm>
+          <a:prstGeom prst="rect">
+            <a:avLst/>
+          </a:prstGeom>
+        </p:spPr>
+      </p:pic>
+    </p:spTree>
+    <p:extLst>
+      <p:ext uri="{BB962C8B-B14F-4D97-AF65-F5344CB8AC3E}">
+        <p14:creationId xmlns:p14="http://schemas.microsoft.com/office/powerpoint/2010/main" val="217122652"/>
+      </p:ext>
+    </p:extLst>
+  </p:cSld>
+  <p:clrMapOvr>
+    <a:masterClrMapping/>
+  </p:clrMapOvr>
+</p:sld>
+</file>
+
+<file path=ppt/slides/slide12.xml><?xml version="1.0" encoding="utf-8"?>
+<p:sld xmlns:a="http://schemas.openxmlformats.org/drawingml/2006/main" xmlns:r="http://schemas.openxmlformats.org/officeDocument/2006/relationships" xmlns:p="http://schemas.openxmlformats.org/presentationml/2006/main">
+  <p:cSld>
+    <p:spTree>
+      <p:nvGrpSpPr>
+        <p:cNvPr id="1" name=""/>
+        <p:cNvGrpSpPr/>
+        <p:nvPr/>
+      </p:nvGrpSpPr>
+      <p:grpSpPr>
+        <a:xfrm>
+          <a:off x="0" y="0"/>
+          <a:ext cx="0" cy="0"/>
+          <a:chOff x="0" y="0"/>
+          <a:chExt cx="0" cy="0"/>
+        </a:xfrm>
+      </p:grpSpPr>
+      <p:pic>
+        <p:nvPicPr>
+          <p:cNvPr id="3" name="Picture 2">
+            <a:extLst>
+              <a:ext uri="{FF2B5EF4-FFF2-40B4-BE49-F238E27FC236}">
+                <a16:creationId xmlns:a16="http://schemas.microsoft.com/office/drawing/2014/main" id="{415038C9-1C25-3CEC-5074-F106E6ABA294}"/>
+              </a:ext>
+            </a:extLst>
+          </p:cNvPr>
+          <p:cNvPicPr>
+            <a:picLocks noChangeAspect="1"/>
+          </p:cNvPicPr>
+          <p:nvPr/>
+        </p:nvPicPr>
+        <p:blipFill>
+          <a:blip r:embed="rId2"/>
+          <a:stretch>
+            <a:fillRect/>
+          </a:stretch>
+        </p:blipFill>
+        <p:spPr>
+          <a:xfrm>
+            <a:off x="0" y="1920526"/>
+            <a:ext cx="5934979" cy="3016948"/>
+          </a:xfrm>
+          <a:prstGeom prst="rect">
+            <a:avLst/>
+          </a:prstGeom>
+        </p:spPr>
+      </p:pic>
+      <p:pic>
+        <p:nvPicPr>
+          <p:cNvPr id="5" name="Picture 4">
+            <a:extLst>
+              <a:ext uri="{FF2B5EF4-FFF2-40B4-BE49-F238E27FC236}">
+                <a16:creationId xmlns:a16="http://schemas.microsoft.com/office/drawing/2014/main" id="{2F89A38C-D455-901A-AA06-BC9DEDA55647}"/>
+              </a:ext>
+            </a:extLst>
+          </p:cNvPr>
+          <p:cNvPicPr>
+            <a:picLocks noChangeAspect="1"/>
+          </p:cNvPicPr>
+          <p:nvPr/>
+        </p:nvPicPr>
+        <p:blipFill>
+          <a:blip r:embed="rId3"/>
+          <a:stretch>
+            <a:fillRect/>
+          </a:stretch>
+        </p:blipFill>
+        <p:spPr>
+          <a:xfrm>
+            <a:off x="6095749" y="1920526"/>
+            <a:ext cx="6096251" cy="3133907"/>
+          </a:xfrm>
+          <a:prstGeom prst="rect">
+            <a:avLst/>
+          </a:prstGeom>
+        </p:spPr>
+      </p:pic>
+    </p:spTree>
+    <p:extLst>
+      <p:ext uri="{BB962C8B-B14F-4D97-AF65-F5344CB8AC3E}">
+        <p14:creationId xmlns:p14="http://schemas.microsoft.com/office/powerpoint/2010/main" val="2062531522"/>
+      </p:ext>
+    </p:extLst>
+  </p:cSld>
+  <p:clrMapOvr>
+    <a:masterClrMapping/>
+  </p:clrMapOvr>
+</p:sld>
+</file>
+
+<file path=ppt/slides/slide13.xml><?xml version="1.0" encoding="utf-8"?>
+<p:sld xmlns:a="http://schemas.openxmlformats.org/drawingml/2006/main" xmlns:r="http://schemas.openxmlformats.org/officeDocument/2006/relationships" xmlns:p="http://schemas.openxmlformats.org/presentationml/2006/main">
+  <p:cSld>
+    <p:spTree>
+      <p:nvGrpSpPr>
+        <p:cNvPr id="1" name=""/>
+        <p:cNvGrpSpPr/>
+        <p:nvPr/>
+      </p:nvGrpSpPr>
+      <p:grpSpPr>
+        <a:xfrm>
+          <a:off x="0" y="0"/>
+          <a:ext cx="0" cy="0"/>
+          <a:chOff x="0" y="0"/>
+          <a:chExt cx="0" cy="0"/>
+        </a:xfrm>
+      </p:grpSpPr>
+      <p:sp>
+        <p:nvSpPr>
+          <p:cNvPr id="2" name="Title 1">
+            <a:extLst>
+              <a:ext uri="{FF2B5EF4-FFF2-40B4-BE49-F238E27FC236}">
+                <a16:creationId xmlns:a16="http://schemas.microsoft.com/office/drawing/2014/main" id="{CBB7213E-961E-C7F4-6B9A-BD6DF3D98A4C}"/>
+              </a:ext>
+            </a:extLst>
+          </p:cNvPr>
+          <p:cNvSpPr>
+            <a:spLocks noGrp="1"/>
+          </p:cNvSpPr>
+          <p:nvPr>
+            <p:ph type="title"/>
+          </p:nvPr>
+        </p:nvSpPr>
+        <p:spPr/>
+        <p:txBody>
+          <a:bodyPr/>
+          <a:lstStyle/>
+          <a:p>
+            <a:r>
+              <a:rPr lang="en-GB" dirty="0"/>
+              <a:t>What we learned</a:t>
+            </a:r>
+          </a:p>
+        </p:txBody>
+      </p:sp>
+      <p:sp>
+        <p:nvSpPr>
+          <p:cNvPr id="3" name="Text Placeholder 2">
+            <a:extLst>
+              <a:ext uri="{FF2B5EF4-FFF2-40B4-BE49-F238E27FC236}">
+                <a16:creationId xmlns:a16="http://schemas.microsoft.com/office/drawing/2014/main" id="{80C48235-AB01-A8C9-B2A7-8055DAF246D6}"/>
+              </a:ext>
+            </a:extLst>
+          </p:cNvPr>
+          <p:cNvSpPr>
+            <a:spLocks noGrp="1"/>
+          </p:cNvSpPr>
+          <p:nvPr>
+            <p:ph type="body" idx="1"/>
+          </p:nvPr>
+        </p:nvSpPr>
+        <p:spPr/>
+        <p:txBody>
+          <a:bodyPr/>
+          <a:lstStyle/>
+          <a:p>
+            <a:endParaRPr lang="en-GB"/>
+          </a:p>
+        </p:txBody>
+      </p:sp>
+    </p:spTree>
+    <p:extLst>
+      <p:ext uri="{BB962C8B-B14F-4D97-AF65-F5344CB8AC3E}">
+        <p14:creationId xmlns:p14="http://schemas.microsoft.com/office/powerpoint/2010/main" val="2521539779"/>
+      </p:ext>
+    </p:extLst>
+  </p:cSld>
+  <p:clrMapOvr>
+    <a:masterClrMapping/>
+  </p:clrMapOvr>
+</p:sld>
+</file>
+
+<file path=ppt/slides/slide14.xml><?xml version="1.0" encoding="utf-8"?>
+<p:sld xmlns:a="http://schemas.openxmlformats.org/drawingml/2006/main" xmlns:r="http://schemas.openxmlformats.org/officeDocument/2006/relationships" xmlns:p="http://schemas.openxmlformats.org/presentationml/2006/main">
+  <p:cSld>
+    <p:spTree>
+      <p:nvGrpSpPr>
+        <p:cNvPr id="1" name=""/>
+        <p:cNvGrpSpPr/>
+        <p:nvPr/>
+      </p:nvGrpSpPr>
+      <p:grpSpPr>
+        <a:xfrm>
+          <a:off x="0" y="0"/>
+          <a:ext cx="0" cy="0"/>
+          <a:chOff x="0" y="0"/>
+          <a:chExt cx="0" cy="0"/>
+        </a:xfrm>
+      </p:grpSpPr>
+      <p:sp>
+        <p:nvSpPr>
+          <p:cNvPr id="2" name="Title 1">
+            <a:extLst>
+              <a:ext uri="{FF2B5EF4-FFF2-40B4-BE49-F238E27FC236}">
+                <a16:creationId xmlns:a16="http://schemas.microsoft.com/office/drawing/2014/main" id="{D440A27F-E09C-01CD-02CC-555D5CA2FA8E}"/>
+              </a:ext>
+            </a:extLst>
+          </p:cNvPr>
+          <p:cNvSpPr>
+            <a:spLocks noGrp="1"/>
+          </p:cNvSpPr>
+          <p:nvPr>
+            <p:ph type="title"/>
+          </p:nvPr>
+        </p:nvSpPr>
+        <p:spPr/>
+        <p:txBody>
+          <a:bodyPr/>
+          <a:lstStyle/>
+          <a:p>
+            <a:r>
+              <a:rPr lang="en-GB" dirty="0"/>
+              <a:t>Closing thoughts</a:t>
+            </a:r>
+          </a:p>
+        </p:txBody>
+      </p:sp>
+      <p:sp>
+        <p:nvSpPr>
+          <p:cNvPr id="3" name="Content Placeholder 2">
+            <a:extLst>
+              <a:ext uri="{FF2B5EF4-FFF2-40B4-BE49-F238E27FC236}">
+                <a16:creationId xmlns:a16="http://schemas.microsoft.com/office/drawing/2014/main" id="{618B787E-B839-AFE5-1CF6-3330BED83FEA}"/>
+              </a:ext>
+            </a:extLst>
+          </p:cNvPr>
+          <p:cNvSpPr>
+            <a:spLocks noGrp="1"/>
+          </p:cNvSpPr>
+          <p:nvPr>
+            <p:ph idx="1"/>
+          </p:nvPr>
+        </p:nvSpPr>
+        <p:spPr/>
+        <p:txBody>
+          <a:bodyPr/>
+          <a:lstStyle/>
+          <a:p>
+            <a:r>
+              <a:rPr lang="en-GB" dirty="0"/>
+              <a:t>(max 250 words on what we learned, to be added once project </a:t>
+            </a:r>
+            <a:r>
+              <a:rPr lang="en-GB"/>
+              <a:t>is complete)</a:t>
+            </a:r>
+          </a:p>
+        </p:txBody>
+      </p:sp>
+    </p:spTree>
+    <p:extLst>
+      <p:ext uri="{BB962C8B-B14F-4D97-AF65-F5344CB8AC3E}">
+        <p14:creationId xmlns:p14="http://schemas.microsoft.com/office/powerpoint/2010/main" val="2941962521"/>
+      </p:ext>
+    </p:extLst>
+  </p:cSld>
+  <p:clrMapOvr>
+    <a:masterClrMapping/>
+  </p:clrMapOvr>
+</p:sld>
+</file>
+
 <file path=ppt/slides/slide2.xml><?xml version="1.0" encoding="utf-8"?>
 <p:sld xmlns:a="http://schemas.openxmlformats.org/drawingml/2006/main" xmlns:r="http://schemas.openxmlformats.org/officeDocument/2006/relationships" xmlns:p="http://schemas.openxmlformats.org/presentationml/2006/main">
   <p:cSld>
@@ -3553,7 +6069,7 @@
           <a:p>
             <a:r>
               <a:rPr lang="en-GB" dirty="0"/>
-              <a:t>We used Python in our solution</a:t>
+              <a:t>We used Python in our solution, and also work on the assumption that the users are able to use the command line to download any missing Python modules</a:t>
             </a:r>
           </a:p>
         </p:txBody>
@@ -3651,6 +6167,11 @@
   <p:clrMapOvr>
     <a:masterClrMapping/>
   </p:clrMapOvr>
+  <p:extLst>
+    <p:ext uri="{6950BFC3-D8DA-4A85-94F7-54DA5524770B}">
+      <p188:commentRel xmlns:p188="http://schemas.microsoft.com/office/powerpoint/2018/8/main" r:id="rId2"/>
+    </p:ext>
+  </p:extLst>
 </p:sld>
 </file>
 
@@ -3715,7 +6236,7 @@
         </p:nvSpPr>
         <p:spPr>
           <a:xfrm>
-            <a:off x="8470900" y="1012954"/>
+            <a:off x="8470900" y="616714"/>
             <a:ext cx="3721100" cy="4832092"/>
           </a:xfrm>
           <a:prstGeom prst="rect">
@@ -3988,12 +6509,72 @@
           <a:chExt cx="0" cy="0"/>
         </a:xfrm>
       </p:grpSpPr>
+      <p:sp>
+        <p:nvSpPr>
+          <p:cNvPr id="5" name="TextBox 4">
+            <a:extLst>
+              <a:ext uri="{FF2B5EF4-FFF2-40B4-BE49-F238E27FC236}">
+                <a16:creationId xmlns:a16="http://schemas.microsoft.com/office/drawing/2014/main" id="{3C17C210-1B40-48B9-1F88-46469E78CBBC}"/>
+              </a:ext>
+            </a:extLst>
+          </p:cNvPr>
+          <p:cNvSpPr txBox="1"/>
+          <p:nvPr/>
+        </p:nvSpPr>
+        <p:spPr>
+          <a:xfrm>
+            <a:off x="7552267" y="319385"/>
+            <a:ext cx="4499325" cy="4154984"/>
+          </a:xfrm>
+          <a:prstGeom prst="rect">
+            <a:avLst/>
+          </a:prstGeom>
+          <a:noFill/>
+        </p:spPr>
+        <p:txBody>
+          <a:bodyPr wrap="square" rtlCol="0">
+            <a:spAutoFit/>
+          </a:bodyPr>
+          <a:lstStyle/>
+          <a:p>
+            <a:r>
+              <a:rPr lang="en-GB" sz="2400" dirty="0"/>
+              <a:t>These functions make the program run. The user can use the command line to specify the server to be connected to, and the date of data to be fetched.</a:t>
+            </a:r>
+          </a:p>
+          <a:p>
+            <a:endParaRPr lang="en-GB" sz="2400" dirty="0"/>
+          </a:p>
+          <a:p>
+            <a:r>
+              <a:rPr lang="en-GB" sz="2400" dirty="0"/>
+              <a:t>Also in this part is </a:t>
+            </a:r>
+            <a:r>
+              <a:rPr lang="en-GB" sz="2000" dirty="0" err="1">
+                <a:latin typeface="Consolas" panose="020B0609020204030204" pitchFamily="49" charset="0"/>
+              </a:rPr>
+              <a:t>valid_date_format</a:t>
+            </a:r>
+            <a:r>
+              <a:rPr lang="en-GB" sz="2000" dirty="0">
+                <a:latin typeface="Consolas" panose="020B0609020204030204" pitchFamily="49" charset="0"/>
+              </a:rPr>
+              <a:t>()</a:t>
+            </a:r>
+            <a:r>
+              <a:rPr lang="en-GB" sz="2400" dirty="0"/>
+              <a:t>, which ensures the users enters their date in the valid format</a:t>
+            </a:r>
+          </a:p>
+        </p:txBody>
+      </p:sp>
       <p:pic>
         <p:nvPicPr>
-          <p:cNvPr id="3" name="Picture 2">
+          <p:cNvPr id="7" name="Picture 6">
             <a:extLst>
               <a:ext uri="{FF2B5EF4-FFF2-40B4-BE49-F238E27FC236}">
-                <a16:creationId xmlns:a16="http://schemas.microsoft.com/office/drawing/2014/main" id="{705A284C-D1C2-B5C8-024F-B7358C4DF325}"/>
+                <a16:creationId xmlns:a16="http://schemas.microsoft.com/office/drawing/2014/main" id="{DB4862C5-99B0-21BF-59E8-10C2B03F2A20}"/>
               </a:ext>
             </a:extLst>
           </p:cNvPr>
@@ -4010,74 +6591,14 @@
         </p:blipFill>
         <p:spPr>
           <a:xfrm>
-            <a:off x="0" y="1434581"/>
-            <a:ext cx="9029148" cy="3988838"/>
+            <a:off x="38810" y="304025"/>
+            <a:ext cx="6725589" cy="6401693"/>
           </a:xfrm>
           <a:prstGeom prst="rect">
             <a:avLst/>
           </a:prstGeom>
         </p:spPr>
       </p:pic>
-      <p:sp>
-        <p:nvSpPr>
-          <p:cNvPr id="5" name="TextBox 4">
-            <a:extLst>
-              <a:ext uri="{FF2B5EF4-FFF2-40B4-BE49-F238E27FC236}">
-                <a16:creationId xmlns:a16="http://schemas.microsoft.com/office/drawing/2014/main" id="{3C17C210-1B40-48B9-1F88-46469E78CBBC}"/>
-              </a:ext>
-            </a:extLst>
-          </p:cNvPr>
-          <p:cNvSpPr txBox="1"/>
-          <p:nvPr/>
-        </p:nvSpPr>
-        <p:spPr>
-          <a:xfrm>
-            <a:off x="9239010" y="797510"/>
-            <a:ext cx="2843062" cy="5262979"/>
-          </a:xfrm>
-          <a:prstGeom prst="rect">
-            <a:avLst/>
-          </a:prstGeom>
-          <a:noFill/>
-        </p:spPr>
-        <p:txBody>
-          <a:bodyPr wrap="square" rtlCol="0">
-            <a:spAutoFit/>
-          </a:bodyPr>
-          <a:lstStyle/>
-          <a:p>
-            <a:r>
-              <a:rPr lang="en-GB" sz="2400" dirty="0"/>
-              <a:t>These functions make the program run. The user can use the command line to specify the server to be connected to, and the date of data to be fetched.</a:t>
-            </a:r>
-          </a:p>
-          <a:p>
-            <a:endParaRPr lang="en-GB" sz="2400" dirty="0"/>
-          </a:p>
-          <a:p>
-            <a:r>
-              <a:rPr lang="en-GB" sz="2400" dirty="0"/>
-              <a:t>Also in this part is </a:t>
-            </a:r>
-            <a:r>
-              <a:rPr lang="en-GB" sz="2000" dirty="0" err="1">
-                <a:latin typeface="Consolas" panose="020B0609020204030204" pitchFamily="49" charset="0"/>
-              </a:rPr>
-              <a:t>valid_date</a:t>
-            </a:r>
-            <a:r>
-              <a:rPr lang="en-GB" sz="2000" dirty="0">
-                <a:latin typeface="Consolas" panose="020B0609020204030204" pitchFamily="49" charset="0"/>
-              </a:rPr>
-              <a:t>()</a:t>
-            </a:r>
-            <a:r>
-              <a:rPr lang="en-GB" sz="2400" dirty="0"/>
-              <a:t>, which ensures the users enters their date in the valid format</a:t>
-            </a:r>
-          </a:p>
-        </p:txBody>
-      </p:sp>
     </p:spTree>
     <p:extLst>
       <p:ext uri="{BB962C8B-B14F-4D97-AF65-F5344CB8AC3E}">
@@ -4171,6 +6692,11 @@
   <p:clrMapOvr>
     <a:masterClrMapping/>
   </p:clrMapOvr>
+  <p:extLst>
+    <p:ext uri="{6950BFC3-D8DA-4A85-94F7-54DA5524770B}">
+      <p188:commentRel xmlns:p188="http://schemas.microsoft.com/office/powerpoint/2018/8/main" r:id="rId2"/>
+    </p:ext>
+  </p:extLst>
 </p:sld>
 </file>
 
@@ -4196,7 +6722,7 @@
           <p:cNvPr id="3" name="Picture 2">
             <a:extLst>
               <a:ext uri="{FF2B5EF4-FFF2-40B4-BE49-F238E27FC236}">
-                <a16:creationId xmlns:a16="http://schemas.microsoft.com/office/drawing/2014/main" id="{5A9734C4-5F02-A65D-FD68-71B991A56126}"/>
+                <a16:creationId xmlns:a16="http://schemas.microsoft.com/office/drawing/2014/main" id="{B215A277-0438-D368-A421-150B229555CA}"/>
               </a:ext>
             </a:extLst>
           </p:cNvPr>
@@ -4213,18 +6739,122 @@
         </p:blipFill>
         <p:spPr>
           <a:xfrm>
-            <a:off x="0" y="1685681"/>
-            <a:ext cx="7154273" cy="3486637"/>
+            <a:off x="0" y="232916"/>
+            <a:ext cx="7163800" cy="6392167"/>
           </a:xfrm>
           <a:prstGeom prst="rect">
             <a:avLst/>
           </a:prstGeom>
         </p:spPr>
       </p:pic>
+      <p:sp>
+        <p:nvSpPr>
+          <p:cNvPr id="4" name="TextBox 3">
+            <a:extLst>
+              <a:ext uri="{FF2B5EF4-FFF2-40B4-BE49-F238E27FC236}">
+                <a16:creationId xmlns:a16="http://schemas.microsoft.com/office/drawing/2014/main" id="{37A59FC0-C489-DB37-CB9E-DCDA8985194A}"/>
+              </a:ext>
+            </a:extLst>
+          </p:cNvPr>
+          <p:cNvSpPr txBox="1"/>
+          <p:nvPr/>
+        </p:nvSpPr>
+        <p:spPr>
+          <a:xfrm>
+            <a:off x="7495969" y="382755"/>
+            <a:ext cx="4348065" cy="6247864"/>
+          </a:xfrm>
+          <a:prstGeom prst="rect">
+            <a:avLst/>
+          </a:prstGeom>
+          <a:noFill/>
+        </p:spPr>
+        <p:txBody>
+          <a:bodyPr wrap="square" rtlCol="0">
+            <a:spAutoFit/>
+          </a:bodyPr>
+          <a:lstStyle/>
+          <a:p>
+            <a:r>
+              <a:rPr lang="en-GB" sz="2000" dirty="0"/>
+              <a:t>Once all the required files have been downloaded, the program ensures that they are all valid.</a:t>
+            </a:r>
+          </a:p>
+          <a:p>
+            <a:r>
+              <a:rPr lang="en-GB" sz="2000" dirty="0"/>
+              <a:t>The checks made are:</a:t>
+            </a:r>
+          </a:p>
+          <a:p>
+            <a:pPr marL="285750" indent="-285750">
+              <a:buFont typeface="Arial" panose="020B0604020202020204" pitchFamily="34" charset="0"/>
+              <a:buChar char="•"/>
+            </a:pPr>
+            <a:r>
+              <a:rPr lang="en-GB" sz="2000" dirty="0"/>
+              <a:t>Ensuring file isn’t empty</a:t>
+            </a:r>
+          </a:p>
+          <a:p>
+            <a:pPr marL="285750" indent="-285750">
+              <a:buFont typeface="Arial" panose="020B0604020202020204" pitchFamily="34" charset="0"/>
+              <a:buChar char="•"/>
+            </a:pPr>
+            <a:r>
+              <a:rPr lang="en-GB" sz="2000" dirty="0"/>
+              <a:t>Ensure all columns headings follow standard naming conventions and order</a:t>
+            </a:r>
+          </a:p>
+          <a:p>
+            <a:pPr marL="285750" indent="-285750">
+              <a:buFont typeface="Arial" panose="020B0604020202020204" pitchFamily="34" charset="0"/>
+              <a:buChar char="•"/>
+            </a:pPr>
+            <a:r>
+              <a:rPr lang="en-GB" sz="2000" dirty="0"/>
+              <a:t>Ensure each batch in the file has a unique ID</a:t>
+            </a:r>
+          </a:p>
+          <a:p>
+            <a:pPr marL="285750" indent="-285750">
+              <a:buFont typeface="Arial" panose="020B0604020202020204" pitchFamily="34" charset="0"/>
+              <a:buChar char="•"/>
+            </a:pPr>
+            <a:r>
+              <a:rPr lang="en-GB" sz="2000" dirty="0"/>
+              <a:t>Ensuring there are no missing columns</a:t>
+            </a:r>
+          </a:p>
+          <a:p>
+            <a:pPr marL="285750" indent="-285750">
+              <a:buFont typeface="Arial" panose="020B0604020202020204" pitchFamily="34" charset="0"/>
+              <a:buChar char="•"/>
+            </a:pPr>
+            <a:r>
+              <a:rPr lang="en-GB" sz="2000" dirty="0"/>
+              <a:t>Ensure data entered is valid (0 &lt; data &lt;= 9.999)</a:t>
+            </a:r>
+          </a:p>
+          <a:p>
+            <a:pPr marL="285750" indent="-285750">
+              <a:buFont typeface="Arial" panose="020B0604020202020204" pitchFamily="34" charset="0"/>
+              <a:buChar char="•"/>
+            </a:pPr>
+            <a:endParaRPr lang="en-GB" sz="2000" dirty="0"/>
+          </a:p>
+          <a:p>
+            <a:r>
+              <a:rPr lang="en-GB" sz="2000" dirty="0"/>
+              <a:t>If an error is found, a log containing the filename, a timestamp, and a message about the type of error is added to the log file</a:t>
+            </a:r>
+          </a:p>
+        </p:txBody>
+      </p:sp>
     </p:spTree>
     <p:extLst>
       <p:ext uri="{BB962C8B-B14F-4D97-AF65-F5344CB8AC3E}">
-        <p14:creationId xmlns:p14="http://schemas.microsoft.com/office/powerpoint/2010/main" val="40709381"/>
+        <p14:creationId xmlns:p14="http://schemas.microsoft.com/office/powerpoint/2010/main" val="2114035461"/>
       </p:ext>
     </p:extLst>
   </p:cSld>
@@ -4235,9 +6865,9 @@
 </file>
 
 <file path=ppt/theme/theme1.xml><?xml version="1.0" encoding="utf-8"?>
-<a:theme xmlns:a="http://schemas.openxmlformats.org/drawingml/2006/main" name="Office Theme">
+<a:theme xmlns:a="http://schemas.openxmlformats.org/drawingml/2006/main" name="Quotable">
   <a:themeElements>
-    <a:clrScheme name="Office">
+    <a:clrScheme name="Quotable">
       <a:dk1>
         <a:sysClr val="windowText" lastClr="000000"/>
       </a:dk1>
@@ -4245,100 +6875,48 @@
         <a:sysClr val="window" lastClr="FFFFFF"/>
       </a:lt1>
       <a:dk2>
-        <a:srgbClr val="44546A"/>
+        <a:srgbClr val="212121"/>
       </a:dk2>
       <a:lt2>
-        <a:srgbClr val="E7E6E6"/>
+        <a:srgbClr val="636363"/>
       </a:lt2>
       <a:accent1>
-        <a:srgbClr val="4472C4"/>
+        <a:srgbClr val="8664B0"/>
       </a:accent1>
       <a:accent2>
-        <a:srgbClr val="ED7D31"/>
+        <a:srgbClr val="D75BCD"/>
       </a:accent2>
       <a:accent3>
-        <a:srgbClr val="A5A5A5"/>
+        <a:srgbClr val="E54D86"/>
       </a:accent3>
       <a:accent4>
-        <a:srgbClr val="FFC000"/>
+        <a:srgbClr val="DE4547"/>
       </a:accent4>
       <a:accent5>
-        <a:srgbClr val="5B9BD5"/>
+        <a:srgbClr val="F16E40"/>
       </a:accent5>
       <a:accent6>
-        <a:srgbClr val="70AD47"/>
+        <a:srgbClr val="EB9C5A"/>
       </a:accent6>
       <a:hlink>
-        <a:srgbClr val="0563C1"/>
+        <a:srgbClr val="8F8F8F"/>
       </a:hlink>
       <a:folHlink>
-        <a:srgbClr val="954F72"/>
+        <a:srgbClr val="A5A5A5"/>
       </a:folHlink>
     </a:clrScheme>
-    <a:fontScheme name="Office">
+    <a:fontScheme name="Quotable">
       <a:majorFont>
-        <a:latin typeface="Calibri Light" panose="020F0302020204030204"/>
+        <a:latin typeface="Century Gothic" panose="020B0502020202020204"/>
         <a:ea typeface=""/>
         <a:cs typeface=""/>
-        <a:font script="Jpan" typeface="游ゴシック Light"/>
+        <a:font script="Jpan" typeface="ＭＳ ゴシック"/>
         <a:font script="Hang" typeface="맑은 고딕"/>
-        <a:font script="Hans" typeface="等线 Light"/>
+        <a:font script="Hans" typeface="宋体"/>
         <a:font script="Hant" typeface="新細明體"/>
-        <a:font script="Arab" typeface="Times New Roman"/>
-        <a:font script="Hebr" typeface="Times New Roman"/>
-        <a:font script="Thai" typeface="Angsana New"/>
-        <a:font script="Ethi" typeface="Nyala"/>
-        <a:font script="Beng" typeface="Vrinda"/>
-        <a:font script="Gujr" typeface="Shruti"/>
-        <a:font script="Khmr" typeface="MoolBoran"/>
-        <a:font script="Knda" typeface="Tunga"/>
-        <a:font script="Guru" typeface="Raavi"/>
-        <a:font script="Cans" typeface="Euphemia"/>
-        <a:font script="Cher" typeface="Plantagenet Cherokee"/>
-        <a:font script="Yiii" typeface="Microsoft Yi Baiti"/>
-        <a:font script="Tibt" typeface="Microsoft Himalaya"/>
-        <a:font script="Thaa" typeface="MV Boli"/>
-        <a:font script="Deva" typeface="Mangal"/>
-        <a:font script="Telu" typeface="Gautami"/>
-        <a:font script="Taml" typeface="Latha"/>
-        <a:font script="Syrc" typeface="Estrangelo Edessa"/>
-        <a:font script="Orya" typeface="Kalinga"/>
-        <a:font script="Mlym" typeface="Kartika"/>
-        <a:font script="Laoo" typeface="DokChampa"/>
-        <a:font script="Sinh" typeface="Iskoola Pota"/>
-        <a:font script="Mong" typeface="Mongolian Baiti"/>
-        <a:font script="Viet" typeface="Times New Roman"/>
-        <a:font script="Uigh" typeface="Microsoft Uighur"/>
-        <a:font script="Geor" typeface="Sylfaen"/>
-        <a:font script="Armn" typeface="Arial"/>
-        <a:font script="Bugi" typeface="Leelawadee UI"/>
-        <a:font script="Bopo" typeface="Microsoft JhengHei"/>
-        <a:font script="Java" typeface="Javanese Text"/>
-        <a:font script="Lisu" typeface="Segoe UI"/>
-        <a:font script="Mymr" typeface="Myanmar Text"/>
-        <a:font script="Nkoo" typeface="Ebrima"/>
-        <a:font script="Olck" typeface="Nirmala UI"/>
-        <a:font script="Osma" typeface="Ebrima"/>
-        <a:font script="Phag" typeface="Phagspa"/>
-        <a:font script="Syrn" typeface="Estrangelo Edessa"/>
-        <a:font script="Syrj" typeface="Estrangelo Edessa"/>
-        <a:font script="Syre" typeface="Estrangelo Edessa"/>
-        <a:font script="Sora" typeface="Nirmala UI"/>
-        <a:font script="Tale" typeface="Microsoft Tai Le"/>
-        <a:font script="Talu" typeface="Microsoft New Tai Lue"/>
-        <a:font script="Tfng" typeface="Ebrima"/>
-      </a:majorFont>
-      <a:minorFont>
-        <a:latin typeface="Calibri" panose="020F0502020204030204"/>
-        <a:ea typeface=""/>
-        <a:cs typeface=""/>
-        <a:font script="Jpan" typeface="游ゴシック"/>
-        <a:font script="Hang" typeface="맑은 고딕"/>
-        <a:font script="Hans" typeface="等线"/>
-        <a:font script="Hant" typeface="新細明體"/>
-        <a:font script="Arab" typeface="Arial"/>
-        <a:font script="Hebr" typeface="Arial"/>
-        <a:font script="Thai" typeface="Cordia New"/>
+        <a:font script="Arab" typeface="Tahoma"/>
+        <a:font script="Hebr" typeface="Gisha"/>
+        <a:font script="Thai" typeface="DilleniaUPC"/>
         <a:font script="Ethi" typeface="Nyala"/>
         <a:font script="Beng" typeface="Vrinda"/>
         <a:font script="Gujr" typeface="Shruti"/>
@@ -4359,29 +6937,47 @@
         <a:font script="Laoo" typeface="DokChampa"/>
         <a:font script="Sinh" typeface="Iskoola Pota"/>
         <a:font script="Mong" typeface="Mongolian Baiti"/>
-        <a:font script="Viet" typeface="Arial"/>
+        <a:font script="Viet" typeface="Tahoma"/>
         <a:font script="Uigh" typeface="Microsoft Uighur"/>
         <a:font script="Geor" typeface="Sylfaen"/>
-        <a:font script="Armn" typeface="Arial"/>
-        <a:font script="Bugi" typeface="Leelawadee UI"/>
-        <a:font script="Bopo" typeface="Microsoft JhengHei"/>
-        <a:font script="Java" typeface="Javanese Text"/>
-        <a:font script="Lisu" typeface="Segoe UI"/>
-        <a:font script="Mymr" typeface="Myanmar Text"/>
-        <a:font script="Nkoo" typeface="Ebrima"/>
-        <a:font script="Olck" typeface="Nirmala UI"/>
-        <a:font script="Osma" typeface="Ebrima"/>
-        <a:font script="Phag" typeface="Phagspa"/>
-        <a:font script="Syrn" typeface="Estrangelo Edessa"/>
-        <a:font script="Syrj" typeface="Estrangelo Edessa"/>
-        <a:font script="Syre" typeface="Estrangelo Edessa"/>
-        <a:font script="Sora" typeface="Nirmala UI"/>
-        <a:font script="Tale" typeface="Microsoft Tai Le"/>
-        <a:font script="Talu" typeface="Microsoft New Tai Lue"/>
-        <a:font script="Tfng" typeface="Ebrima"/>
+      </a:majorFont>
+      <a:minorFont>
+        <a:latin typeface="Century Gothic" panose="020B0502020202020204"/>
+        <a:ea typeface=""/>
+        <a:cs typeface=""/>
+        <a:font script="Jpan" typeface="ＭＳ ゴシック"/>
+        <a:font script="Hang" typeface="맑은 고딕"/>
+        <a:font script="Hans" typeface="宋体"/>
+        <a:font script="Hant" typeface="新細明體"/>
+        <a:font script="Arab" typeface="Tahoma"/>
+        <a:font script="Hebr" typeface="Gisha"/>
+        <a:font script="Thai" typeface="DilleniaUPC"/>
+        <a:font script="Ethi" typeface="Nyala"/>
+        <a:font script="Beng" typeface="Vrinda"/>
+        <a:font script="Gujr" typeface="Shruti"/>
+        <a:font script="Khmr" typeface="DaunPenh"/>
+        <a:font script="Knda" typeface="Tunga"/>
+        <a:font script="Guru" typeface="Raavi"/>
+        <a:font script="Cans" typeface="Euphemia"/>
+        <a:font script="Cher" typeface="Plantagenet Cherokee"/>
+        <a:font script="Yiii" typeface="Microsoft Yi Baiti"/>
+        <a:font script="Tibt" typeface="Microsoft Himalaya"/>
+        <a:font script="Thaa" typeface="MV Boli"/>
+        <a:font script="Deva" typeface="Mangal"/>
+        <a:font script="Telu" typeface="Gautami"/>
+        <a:font script="Taml" typeface="Latha"/>
+        <a:font script="Syrc" typeface="Estrangelo Edessa"/>
+        <a:font script="Orya" typeface="Kalinga"/>
+        <a:font script="Mlym" typeface="Kartika"/>
+        <a:font script="Laoo" typeface="DokChampa"/>
+        <a:font script="Sinh" typeface="Iskoola Pota"/>
+        <a:font script="Mong" typeface="Mongolian Baiti"/>
+        <a:font script="Viet" typeface="Verdana"/>
+        <a:font script="Uigh" typeface="Microsoft Uighur"/>
+        <a:font script="Geor" typeface="Sylfaen"/>
       </a:minorFont>
     </a:fontScheme>
-    <a:fmtScheme name="Office">
+    <a:fmtScheme name="Quotable">
       <a:fillStyleLst>
         <a:solidFill>
           <a:schemeClr val="phClr"/>
@@ -4390,76 +6986,52 @@
           <a:gsLst>
             <a:gs pos="0">
               <a:schemeClr val="phClr">
-                <a:lumMod val="110000"/>
-                <a:satMod val="105000"/>
-                <a:tint val="67000"/>
-              </a:schemeClr>
-            </a:gs>
-            <a:gs pos="50000">
-              <a:schemeClr val="phClr">
+                <a:tint val="80000"/>
                 <a:lumMod val="105000"/>
-                <a:satMod val="103000"/>
-                <a:tint val="73000"/>
               </a:schemeClr>
             </a:gs>
             <a:gs pos="100000">
               <a:schemeClr val="phClr">
-                <a:lumMod val="105000"/>
-                <a:satMod val="109000"/>
-                <a:tint val="81000"/>
+                <a:tint val="90000"/>
               </a:schemeClr>
             </a:gs>
           </a:gsLst>
           <a:lin ang="5400000" scaled="0"/>
         </a:gradFill>
-        <a:gradFill rotWithShape="1">
-          <a:gsLst>
-            <a:gs pos="0">
+        <a:blipFill rotWithShape="1">
+          <a:blip xmlns:r="http://schemas.openxmlformats.org/officeDocument/2006/relationships" r:embed="rId1">
+            <a:duotone>
               <a:schemeClr val="phClr">
-                <a:satMod val="103000"/>
+                <a:tint val="98000"/>
                 <a:lumMod val="102000"/>
-                <a:tint val="94000"/>
               </a:schemeClr>
-            </a:gs>
-            <a:gs pos="50000">
               <a:schemeClr val="phClr">
-                <a:satMod val="110000"/>
-                <a:lumMod val="100000"/>
-                <a:shade val="100000"/>
+                <a:shade val="98000"/>
+                <a:lumMod val="98000"/>
               </a:schemeClr>
-            </a:gs>
-            <a:gs pos="100000">
-              <a:schemeClr val="phClr">
-                <a:lumMod val="99000"/>
-                <a:satMod val="120000"/>
-                <a:shade val="78000"/>
-              </a:schemeClr>
-            </a:gs>
-          </a:gsLst>
-          <a:lin ang="5400000" scaled="0"/>
-        </a:gradFill>
+            </a:duotone>
+          </a:blip>
+          <a:tile tx="0" ty="0" sx="100000" sy="100000" flip="none" algn="tl"/>
+        </a:blipFill>
       </a:fillStyleLst>
       <a:lnStyleLst>
-        <a:ln w="6350" cap="flat" cmpd="sng" algn="ctr">
+        <a:ln w="9525" cap="rnd" cmpd="sng" algn="ctr">
           <a:solidFill>
             <a:schemeClr val="phClr"/>
           </a:solidFill>
           <a:prstDash val="solid"/>
-          <a:miter lim="800000"/>
         </a:ln>
-        <a:ln w="12700" cap="flat" cmpd="sng" algn="ctr">
+        <a:ln w="15875" cap="rnd" cmpd="sng" algn="ctr">
           <a:solidFill>
             <a:schemeClr val="phClr"/>
           </a:solidFill>
           <a:prstDash val="solid"/>
-          <a:miter lim="800000"/>
         </a:ln>
-        <a:ln w="19050" cap="flat" cmpd="sng" algn="ctr">
+        <a:ln w="25400" cap="rnd" cmpd="sng" algn="ctr">
           <a:solidFill>
             <a:schemeClr val="phClr"/>
           </a:solidFill>
           <a:prstDash val="solid"/>
-          <a:miter lim="800000"/>
         </a:ln>
       </a:lnStyleLst>
       <a:effectStyleLst>
@@ -4471,11 +7043,11 @@
         </a:effectStyle>
         <a:effectStyle>
           <a:effectLst>
-            <a:outerShdw blurRad="57150" dist="19050" dir="5400000" algn="ctr" rotWithShape="0">
+            <a:innerShdw blurRad="63500" dist="25400" dir="13500000">
               <a:srgbClr val="000000">
-                <a:alpha val="63000"/>
+                <a:alpha val="75000"/>
               </a:srgbClr>
-            </a:outerShdw>
+            </a:innerShdw>
           </a:effectLst>
         </a:effectStyle>
       </a:effectStyleLst>
@@ -4483,35 +7055,35 @@
         <a:solidFill>
           <a:schemeClr val="phClr"/>
         </a:solidFill>
-        <a:solidFill>
-          <a:schemeClr val="phClr">
-            <a:tint val="95000"/>
-            <a:satMod val="170000"/>
-          </a:schemeClr>
-        </a:solidFill>
         <a:gradFill rotWithShape="1">
           <a:gsLst>
             <a:gs pos="0">
               <a:schemeClr val="phClr">
-                <a:tint val="93000"/>
-                <a:satMod val="150000"/>
-                <a:shade val="98000"/>
-                <a:lumMod val="102000"/>
-              </a:schemeClr>
-            </a:gs>
-            <a:gs pos="50000">
-              <a:schemeClr val="phClr">
-                <a:tint val="98000"/>
-                <a:satMod val="130000"/>
-                <a:shade val="90000"/>
-                <a:lumMod val="103000"/>
+                <a:tint val="100000"/>
               </a:schemeClr>
             </a:gs>
             <a:gs pos="100000">
               <a:schemeClr val="phClr">
-                <a:shade val="63000"/>
+                <a:tint val="84000"/>
+                <a:shade val="84000"/>
+                <a:lumMod val="90000"/>
+              </a:schemeClr>
+            </a:gs>
+          </a:gsLst>
+          <a:lin ang="5400000" scaled="0"/>
+        </a:gradFill>
+        <a:gradFill rotWithShape="1">
+          <a:gsLst>
+            <a:gs pos="0">
+              <a:schemeClr val="phClr">
+                <a:tint val="84000"/>
+                <a:shade val="90000"/>
                 <a:satMod val="120000"/>
+                <a:lumMod val="90000"/>
               </a:schemeClr>
+            </a:gs>
+            <a:gs pos="100000">
+              <a:schemeClr val="phClr"/>
             </a:gs>
           </a:gsLst>
           <a:lin ang="5400000" scaled="0"/>
@@ -4523,7 +7095,7 @@
   <a:extraClrSchemeLst/>
   <a:extLst>
     <a:ext uri="{05A4C25C-085E-4340-85A3-A5531E510DB2}">
-      <thm15:themeFamily xmlns:thm15="http://schemas.microsoft.com/office/thememl/2012/main" name="Office Theme" id="{62F939B6-93AF-4DB8-9C6B-D6C7DFDC589F}" vid="{4A3C46E8-61CC-4603-A589-7422A47A8E4A}"/>
+      <thm15:themeFamily xmlns:thm15="http://schemas.microsoft.com/office/thememl/2012/main" name="Quotable" id="{39EC5628-30ED-4578-ACD8-9820EDB8E15A}" vid="{7AF46513-5B0D-4B03-9323-32F3F0BFC9D6}"/>
     </a:ext>
   </a:extLst>
 </a:theme>

--- a/Presentation.pptx
+++ b/Presentation.pptx
@@ -2,7 +2,7 @@
 <file path=ppt/presentation.xml><?xml version="1.0" encoding="utf-8"?>
 <p:presentation xmlns:a="http://schemas.openxmlformats.org/drawingml/2006/main" xmlns:r="http://schemas.openxmlformats.org/officeDocument/2006/relationships" xmlns:p="http://schemas.openxmlformats.org/presentationml/2006/main" saveSubsetFonts="1">
   <p:sldMasterIdLst>
-    <p:sldMasterId id="2147483735" r:id="rId1"/>
+    <p:sldMasterId id="2147483815" r:id="rId1"/>
   </p:sldMasterIdLst>
   <p:sldIdLst>
     <p:sldId id="256" r:id="rId2"/>
@@ -15,10 +15,12 @@
     <p:sldId id="263" r:id="rId9"/>
     <p:sldId id="265" r:id="rId10"/>
     <p:sldId id="264" r:id="rId11"/>
-    <p:sldId id="266" r:id="rId12"/>
-    <p:sldId id="267" r:id="rId13"/>
-    <p:sldId id="268" r:id="rId14"/>
-    <p:sldId id="269" r:id="rId15"/>
+    <p:sldId id="270" r:id="rId12"/>
+    <p:sldId id="266" r:id="rId13"/>
+    <p:sldId id="271" r:id="rId14"/>
+    <p:sldId id="267" r:id="rId15"/>
+    <p:sldId id="268" r:id="rId16"/>
+    <p:sldId id="269" r:id="rId17"/>
   </p:sldIdLst>
   <p:sldSz cx="12192000" cy="6858000"/>
   <p:notesSz cx="6858000" cy="9144000"/>
@@ -195,7 +197,7 @@
 </file>
 
 <file path=ppt/slideLayouts/slideLayout1.xml><?xml version="1.0" encoding="utf-8"?>
-<p:sldLayout xmlns:a="http://schemas.openxmlformats.org/drawingml/2006/main" xmlns:r="http://schemas.openxmlformats.org/officeDocument/2006/relationships" xmlns:p="http://schemas.openxmlformats.org/presentationml/2006/main" type="title" preserve="1">
+<p:sldLayout xmlns:a="http://schemas.openxmlformats.org/drawingml/2006/main" xmlns:r="http://schemas.openxmlformats.org/officeDocument/2006/relationships" xmlns:p="http://schemas.openxmlformats.org/presentationml/2006/main" showMasterSp="0" type="title" preserve="1">
   <p:cSld name="Title Slide">
     <p:spTree>
       <p:nvGrpSpPr>
@@ -213,101 +215,35 @@
       </p:grpSpPr>
       <p:sp>
         <p:nvSpPr>
-          <p:cNvPr id="11" name="Freeform 6"/>
+          <p:cNvPr id="7" name="Rectangle 6"/>
           <p:cNvSpPr/>
           <p:nvPr/>
         </p:nvSpPr>
-        <p:spPr bwMode="auto">
+        <p:spPr>
           <a:xfrm>
-            <a:off x="0" y="-3175"/>
-            <a:ext cx="12192000" cy="5203825"/>
+            <a:off x="-6843" y="2059012"/>
+            <a:ext cx="12195668" cy="1828800"/>
           </a:xfrm>
-          <a:custGeom>
+          <a:prstGeom prst="rect">
             <a:avLst/>
-            <a:gdLst/>
-            <a:ahLst/>
-            <a:cxnLst/>
-            <a:rect l="0" t="0" r="r" b="b"/>
-            <a:pathLst>
-              <a:path w="5760" h="3278">
-                <a:moveTo>
-                  <a:pt x="5760" y="0"/>
-                </a:moveTo>
-                <a:lnTo>
-                  <a:pt x="0" y="0"/>
-                </a:lnTo>
-                <a:lnTo>
-                  <a:pt x="0" y="3090"/>
-                </a:lnTo>
-                <a:lnTo>
-                  <a:pt x="943" y="3090"/>
-                </a:lnTo>
-                <a:lnTo>
-                  <a:pt x="1123" y="3270"/>
-                </a:lnTo>
-                <a:lnTo>
-                  <a:pt x="1123" y="3270"/>
-                </a:lnTo>
-                <a:lnTo>
-                  <a:pt x="1127" y="3272"/>
-                </a:lnTo>
-                <a:lnTo>
-                  <a:pt x="1133" y="3275"/>
-                </a:lnTo>
-                <a:lnTo>
-                  <a:pt x="1139" y="3278"/>
-                </a:lnTo>
-                <a:lnTo>
-                  <a:pt x="1144" y="3278"/>
-                </a:lnTo>
-                <a:lnTo>
-                  <a:pt x="1150" y="3278"/>
-                </a:lnTo>
-                <a:lnTo>
-                  <a:pt x="1155" y="3275"/>
-                </a:lnTo>
-                <a:lnTo>
-                  <a:pt x="1161" y="3272"/>
-                </a:lnTo>
-                <a:lnTo>
-                  <a:pt x="1165" y="3270"/>
-                </a:lnTo>
-                <a:lnTo>
-                  <a:pt x="1345" y="3090"/>
-                </a:lnTo>
-                <a:lnTo>
-                  <a:pt x="5760" y="3090"/>
-                </a:lnTo>
-                <a:lnTo>
-                  <a:pt x="5760" y="0"/>
-                </a:lnTo>
-                <a:close/>
-              </a:path>
-            </a:pathLst>
-          </a:custGeom>
-          <a:ln/>
-          <a:effectLst/>
-          <a:extLst>
-            <a:ext uri="{91240B29-F687-4f45-9708-019B960494DF}">
-              <a14:hiddenLine xmlns:a14="http://schemas.microsoft.com/office/drawing/2010/main" xmlns="" w="9525">
-                <a:solidFill>
-                  <a:srgbClr val="000000"/>
-                </a:solidFill>
-                <a:round/>
-                <a:headEnd/>
-                <a:tailEnd/>
-              </a14:hiddenLine>
-            </a:ext>
-          </a:extLst>
+          </a:prstGeom>
+          <a:solidFill>
+            <a:schemeClr val="tx1"/>
+          </a:solidFill>
+          <a:ln>
+            <a:noFill/>
+          </a:ln>
         </p:spPr>
         <p:style>
-          <a:lnRef idx="1">
-            <a:schemeClr val="accent1"/>
+          <a:lnRef idx="2">
+            <a:schemeClr val="accent1">
+              <a:shade val="50000"/>
+            </a:schemeClr>
           </a:lnRef>
-          <a:fillRef idx="3">
+          <a:fillRef idx="1">
             <a:schemeClr val="accent1"/>
           </a:fillRef>
-          <a:effectRef idx="2">
+          <a:effectRef idx="0">
             <a:schemeClr val="accent1"/>
           </a:effectRef>
           <a:fontRef idx="minor">
@@ -327,15 +263,20 @@
         </p:nvSpPr>
         <p:spPr>
           <a:xfrm>
-            <a:off x="810001" y="1449147"/>
-            <a:ext cx="10572000" cy="2971051"/>
+            <a:off x="365759" y="2166364"/>
+            <a:ext cx="11471565" cy="1739347"/>
           </a:xfrm>
         </p:spPr>
         <p:txBody>
-          <a:bodyPr/>
+          <a:bodyPr tIns="45720" bIns="45720" anchor="ctr">
+            <a:normAutofit/>
+          </a:bodyPr>
           <a:lstStyle>
-            <a:lvl1pPr>
-              <a:defRPr sz="5400"/>
+            <a:lvl1pPr algn="ctr">
+              <a:lnSpc>
+                <a:spcPct val="80000"/>
+              </a:lnSpc>
+              <a:defRPr sz="6000" spc="150" baseline="0"/>
             </a:lvl1pPr>
           </a:lstStyle>
           <a:p>
@@ -359,100 +300,50 @@
         </p:nvSpPr>
         <p:spPr>
           <a:xfrm>
-            <a:off x="810001" y="5280847"/>
-            <a:ext cx="10572000" cy="434974"/>
+            <a:off x="1524000" y="3996250"/>
+            <a:ext cx="9144000" cy="1309255"/>
           </a:xfrm>
         </p:spPr>
         <p:txBody>
-          <a:bodyPr anchor="t"/>
+          <a:bodyPr>
+            <a:normAutofit/>
+          </a:bodyPr>
           <a:lstStyle>
-            <a:lvl1pPr marL="0" indent="0" algn="l">
-              <a:buNone/>
-              <a:defRPr>
-                <a:solidFill>
-                  <a:schemeClr val="tx1"/>
-                </a:solidFill>
-              </a:defRPr>
+            <a:lvl1pPr marL="0" indent="0" algn="ctr">
+              <a:buNone/>
+              <a:defRPr sz="2000"/>
             </a:lvl1pPr>
             <a:lvl2pPr marL="457200" indent="0" algn="ctr">
               <a:buNone/>
-              <a:defRPr>
-                <a:solidFill>
-                  <a:schemeClr val="tx1">
-                    <a:tint val="75000"/>
-                  </a:schemeClr>
-                </a:solidFill>
-              </a:defRPr>
+              <a:defRPr sz="2000"/>
             </a:lvl2pPr>
             <a:lvl3pPr marL="914400" indent="0" algn="ctr">
               <a:buNone/>
-              <a:defRPr>
-                <a:solidFill>
-                  <a:schemeClr val="tx1">
-                    <a:tint val="75000"/>
-                  </a:schemeClr>
-                </a:solidFill>
-              </a:defRPr>
+              <a:defRPr sz="2000"/>
             </a:lvl3pPr>
             <a:lvl4pPr marL="1371600" indent="0" algn="ctr">
               <a:buNone/>
-              <a:defRPr>
-                <a:solidFill>
-                  <a:schemeClr val="tx1">
-                    <a:tint val="75000"/>
-                  </a:schemeClr>
-                </a:solidFill>
-              </a:defRPr>
+              <a:defRPr sz="2000"/>
             </a:lvl4pPr>
             <a:lvl5pPr marL="1828800" indent="0" algn="ctr">
               <a:buNone/>
-              <a:defRPr>
-                <a:solidFill>
-                  <a:schemeClr val="tx1">
-                    <a:tint val="75000"/>
-                  </a:schemeClr>
-                </a:solidFill>
-              </a:defRPr>
+              <a:defRPr sz="2000"/>
             </a:lvl5pPr>
             <a:lvl6pPr marL="2286000" indent="0" algn="ctr">
               <a:buNone/>
-              <a:defRPr>
-                <a:solidFill>
-                  <a:schemeClr val="tx1">
-                    <a:tint val="75000"/>
-                  </a:schemeClr>
-                </a:solidFill>
-              </a:defRPr>
+              <a:defRPr sz="2000"/>
             </a:lvl6pPr>
             <a:lvl7pPr marL="2743200" indent="0" algn="ctr">
               <a:buNone/>
-              <a:defRPr>
-                <a:solidFill>
-                  <a:schemeClr val="tx1">
-                    <a:tint val="75000"/>
-                  </a:schemeClr>
-                </a:solidFill>
-              </a:defRPr>
+              <a:defRPr sz="2000"/>
             </a:lvl7pPr>
             <a:lvl8pPr marL="3200400" indent="0" algn="ctr">
               <a:buNone/>
-              <a:defRPr>
-                <a:solidFill>
-                  <a:schemeClr val="tx1">
-                    <a:tint val="75000"/>
-                  </a:schemeClr>
-                </a:solidFill>
-              </a:defRPr>
+              <a:defRPr sz="2000"/>
             </a:lvl8pPr>
             <a:lvl9pPr marL="3657600" indent="0" algn="ctr">
               <a:buNone/>
-              <a:defRPr>
-                <a:solidFill>
-                  <a:schemeClr val="tx1">
-                    <a:tint val="75000"/>
-                  </a:schemeClr>
-                </a:solidFill>
-              </a:defRPr>
+              <a:defRPr sz="2000"/>
             </a:lvl9pPr>
           </a:lstStyle>
           <a:p>
@@ -532,7 +423,7 @@
     </p:spTree>
     <p:extLst>
       <p:ext uri="{BB962C8B-B14F-4D97-AF65-F5344CB8AC3E}">
-        <p14:creationId xmlns:p14="http://schemas.microsoft.com/office/powerpoint/2010/main" val="3207778442"/>
+        <p14:creationId xmlns:p14="http://schemas.microsoft.com/office/powerpoint/2010/main" val="2280932098"/>
       </p:ext>
     </p:extLst>
   </p:cSld>
@@ -543,1181 +434,6 @@
 </file>
 
 <file path=ppt/slideLayouts/slideLayout10.xml><?xml version="1.0" encoding="utf-8"?>
-<p:sldLayout xmlns:a="http://schemas.openxmlformats.org/drawingml/2006/main" xmlns:r="http://schemas.openxmlformats.org/officeDocument/2006/relationships" xmlns:p="http://schemas.openxmlformats.org/presentationml/2006/main" preserve="1">
-  <p:cSld name="Panoramic Picture with Caption">
-    <p:spTree>
-      <p:nvGrpSpPr>
-        <p:cNvPr id="1" name=""/>
-        <p:cNvGrpSpPr/>
-        <p:nvPr/>
-      </p:nvGrpSpPr>
-      <p:grpSpPr>
-        <a:xfrm>
-          <a:off x="0" y="0"/>
-          <a:ext cx="0" cy="0"/>
-          <a:chOff x="0" y="0"/>
-          <a:chExt cx="0" cy="0"/>
-        </a:xfrm>
-      </p:grpSpPr>
-      <p:sp>
-        <p:nvSpPr>
-          <p:cNvPr id="2" name="Title 1"/>
-          <p:cNvSpPr>
-            <a:spLocks noGrp="1"/>
-          </p:cNvSpPr>
-          <p:nvPr>
-            <p:ph type="title"/>
-          </p:nvPr>
-        </p:nvSpPr>
-        <p:spPr>
-          <a:xfrm>
-            <a:off x="810000" y="4800600"/>
-            <a:ext cx="10561418" cy="566738"/>
-          </a:xfrm>
-        </p:spPr>
-        <p:txBody>
-          <a:bodyPr anchor="b">
-            <a:normAutofit/>
-          </a:bodyPr>
-          <a:lstStyle>
-            <a:lvl1pPr algn="l">
-              <a:defRPr sz="2400" b="0"/>
-            </a:lvl1pPr>
-          </a:lstStyle>
-          <a:p>
-            <a:r>
-              <a:rPr lang="en-US"/>
-              <a:t>Click to edit Master title style</a:t>
-            </a:r>
-            <a:endParaRPr lang="en-US" dirty="0"/>
-          </a:p>
-        </p:txBody>
-      </p:sp>
-      <p:sp>
-        <p:nvSpPr>
-          <p:cNvPr id="15" name="Picture Placeholder 14"/>
-          <p:cNvSpPr>
-            <a:spLocks noGrp="1" noChangeAspect="1"/>
-          </p:cNvSpPr>
-          <p:nvPr>
-            <p:ph type="pic" sz="quarter" idx="13"/>
-          </p:nvPr>
-        </p:nvSpPr>
-        <p:spPr bwMode="auto">
-          <a:xfrm>
-            <a:off x="0" y="0"/>
-            <a:ext cx="12192000" cy="4800600"/>
-          </a:xfrm>
-          <a:custGeom>
-            <a:avLst/>
-            <a:gdLst/>
-            <a:ahLst/>
-            <a:cxnLst/>
-            <a:rect l="0" t="0" r="r" b="b"/>
-            <a:pathLst>
-              <a:path w="5760" h="3289">
-                <a:moveTo>
-                  <a:pt x="5760" y="0"/>
-                </a:moveTo>
-                <a:lnTo>
-                  <a:pt x="0" y="0"/>
-                </a:lnTo>
-                <a:lnTo>
-                  <a:pt x="0" y="3100"/>
-                </a:lnTo>
-                <a:lnTo>
-                  <a:pt x="943" y="3100"/>
-                </a:lnTo>
-                <a:lnTo>
-                  <a:pt x="1123" y="3281"/>
-                </a:lnTo>
-                <a:lnTo>
-                  <a:pt x="1123" y="3281"/>
-                </a:lnTo>
-                <a:lnTo>
-                  <a:pt x="1127" y="3283"/>
-                </a:lnTo>
-                <a:lnTo>
-                  <a:pt x="1133" y="3286"/>
-                </a:lnTo>
-                <a:lnTo>
-                  <a:pt x="1139" y="3289"/>
-                </a:lnTo>
-                <a:lnTo>
-                  <a:pt x="1144" y="3289"/>
-                </a:lnTo>
-                <a:lnTo>
-                  <a:pt x="1150" y="3289"/>
-                </a:lnTo>
-                <a:lnTo>
-                  <a:pt x="1155" y="3286"/>
-                </a:lnTo>
-                <a:lnTo>
-                  <a:pt x="1161" y="3283"/>
-                </a:lnTo>
-                <a:lnTo>
-                  <a:pt x="1165" y="3281"/>
-                </a:lnTo>
-                <a:lnTo>
-                  <a:pt x="1345" y="3100"/>
-                </a:lnTo>
-                <a:lnTo>
-                  <a:pt x="5760" y="3100"/>
-                </a:lnTo>
-                <a:lnTo>
-                  <a:pt x="5760" y="0"/>
-                </a:lnTo>
-                <a:close/>
-              </a:path>
-            </a:pathLst>
-          </a:custGeom>
-          <a:noFill/>
-          <a:ln>
-            <a:solidFill>
-              <a:schemeClr val="tx2"/>
-            </a:solidFill>
-          </a:ln>
-        </p:spPr>
-        <p:style>
-          <a:lnRef idx="1">
-            <a:schemeClr val="accent1"/>
-          </a:lnRef>
-          <a:fillRef idx="3">
-            <a:schemeClr val="accent1"/>
-          </a:fillRef>
-          <a:effectRef idx="2">
-            <a:schemeClr val="accent1"/>
-          </a:effectRef>
-          <a:fontRef idx="minor">
-            <a:schemeClr val="lt1"/>
-          </a:fontRef>
-        </p:style>
-        <p:txBody>
-          <a:bodyPr wrap="square" numCol="1" anchor="t" anchorCtr="0" compatLnSpc="1">
-            <a:prstTxWarp prst="textNoShape">
-              <a:avLst/>
-            </a:prstTxWarp>
-            <a:normAutofit/>
-          </a:bodyPr>
-          <a:lstStyle>
-            <a:lvl1pPr marL="0" indent="0" algn="ctr">
-              <a:buFontTx/>
-              <a:buNone/>
-              <a:defRPr sz="1600"/>
-            </a:lvl1pPr>
-          </a:lstStyle>
-          <a:p>
-            <a:r>
-              <a:rPr lang="en-US"/>
-              <a:t>Click icon to add picture</a:t>
-            </a:r>
-            <a:endParaRPr lang="en-US" dirty="0"/>
-          </a:p>
-        </p:txBody>
-      </p:sp>
-      <p:sp>
-        <p:nvSpPr>
-          <p:cNvPr id="4" name="Text Placeholder 3"/>
-          <p:cNvSpPr>
-            <a:spLocks noGrp="1"/>
-          </p:cNvSpPr>
-          <p:nvPr>
-            <p:ph type="body" sz="half" idx="2"/>
-          </p:nvPr>
-        </p:nvSpPr>
-        <p:spPr>
-          <a:xfrm>
-            <a:off x="810000" y="5367338"/>
-            <a:ext cx="10561418" cy="493712"/>
-          </a:xfrm>
-        </p:spPr>
-        <p:txBody>
-          <a:bodyPr>
-            <a:normAutofit/>
-          </a:bodyPr>
-          <a:lstStyle>
-            <a:lvl1pPr marL="0" indent="0">
-              <a:buNone/>
-              <a:defRPr sz="1200"/>
-            </a:lvl1pPr>
-            <a:lvl2pPr marL="457200" indent="0">
-              <a:buNone/>
-              <a:defRPr sz="1200"/>
-            </a:lvl2pPr>
-            <a:lvl3pPr marL="914400" indent="0">
-              <a:buNone/>
-              <a:defRPr sz="1000"/>
-            </a:lvl3pPr>
-            <a:lvl4pPr marL="1371600" indent="0">
-              <a:buNone/>
-              <a:defRPr sz="900"/>
-            </a:lvl4pPr>
-            <a:lvl5pPr marL="1828800" indent="0">
-              <a:buNone/>
-              <a:defRPr sz="900"/>
-            </a:lvl5pPr>
-            <a:lvl6pPr marL="2286000" indent="0">
-              <a:buNone/>
-              <a:defRPr sz="900"/>
-            </a:lvl6pPr>
-            <a:lvl7pPr marL="2743200" indent="0">
-              <a:buNone/>
-              <a:defRPr sz="900"/>
-            </a:lvl7pPr>
-            <a:lvl8pPr marL="3200400" indent="0">
-              <a:buNone/>
-              <a:defRPr sz="900"/>
-            </a:lvl8pPr>
-            <a:lvl9pPr marL="3657600" indent="0">
-              <a:buNone/>
-              <a:defRPr sz="900"/>
-            </a:lvl9pPr>
-          </a:lstStyle>
-          <a:p>
-            <a:pPr lvl="0"/>
-            <a:r>
-              <a:rPr lang="en-US"/>
-              <a:t>Click to edit Master text styles</a:t>
-            </a:r>
-          </a:p>
-        </p:txBody>
-      </p:sp>
-      <p:sp>
-        <p:nvSpPr>
-          <p:cNvPr id="5" name="Date Placeholder 4"/>
-          <p:cNvSpPr>
-            <a:spLocks noGrp="1"/>
-          </p:cNvSpPr>
-          <p:nvPr>
-            <p:ph type="dt" sz="half" idx="10"/>
-          </p:nvPr>
-        </p:nvSpPr>
-        <p:spPr/>
-        <p:txBody>
-          <a:bodyPr/>
-          <a:lstStyle/>
-          <a:p>
-            <a:fld id="{00464503-B255-4BAB-A675-58D659314144}" type="datetimeFigureOut">
-              <a:rPr lang="en-GB" smtClean="0"/>
-              <a:t>05/08/2022</a:t>
-            </a:fld>
-            <a:endParaRPr lang="en-GB"/>
-          </a:p>
-        </p:txBody>
-      </p:sp>
-      <p:sp>
-        <p:nvSpPr>
-          <p:cNvPr id="6" name="Footer Placeholder 5"/>
-          <p:cNvSpPr>
-            <a:spLocks noGrp="1"/>
-          </p:cNvSpPr>
-          <p:nvPr>
-            <p:ph type="ftr" sz="quarter" idx="11"/>
-          </p:nvPr>
-        </p:nvSpPr>
-        <p:spPr/>
-        <p:txBody>
-          <a:bodyPr/>
-          <a:lstStyle/>
-          <a:p>
-            <a:endParaRPr lang="en-GB"/>
-          </a:p>
-        </p:txBody>
-      </p:sp>
-      <p:sp>
-        <p:nvSpPr>
-          <p:cNvPr id="7" name="Slide Number Placeholder 6"/>
-          <p:cNvSpPr>
-            <a:spLocks noGrp="1"/>
-          </p:cNvSpPr>
-          <p:nvPr>
-            <p:ph type="sldNum" sz="quarter" idx="12"/>
-          </p:nvPr>
-        </p:nvSpPr>
-        <p:spPr/>
-        <p:txBody>
-          <a:bodyPr/>
-          <a:lstStyle/>
-          <a:p>
-            <a:fld id="{7B646B38-4373-445A-B781-759CE59DE79F}" type="slidenum">
-              <a:rPr lang="en-GB" smtClean="0"/>
-              <a:t>‹#›</a:t>
-            </a:fld>
-            <a:endParaRPr lang="en-GB"/>
-          </a:p>
-        </p:txBody>
-      </p:sp>
-    </p:spTree>
-    <p:extLst>
-      <p:ext uri="{BB962C8B-B14F-4D97-AF65-F5344CB8AC3E}">
-        <p14:creationId xmlns:p14="http://schemas.microsoft.com/office/powerpoint/2010/main" val="1315190627"/>
-      </p:ext>
-    </p:extLst>
-  </p:cSld>
-  <p:clrMapOvr>
-    <a:masterClrMapping/>
-  </p:clrMapOvr>
-</p:sldLayout>
-</file>
-
-<file path=ppt/slideLayouts/slideLayout11.xml><?xml version="1.0" encoding="utf-8"?>
-<p:sldLayout xmlns:a="http://schemas.openxmlformats.org/drawingml/2006/main" xmlns:r="http://schemas.openxmlformats.org/officeDocument/2006/relationships" xmlns:p="http://schemas.openxmlformats.org/presentationml/2006/main" preserve="1">
-  <p:cSld name="Quote with Caption">
-    <p:spTree>
-      <p:nvGrpSpPr>
-        <p:cNvPr id="1" name=""/>
-        <p:cNvGrpSpPr/>
-        <p:nvPr/>
-      </p:nvGrpSpPr>
-      <p:grpSpPr>
-        <a:xfrm>
-          <a:off x="0" y="0"/>
-          <a:ext cx="0" cy="0"/>
-          <a:chOff x="0" y="0"/>
-          <a:chExt cx="0" cy="0"/>
-        </a:xfrm>
-      </p:grpSpPr>
-      <p:sp>
-        <p:nvSpPr>
-          <p:cNvPr id="8" name="Freeform 6"/>
-          <p:cNvSpPr>
-            <a:spLocks noChangeAspect="1"/>
-          </p:cNvSpPr>
-          <p:nvPr/>
-        </p:nvSpPr>
-        <p:spPr bwMode="auto">
-          <a:xfrm>
-            <a:off x="631697" y="1081456"/>
-            <a:ext cx="6332416" cy="3239188"/>
-          </a:xfrm>
-          <a:custGeom>
-            <a:avLst/>
-            <a:gdLst/>
-            <a:ahLst/>
-            <a:cxnLst/>
-            <a:rect l="0" t="0" r="r" b="b"/>
-            <a:pathLst>
-              <a:path w="3384" h="2308">
-                <a:moveTo>
-                  <a:pt x="3340" y="0"/>
-                </a:moveTo>
-                <a:lnTo>
-                  <a:pt x="44" y="0"/>
-                </a:lnTo>
-                <a:lnTo>
-                  <a:pt x="44" y="0"/>
-                </a:lnTo>
-                <a:lnTo>
-                  <a:pt x="34" y="0"/>
-                </a:lnTo>
-                <a:lnTo>
-                  <a:pt x="26" y="4"/>
-                </a:lnTo>
-                <a:lnTo>
-                  <a:pt x="20" y="8"/>
-                </a:lnTo>
-                <a:lnTo>
-                  <a:pt x="12" y="12"/>
-                </a:lnTo>
-                <a:lnTo>
-                  <a:pt x="8" y="20"/>
-                </a:lnTo>
-                <a:lnTo>
-                  <a:pt x="4" y="26"/>
-                </a:lnTo>
-                <a:lnTo>
-                  <a:pt x="0" y="34"/>
-                </a:lnTo>
-                <a:lnTo>
-                  <a:pt x="0" y="44"/>
-                </a:lnTo>
-                <a:lnTo>
-                  <a:pt x="0" y="2076"/>
-                </a:lnTo>
-                <a:lnTo>
-                  <a:pt x="0" y="2076"/>
-                </a:lnTo>
-                <a:lnTo>
-                  <a:pt x="0" y="2086"/>
-                </a:lnTo>
-                <a:lnTo>
-                  <a:pt x="4" y="2094"/>
-                </a:lnTo>
-                <a:lnTo>
-                  <a:pt x="8" y="2100"/>
-                </a:lnTo>
-                <a:lnTo>
-                  <a:pt x="12" y="2108"/>
-                </a:lnTo>
-                <a:lnTo>
-                  <a:pt x="20" y="2112"/>
-                </a:lnTo>
-                <a:lnTo>
-                  <a:pt x="26" y="2116"/>
-                </a:lnTo>
-                <a:lnTo>
-                  <a:pt x="34" y="2120"/>
-                </a:lnTo>
-                <a:lnTo>
-                  <a:pt x="44" y="2120"/>
-                </a:lnTo>
-                <a:lnTo>
-                  <a:pt x="474" y="2120"/>
-                </a:lnTo>
-                <a:lnTo>
-                  <a:pt x="650" y="2296"/>
-                </a:lnTo>
-                <a:lnTo>
-                  <a:pt x="650" y="2296"/>
-                </a:lnTo>
-                <a:lnTo>
-                  <a:pt x="656" y="2300"/>
-                </a:lnTo>
-                <a:lnTo>
-                  <a:pt x="664" y="2304"/>
-                </a:lnTo>
-                <a:lnTo>
-                  <a:pt x="672" y="2308"/>
-                </a:lnTo>
-                <a:lnTo>
-                  <a:pt x="680" y="2308"/>
-                </a:lnTo>
-                <a:lnTo>
-                  <a:pt x="688" y="2308"/>
-                </a:lnTo>
-                <a:lnTo>
-                  <a:pt x="696" y="2304"/>
-                </a:lnTo>
-                <a:lnTo>
-                  <a:pt x="704" y="2300"/>
-                </a:lnTo>
-                <a:lnTo>
-                  <a:pt x="710" y="2296"/>
-                </a:lnTo>
-                <a:lnTo>
-                  <a:pt x="886" y="2120"/>
-                </a:lnTo>
-                <a:lnTo>
-                  <a:pt x="3340" y="2120"/>
-                </a:lnTo>
-                <a:lnTo>
-                  <a:pt x="3340" y="2120"/>
-                </a:lnTo>
-                <a:lnTo>
-                  <a:pt x="3350" y="2120"/>
-                </a:lnTo>
-                <a:lnTo>
-                  <a:pt x="3358" y="2116"/>
-                </a:lnTo>
-                <a:lnTo>
-                  <a:pt x="3364" y="2112"/>
-                </a:lnTo>
-                <a:lnTo>
-                  <a:pt x="3372" y="2108"/>
-                </a:lnTo>
-                <a:lnTo>
-                  <a:pt x="3376" y="2100"/>
-                </a:lnTo>
-                <a:lnTo>
-                  <a:pt x="3380" y="2094"/>
-                </a:lnTo>
-                <a:lnTo>
-                  <a:pt x="3384" y="2086"/>
-                </a:lnTo>
-                <a:lnTo>
-                  <a:pt x="3384" y="2076"/>
-                </a:lnTo>
-                <a:lnTo>
-                  <a:pt x="3384" y="44"/>
-                </a:lnTo>
-                <a:lnTo>
-                  <a:pt x="3384" y="44"/>
-                </a:lnTo>
-                <a:lnTo>
-                  <a:pt x="3384" y="34"/>
-                </a:lnTo>
-                <a:lnTo>
-                  <a:pt x="3380" y="26"/>
-                </a:lnTo>
-                <a:lnTo>
-                  <a:pt x="3376" y="20"/>
-                </a:lnTo>
-                <a:lnTo>
-                  <a:pt x="3372" y="12"/>
-                </a:lnTo>
-                <a:lnTo>
-                  <a:pt x="3364" y="8"/>
-                </a:lnTo>
-                <a:lnTo>
-                  <a:pt x="3358" y="4"/>
-                </a:lnTo>
-                <a:lnTo>
-                  <a:pt x="3350" y="0"/>
-                </a:lnTo>
-                <a:lnTo>
-                  <a:pt x="3340" y="0"/>
-                </a:lnTo>
-                <a:lnTo>
-                  <a:pt x="3340" y="0"/>
-                </a:lnTo>
-                <a:close/>
-              </a:path>
-            </a:pathLst>
-          </a:custGeom>
-          <a:ln>
-            <a:solidFill>
-              <a:schemeClr val="accent1"/>
-            </a:solidFill>
-          </a:ln>
-        </p:spPr>
-        <p:style>
-          <a:lnRef idx="1">
-            <a:schemeClr val="accent1"/>
-          </a:lnRef>
-          <a:fillRef idx="3">
-            <a:schemeClr val="accent1"/>
-          </a:fillRef>
-          <a:effectRef idx="2">
-            <a:schemeClr val="accent1"/>
-          </a:effectRef>
-          <a:fontRef idx="minor">
-            <a:schemeClr val="lt1"/>
-          </a:fontRef>
-        </p:style>
-      </p:sp>
-      <p:sp>
-        <p:nvSpPr>
-          <p:cNvPr id="2" name="Title 1"/>
-          <p:cNvSpPr>
-            <a:spLocks noGrp="1"/>
-          </p:cNvSpPr>
-          <p:nvPr>
-            <p:ph type="title"/>
-          </p:nvPr>
-        </p:nvSpPr>
-        <p:spPr>
-          <a:xfrm>
-            <a:off x="850985" y="1238502"/>
-            <a:ext cx="5893840" cy="2645912"/>
-          </a:xfrm>
-        </p:spPr>
-        <p:txBody>
-          <a:bodyPr anchor="b"/>
-          <a:lstStyle>
-            <a:lvl1pPr algn="l">
-              <a:defRPr sz="4200" b="1" cap="none"/>
-            </a:lvl1pPr>
-          </a:lstStyle>
-          <a:p>
-            <a:r>
-              <a:rPr lang="en-US"/>
-              <a:t>Click to edit Master title style</a:t>
-            </a:r>
-            <a:endParaRPr lang="en-US" dirty="0"/>
-          </a:p>
-        </p:txBody>
-      </p:sp>
-      <p:sp>
-        <p:nvSpPr>
-          <p:cNvPr id="3" name="Text Placeholder 2"/>
-          <p:cNvSpPr>
-            <a:spLocks noGrp="1"/>
-          </p:cNvSpPr>
-          <p:nvPr>
-            <p:ph type="body" idx="1"/>
-          </p:nvPr>
-        </p:nvSpPr>
-        <p:spPr>
-          <a:xfrm>
-            <a:off x="853190" y="4443680"/>
-            <a:ext cx="5891636" cy="713241"/>
-          </a:xfrm>
-        </p:spPr>
-        <p:txBody>
-          <a:bodyPr anchor="t">
-            <a:noAutofit/>
-          </a:bodyPr>
-          <a:lstStyle>
-            <a:lvl1pPr marL="0" indent="0" algn="l">
-              <a:buNone/>
-              <a:defRPr sz="1800">
-                <a:solidFill>
-                  <a:schemeClr val="tx1"/>
-                </a:solidFill>
-              </a:defRPr>
-            </a:lvl1pPr>
-            <a:lvl2pPr marL="457200" indent="0">
-              <a:buNone/>
-              <a:defRPr sz="1800">
-                <a:solidFill>
-                  <a:schemeClr val="tx1">
-                    <a:tint val="75000"/>
-                  </a:schemeClr>
-                </a:solidFill>
-              </a:defRPr>
-            </a:lvl2pPr>
-            <a:lvl3pPr marL="914400" indent="0">
-              <a:buNone/>
-              <a:defRPr sz="1600">
-                <a:solidFill>
-                  <a:schemeClr val="tx1">
-                    <a:tint val="75000"/>
-                  </a:schemeClr>
-                </a:solidFill>
-              </a:defRPr>
-            </a:lvl3pPr>
-            <a:lvl4pPr marL="1371600" indent="0">
-              <a:buNone/>
-              <a:defRPr sz="1400">
-                <a:solidFill>
-                  <a:schemeClr val="tx1">
-                    <a:tint val="75000"/>
-                  </a:schemeClr>
-                </a:solidFill>
-              </a:defRPr>
-            </a:lvl4pPr>
-            <a:lvl5pPr marL="1828800" indent="0">
-              <a:buNone/>
-              <a:defRPr sz="1400">
-                <a:solidFill>
-                  <a:schemeClr val="tx1">
-                    <a:tint val="75000"/>
-                  </a:schemeClr>
-                </a:solidFill>
-              </a:defRPr>
-            </a:lvl5pPr>
-            <a:lvl6pPr marL="2286000" indent="0">
-              <a:buNone/>
-              <a:defRPr sz="1400">
-                <a:solidFill>
-                  <a:schemeClr val="tx1">
-                    <a:tint val="75000"/>
-                  </a:schemeClr>
-                </a:solidFill>
-              </a:defRPr>
-            </a:lvl6pPr>
-            <a:lvl7pPr marL="2743200" indent="0">
-              <a:buNone/>
-              <a:defRPr sz="1400">
-                <a:solidFill>
-                  <a:schemeClr val="tx1">
-                    <a:tint val="75000"/>
-                  </a:schemeClr>
-                </a:solidFill>
-              </a:defRPr>
-            </a:lvl7pPr>
-            <a:lvl8pPr marL="3200400" indent="0">
-              <a:buNone/>
-              <a:defRPr sz="1400">
-                <a:solidFill>
-                  <a:schemeClr val="tx1">
-                    <a:tint val="75000"/>
-                  </a:schemeClr>
-                </a:solidFill>
-              </a:defRPr>
-            </a:lvl8pPr>
-            <a:lvl9pPr marL="3657600" indent="0">
-              <a:buNone/>
-              <a:defRPr sz="1400">
-                <a:solidFill>
-                  <a:schemeClr val="tx1">
-                    <a:tint val="75000"/>
-                  </a:schemeClr>
-                </a:solidFill>
-              </a:defRPr>
-            </a:lvl9pPr>
-          </a:lstStyle>
-          <a:p>
-            <a:pPr lvl="0"/>
-            <a:r>
-              <a:rPr lang="en-US"/>
-              <a:t>Click to edit Master text styles</a:t>
-            </a:r>
-          </a:p>
-        </p:txBody>
-      </p:sp>
-      <p:sp>
-        <p:nvSpPr>
-          <p:cNvPr id="9" name="Text Placeholder 5"/>
-          <p:cNvSpPr>
-            <a:spLocks noGrp="1"/>
-          </p:cNvSpPr>
-          <p:nvPr>
-            <p:ph type="body" sz="quarter" idx="16"/>
-          </p:nvPr>
-        </p:nvSpPr>
-        <p:spPr>
-          <a:xfrm>
-            <a:off x="7574642" y="1081456"/>
-            <a:ext cx="3810001" cy="4075465"/>
-          </a:xfrm>
-        </p:spPr>
-        <p:txBody>
-          <a:bodyPr anchor="t"/>
-          <a:lstStyle>
-            <a:lvl1pPr marL="0" indent="0">
-              <a:buFontTx/>
-              <a:buNone/>
-              <a:defRPr/>
-            </a:lvl1pPr>
-          </a:lstStyle>
-          <a:p>
-            <a:pPr lvl="0"/>
-            <a:r>
-              <a:rPr lang="en-US"/>
-              <a:t>Click to edit Master text styles</a:t>
-            </a:r>
-          </a:p>
-        </p:txBody>
-      </p:sp>
-      <p:sp>
-        <p:nvSpPr>
-          <p:cNvPr id="4" name="Date Placeholder 3"/>
-          <p:cNvSpPr>
-            <a:spLocks noGrp="1"/>
-          </p:cNvSpPr>
-          <p:nvPr>
-            <p:ph type="dt" sz="half" idx="10"/>
-          </p:nvPr>
-        </p:nvSpPr>
-        <p:spPr/>
-        <p:txBody>
-          <a:bodyPr/>
-          <a:lstStyle/>
-          <a:p>
-            <a:fld id="{00464503-B255-4BAB-A675-58D659314144}" type="datetimeFigureOut">
-              <a:rPr lang="en-GB" smtClean="0"/>
-              <a:t>05/08/2022</a:t>
-            </a:fld>
-            <a:endParaRPr lang="en-GB"/>
-          </a:p>
-        </p:txBody>
-      </p:sp>
-      <p:sp>
-        <p:nvSpPr>
-          <p:cNvPr id="5" name="Footer Placeholder 4"/>
-          <p:cNvSpPr>
-            <a:spLocks noGrp="1"/>
-          </p:cNvSpPr>
-          <p:nvPr>
-            <p:ph type="ftr" sz="quarter" idx="11"/>
-          </p:nvPr>
-        </p:nvSpPr>
-        <p:spPr/>
-        <p:txBody>
-          <a:bodyPr/>
-          <a:lstStyle/>
-          <a:p>
-            <a:endParaRPr lang="en-GB"/>
-          </a:p>
-        </p:txBody>
-      </p:sp>
-      <p:sp>
-        <p:nvSpPr>
-          <p:cNvPr id="6" name="Slide Number Placeholder 5"/>
-          <p:cNvSpPr>
-            <a:spLocks noGrp="1"/>
-          </p:cNvSpPr>
-          <p:nvPr>
-            <p:ph type="sldNum" sz="quarter" idx="12"/>
-          </p:nvPr>
-        </p:nvSpPr>
-        <p:spPr/>
-        <p:txBody>
-          <a:bodyPr/>
-          <a:lstStyle/>
-          <a:p>
-            <a:fld id="{7B646B38-4373-445A-B781-759CE59DE79F}" type="slidenum">
-              <a:rPr lang="en-GB" smtClean="0"/>
-              <a:t>‹#›</a:t>
-            </a:fld>
-            <a:endParaRPr lang="en-GB"/>
-          </a:p>
-        </p:txBody>
-      </p:sp>
-    </p:spTree>
-    <p:extLst>
-      <p:ext uri="{BB962C8B-B14F-4D97-AF65-F5344CB8AC3E}">
-        <p14:creationId xmlns:p14="http://schemas.microsoft.com/office/powerpoint/2010/main" val="2535410496"/>
-      </p:ext>
-    </p:extLst>
-  </p:cSld>
-  <p:clrMapOvr>
-    <a:masterClrMapping/>
-  </p:clrMapOvr>
-</p:sldLayout>
-</file>
-
-<file path=ppt/slideLayouts/slideLayout12.xml><?xml version="1.0" encoding="utf-8"?>
-<p:sldLayout xmlns:a="http://schemas.openxmlformats.org/drawingml/2006/main" xmlns:r="http://schemas.openxmlformats.org/officeDocument/2006/relationships" xmlns:p="http://schemas.openxmlformats.org/presentationml/2006/main" preserve="1">
-  <p:cSld name="Name Card">
-    <p:spTree>
-      <p:nvGrpSpPr>
-        <p:cNvPr id="1" name=""/>
-        <p:cNvGrpSpPr/>
-        <p:nvPr/>
-      </p:nvGrpSpPr>
-      <p:grpSpPr>
-        <a:xfrm>
-          <a:off x="0" y="0"/>
-          <a:ext cx="0" cy="0"/>
-          <a:chOff x="0" y="0"/>
-          <a:chExt cx="0" cy="0"/>
-        </a:xfrm>
-      </p:grpSpPr>
-      <p:sp>
-        <p:nvSpPr>
-          <p:cNvPr id="9" name="Freeform 6"/>
-          <p:cNvSpPr>
-            <a:spLocks noChangeAspect="1"/>
-          </p:cNvSpPr>
-          <p:nvPr/>
-        </p:nvSpPr>
-        <p:spPr bwMode="auto">
-          <a:xfrm>
-            <a:off x="1140884" y="2286585"/>
-            <a:ext cx="4895115" cy="2503972"/>
-          </a:xfrm>
-          <a:custGeom>
-            <a:avLst/>
-            <a:gdLst/>
-            <a:ahLst/>
-            <a:cxnLst/>
-            <a:rect l="0" t="0" r="r" b="b"/>
-            <a:pathLst>
-              <a:path w="3384" h="2308">
-                <a:moveTo>
-                  <a:pt x="3340" y="0"/>
-                </a:moveTo>
-                <a:lnTo>
-                  <a:pt x="44" y="0"/>
-                </a:lnTo>
-                <a:lnTo>
-                  <a:pt x="44" y="0"/>
-                </a:lnTo>
-                <a:lnTo>
-                  <a:pt x="34" y="0"/>
-                </a:lnTo>
-                <a:lnTo>
-                  <a:pt x="26" y="4"/>
-                </a:lnTo>
-                <a:lnTo>
-                  <a:pt x="20" y="8"/>
-                </a:lnTo>
-                <a:lnTo>
-                  <a:pt x="12" y="12"/>
-                </a:lnTo>
-                <a:lnTo>
-                  <a:pt x="8" y="20"/>
-                </a:lnTo>
-                <a:lnTo>
-                  <a:pt x="4" y="26"/>
-                </a:lnTo>
-                <a:lnTo>
-                  <a:pt x="0" y="34"/>
-                </a:lnTo>
-                <a:lnTo>
-                  <a:pt x="0" y="44"/>
-                </a:lnTo>
-                <a:lnTo>
-                  <a:pt x="0" y="2076"/>
-                </a:lnTo>
-                <a:lnTo>
-                  <a:pt x="0" y="2076"/>
-                </a:lnTo>
-                <a:lnTo>
-                  <a:pt x="0" y="2086"/>
-                </a:lnTo>
-                <a:lnTo>
-                  <a:pt x="4" y="2094"/>
-                </a:lnTo>
-                <a:lnTo>
-                  <a:pt x="8" y="2100"/>
-                </a:lnTo>
-                <a:lnTo>
-                  <a:pt x="12" y="2108"/>
-                </a:lnTo>
-                <a:lnTo>
-                  <a:pt x="20" y="2112"/>
-                </a:lnTo>
-                <a:lnTo>
-                  <a:pt x="26" y="2116"/>
-                </a:lnTo>
-                <a:lnTo>
-                  <a:pt x="34" y="2120"/>
-                </a:lnTo>
-                <a:lnTo>
-                  <a:pt x="44" y="2120"/>
-                </a:lnTo>
-                <a:lnTo>
-                  <a:pt x="474" y="2120"/>
-                </a:lnTo>
-                <a:lnTo>
-                  <a:pt x="650" y="2296"/>
-                </a:lnTo>
-                <a:lnTo>
-                  <a:pt x="650" y="2296"/>
-                </a:lnTo>
-                <a:lnTo>
-                  <a:pt x="656" y="2300"/>
-                </a:lnTo>
-                <a:lnTo>
-                  <a:pt x="664" y="2304"/>
-                </a:lnTo>
-                <a:lnTo>
-                  <a:pt x="672" y="2308"/>
-                </a:lnTo>
-                <a:lnTo>
-                  <a:pt x="680" y="2308"/>
-                </a:lnTo>
-                <a:lnTo>
-                  <a:pt x="688" y="2308"/>
-                </a:lnTo>
-                <a:lnTo>
-                  <a:pt x="696" y="2304"/>
-                </a:lnTo>
-                <a:lnTo>
-                  <a:pt x="704" y="2300"/>
-                </a:lnTo>
-                <a:lnTo>
-                  <a:pt x="710" y="2296"/>
-                </a:lnTo>
-                <a:lnTo>
-                  <a:pt x="886" y="2120"/>
-                </a:lnTo>
-                <a:lnTo>
-                  <a:pt x="3340" y="2120"/>
-                </a:lnTo>
-                <a:lnTo>
-                  <a:pt x="3340" y="2120"/>
-                </a:lnTo>
-                <a:lnTo>
-                  <a:pt x="3350" y="2120"/>
-                </a:lnTo>
-                <a:lnTo>
-                  <a:pt x="3358" y="2116"/>
-                </a:lnTo>
-                <a:lnTo>
-                  <a:pt x="3364" y="2112"/>
-                </a:lnTo>
-                <a:lnTo>
-                  <a:pt x="3372" y="2108"/>
-                </a:lnTo>
-                <a:lnTo>
-                  <a:pt x="3376" y="2100"/>
-                </a:lnTo>
-                <a:lnTo>
-                  <a:pt x="3380" y="2094"/>
-                </a:lnTo>
-                <a:lnTo>
-                  <a:pt x="3384" y="2086"/>
-                </a:lnTo>
-                <a:lnTo>
-                  <a:pt x="3384" y="2076"/>
-                </a:lnTo>
-                <a:lnTo>
-                  <a:pt x="3384" y="44"/>
-                </a:lnTo>
-                <a:lnTo>
-                  <a:pt x="3384" y="44"/>
-                </a:lnTo>
-                <a:lnTo>
-                  <a:pt x="3384" y="34"/>
-                </a:lnTo>
-                <a:lnTo>
-                  <a:pt x="3380" y="26"/>
-                </a:lnTo>
-                <a:lnTo>
-                  <a:pt x="3376" y="20"/>
-                </a:lnTo>
-                <a:lnTo>
-                  <a:pt x="3372" y="12"/>
-                </a:lnTo>
-                <a:lnTo>
-                  <a:pt x="3364" y="8"/>
-                </a:lnTo>
-                <a:lnTo>
-                  <a:pt x="3358" y="4"/>
-                </a:lnTo>
-                <a:lnTo>
-                  <a:pt x="3350" y="0"/>
-                </a:lnTo>
-                <a:lnTo>
-                  <a:pt x="3340" y="0"/>
-                </a:lnTo>
-                <a:lnTo>
-                  <a:pt x="3340" y="0"/>
-                </a:lnTo>
-                <a:close/>
-              </a:path>
-            </a:pathLst>
-          </a:custGeom>
-          <a:ln>
-            <a:solidFill>
-              <a:schemeClr val="accent1"/>
-            </a:solidFill>
-          </a:ln>
-        </p:spPr>
-        <p:style>
-          <a:lnRef idx="1">
-            <a:schemeClr val="accent1"/>
-          </a:lnRef>
-          <a:fillRef idx="3">
-            <a:schemeClr val="accent1"/>
-          </a:fillRef>
-          <a:effectRef idx="2">
-            <a:schemeClr val="accent1"/>
-          </a:effectRef>
-          <a:fontRef idx="minor">
-            <a:schemeClr val="lt1"/>
-          </a:fontRef>
-        </p:style>
-      </p:sp>
-      <p:sp>
-        <p:nvSpPr>
-          <p:cNvPr id="38" name="Title 1"/>
-          <p:cNvSpPr>
-            <a:spLocks noGrp="1"/>
-          </p:cNvSpPr>
-          <p:nvPr>
-            <p:ph type="title"/>
-          </p:nvPr>
-        </p:nvSpPr>
-        <p:spPr>
-          <a:xfrm>
-            <a:off x="1357089" y="2435957"/>
-            <a:ext cx="4382521" cy="2007789"/>
-          </a:xfrm>
-        </p:spPr>
-        <p:txBody>
-          <a:bodyPr/>
-          <a:lstStyle>
-            <a:lvl1pPr>
-              <a:defRPr sz="3200"/>
-            </a:lvl1pPr>
-          </a:lstStyle>
-          <a:p>
-            <a:r>
-              <a:rPr lang="en-US"/>
-              <a:t>Click to edit Master title style</a:t>
-            </a:r>
-            <a:endParaRPr lang="en-US" dirty="0"/>
-          </a:p>
-        </p:txBody>
-      </p:sp>
-      <p:sp>
-        <p:nvSpPr>
-          <p:cNvPr id="6" name="Text Placeholder 5"/>
-          <p:cNvSpPr>
-            <a:spLocks noGrp="1"/>
-          </p:cNvSpPr>
-          <p:nvPr>
-            <p:ph type="body" sz="quarter" idx="16"/>
-          </p:nvPr>
-        </p:nvSpPr>
-        <p:spPr>
-          <a:xfrm>
-            <a:off x="6156000" y="2286000"/>
-            <a:ext cx="4880300" cy="2295525"/>
-          </a:xfrm>
-        </p:spPr>
-        <p:txBody>
-          <a:bodyPr anchor="t"/>
-          <a:lstStyle>
-            <a:lvl1pPr marL="0" indent="0">
-              <a:buFontTx/>
-              <a:buNone/>
-              <a:defRPr/>
-            </a:lvl1pPr>
-          </a:lstStyle>
-          <a:p>
-            <a:pPr lvl="0"/>
-            <a:r>
-              <a:rPr lang="en-US"/>
-              <a:t>Click to edit Master text styles</a:t>
-            </a:r>
-          </a:p>
-        </p:txBody>
-      </p:sp>
-      <p:sp>
-        <p:nvSpPr>
-          <p:cNvPr id="2" name="Date Placeholder 1"/>
-          <p:cNvSpPr>
-            <a:spLocks noGrp="1"/>
-          </p:cNvSpPr>
-          <p:nvPr>
-            <p:ph type="dt" sz="half" idx="10"/>
-          </p:nvPr>
-        </p:nvSpPr>
-        <p:spPr/>
-        <p:txBody>
-          <a:bodyPr/>
-          <a:lstStyle/>
-          <a:p>
-            <a:fld id="{00464503-B255-4BAB-A675-58D659314144}" type="datetimeFigureOut">
-              <a:rPr lang="en-GB" smtClean="0"/>
-              <a:t>05/08/2022</a:t>
-            </a:fld>
-            <a:endParaRPr lang="en-GB"/>
-          </a:p>
-        </p:txBody>
-      </p:sp>
-      <p:sp>
-        <p:nvSpPr>
-          <p:cNvPr id="3" name="Footer Placeholder 2"/>
-          <p:cNvSpPr>
-            <a:spLocks noGrp="1"/>
-          </p:cNvSpPr>
-          <p:nvPr>
-            <p:ph type="ftr" sz="quarter" idx="11"/>
-          </p:nvPr>
-        </p:nvSpPr>
-        <p:spPr/>
-        <p:txBody>
-          <a:bodyPr/>
-          <a:lstStyle/>
-          <a:p>
-            <a:endParaRPr lang="en-GB"/>
-          </a:p>
-        </p:txBody>
-      </p:sp>
-      <p:sp>
-        <p:nvSpPr>
-          <p:cNvPr id="4" name="Slide Number Placeholder 3"/>
-          <p:cNvSpPr>
-            <a:spLocks noGrp="1"/>
-          </p:cNvSpPr>
-          <p:nvPr>
-            <p:ph type="sldNum" sz="quarter" idx="12"/>
-          </p:nvPr>
-        </p:nvSpPr>
-        <p:spPr/>
-        <p:txBody>
-          <a:bodyPr/>
-          <a:lstStyle/>
-          <a:p>
-            <a:fld id="{7B646B38-4373-445A-B781-759CE59DE79F}" type="slidenum">
-              <a:rPr lang="en-GB" smtClean="0"/>
-              <a:t>‹#›</a:t>
-            </a:fld>
-            <a:endParaRPr lang="en-GB"/>
-          </a:p>
-        </p:txBody>
-      </p:sp>
-    </p:spTree>
-    <p:extLst>
-      <p:ext uri="{BB962C8B-B14F-4D97-AF65-F5344CB8AC3E}">
-        <p14:creationId xmlns:p14="http://schemas.microsoft.com/office/powerpoint/2010/main" val="2390176291"/>
-      </p:ext>
-    </p:extLst>
-  </p:cSld>
-  <p:clrMapOvr>
-    <a:masterClrMapping/>
-  </p:clrMapOvr>
-</p:sldLayout>
-</file>
-
-<file path=ppt/slideLayouts/slideLayout13.xml><?xml version="1.0" encoding="utf-8"?>
 <p:sldLayout xmlns:a="http://schemas.openxmlformats.org/drawingml/2006/main" xmlns:r="http://schemas.openxmlformats.org/officeDocument/2006/relationships" xmlns:p="http://schemas.openxmlformats.org/presentationml/2006/main" type="vertTx" preserve="1">
   <p:cSld name="Title and Vertical Text">
     <p:spTree>
@@ -1736,109 +452,6 @@
       </p:grpSpPr>
       <p:sp>
         <p:nvSpPr>
-          <p:cNvPr id="7" name="Freeform 6"/>
-          <p:cNvSpPr/>
-          <p:nvPr/>
-        </p:nvSpPr>
-        <p:spPr bwMode="auto">
-          <a:xfrm>
-            <a:off x="0" y="0"/>
-            <a:ext cx="12192000" cy="2185988"/>
-          </a:xfrm>
-          <a:custGeom>
-            <a:avLst/>
-            <a:gdLst/>
-            <a:ahLst/>
-            <a:cxnLst/>
-            <a:rect l="0" t="0" r="r" b="b"/>
-            <a:pathLst>
-              <a:path w="5760" h="1377">
-                <a:moveTo>
-                  <a:pt x="5760" y="0"/>
-                </a:moveTo>
-                <a:lnTo>
-                  <a:pt x="0" y="0"/>
-                </a:lnTo>
-                <a:lnTo>
-                  <a:pt x="0" y="1189"/>
-                </a:lnTo>
-                <a:lnTo>
-                  <a:pt x="943" y="1189"/>
-                </a:lnTo>
-                <a:lnTo>
-                  <a:pt x="1123" y="1369"/>
-                </a:lnTo>
-                <a:lnTo>
-                  <a:pt x="1123" y="1369"/>
-                </a:lnTo>
-                <a:lnTo>
-                  <a:pt x="1127" y="1371"/>
-                </a:lnTo>
-                <a:lnTo>
-                  <a:pt x="1133" y="1374"/>
-                </a:lnTo>
-                <a:lnTo>
-                  <a:pt x="1139" y="1377"/>
-                </a:lnTo>
-                <a:lnTo>
-                  <a:pt x="1144" y="1377"/>
-                </a:lnTo>
-                <a:lnTo>
-                  <a:pt x="1150" y="1377"/>
-                </a:lnTo>
-                <a:lnTo>
-                  <a:pt x="1155" y="1374"/>
-                </a:lnTo>
-                <a:lnTo>
-                  <a:pt x="1161" y="1371"/>
-                </a:lnTo>
-                <a:lnTo>
-                  <a:pt x="1165" y="1369"/>
-                </a:lnTo>
-                <a:lnTo>
-                  <a:pt x="1345" y="1189"/>
-                </a:lnTo>
-                <a:lnTo>
-                  <a:pt x="5760" y="1189"/>
-                </a:lnTo>
-                <a:lnTo>
-                  <a:pt x="5760" y="0"/>
-                </a:lnTo>
-                <a:close/>
-              </a:path>
-            </a:pathLst>
-          </a:custGeom>
-          <a:ln/>
-          <a:extLst>
-            <a:ext uri="{91240B29-F687-4f45-9708-019B960494DF}">
-              <a14:hiddenLine xmlns:a14="http://schemas.microsoft.com/office/drawing/2010/main" xmlns="" w="9525">
-                <a:solidFill>
-                  <a:srgbClr val="000000"/>
-                </a:solidFill>
-                <a:round/>
-                <a:headEnd/>
-                <a:tailEnd/>
-              </a14:hiddenLine>
-            </a:ext>
-          </a:extLst>
-        </p:spPr>
-        <p:style>
-          <a:lnRef idx="1">
-            <a:schemeClr val="accent1"/>
-          </a:lnRef>
-          <a:fillRef idx="3">
-            <a:schemeClr val="accent1"/>
-          </a:fillRef>
-          <a:effectRef idx="2">
-            <a:schemeClr val="accent1"/>
-          </a:effectRef>
-          <a:fontRef idx="minor">
-            <a:schemeClr val="lt1"/>
-          </a:fontRef>
-        </p:style>
-      </p:sp>
-      <p:sp>
-        <p:nvSpPr>
           <p:cNvPr id="2" name="Title 1"/>
           <p:cNvSpPr>
             <a:spLocks noGrp="1"/>
@@ -1872,7 +485,7 @@
         </p:nvSpPr>
         <p:spPr/>
         <p:txBody>
-          <a:bodyPr vert="eaVert" anchor="t"/>
+          <a:bodyPr vert="eaVert"/>
           <a:lstStyle/>
           <a:p>
             <a:pPr lvl="0"/>
@@ -1980,7 +593,7 @@
     </p:spTree>
     <p:extLst>
       <p:ext uri="{BB962C8B-B14F-4D97-AF65-F5344CB8AC3E}">
-        <p14:creationId xmlns:p14="http://schemas.microsoft.com/office/powerpoint/2010/main" val="493442496"/>
+        <p14:creationId xmlns:p14="http://schemas.microsoft.com/office/powerpoint/2010/main" val="531909029"/>
       </p:ext>
     </p:extLst>
   </p:cSld>
@@ -1990,8 +603,8 @@
 </p:sldLayout>
 </file>
 
-<file path=ppt/slideLayouts/slideLayout14.xml><?xml version="1.0" encoding="utf-8"?>
-<p:sldLayout xmlns:a="http://schemas.openxmlformats.org/drawingml/2006/main" xmlns:r="http://schemas.openxmlformats.org/officeDocument/2006/relationships" xmlns:p="http://schemas.openxmlformats.org/presentationml/2006/main" type="vertTitleAndTx" preserve="1">
+<file path=ppt/slideLayouts/slideLayout11.xml><?xml version="1.0" encoding="utf-8"?>
+<p:sldLayout xmlns:a="http://schemas.openxmlformats.org/drawingml/2006/main" xmlns:r="http://schemas.openxmlformats.org/officeDocument/2006/relationships" xmlns:p="http://schemas.openxmlformats.org/presentationml/2006/main" showMasterSp="0" type="vertTitleAndTx" preserve="1">
   <p:cSld name="Vertical Title and Text">
     <p:spTree>
       <p:nvGrpSpPr>
@@ -2009,102 +622,35 @@
       </p:grpSpPr>
       <p:sp>
         <p:nvSpPr>
-          <p:cNvPr id="12" name="Freeform 6"/>
-          <p:cNvSpPr>
-            <a:spLocks noChangeAspect="1"/>
-          </p:cNvSpPr>
+          <p:cNvPr id="7" name="Rectangle 6"/>
+          <p:cNvSpPr/>
           <p:nvPr/>
         </p:nvSpPr>
-        <p:spPr bwMode="auto">
+        <p:spPr>
           <a:xfrm>
-            <a:off x="7669651" y="446089"/>
-            <a:ext cx="4522349" cy="5414962"/>
+            <a:off x="9019312" y="0"/>
+            <a:ext cx="2743200" cy="6858000"/>
           </a:xfrm>
-          <a:custGeom>
+          <a:prstGeom prst="rect">
             <a:avLst/>
-            <a:gdLst/>
-            <a:ahLst/>
-            <a:cxnLst/>
-            <a:rect l="0" t="0" r="r" b="b"/>
-            <a:pathLst>
-              <a:path w="2879" h="4320">
-                <a:moveTo>
-                  <a:pt x="183" y="0"/>
-                </a:moveTo>
-                <a:lnTo>
-                  <a:pt x="183" y="1197"/>
-                </a:lnTo>
-                <a:lnTo>
-                  <a:pt x="8" y="1372"/>
-                </a:lnTo>
-                <a:lnTo>
-                  <a:pt x="8" y="1372"/>
-                </a:lnTo>
-                <a:lnTo>
-                  <a:pt x="6" y="1376"/>
-                </a:lnTo>
-                <a:lnTo>
-                  <a:pt x="3" y="1382"/>
-                </a:lnTo>
-                <a:lnTo>
-                  <a:pt x="0" y="1387"/>
-                </a:lnTo>
-                <a:lnTo>
-                  <a:pt x="0" y="1393"/>
-                </a:lnTo>
-                <a:lnTo>
-                  <a:pt x="0" y="1399"/>
-                </a:lnTo>
-                <a:lnTo>
-                  <a:pt x="3" y="1404"/>
-                </a:lnTo>
-                <a:lnTo>
-                  <a:pt x="6" y="1410"/>
-                </a:lnTo>
-                <a:lnTo>
-                  <a:pt x="8" y="1414"/>
-                </a:lnTo>
-                <a:lnTo>
-                  <a:pt x="183" y="1589"/>
-                </a:lnTo>
-                <a:lnTo>
-                  <a:pt x="183" y="4320"/>
-                </a:lnTo>
-                <a:lnTo>
-                  <a:pt x="2879" y="4320"/>
-                </a:lnTo>
-                <a:lnTo>
-                  <a:pt x="2879" y="0"/>
-                </a:lnTo>
-                <a:lnTo>
-                  <a:pt x="183" y="0"/>
-                </a:lnTo>
-                <a:close/>
-              </a:path>
-            </a:pathLst>
-          </a:custGeom>
-          <a:ln/>
-          <a:extLst>
-            <a:ext uri="{91240B29-F687-4f45-9708-019B960494DF}">
-              <a14:hiddenLine xmlns:a14="http://schemas.microsoft.com/office/drawing/2010/main" xmlns="" w="9525">
-                <a:solidFill>
-                  <a:srgbClr val="000000"/>
-                </a:solidFill>
-                <a:round/>
-                <a:headEnd/>
-                <a:tailEnd/>
-              </a14:hiddenLine>
-            </a:ext>
-          </a:extLst>
+          </a:prstGeom>
+          <a:solidFill>
+            <a:schemeClr val="tx1"/>
+          </a:solidFill>
+          <a:ln>
+            <a:noFill/>
+          </a:ln>
         </p:spPr>
         <p:style>
-          <a:lnRef idx="1">
-            <a:schemeClr val="accent1"/>
+          <a:lnRef idx="2">
+            <a:schemeClr val="accent1">
+              <a:shade val="50000"/>
+            </a:schemeClr>
           </a:lnRef>
-          <a:fillRef idx="3">
+          <a:fillRef idx="1">
             <a:schemeClr val="accent1"/>
           </a:fillRef>
-          <a:effectRef idx="2">
+          <a:effectRef idx="0">
             <a:schemeClr val="accent1"/>
           </a:effectRef>
           <a:fontRef idx="minor">
@@ -2124,8 +670,8 @@
         </p:nvSpPr>
         <p:spPr>
           <a:xfrm>
-            <a:off x="8183540" y="586171"/>
-            <a:ext cx="2494791" cy="5134798"/>
+            <a:off x="9160624" y="274638"/>
+            <a:ext cx="2402380" cy="5897562"/>
           </a:xfrm>
         </p:spPr>
         <p:txBody>
@@ -2152,12 +698,12 @@
         </p:nvSpPr>
         <p:spPr>
           <a:xfrm>
-            <a:off x="810001" y="446089"/>
-            <a:ext cx="6611540" cy="5414962"/>
+            <a:off x="838199" y="274638"/>
+            <a:ext cx="7973291" cy="5897562"/>
           </a:xfrm>
         </p:spPr>
         <p:txBody>
-          <a:bodyPr vert="eaVert" anchor="t"/>
+          <a:bodyPr vert="eaVert"/>
           <a:lstStyle/>
           <a:p>
             <a:pPr lvl="0"/>
@@ -2207,7 +753,12 @@
             <p:ph type="dt" sz="half" idx="10"/>
           </p:nvPr>
         </p:nvSpPr>
-        <p:spPr/>
+        <p:spPr>
+          <a:xfrm>
+            <a:off x="838200" y="6422854"/>
+            <a:ext cx="2743196" cy="365125"/>
+          </a:xfrm>
+        </p:spPr>
         <p:txBody>
           <a:bodyPr/>
           <a:lstStyle/>
@@ -2230,7 +781,12 @@
             <p:ph type="ftr" sz="quarter" idx="11"/>
           </p:nvPr>
         </p:nvSpPr>
-        <p:spPr/>
+        <p:spPr>
+          <a:xfrm>
+            <a:off x="3776135" y="6422854"/>
+            <a:ext cx="4279669" cy="365125"/>
+          </a:xfrm>
+        </p:spPr>
         <p:txBody>
           <a:bodyPr/>
           <a:lstStyle/>
@@ -2249,7 +805,12 @@
             <p:ph type="sldNum" sz="quarter" idx="12"/>
           </p:nvPr>
         </p:nvSpPr>
-        <p:spPr/>
+        <p:spPr>
+          <a:xfrm>
+            <a:off x="8073048" y="6422854"/>
+            <a:ext cx="879759" cy="365125"/>
+          </a:xfrm>
+        </p:spPr>
         <p:txBody>
           <a:bodyPr/>
           <a:lstStyle/>
@@ -2265,7 +826,7 @@
     </p:spTree>
     <p:extLst>
       <p:ext uri="{BB962C8B-B14F-4D97-AF65-F5344CB8AC3E}">
-        <p14:creationId xmlns:p14="http://schemas.microsoft.com/office/powerpoint/2010/main" val="759937802"/>
+        <p14:creationId xmlns:p14="http://schemas.microsoft.com/office/powerpoint/2010/main" val="2471020677"/>
       </p:ext>
     </p:extLst>
   </p:cSld>
@@ -2294,109 +855,6 @@
       </p:grpSpPr>
       <p:sp>
         <p:nvSpPr>
-          <p:cNvPr id="11" name="Freeform 6"/>
-          <p:cNvSpPr/>
-          <p:nvPr/>
-        </p:nvSpPr>
-        <p:spPr bwMode="auto">
-          <a:xfrm>
-            <a:off x="0" y="0"/>
-            <a:ext cx="12192000" cy="2185988"/>
-          </a:xfrm>
-          <a:custGeom>
-            <a:avLst/>
-            <a:gdLst/>
-            <a:ahLst/>
-            <a:cxnLst/>
-            <a:rect l="0" t="0" r="r" b="b"/>
-            <a:pathLst>
-              <a:path w="5760" h="1377">
-                <a:moveTo>
-                  <a:pt x="5760" y="0"/>
-                </a:moveTo>
-                <a:lnTo>
-                  <a:pt x="0" y="0"/>
-                </a:lnTo>
-                <a:lnTo>
-                  <a:pt x="0" y="1189"/>
-                </a:lnTo>
-                <a:lnTo>
-                  <a:pt x="943" y="1189"/>
-                </a:lnTo>
-                <a:lnTo>
-                  <a:pt x="1123" y="1369"/>
-                </a:lnTo>
-                <a:lnTo>
-                  <a:pt x="1123" y="1369"/>
-                </a:lnTo>
-                <a:lnTo>
-                  <a:pt x="1127" y="1371"/>
-                </a:lnTo>
-                <a:lnTo>
-                  <a:pt x="1133" y="1374"/>
-                </a:lnTo>
-                <a:lnTo>
-                  <a:pt x="1139" y="1377"/>
-                </a:lnTo>
-                <a:lnTo>
-                  <a:pt x="1144" y="1377"/>
-                </a:lnTo>
-                <a:lnTo>
-                  <a:pt x="1150" y="1377"/>
-                </a:lnTo>
-                <a:lnTo>
-                  <a:pt x="1155" y="1374"/>
-                </a:lnTo>
-                <a:lnTo>
-                  <a:pt x="1161" y="1371"/>
-                </a:lnTo>
-                <a:lnTo>
-                  <a:pt x="1165" y="1369"/>
-                </a:lnTo>
-                <a:lnTo>
-                  <a:pt x="1345" y="1189"/>
-                </a:lnTo>
-                <a:lnTo>
-                  <a:pt x="5760" y="1189"/>
-                </a:lnTo>
-                <a:lnTo>
-                  <a:pt x="5760" y="0"/>
-                </a:lnTo>
-                <a:close/>
-              </a:path>
-            </a:pathLst>
-          </a:custGeom>
-          <a:ln/>
-          <a:extLst>
-            <a:ext uri="{91240B29-F687-4f45-9708-019B960494DF}">
-              <a14:hiddenLine xmlns:a14="http://schemas.microsoft.com/office/drawing/2010/main" xmlns="" w="9525">
-                <a:solidFill>
-                  <a:srgbClr val="000000"/>
-                </a:solidFill>
-                <a:round/>
-                <a:headEnd/>
-                <a:tailEnd/>
-              </a14:hiddenLine>
-            </a:ext>
-          </a:extLst>
-        </p:spPr>
-        <p:style>
-          <a:lnRef idx="1">
-            <a:schemeClr val="accent1"/>
-          </a:lnRef>
-          <a:fillRef idx="3">
-            <a:schemeClr val="accent1"/>
-          </a:fillRef>
-          <a:effectRef idx="2">
-            <a:schemeClr val="accent1"/>
-          </a:effectRef>
-          <a:fontRef idx="minor">
-            <a:schemeClr val="lt1"/>
-          </a:fontRef>
-        </p:style>
-      </p:sp>
-      <p:sp>
-        <p:nvSpPr>
           <p:cNvPr id="2" name="Title 1"/>
           <p:cNvSpPr>
             <a:spLocks noGrp="1"/>
@@ -2405,12 +863,7 @@
             <p:ph type="title"/>
           </p:nvPr>
         </p:nvSpPr>
-        <p:spPr>
-          <a:xfrm>
-            <a:off x="810000" y="447188"/>
-            <a:ext cx="10571998" cy="970450"/>
-          </a:xfrm>
-        </p:spPr>
+        <p:spPr/>
         <p:txBody>
           <a:bodyPr/>
           <a:lstStyle/>
@@ -2433,12 +886,7 @@
             <p:ph idx="1"/>
           </p:nvPr>
         </p:nvSpPr>
-        <p:spPr>
-          <a:xfrm>
-            <a:off x="818712" y="2222287"/>
-            <a:ext cx="10554574" cy="3636511"/>
-          </a:xfrm>
-        </p:spPr>
+        <p:spPr/>
         <p:txBody>
           <a:bodyPr/>
           <a:lstStyle/>
@@ -2548,7 +996,7 @@
     </p:spTree>
     <p:extLst>
       <p:ext uri="{BB962C8B-B14F-4D97-AF65-F5344CB8AC3E}">
-        <p14:creationId xmlns:p14="http://schemas.microsoft.com/office/powerpoint/2010/main" val="1712171849"/>
+        <p14:creationId xmlns:p14="http://schemas.microsoft.com/office/powerpoint/2010/main" val="1207343304"/>
       </p:ext>
     </p:extLst>
   </p:cSld>
@@ -2559,8 +1007,13 @@
 </file>
 
 <file path=ppt/slideLayouts/slideLayout3.xml><?xml version="1.0" encoding="utf-8"?>
-<p:sldLayout xmlns:a="http://schemas.openxmlformats.org/drawingml/2006/main" xmlns:r="http://schemas.openxmlformats.org/officeDocument/2006/relationships" xmlns:p="http://schemas.openxmlformats.org/presentationml/2006/main" type="secHead" preserve="1">
+<p:sldLayout xmlns:a="http://schemas.openxmlformats.org/drawingml/2006/main" xmlns:r="http://schemas.openxmlformats.org/officeDocument/2006/relationships" xmlns:p="http://schemas.openxmlformats.org/presentationml/2006/main" showMasterSp="0" type="secHead" preserve="1">
   <p:cSld name="Section Header">
+    <p:bg>
+      <p:bgRef idx="1001">
+        <a:schemeClr val="bg1"/>
+      </p:bgRef>
+    </p:bg>
     <p:spTree>
       <p:nvGrpSpPr>
         <p:cNvPr id="1" name=""/>
@@ -2577,94 +1030,35 @@
       </p:grpSpPr>
       <p:sp>
         <p:nvSpPr>
-          <p:cNvPr id="10" name="Freeform 7"/>
+          <p:cNvPr id="7" name="Rectangle 6"/>
           <p:cNvSpPr/>
           <p:nvPr/>
         </p:nvSpPr>
-        <p:spPr bwMode="auto">
+        <p:spPr>
           <a:xfrm>
-            <a:off x="0" y="1"/>
-            <a:ext cx="12192000" cy="5203825"/>
+            <a:off x="-6843" y="2059012"/>
+            <a:ext cx="12195668" cy="1828800"/>
           </a:xfrm>
-          <a:custGeom>
+          <a:prstGeom prst="rect">
             <a:avLst/>
-            <a:gdLst/>
-            <a:ahLst/>
-            <a:cxnLst/>
-            <a:rect l="0" t="0" r="r" b="b"/>
-            <a:pathLst>
-              <a:path w="5760" h="3278">
-                <a:moveTo>
-                  <a:pt x="0" y="0"/>
-                </a:moveTo>
-                <a:lnTo>
-                  <a:pt x="5760" y="0"/>
-                </a:lnTo>
-                <a:lnTo>
-                  <a:pt x="5760" y="3090"/>
-                </a:lnTo>
-                <a:lnTo>
-                  <a:pt x="4817" y="3090"/>
-                </a:lnTo>
-                <a:lnTo>
-                  <a:pt x="4637" y="3270"/>
-                </a:lnTo>
-                <a:lnTo>
-                  <a:pt x="4637" y="3270"/>
-                </a:lnTo>
-                <a:lnTo>
-                  <a:pt x="4633" y="3272"/>
-                </a:lnTo>
-                <a:lnTo>
-                  <a:pt x="4627" y="3275"/>
-                </a:lnTo>
-                <a:lnTo>
-                  <a:pt x="4621" y="3278"/>
-                </a:lnTo>
-                <a:lnTo>
-                  <a:pt x="4616" y="3278"/>
-                </a:lnTo>
-                <a:lnTo>
-                  <a:pt x="4610" y="3278"/>
-                </a:lnTo>
-                <a:lnTo>
-                  <a:pt x="4605" y="3275"/>
-                </a:lnTo>
-                <a:lnTo>
-                  <a:pt x="4599" y="3272"/>
-                </a:lnTo>
-                <a:lnTo>
-                  <a:pt x="4595" y="3270"/>
-                </a:lnTo>
-                <a:lnTo>
-                  <a:pt x="4415" y="3090"/>
-                </a:lnTo>
-                <a:lnTo>
-                  <a:pt x="0" y="3090"/>
-                </a:lnTo>
-                <a:lnTo>
-                  <a:pt x="0" y="0"/>
-                </a:lnTo>
-                <a:lnTo>
-                  <a:pt x="0" y="0"/>
-                </a:lnTo>
-                <a:close/>
-              </a:path>
-            </a:pathLst>
-          </a:custGeom>
+          </a:prstGeom>
+          <a:solidFill>
+            <a:schemeClr val="tx2"/>
+          </a:solidFill>
           <a:ln>
-            <a:headEnd/>
-            <a:tailEnd/>
+            <a:noFill/>
           </a:ln>
         </p:spPr>
         <p:style>
-          <a:lnRef idx="1">
-            <a:schemeClr val="accent1"/>
+          <a:lnRef idx="2">
+            <a:schemeClr val="accent1">
+              <a:shade val="50000"/>
+            </a:schemeClr>
           </a:lnRef>
-          <a:fillRef idx="3">
+          <a:fillRef idx="1">
             <a:schemeClr val="accent1"/>
           </a:fillRef>
-          <a:effectRef idx="2">
+          <a:effectRef idx="0">
             <a:schemeClr val="accent1"/>
           </a:effectRef>
           <a:fontRef idx="minor">
@@ -2684,52 +1078,61 @@
         </p:nvSpPr>
         <p:spPr>
           <a:xfrm>
-            <a:off x="810000" y="2951396"/>
-            <a:ext cx="10561418" cy="1468800"/>
+            <a:off x="833191" y="2208879"/>
+            <a:ext cx="10515600" cy="1676400"/>
           </a:xfrm>
         </p:spPr>
         <p:txBody>
-          <a:bodyPr anchor="b"/>
-          <a:lstStyle>
-            <a:lvl1pPr algn="r">
-              <a:defRPr sz="4800" b="1" cap="none"/>
-            </a:lvl1pPr>
-          </a:lstStyle>
-          <a:p>
-            <a:r>
-              <a:rPr lang="en-US"/>
-              <a:t>Click to edit Master title style</a:t>
-            </a:r>
-            <a:endParaRPr lang="en-US" dirty="0"/>
-          </a:p>
-        </p:txBody>
-      </p:sp>
-      <p:sp>
-        <p:nvSpPr>
-          <p:cNvPr id="3" name="Text Placeholder 2"/>
-          <p:cNvSpPr>
-            <a:spLocks noGrp="1"/>
-          </p:cNvSpPr>
-          <p:nvPr>
-            <p:ph type="body" idx="1"/>
-          </p:nvPr>
-        </p:nvSpPr>
-        <p:spPr>
-          <a:xfrm>
-            <a:off x="810000" y="5281201"/>
-            <a:ext cx="10561418" cy="433955"/>
-          </a:xfrm>
-        </p:spPr>
-        <p:txBody>
-          <a:bodyPr anchor="t">
+          <a:bodyPr anchor="ctr">
             <a:noAutofit/>
           </a:bodyPr>
           <a:lstStyle>
-            <a:lvl1pPr marL="0" indent="0" algn="r">
-              <a:buNone/>
-              <a:defRPr sz="1800">
+            <a:lvl1pPr algn="ctr">
+              <a:lnSpc>
+                <a:spcPct val="80000"/>
+              </a:lnSpc>
+              <a:defRPr sz="6000" b="0" spc="150" baseline="0">
                 <a:solidFill>
-                  <a:schemeClr val="tx1"/>
+                  <a:schemeClr val="bg1"/>
+                </a:solidFill>
+              </a:defRPr>
+            </a:lvl1pPr>
+          </a:lstStyle>
+          <a:p>
+            <a:r>
+              <a:rPr lang="en-US"/>
+              <a:t>Click to edit Master title style</a:t>
+            </a:r>
+            <a:endParaRPr lang="en-US" dirty="0"/>
+          </a:p>
+        </p:txBody>
+      </p:sp>
+      <p:sp>
+        <p:nvSpPr>
+          <p:cNvPr id="3" name="Text Placeholder 2"/>
+          <p:cNvSpPr>
+            <a:spLocks noGrp="1"/>
+          </p:cNvSpPr>
+          <p:nvPr>
+            <p:ph type="body" idx="1"/>
+          </p:nvPr>
+        </p:nvSpPr>
+        <p:spPr>
+          <a:xfrm>
+            <a:off x="833191" y="4010334"/>
+            <a:ext cx="10515600" cy="1174639"/>
+          </a:xfrm>
+        </p:spPr>
+        <p:txBody>
+          <a:bodyPr anchor="t">
+            <a:normAutofit/>
+          </a:bodyPr>
+          <a:lstStyle>
+            <a:lvl1pPr marL="0" indent="0" algn="ctr">
+              <a:buNone/>
+              <a:defRPr sz="2000">
+                <a:solidFill>
+                  <a:schemeClr val="tx2"/>
                 </a:solidFill>
               </a:defRPr>
             </a:lvl1pPr>
@@ -2836,7 +1239,15 @@
         <p:spPr/>
         <p:txBody>
           <a:bodyPr/>
-          <a:lstStyle/>
+          <a:lstStyle>
+            <a:lvl1pPr>
+              <a:defRPr>
+                <a:solidFill>
+                  <a:schemeClr val="tx2"/>
+                </a:solidFill>
+              </a:defRPr>
+            </a:lvl1pPr>
+          </a:lstStyle>
           <a:p>
             <a:fld id="{00464503-B255-4BAB-A675-58D659314144}" type="datetimeFigureOut">
               <a:rPr lang="en-GB" smtClean="0"/>
@@ -2859,7 +1270,15 @@
         <p:spPr/>
         <p:txBody>
           <a:bodyPr/>
-          <a:lstStyle/>
+          <a:lstStyle>
+            <a:lvl1pPr>
+              <a:defRPr>
+                <a:solidFill>
+                  <a:schemeClr val="tx2"/>
+                </a:solidFill>
+              </a:defRPr>
+            </a:lvl1pPr>
+          </a:lstStyle>
           <a:p>
             <a:endParaRPr lang="en-GB"/>
           </a:p>
@@ -2878,7 +1297,15 @@
         <p:spPr/>
         <p:txBody>
           <a:bodyPr/>
-          <a:lstStyle/>
+          <a:lstStyle>
+            <a:lvl1pPr>
+              <a:defRPr>
+                <a:solidFill>
+                  <a:schemeClr val="tx2"/>
+                </a:solidFill>
+              </a:defRPr>
+            </a:lvl1pPr>
+          </a:lstStyle>
           <a:p>
             <a:fld id="{7B646B38-4373-445A-B781-759CE59DE79F}" type="slidenum">
               <a:rPr lang="en-GB" smtClean="0"/>
@@ -2891,12 +1318,12 @@
     </p:spTree>
     <p:extLst>
       <p:ext uri="{BB962C8B-B14F-4D97-AF65-F5344CB8AC3E}">
-        <p14:creationId xmlns:p14="http://schemas.microsoft.com/office/powerpoint/2010/main" val="2598436071"/>
+        <p14:creationId xmlns:p14="http://schemas.microsoft.com/office/powerpoint/2010/main" val="337254000"/>
       </p:ext>
     </p:extLst>
   </p:cSld>
   <p:clrMapOvr>
-    <a:masterClrMapping/>
+    <a:overrideClrMapping bg1="lt1" tx1="dk1" bg2="lt2" tx2="dk2" accent1="accent1" accent2="accent2" accent3="accent3" accent4="accent4" accent5="accent5" accent6="accent6" hlink="hlink" folHlink="folHlink"/>
   </p:clrMapOvr>
 </p:sldLayout>
 </file>
@@ -2920,110 +1347,7 @@
       </p:grpSpPr>
       <p:sp>
         <p:nvSpPr>
-          <p:cNvPr id="8" name="Freeform 6"/>
-          <p:cNvSpPr/>
-          <p:nvPr/>
-        </p:nvSpPr>
-        <p:spPr bwMode="auto">
-          <a:xfrm>
-            <a:off x="0" y="0"/>
-            <a:ext cx="12192000" cy="2185988"/>
-          </a:xfrm>
-          <a:custGeom>
-            <a:avLst/>
-            <a:gdLst/>
-            <a:ahLst/>
-            <a:cxnLst/>
-            <a:rect l="0" t="0" r="r" b="b"/>
-            <a:pathLst>
-              <a:path w="5760" h="1377">
-                <a:moveTo>
-                  <a:pt x="5760" y="0"/>
-                </a:moveTo>
-                <a:lnTo>
-                  <a:pt x="0" y="0"/>
-                </a:lnTo>
-                <a:lnTo>
-                  <a:pt x="0" y="1189"/>
-                </a:lnTo>
-                <a:lnTo>
-                  <a:pt x="943" y="1189"/>
-                </a:lnTo>
-                <a:lnTo>
-                  <a:pt x="1123" y="1369"/>
-                </a:lnTo>
-                <a:lnTo>
-                  <a:pt x="1123" y="1369"/>
-                </a:lnTo>
-                <a:lnTo>
-                  <a:pt x="1127" y="1371"/>
-                </a:lnTo>
-                <a:lnTo>
-                  <a:pt x="1133" y="1374"/>
-                </a:lnTo>
-                <a:lnTo>
-                  <a:pt x="1139" y="1377"/>
-                </a:lnTo>
-                <a:lnTo>
-                  <a:pt x="1144" y="1377"/>
-                </a:lnTo>
-                <a:lnTo>
-                  <a:pt x="1150" y="1377"/>
-                </a:lnTo>
-                <a:lnTo>
-                  <a:pt x="1155" y="1374"/>
-                </a:lnTo>
-                <a:lnTo>
-                  <a:pt x="1161" y="1371"/>
-                </a:lnTo>
-                <a:lnTo>
-                  <a:pt x="1165" y="1369"/>
-                </a:lnTo>
-                <a:lnTo>
-                  <a:pt x="1345" y="1189"/>
-                </a:lnTo>
-                <a:lnTo>
-                  <a:pt x="5760" y="1189"/>
-                </a:lnTo>
-                <a:lnTo>
-                  <a:pt x="5760" y="0"/>
-                </a:lnTo>
-                <a:close/>
-              </a:path>
-            </a:pathLst>
-          </a:custGeom>
-          <a:ln/>
-          <a:extLst>
-            <a:ext uri="{91240B29-F687-4f45-9708-019B960494DF}">
-              <a14:hiddenLine xmlns:a14="http://schemas.microsoft.com/office/drawing/2010/main" xmlns="" w="9525">
-                <a:solidFill>
-                  <a:srgbClr val="000000"/>
-                </a:solidFill>
-                <a:round/>
-                <a:headEnd/>
-                <a:tailEnd/>
-              </a14:hiddenLine>
-            </a:ext>
-          </a:extLst>
-        </p:spPr>
-        <p:style>
-          <a:lnRef idx="1">
-            <a:schemeClr val="accent1"/>
-          </a:lnRef>
-          <a:fillRef idx="3">
-            <a:schemeClr val="accent1"/>
-          </a:fillRef>
-          <a:effectRef idx="2">
-            <a:schemeClr val="accent1"/>
-          </a:effectRef>
-          <a:fontRef idx="minor">
-            <a:schemeClr val="lt1"/>
-          </a:fontRef>
-        </p:style>
-      </p:sp>
-      <p:sp>
-        <p:nvSpPr>
-          <p:cNvPr id="2" name="Title 1"/>
+          <p:cNvPr id="8" name="Title 7"/>
           <p:cNvSpPr>
             <a:spLocks noGrp="1"/>
           </p:cNvSpPr>
@@ -3056,15 +1380,41 @@
         </p:nvSpPr>
         <p:spPr>
           <a:xfrm>
-            <a:off x="818712" y="2222287"/>
-            <a:ext cx="5185873" cy="3638763"/>
+            <a:off x="1205344" y="2011680"/>
+            <a:ext cx="4754880" cy="4206240"/>
           </a:xfrm>
         </p:spPr>
         <p:txBody>
-          <a:bodyPr>
-            <a:normAutofit/>
-          </a:bodyPr>
-          <a:lstStyle/>
+          <a:bodyPr/>
+          <a:lstStyle>
+            <a:lvl1pPr>
+              <a:defRPr sz="2200"/>
+            </a:lvl1pPr>
+            <a:lvl2pPr>
+              <a:defRPr sz="2000"/>
+            </a:lvl2pPr>
+            <a:lvl3pPr>
+              <a:defRPr sz="1800"/>
+            </a:lvl3pPr>
+            <a:lvl4pPr>
+              <a:defRPr sz="1600"/>
+            </a:lvl4pPr>
+            <a:lvl5pPr>
+              <a:defRPr sz="1600"/>
+            </a:lvl5pPr>
+            <a:lvl6pPr>
+              <a:defRPr sz="1600"/>
+            </a:lvl6pPr>
+            <a:lvl7pPr>
+              <a:defRPr sz="1600"/>
+            </a:lvl7pPr>
+            <a:lvl8pPr>
+              <a:defRPr sz="1600"/>
+            </a:lvl8pPr>
+            <a:lvl9pPr>
+              <a:defRPr sz="1600"/>
+            </a:lvl9pPr>
+          </a:lstStyle>
           <a:p>
             <a:pPr lvl="0"/>
             <a:r>
@@ -3115,15 +1465,41 @@
         </p:nvSpPr>
         <p:spPr>
           <a:xfrm>
-            <a:off x="6187415" y="2222287"/>
-            <a:ext cx="5194583" cy="3638764"/>
+            <a:off x="6230391" y="2011680"/>
+            <a:ext cx="4754880" cy="4206240"/>
           </a:xfrm>
         </p:spPr>
         <p:txBody>
-          <a:bodyPr>
-            <a:normAutofit/>
-          </a:bodyPr>
-          <a:lstStyle/>
+          <a:bodyPr/>
+          <a:lstStyle>
+            <a:lvl1pPr>
+              <a:defRPr sz="2200"/>
+            </a:lvl1pPr>
+            <a:lvl2pPr>
+              <a:defRPr sz="2000"/>
+            </a:lvl2pPr>
+            <a:lvl3pPr>
+              <a:defRPr sz="1800"/>
+            </a:lvl3pPr>
+            <a:lvl4pPr>
+              <a:defRPr sz="1600"/>
+            </a:lvl4pPr>
+            <a:lvl5pPr>
+              <a:defRPr sz="1600"/>
+            </a:lvl5pPr>
+            <a:lvl6pPr>
+              <a:defRPr sz="1600"/>
+            </a:lvl6pPr>
+            <a:lvl7pPr>
+              <a:defRPr sz="1600"/>
+            </a:lvl7pPr>
+            <a:lvl8pPr>
+              <a:defRPr sz="1600"/>
+            </a:lvl8pPr>
+            <a:lvl9pPr>
+              <a:defRPr sz="1600"/>
+            </a:lvl9pPr>
+          </a:lstStyle>
           <a:p>
             <a:pPr lvl="0"/>
             <a:r>
@@ -3230,7 +1606,7 @@
     </p:spTree>
     <p:extLst>
       <p:ext uri="{BB962C8B-B14F-4D97-AF65-F5344CB8AC3E}">
-        <p14:creationId xmlns:p14="http://schemas.microsoft.com/office/powerpoint/2010/main" val="195656286"/>
+        <p14:creationId xmlns:p14="http://schemas.microsoft.com/office/powerpoint/2010/main" val="2050630990"/>
       </p:ext>
     </p:extLst>
   </p:cSld>
@@ -3259,110 +1635,7 @@
       </p:grpSpPr>
       <p:sp>
         <p:nvSpPr>
-          <p:cNvPr id="10" name="Freeform 6"/>
-          <p:cNvSpPr/>
-          <p:nvPr/>
-        </p:nvSpPr>
-        <p:spPr bwMode="auto">
-          <a:xfrm>
-            <a:off x="0" y="0"/>
-            <a:ext cx="12192000" cy="2185988"/>
-          </a:xfrm>
-          <a:custGeom>
-            <a:avLst/>
-            <a:gdLst/>
-            <a:ahLst/>
-            <a:cxnLst/>
-            <a:rect l="0" t="0" r="r" b="b"/>
-            <a:pathLst>
-              <a:path w="5760" h="1377">
-                <a:moveTo>
-                  <a:pt x="5760" y="0"/>
-                </a:moveTo>
-                <a:lnTo>
-                  <a:pt x="0" y="0"/>
-                </a:lnTo>
-                <a:lnTo>
-                  <a:pt x="0" y="1189"/>
-                </a:lnTo>
-                <a:lnTo>
-                  <a:pt x="943" y="1189"/>
-                </a:lnTo>
-                <a:lnTo>
-                  <a:pt x="1123" y="1369"/>
-                </a:lnTo>
-                <a:lnTo>
-                  <a:pt x="1123" y="1369"/>
-                </a:lnTo>
-                <a:lnTo>
-                  <a:pt x="1127" y="1371"/>
-                </a:lnTo>
-                <a:lnTo>
-                  <a:pt x="1133" y="1374"/>
-                </a:lnTo>
-                <a:lnTo>
-                  <a:pt x="1139" y="1377"/>
-                </a:lnTo>
-                <a:lnTo>
-                  <a:pt x="1144" y="1377"/>
-                </a:lnTo>
-                <a:lnTo>
-                  <a:pt x="1150" y="1377"/>
-                </a:lnTo>
-                <a:lnTo>
-                  <a:pt x="1155" y="1374"/>
-                </a:lnTo>
-                <a:lnTo>
-                  <a:pt x="1161" y="1371"/>
-                </a:lnTo>
-                <a:lnTo>
-                  <a:pt x="1165" y="1369"/>
-                </a:lnTo>
-                <a:lnTo>
-                  <a:pt x="1345" y="1189"/>
-                </a:lnTo>
-                <a:lnTo>
-                  <a:pt x="5760" y="1189"/>
-                </a:lnTo>
-                <a:lnTo>
-                  <a:pt x="5760" y="0"/>
-                </a:lnTo>
-                <a:close/>
-              </a:path>
-            </a:pathLst>
-          </a:custGeom>
-          <a:ln/>
-          <a:extLst>
-            <a:ext uri="{91240B29-F687-4f45-9708-019B960494DF}">
-              <a14:hiddenLine xmlns:a14="http://schemas.microsoft.com/office/drawing/2010/main" xmlns="" w="9525">
-                <a:solidFill>
-                  <a:srgbClr val="000000"/>
-                </a:solidFill>
-                <a:round/>
-                <a:headEnd/>
-                <a:tailEnd/>
-              </a14:hiddenLine>
-            </a:ext>
-          </a:extLst>
-        </p:spPr>
-        <p:style>
-          <a:lnRef idx="1">
-            <a:schemeClr val="accent1"/>
-          </a:lnRef>
-          <a:fillRef idx="3">
-            <a:schemeClr val="accent1"/>
-          </a:fillRef>
-          <a:effectRef idx="2">
-            <a:schemeClr val="accent1"/>
-          </a:effectRef>
-          <a:fontRef idx="minor">
-            <a:schemeClr val="lt1"/>
-          </a:fontRef>
-        </p:style>
-      </p:sp>
-      <p:sp>
-        <p:nvSpPr>
-          <p:cNvPr id="2" name="Title 1"/>
+          <p:cNvPr id="10" name="Title 9"/>
           <p:cNvSpPr>
             <a:spLocks noGrp="1"/>
           </p:cNvSpPr>
@@ -3373,11 +1646,7 @@
         <p:spPr/>
         <p:txBody>
           <a:bodyPr/>
-          <a:lstStyle>
-            <a:lvl1pPr>
-              <a:defRPr/>
-            </a:lvl1pPr>
-          </a:lstStyle>
+          <a:lstStyle/>
           <a:p>
             <a:r>
               <a:rPr lang="en-US"/>
@@ -3399,18 +1668,18 @@
         </p:nvSpPr>
         <p:spPr>
           <a:xfrm>
-            <a:off x="814728" y="2174875"/>
-            <a:ext cx="5189857" cy="576262"/>
+            <a:off x="1207008" y="1913470"/>
+            <a:ext cx="4754880" cy="743094"/>
           </a:xfrm>
         </p:spPr>
         <p:txBody>
-          <a:bodyPr anchor="b">
-            <a:noAutofit/>
+          <a:bodyPr anchor="ctr">
+            <a:normAutofit/>
           </a:bodyPr>
           <a:lstStyle>
-            <a:lvl1pPr marL="0" indent="0" algn="ctr">
-              <a:buNone/>
-              <a:defRPr sz="2000" b="0"/>
+            <a:lvl1pPr marL="0" indent="0">
+              <a:buNone/>
+              <a:defRPr sz="2100" b="1"/>
             </a:lvl1pPr>
             <a:lvl2pPr marL="457200" indent="0">
               <a:buNone/>
@@ -3466,77 +1735,103 @@
         </p:nvSpPr>
         <p:spPr>
           <a:xfrm>
-            <a:off x="814729" y="2751138"/>
-            <a:ext cx="5189856" cy="3109913"/>
+            <a:off x="1207008" y="2656566"/>
+            <a:ext cx="4754880" cy="3566160"/>
           </a:xfrm>
         </p:spPr>
         <p:txBody>
-          <a:bodyPr anchor="t">
+          <a:bodyPr/>
+          <a:lstStyle>
+            <a:lvl1pPr>
+              <a:defRPr sz="2200"/>
+            </a:lvl1pPr>
+            <a:lvl2pPr>
+              <a:defRPr sz="2000"/>
+            </a:lvl2pPr>
+            <a:lvl3pPr>
+              <a:defRPr sz="1800"/>
+            </a:lvl3pPr>
+            <a:lvl4pPr>
+              <a:defRPr sz="1600"/>
+            </a:lvl4pPr>
+            <a:lvl5pPr>
+              <a:defRPr sz="1600"/>
+            </a:lvl5pPr>
+            <a:lvl6pPr>
+              <a:defRPr sz="1600"/>
+            </a:lvl6pPr>
+            <a:lvl7pPr>
+              <a:defRPr sz="1600"/>
+            </a:lvl7pPr>
+            <a:lvl8pPr>
+              <a:defRPr sz="1600"/>
+            </a:lvl8pPr>
+            <a:lvl9pPr>
+              <a:defRPr sz="1600"/>
+            </a:lvl9pPr>
+          </a:lstStyle>
+          <a:p>
+            <a:pPr lvl="0"/>
+            <a:r>
+              <a:rPr lang="en-US"/>
+              <a:t>Click to edit Master text styles</a:t>
+            </a:r>
+          </a:p>
+          <a:p>
+            <a:pPr lvl="1"/>
+            <a:r>
+              <a:rPr lang="en-US"/>
+              <a:t>Second level</a:t>
+            </a:r>
+          </a:p>
+          <a:p>
+            <a:pPr lvl="2"/>
+            <a:r>
+              <a:rPr lang="en-US"/>
+              <a:t>Third level</a:t>
+            </a:r>
+          </a:p>
+          <a:p>
+            <a:pPr lvl="3"/>
+            <a:r>
+              <a:rPr lang="en-US"/>
+              <a:t>Fourth level</a:t>
+            </a:r>
+          </a:p>
+          <a:p>
+            <a:pPr lvl="4"/>
+            <a:r>
+              <a:rPr lang="en-US"/>
+              <a:t>Fifth level</a:t>
+            </a:r>
+            <a:endParaRPr lang="en-US" dirty="0"/>
+          </a:p>
+        </p:txBody>
+      </p:sp>
+      <p:sp>
+        <p:nvSpPr>
+          <p:cNvPr id="5" name="Text Placeholder 4"/>
+          <p:cNvSpPr>
+            <a:spLocks noGrp="1"/>
+          </p:cNvSpPr>
+          <p:nvPr>
+            <p:ph type="body" sz="quarter" idx="3"/>
+          </p:nvPr>
+        </p:nvSpPr>
+        <p:spPr>
+          <a:xfrm>
+            <a:off x="6231230" y="1913470"/>
+            <a:ext cx="4754880" cy="743094"/>
+          </a:xfrm>
+        </p:spPr>
+        <p:txBody>
+          <a:bodyPr anchor="ctr">
             <a:normAutofit/>
           </a:bodyPr>
-          <a:lstStyle/>
-          <a:p>
-            <a:pPr lvl="0"/>
-            <a:r>
-              <a:rPr lang="en-US"/>
-              <a:t>Click to edit Master text styles</a:t>
-            </a:r>
-          </a:p>
-          <a:p>
-            <a:pPr lvl="1"/>
-            <a:r>
-              <a:rPr lang="en-US"/>
-              <a:t>Second level</a:t>
-            </a:r>
-          </a:p>
-          <a:p>
-            <a:pPr lvl="2"/>
-            <a:r>
-              <a:rPr lang="en-US"/>
-              <a:t>Third level</a:t>
-            </a:r>
-          </a:p>
-          <a:p>
-            <a:pPr lvl="3"/>
-            <a:r>
-              <a:rPr lang="en-US"/>
-              <a:t>Fourth level</a:t>
-            </a:r>
-          </a:p>
-          <a:p>
-            <a:pPr lvl="4"/>
-            <a:r>
-              <a:rPr lang="en-US"/>
-              <a:t>Fifth level</a:t>
-            </a:r>
-            <a:endParaRPr lang="en-US" dirty="0"/>
-          </a:p>
-        </p:txBody>
-      </p:sp>
-      <p:sp>
-        <p:nvSpPr>
-          <p:cNvPr id="5" name="Text Placeholder 4"/>
-          <p:cNvSpPr>
-            <a:spLocks noGrp="1"/>
-          </p:cNvSpPr>
-          <p:nvPr>
-            <p:ph type="body" sz="quarter" idx="3"/>
-          </p:nvPr>
-        </p:nvSpPr>
-        <p:spPr>
-          <a:xfrm>
-            <a:off x="6187415" y="2174875"/>
-            <a:ext cx="5194583" cy="576262"/>
-          </a:xfrm>
-        </p:spPr>
-        <p:txBody>
-          <a:bodyPr anchor="b">
-            <a:noAutofit/>
-          </a:bodyPr>
           <a:lstStyle>
-            <a:lvl1pPr marL="0" indent="0" algn="ctr">
-              <a:buNone/>
-              <a:defRPr sz="2000" b="0"/>
+            <a:lvl1pPr marL="0" indent="0">
+              <a:buNone/>
+              <a:defRPr sz="2100" b="1"/>
             </a:lvl1pPr>
             <a:lvl2pPr marL="457200" indent="0">
               <a:buNone/>
@@ -3592,15 +1887,41 @@
         </p:nvSpPr>
         <p:spPr>
           <a:xfrm>
-            <a:off x="6187415" y="2751138"/>
-            <a:ext cx="5194583" cy="3109913"/>
+            <a:off x="6231230" y="2656564"/>
+            <a:ext cx="4754880" cy="3566160"/>
           </a:xfrm>
         </p:spPr>
         <p:txBody>
-          <a:bodyPr anchor="t">
-            <a:normAutofit/>
-          </a:bodyPr>
-          <a:lstStyle/>
+          <a:bodyPr/>
+          <a:lstStyle>
+            <a:lvl1pPr>
+              <a:defRPr sz="2200"/>
+            </a:lvl1pPr>
+            <a:lvl2pPr>
+              <a:defRPr sz="2000"/>
+            </a:lvl2pPr>
+            <a:lvl3pPr>
+              <a:defRPr sz="1800"/>
+            </a:lvl3pPr>
+            <a:lvl4pPr>
+              <a:defRPr sz="1600"/>
+            </a:lvl4pPr>
+            <a:lvl5pPr>
+              <a:defRPr sz="1600"/>
+            </a:lvl5pPr>
+            <a:lvl6pPr>
+              <a:defRPr sz="1600"/>
+            </a:lvl6pPr>
+            <a:lvl7pPr>
+              <a:defRPr sz="1600"/>
+            </a:lvl7pPr>
+            <a:lvl8pPr>
+              <a:defRPr sz="1600"/>
+            </a:lvl8pPr>
+            <a:lvl9pPr>
+              <a:defRPr sz="1600"/>
+            </a:lvl9pPr>
+          </a:lstStyle>
           <a:p>
             <a:pPr lvl="0"/>
             <a:r>
@@ -3707,7 +2028,7 @@
     </p:spTree>
     <p:extLst>
       <p:ext uri="{BB962C8B-B14F-4D97-AF65-F5344CB8AC3E}">
-        <p14:creationId xmlns:p14="http://schemas.microsoft.com/office/powerpoint/2010/main" val="1714044349"/>
+        <p14:creationId xmlns:p14="http://schemas.microsoft.com/office/powerpoint/2010/main" val="4172871282"/>
       </p:ext>
     </p:extLst>
   </p:cSld>
@@ -3736,109 +2057,6 @@
       </p:grpSpPr>
       <p:sp>
         <p:nvSpPr>
-          <p:cNvPr id="6" name="Freeform 6"/>
-          <p:cNvSpPr/>
-          <p:nvPr/>
-        </p:nvSpPr>
-        <p:spPr bwMode="auto">
-          <a:xfrm>
-            <a:off x="0" y="0"/>
-            <a:ext cx="12192000" cy="2185988"/>
-          </a:xfrm>
-          <a:custGeom>
-            <a:avLst/>
-            <a:gdLst/>
-            <a:ahLst/>
-            <a:cxnLst/>
-            <a:rect l="0" t="0" r="r" b="b"/>
-            <a:pathLst>
-              <a:path w="5760" h="1377">
-                <a:moveTo>
-                  <a:pt x="5760" y="0"/>
-                </a:moveTo>
-                <a:lnTo>
-                  <a:pt x="0" y="0"/>
-                </a:lnTo>
-                <a:lnTo>
-                  <a:pt x="0" y="1189"/>
-                </a:lnTo>
-                <a:lnTo>
-                  <a:pt x="943" y="1189"/>
-                </a:lnTo>
-                <a:lnTo>
-                  <a:pt x="1123" y="1369"/>
-                </a:lnTo>
-                <a:lnTo>
-                  <a:pt x="1123" y="1369"/>
-                </a:lnTo>
-                <a:lnTo>
-                  <a:pt x="1127" y="1371"/>
-                </a:lnTo>
-                <a:lnTo>
-                  <a:pt x="1133" y="1374"/>
-                </a:lnTo>
-                <a:lnTo>
-                  <a:pt x="1139" y="1377"/>
-                </a:lnTo>
-                <a:lnTo>
-                  <a:pt x="1144" y="1377"/>
-                </a:lnTo>
-                <a:lnTo>
-                  <a:pt x="1150" y="1377"/>
-                </a:lnTo>
-                <a:lnTo>
-                  <a:pt x="1155" y="1374"/>
-                </a:lnTo>
-                <a:lnTo>
-                  <a:pt x="1161" y="1371"/>
-                </a:lnTo>
-                <a:lnTo>
-                  <a:pt x="1165" y="1369"/>
-                </a:lnTo>
-                <a:lnTo>
-                  <a:pt x="1345" y="1189"/>
-                </a:lnTo>
-                <a:lnTo>
-                  <a:pt x="5760" y="1189"/>
-                </a:lnTo>
-                <a:lnTo>
-                  <a:pt x="5760" y="0"/>
-                </a:lnTo>
-                <a:close/>
-              </a:path>
-            </a:pathLst>
-          </a:custGeom>
-          <a:ln/>
-          <a:extLst>
-            <a:ext uri="{91240B29-F687-4f45-9708-019B960494DF}">
-              <a14:hiddenLine xmlns:a14="http://schemas.microsoft.com/office/drawing/2010/main" xmlns="" w="9525">
-                <a:solidFill>
-                  <a:srgbClr val="000000"/>
-                </a:solidFill>
-                <a:round/>
-                <a:headEnd/>
-                <a:tailEnd/>
-              </a14:hiddenLine>
-            </a:ext>
-          </a:extLst>
-        </p:spPr>
-        <p:style>
-          <a:lnRef idx="1">
-            <a:schemeClr val="accent1"/>
-          </a:lnRef>
-          <a:fillRef idx="3">
-            <a:schemeClr val="accent1"/>
-          </a:fillRef>
-          <a:effectRef idx="2">
-            <a:schemeClr val="accent1"/>
-          </a:effectRef>
-          <a:fontRef idx="minor">
-            <a:schemeClr val="lt1"/>
-          </a:fontRef>
-        </p:style>
-      </p:sp>
-      <p:sp>
-        <p:nvSpPr>
           <p:cNvPr id="2" name="Title 1"/>
           <p:cNvSpPr>
             <a:spLocks noGrp="1"/>
@@ -3928,7 +2146,7 @@
     </p:spTree>
     <p:extLst>
       <p:ext uri="{BB962C8B-B14F-4D97-AF65-F5344CB8AC3E}">
-        <p14:creationId xmlns:p14="http://schemas.microsoft.com/office/powerpoint/2010/main" val="1507423652"/>
+        <p14:creationId xmlns:p14="http://schemas.microsoft.com/office/powerpoint/2010/main" val="2456131867"/>
       </p:ext>
     </p:extLst>
   </p:cSld>
@@ -3939,7 +2157,7 @@
 </file>
 
 <file path=ppt/slideLayouts/slideLayout7.xml><?xml version="1.0" encoding="utf-8"?>
-<p:sldLayout xmlns:a="http://schemas.openxmlformats.org/drawingml/2006/main" xmlns:r="http://schemas.openxmlformats.org/officeDocument/2006/relationships" xmlns:p="http://schemas.openxmlformats.org/presentationml/2006/main" type="blank" preserve="1">
+<p:sldLayout xmlns:a="http://schemas.openxmlformats.org/drawingml/2006/main" xmlns:r="http://schemas.openxmlformats.org/officeDocument/2006/relationships" xmlns:p="http://schemas.openxmlformats.org/presentationml/2006/main" showMasterSp="0" type="blank" preserve="1">
   <p:cSld name="Blank">
     <p:spTree>
       <p:nvGrpSpPr>
@@ -4023,7 +2241,7 @@
     </p:spTree>
     <p:extLst>
       <p:ext uri="{BB962C8B-B14F-4D97-AF65-F5344CB8AC3E}">
-        <p14:creationId xmlns:p14="http://schemas.microsoft.com/office/powerpoint/2010/main" val="1834330886"/>
+        <p14:creationId xmlns:p14="http://schemas.microsoft.com/office/powerpoint/2010/main" val="3686057466"/>
       </p:ext>
     </p:extLst>
   </p:cSld>
@@ -4052,247 +2270,107 @@
       </p:grpSpPr>
       <p:sp>
         <p:nvSpPr>
-          <p:cNvPr id="12" name="Freeform 6"/>
-          <p:cNvSpPr>
-            <a:spLocks noChangeAspect="1"/>
-          </p:cNvSpPr>
-          <p:nvPr/>
-        </p:nvSpPr>
-        <p:spPr bwMode="auto">
-          <a:xfrm>
-            <a:off x="1073151" y="446087"/>
-            <a:ext cx="3547533" cy="1814651"/>
-          </a:xfrm>
-          <a:custGeom>
-            <a:avLst/>
-            <a:gdLst/>
-            <a:ahLst/>
-            <a:cxnLst/>
-            <a:rect l="0" t="0" r="r" b="b"/>
-            <a:pathLst>
-              <a:path w="3384" h="2308">
-                <a:moveTo>
-                  <a:pt x="3340" y="0"/>
-                </a:moveTo>
-                <a:lnTo>
-                  <a:pt x="44" y="0"/>
-                </a:lnTo>
-                <a:lnTo>
-                  <a:pt x="44" y="0"/>
-                </a:lnTo>
-                <a:lnTo>
-                  <a:pt x="34" y="0"/>
-                </a:lnTo>
-                <a:lnTo>
-                  <a:pt x="26" y="4"/>
-                </a:lnTo>
-                <a:lnTo>
-                  <a:pt x="20" y="8"/>
-                </a:lnTo>
-                <a:lnTo>
-                  <a:pt x="12" y="12"/>
-                </a:lnTo>
-                <a:lnTo>
-                  <a:pt x="8" y="20"/>
-                </a:lnTo>
-                <a:lnTo>
-                  <a:pt x="4" y="26"/>
-                </a:lnTo>
-                <a:lnTo>
-                  <a:pt x="0" y="34"/>
-                </a:lnTo>
-                <a:lnTo>
-                  <a:pt x="0" y="44"/>
-                </a:lnTo>
-                <a:lnTo>
-                  <a:pt x="0" y="2076"/>
-                </a:lnTo>
-                <a:lnTo>
-                  <a:pt x="0" y="2076"/>
-                </a:lnTo>
-                <a:lnTo>
-                  <a:pt x="0" y="2086"/>
-                </a:lnTo>
-                <a:lnTo>
-                  <a:pt x="4" y="2094"/>
-                </a:lnTo>
-                <a:lnTo>
-                  <a:pt x="8" y="2100"/>
-                </a:lnTo>
-                <a:lnTo>
-                  <a:pt x="12" y="2108"/>
-                </a:lnTo>
-                <a:lnTo>
-                  <a:pt x="20" y="2112"/>
-                </a:lnTo>
-                <a:lnTo>
-                  <a:pt x="26" y="2116"/>
-                </a:lnTo>
-                <a:lnTo>
-                  <a:pt x="34" y="2120"/>
-                </a:lnTo>
-                <a:lnTo>
-                  <a:pt x="44" y="2120"/>
-                </a:lnTo>
-                <a:lnTo>
-                  <a:pt x="474" y="2120"/>
-                </a:lnTo>
-                <a:lnTo>
-                  <a:pt x="650" y="2296"/>
-                </a:lnTo>
-                <a:lnTo>
-                  <a:pt x="650" y="2296"/>
-                </a:lnTo>
-                <a:lnTo>
-                  <a:pt x="656" y="2300"/>
-                </a:lnTo>
-                <a:lnTo>
-                  <a:pt x="664" y="2304"/>
-                </a:lnTo>
-                <a:lnTo>
-                  <a:pt x="672" y="2308"/>
-                </a:lnTo>
-                <a:lnTo>
-                  <a:pt x="680" y="2308"/>
-                </a:lnTo>
-                <a:lnTo>
-                  <a:pt x="688" y="2308"/>
-                </a:lnTo>
-                <a:lnTo>
-                  <a:pt x="696" y="2304"/>
-                </a:lnTo>
-                <a:lnTo>
-                  <a:pt x="704" y="2300"/>
-                </a:lnTo>
-                <a:lnTo>
-                  <a:pt x="710" y="2296"/>
-                </a:lnTo>
-                <a:lnTo>
-                  <a:pt x="886" y="2120"/>
-                </a:lnTo>
-                <a:lnTo>
-                  <a:pt x="3340" y="2120"/>
-                </a:lnTo>
-                <a:lnTo>
-                  <a:pt x="3340" y="2120"/>
-                </a:lnTo>
-                <a:lnTo>
-                  <a:pt x="3350" y="2120"/>
-                </a:lnTo>
-                <a:lnTo>
-                  <a:pt x="3358" y="2116"/>
-                </a:lnTo>
-                <a:lnTo>
-                  <a:pt x="3364" y="2112"/>
-                </a:lnTo>
-                <a:lnTo>
-                  <a:pt x="3372" y="2108"/>
-                </a:lnTo>
-                <a:lnTo>
-                  <a:pt x="3376" y="2100"/>
-                </a:lnTo>
-                <a:lnTo>
-                  <a:pt x="3380" y="2094"/>
-                </a:lnTo>
-                <a:lnTo>
-                  <a:pt x="3384" y="2086"/>
-                </a:lnTo>
-                <a:lnTo>
-                  <a:pt x="3384" y="2076"/>
-                </a:lnTo>
-                <a:lnTo>
-                  <a:pt x="3384" y="44"/>
-                </a:lnTo>
-                <a:lnTo>
-                  <a:pt x="3384" y="44"/>
-                </a:lnTo>
-                <a:lnTo>
-                  <a:pt x="3384" y="34"/>
-                </a:lnTo>
-                <a:lnTo>
-                  <a:pt x="3380" y="26"/>
-                </a:lnTo>
-                <a:lnTo>
-                  <a:pt x="3376" y="20"/>
-                </a:lnTo>
-                <a:lnTo>
-                  <a:pt x="3372" y="12"/>
-                </a:lnTo>
-                <a:lnTo>
-                  <a:pt x="3364" y="8"/>
-                </a:lnTo>
-                <a:lnTo>
-                  <a:pt x="3358" y="4"/>
-                </a:lnTo>
-                <a:lnTo>
-                  <a:pt x="3350" y="0"/>
-                </a:lnTo>
-                <a:lnTo>
-                  <a:pt x="3340" y="0"/>
-                </a:lnTo>
-                <a:lnTo>
-                  <a:pt x="3340" y="0"/>
-                </a:lnTo>
-                <a:close/>
-              </a:path>
-            </a:pathLst>
-          </a:custGeom>
-          <a:ln/>
-          <a:extLst>
-            <a:ext uri="{91240B29-F687-4f45-9708-019B960494DF}">
-              <a14:hiddenLine xmlns:a14="http://schemas.microsoft.com/office/drawing/2010/main" xmlns="" w="9525">
-                <a:solidFill>
-                  <a:srgbClr val="000000"/>
-                </a:solidFill>
-                <a:round/>
-                <a:headEnd/>
-                <a:tailEnd/>
-              </a14:hiddenLine>
-            </a:ext>
-          </a:extLst>
-        </p:spPr>
-        <p:style>
-          <a:lnRef idx="1">
-            <a:schemeClr val="accent1"/>
-          </a:lnRef>
-          <a:fillRef idx="3">
-            <a:schemeClr val="accent1"/>
-          </a:fillRef>
-          <a:effectRef idx="2">
-            <a:schemeClr val="accent1"/>
-          </a:effectRef>
-          <a:fontRef idx="minor">
-            <a:schemeClr val="lt1"/>
-          </a:fontRef>
-        </p:style>
-      </p:sp>
-      <p:sp>
-        <p:nvSpPr>
-          <p:cNvPr id="2" name="Title 1"/>
+          <p:cNvPr id="8" name="Title 7"/>
           <p:cNvSpPr>
             <a:spLocks noGrp="1"/>
           </p:cNvSpPr>
           <p:nvPr>
             <p:ph type="title"/>
+          </p:nvPr>
+        </p:nvSpPr>
+        <p:spPr/>
+        <p:txBody>
+          <a:bodyPr/>
+          <a:lstStyle/>
+          <a:p>
+            <a:r>
+              <a:rPr lang="en-US"/>
+              <a:t>Click to edit Master title style</a:t>
+            </a:r>
+            <a:endParaRPr lang="en-US" dirty="0"/>
+          </a:p>
+        </p:txBody>
+      </p:sp>
+      <p:sp>
+        <p:nvSpPr>
+          <p:cNvPr id="3" name="Content Placeholder 2"/>
+          <p:cNvSpPr>
+            <a:spLocks noGrp="1"/>
+          </p:cNvSpPr>
+          <p:nvPr>
+            <p:ph idx="1"/>
           </p:nvPr>
         </p:nvSpPr>
         <p:spPr>
           <a:xfrm>
-            <a:off x="1073151" y="446088"/>
-            <a:ext cx="3547533" cy="1618396"/>
+            <a:off x="1207008" y="2120054"/>
+            <a:ext cx="6126480" cy="4114800"/>
           </a:xfrm>
         </p:spPr>
         <p:txBody>
-          <a:bodyPr anchor="b"/>
+          <a:bodyPr/>
           <a:lstStyle>
-            <a:lvl1pPr algn="l">
-              <a:defRPr sz="2000" b="1"/>
+            <a:lvl1pPr>
+              <a:defRPr sz="3200"/>
             </a:lvl1pPr>
+            <a:lvl2pPr>
+              <a:defRPr sz="2800"/>
+            </a:lvl2pPr>
+            <a:lvl3pPr>
+              <a:defRPr sz="2400"/>
+            </a:lvl3pPr>
+            <a:lvl4pPr>
+              <a:defRPr sz="2000"/>
+            </a:lvl4pPr>
+            <a:lvl5pPr>
+              <a:defRPr sz="2000"/>
+            </a:lvl5pPr>
+            <a:lvl6pPr>
+              <a:defRPr sz="2000"/>
+            </a:lvl6pPr>
+            <a:lvl7pPr>
+              <a:defRPr sz="2000"/>
+            </a:lvl7pPr>
+            <a:lvl8pPr>
+              <a:defRPr sz="2000"/>
+            </a:lvl8pPr>
+            <a:lvl9pPr>
+              <a:defRPr sz="2000"/>
+            </a:lvl9pPr>
           </a:lstStyle>
           <a:p>
-            <a:r>
-              <a:rPr lang="en-US"/>
-              <a:t>Click to edit Master title style</a:t>
+            <a:pPr lvl="0"/>
+            <a:r>
+              <a:rPr lang="en-US"/>
+              <a:t>Click to edit Master text styles</a:t>
+            </a:r>
+          </a:p>
+          <a:p>
+            <a:pPr lvl="1"/>
+            <a:r>
+              <a:rPr lang="en-US"/>
+              <a:t>Second level</a:t>
+            </a:r>
+          </a:p>
+          <a:p>
+            <a:pPr lvl="2"/>
+            <a:r>
+              <a:rPr lang="en-US"/>
+              <a:t>Third level</a:t>
+            </a:r>
+          </a:p>
+          <a:p>
+            <a:pPr lvl="3"/>
+            <a:r>
+              <a:rPr lang="en-US"/>
+              <a:t>Fourth level</a:t>
+            </a:r>
+          </a:p>
+          <a:p>
+            <a:pPr lvl="4"/>
+            <a:r>
+              <a:rPr lang="en-US"/>
+              <a:t>Fifth level</a:t>
             </a:r>
             <a:endParaRPr lang="en-US" dirty="0"/>
           </a:p>
@@ -4300,85 +2378,31 @@
       </p:sp>
       <p:sp>
         <p:nvSpPr>
-          <p:cNvPr id="3" name="Content Placeholder 2"/>
-          <p:cNvSpPr>
-            <a:spLocks noGrp="1"/>
-          </p:cNvSpPr>
-          <p:nvPr>
-            <p:ph idx="1"/>
+          <p:cNvPr id="4" name="Text Placeholder 3"/>
+          <p:cNvSpPr>
+            <a:spLocks noGrp="1"/>
+          </p:cNvSpPr>
+          <p:nvPr>
+            <p:ph type="body" sz="half" idx="2"/>
           </p:nvPr>
         </p:nvSpPr>
         <p:spPr>
           <a:xfrm>
-            <a:off x="4855633" y="446088"/>
-            <a:ext cx="6252633" cy="5414963"/>
+            <a:off x="7789023" y="2147486"/>
+            <a:ext cx="3200400" cy="3432319"/>
           </a:xfrm>
         </p:spPr>
         <p:txBody>
           <a:bodyPr>
             <a:normAutofit/>
           </a:bodyPr>
-          <a:lstStyle/>
-          <a:p>
-            <a:pPr lvl="0"/>
-            <a:r>
-              <a:rPr lang="en-US"/>
-              <a:t>Click to edit Master text styles</a:t>
-            </a:r>
-          </a:p>
-          <a:p>
-            <a:pPr lvl="1"/>
-            <a:r>
-              <a:rPr lang="en-US"/>
-              <a:t>Second level</a:t>
-            </a:r>
-          </a:p>
-          <a:p>
-            <a:pPr lvl="2"/>
-            <a:r>
-              <a:rPr lang="en-US"/>
-              <a:t>Third level</a:t>
-            </a:r>
-          </a:p>
-          <a:p>
-            <a:pPr lvl="3"/>
-            <a:r>
-              <a:rPr lang="en-US"/>
-              <a:t>Fourth level</a:t>
-            </a:r>
-          </a:p>
-          <a:p>
-            <a:pPr lvl="4"/>
-            <a:r>
-              <a:rPr lang="en-US"/>
-              <a:t>Fifth level</a:t>
-            </a:r>
-            <a:endParaRPr lang="en-US" dirty="0"/>
-          </a:p>
-        </p:txBody>
-      </p:sp>
-      <p:sp>
-        <p:nvSpPr>
-          <p:cNvPr id="4" name="Text Placeholder 3"/>
-          <p:cNvSpPr>
-            <a:spLocks noGrp="1"/>
-          </p:cNvSpPr>
-          <p:nvPr>
-            <p:ph type="body" sz="half" idx="2"/>
-          </p:nvPr>
-        </p:nvSpPr>
-        <p:spPr>
-          <a:xfrm>
-            <a:off x="1073151" y="2260738"/>
-            <a:ext cx="3547533" cy="3600311"/>
-          </a:xfrm>
-        </p:spPr>
-        <p:txBody>
-          <a:bodyPr/>
           <a:lstStyle>
             <a:lvl1pPr marL="0" indent="0">
-              <a:buNone/>
-              <a:defRPr sz="1400"/>
+              <a:lnSpc>
+                <a:spcPct val="95000"/>
+              </a:lnSpc>
+              <a:buNone/>
+              <a:defRPr sz="1800"/>
             </a:lvl1pPr>
             <a:lvl2pPr marL="457200" indent="0">
               <a:buNone/>
@@ -4490,7 +2514,7 @@
     </p:spTree>
     <p:extLst>
       <p:ext uri="{BB962C8B-B14F-4D97-AF65-F5344CB8AC3E}">
-        <p14:creationId xmlns:p14="http://schemas.microsoft.com/office/powerpoint/2010/main" val="1346536906"/>
+        <p14:creationId xmlns:p14="http://schemas.microsoft.com/office/powerpoint/2010/main" val="2067695809"/>
       </p:ext>
     </p:extLst>
   </p:cSld>
@@ -4519,174 +2543,131 @@
       </p:grpSpPr>
       <p:sp>
         <p:nvSpPr>
-          <p:cNvPr id="2" name="Title 1"/>
+          <p:cNvPr id="8" name="Title 7"/>
           <p:cNvSpPr>
             <a:spLocks noGrp="1"/>
           </p:cNvSpPr>
           <p:nvPr>
             <p:ph type="title"/>
+          </p:nvPr>
+        </p:nvSpPr>
+        <p:spPr/>
+        <p:txBody>
+          <a:bodyPr/>
+          <a:lstStyle/>
+          <a:p>
+            <a:r>
+              <a:rPr lang="en-US"/>
+              <a:t>Click to edit Master title style</a:t>
+            </a:r>
+            <a:endParaRPr lang="en-US" dirty="0"/>
+          </a:p>
+        </p:txBody>
+      </p:sp>
+      <p:sp>
+        <p:nvSpPr>
+          <p:cNvPr id="3" name="Picture Placeholder 2"/>
+          <p:cNvSpPr>
+            <a:spLocks noGrp="1" noChangeAspect="1"/>
+          </p:cNvSpPr>
+          <p:nvPr>
+            <p:ph type="pic" idx="1"/>
           </p:nvPr>
         </p:nvSpPr>
         <p:spPr>
           <a:xfrm>
-            <a:off x="814728" y="727522"/>
-            <a:ext cx="4852988" cy="1617163"/>
+            <a:off x="1280160" y="2211494"/>
+            <a:ext cx="6126480" cy="3931920"/>
+          </a:xfrm>
+          <a:solidFill>
+            <a:schemeClr val="tx2">
+              <a:lumMod val="60000"/>
+              <a:lumOff val="40000"/>
+            </a:schemeClr>
+          </a:solidFill>
+        </p:spPr>
+        <p:txBody>
+          <a:bodyPr tIns="365760" anchor="t"/>
+          <a:lstStyle>
+            <a:lvl1pPr marL="0" indent="0" algn="ctr">
+              <a:buNone/>
+              <a:defRPr sz="3200">
+                <a:solidFill>
+                  <a:schemeClr val="tx1">
+                    <a:lumMod val="50000"/>
+                  </a:schemeClr>
+                </a:solidFill>
+              </a:defRPr>
+            </a:lvl1pPr>
+            <a:lvl2pPr marL="457200" indent="0">
+              <a:buNone/>
+              <a:defRPr sz="2800"/>
+            </a:lvl2pPr>
+            <a:lvl3pPr marL="914400" indent="0">
+              <a:buNone/>
+              <a:defRPr sz="2400"/>
+            </a:lvl3pPr>
+            <a:lvl4pPr marL="1371600" indent="0">
+              <a:buNone/>
+              <a:defRPr sz="2000"/>
+            </a:lvl4pPr>
+            <a:lvl5pPr marL="1828800" indent="0">
+              <a:buNone/>
+              <a:defRPr sz="2000"/>
+            </a:lvl5pPr>
+            <a:lvl6pPr marL="2286000" indent="0">
+              <a:buNone/>
+              <a:defRPr sz="2000"/>
+            </a:lvl6pPr>
+            <a:lvl7pPr marL="2743200" indent="0">
+              <a:buNone/>
+              <a:defRPr sz="2000"/>
+            </a:lvl7pPr>
+            <a:lvl8pPr marL="3200400" indent="0">
+              <a:buNone/>
+              <a:defRPr sz="2000"/>
+            </a:lvl8pPr>
+            <a:lvl9pPr marL="3657600" indent="0">
+              <a:buNone/>
+              <a:defRPr sz="2000"/>
+            </a:lvl9pPr>
+          </a:lstStyle>
+          <a:p>
+            <a:r>
+              <a:rPr lang="en-US"/>
+              <a:t>Click icon to add picture</a:t>
+            </a:r>
+            <a:endParaRPr lang="en-US" dirty="0"/>
+          </a:p>
+        </p:txBody>
+      </p:sp>
+      <p:sp>
+        <p:nvSpPr>
+          <p:cNvPr id="4" name="Text Placeholder 3"/>
+          <p:cNvSpPr>
+            <a:spLocks noGrp="1"/>
+          </p:cNvSpPr>
+          <p:nvPr>
+            <p:ph type="body" sz="half" idx="2"/>
+          </p:nvPr>
+        </p:nvSpPr>
+        <p:spPr>
+          <a:xfrm>
+            <a:off x="7790688" y="2150621"/>
+            <a:ext cx="3200400" cy="3429000"/>
           </a:xfrm>
         </p:spPr>
         <p:txBody>
-          <a:bodyPr anchor="b">
-            <a:normAutofit/>
-          </a:bodyPr>
-          <a:lstStyle>
-            <a:lvl1pPr algn="l">
-              <a:defRPr sz="2400" b="0"/>
-            </a:lvl1pPr>
-          </a:lstStyle>
-          <a:p>
-            <a:r>
-              <a:rPr lang="en-US"/>
-              <a:t>Click to edit Master title style</a:t>
-            </a:r>
-            <a:endParaRPr lang="en-US" dirty="0"/>
-          </a:p>
-        </p:txBody>
-      </p:sp>
-      <p:sp>
-        <p:nvSpPr>
-          <p:cNvPr id="9" name="Picture Placeholder 11"/>
-          <p:cNvSpPr>
-            <a:spLocks noGrp="1" noChangeAspect="1"/>
-          </p:cNvSpPr>
-          <p:nvPr>
-            <p:ph type="pic" sz="quarter" idx="13"/>
-          </p:nvPr>
-        </p:nvSpPr>
-        <p:spPr bwMode="auto">
-          <a:xfrm>
-            <a:off x="6098117" y="0"/>
-            <a:ext cx="6093883" cy="6858000"/>
-          </a:xfrm>
-          <a:custGeom>
-            <a:avLst/>
-            <a:gdLst/>
-            <a:ahLst/>
-            <a:cxnLst/>
-            <a:rect l="0" t="0" r="r" b="b"/>
-            <a:pathLst>
-              <a:path w="2879" h="4320">
-                <a:moveTo>
-                  <a:pt x="183" y="0"/>
-                </a:moveTo>
-                <a:lnTo>
-                  <a:pt x="183" y="1197"/>
-                </a:lnTo>
-                <a:lnTo>
-                  <a:pt x="8" y="1372"/>
-                </a:lnTo>
-                <a:lnTo>
-                  <a:pt x="8" y="1372"/>
-                </a:lnTo>
-                <a:lnTo>
-                  <a:pt x="6" y="1376"/>
-                </a:lnTo>
-                <a:lnTo>
-                  <a:pt x="3" y="1382"/>
-                </a:lnTo>
-                <a:lnTo>
-                  <a:pt x="0" y="1387"/>
-                </a:lnTo>
-                <a:lnTo>
-                  <a:pt x="0" y="1393"/>
-                </a:lnTo>
-                <a:lnTo>
-                  <a:pt x="0" y="1399"/>
-                </a:lnTo>
-                <a:lnTo>
-                  <a:pt x="3" y="1404"/>
-                </a:lnTo>
-                <a:lnTo>
-                  <a:pt x="6" y="1410"/>
-                </a:lnTo>
-                <a:lnTo>
-                  <a:pt x="8" y="1414"/>
-                </a:lnTo>
-                <a:lnTo>
-                  <a:pt x="183" y="1589"/>
-                </a:lnTo>
-                <a:lnTo>
-                  <a:pt x="183" y="4320"/>
-                </a:lnTo>
-                <a:lnTo>
-                  <a:pt x="2879" y="4320"/>
-                </a:lnTo>
-                <a:lnTo>
-                  <a:pt x="2879" y="0"/>
-                </a:lnTo>
-                <a:lnTo>
-                  <a:pt x="183" y="0"/>
-                </a:lnTo>
-                <a:close/>
-              </a:path>
-            </a:pathLst>
-          </a:custGeom>
-          <a:noFill/>
-          <a:ln w="9525">
-            <a:solidFill>
-              <a:schemeClr val="tx2"/>
-            </a:solidFill>
-            <a:round/>
-            <a:headEnd/>
-            <a:tailEnd/>
-          </a:ln>
-          <a:effectLst/>
-        </p:spPr>
-        <p:txBody>
-          <a:bodyPr wrap="square" numCol="1" anchor="t" anchorCtr="0" compatLnSpc="1">
-            <a:prstTxWarp prst="textNoShape">
-              <a:avLst/>
-            </a:prstTxWarp>
-            <a:normAutofit/>
-          </a:bodyPr>
-          <a:lstStyle>
-            <a:lvl1pPr algn="ctr">
-              <a:buFontTx/>
-              <a:buNone/>
-              <a:defRPr sz="1400"/>
-            </a:lvl1pPr>
-          </a:lstStyle>
-          <a:p>
-            <a:r>
-              <a:rPr lang="en-US"/>
-              <a:t>Click icon to add picture</a:t>
-            </a:r>
-            <a:endParaRPr lang="en-US" dirty="0"/>
-          </a:p>
-        </p:txBody>
-      </p:sp>
-      <p:sp>
-        <p:nvSpPr>
-          <p:cNvPr id="4" name="Text Placeholder 3"/>
-          <p:cNvSpPr>
-            <a:spLocks noGrp="1"/>
-          </p:cNvSpPr>
-          <p:nvPr>
-            <p:ph type="body" sz="half" idx="2"/>
-          </p:nvPr>
-        </p:nvSpPr>
-        <p:spPr>
-          <a:xfrm>
-            <a:off x="814728" y="2344684"/>
-            <a:ext cx="4852988" cy="3516365"/>
-          </a:xfrm>
-        </p:spPr>
-        <p:txBody>
-          <a:bodyPr anchor="t">
+          <a:bodyPr>
             <a:normAutofit/>
           </a:bodyPr>
           <a:lstStyle>
             <a:lvl1pPr marL="0" indent="0">
-              <a:buNone/>
-              <a:defRPr sz="1200"/>
+              <a:lnSpc>
+                <a:spcPct val="95000"/>
+              </a:lnSpc>
+              <a:buNone/>
+              <a:defRPr sz="1800"/>
             </a:lvl1pPr>
             <a:lvl2pPr marL="457200" indent="0">
               <a:buNone/>
@@ -4740,12 +2721,7 @@
             <p:ph type="dt" sz="half" idx="10"/>
           </p:nvPr>
         </p:nvSpPr>
-        <p:spPr>
-          <a:xfrm>
-            <a:off x="3885810" y="6041362"/>
-            <a:ext cx="976879" cy="365125"/>
-          </a:xfrm>
-        </p:spPr>
+        <p:spPr/>
         <p:txBody>
           <a:bodyPr/>
           <a:lstStyle/>
@@ -4768,12 +2744,7 @@
             <p:ph type="ftr" sz="quarter" idx="11"/>
           </p:nvPr>
         </p:nvSpPr>
-        <p:spPr>
-          <a:xfrm>
-            <a:off x="590396" y="6041362"/>
-            <a:ext cx="3295413" cy="365125"/>
-          </a:xfrm>
-        </p:spPr>
+        <p:spPr/>
         <p:txBody>
           <a:bodyPr/>
           <a:lstStyle/>
@@ -4792,12 +2763,7 @@
             <p:ph type="sldNum" sz="quarter" idx="12"/>
           </p:nvPr>
         </p:nvSpPr>
-        <p:spPr>
-          <a:xfrm>
-            <a:off x="4862689" y="5915888"/>
-            <a:ext cx="1062155" cy="490599"/>
-          </a:xfrm>
-        </p:spPr>
+        <p:spPr/>
         <p:txBody>
           <a:bodyPr/>
           <a:lstStyle/>
@@ -4813,7 +2779,7 @@
     </p:spTree>
     <p:extLst>
       <p:ext uri="{BB962C8B-B14F-4D97-AF65-F5344CB8AC3E}">
-        <p14:creationId xmlns:p14="http://schemas.microsoft.com/office/powerpoint/2010/main" val="254181204"/>
+        <p14:creationId xmlns:p14="http://schemas.microsoft.com/office/powerpoint/2010/main" val="2175961466"/>
       </p:ext>
     </p:extLst>
   </p:cSld>
@@ -4847,137 +2813,161 @@
       </p:grpSpPr>
       <p:sp>
         <p:nvSpPr>
-          <p:cNvPr id="2" name="Title Placeholder 1"/>
-          <p:cNvSpPr>
-            <a:spLocks noGrp="1"/>
-          </p:cNvSpPr>
-          <p:nvPr>
-            <p:ph type="title"/>
-          </p:nvPr>
+          <p:cNvPr id="7" name="Rectangle 6"/>
+          <p:cNvSpPr/>
+          <p:nvPr/>
         </p:nvSpPr>
         <p:spPr>
           <a:xfrm>
-            <a:off x="810000" y="447188"/>
-            <a:ext cx="10571998" cy="970450"/>
+            <a:off x="483" y="176109"/>
+            <a:ext cx="12188952" cy="1645919"/>
           </a:xfrm>
           <a:prstGeom prst="rect">
             <a:avLst/>
           </a:prstGeom>
-          <a:effectLst>
-            <a:outerShdw blurRad="50800" dir="14400000">
-              <a:srgbClr val="000000">
-                <a:alpha val="60000"/>
-              </a:srgbClr>
-            </a:outerShdw>
-          </a:effectLst>
+          <a:solidFill>
+            <a:schemeClr val="tx1"/>
+          </a:solidFill>
+          <a:ln>
+            <a:noFill/>
+          </a:ln>
         </p:spPr>
-        <p:txBody>
-          <a:bodyPr vert="horz" lIns="91440" tIns="45720" rIns="91440" bIns="45720" rtlCol="0" anchor="b">
-            <a:noAutofit/>
-          </a:bodyPr>
-          <a:lstStyle/>
-          <a:p>
-            <a:r>
-              <a:rPr lang="en-US"/>
-              <a:t>Click to edit Master title style</a:t>
-            </a:r>
-            <a:endParaRPr lang="en-US" dirty="0"/>
-          </a:p>
-        </p:txBody>
-      </p:sp>
-      <p:sp>
-        <p:nvSpPr>
-          <p:cNvPr id="3" name="Text Placeholder 2"/>
-          <p:cNvSpPr>
-            <a:spLocks noGrp="1"/>
-          </p:cNvSpPr>
-          <p:nvPr>
-            <p:ph type="body" idx="1"/>
+        <p:style>
+          <a:lnRef idx="2">
+            <a:schemeClr val="accent1">
+              <a:shade val="50000"/>
+            </a:schemeClr>
+          </a:lnRef>
+          <a:fillRef idx="1">
+            <a:schemeClr val="accent1"/>
+          </a:fillRef>
+          <a:effectRef idx="0">
+            <a:schemeClr val="accent1"/>
+          </a:effectRef>
+          <a:fontRef idx="minor">
+            <a:schemeClr val="lt1"/>
+          </a:fontRef>
+        </p:style>
+      </p:sp>
+      <p:sp>
+        <p:nvSpPr>
+          <p:cNvPr id="2" name="Title Placeholder 1"/>
+          <p:cNvSpPr>
+            <a:spLocks noGrp="1"/>
+          </p:cNvSpPr>
+          <p:nvPr>
+            <p:ph type="title"/>
           </p:nvPr>
         </p:nvSpPr>
         <p:spPr>
           <a:xfrm>
-            <a:off x="810000" y="2184401"/>
-            <a:ext cx="10563285" cy="3674397"/>
-          </a:xfrm>
-          <a:prstGeom prst="rect">
-            <a:avLst/>
-          </a:prstGeom>
-          <a:effectLst>
-            <a:outerShdw blurRad="50800" dir="14400000">
-              <a:srgbClr val="000000">
-                <a:alpha val="40000"/>
-              </a:srgbClr>
-            </a:outerShdw>
-          </a:effectLst>
-        </p:spPr>
-        <p:txBody>
-          <a:bodyPr vert="horz" lIns="91440" tIns="45720" rIns="91440" bIns="45720" rtlCol="0" anchor="ctr">
-            <a:normAutofit/>
-          </a:bodyPr>
-          <a:lstStyle/>
-          <a:p>
-            <a:pPr lvl="0"/>
-            <a:r>
-              <a:rPr lang="en-US"/>
-              <a:t>Click to edit Master text styles</a:t>
-            </a:r>
-          </a:p>
-          <a:p>
-            <a:pPr lvl="1"/>
-            <a:r>
-              <a:rPr lang="en-US"/>
-              <a:t>Second level</a:t>
-            </a:r>
-          </a:p>
-          <a:p>
-            <a:pPr lvl="2"/>
-            <a:r>
-              <a:rPr lang="en-US"/>
-              <a:t>Third level</a:t>
-            </a:r>
-          </a:p>
-          <a:p>
-            <a:pPr lvl="3"/>
-            <a:r>
-              <a:rPr lang="en-US"/>
-              <a:t>Fourth level</a:t>
-            </a:r>
-          </a:p>
-          <a:p>
-            <a:pPr lvl="4"/>
-            <a:r>
-              <a:rPr lang="en-US"/>
-              <a:t>Fifth level</a:t>
-            </a:r>
-            <a:endParaRPr lang="en-US" dirty="0"/>
-          </a:p>
-        </p:txBody>
-      </p:sp>
-      <p:sp>
-        <p:nvSpPr>
-          <p:cNvPr id="5" name="Footer Placeholder 4"/>
-          <p:cNvSpPr>
-            <a:spLocks noGrp="1"/>
-          </p:cNvSpPr>
-          <p:nvPr>
-            <p:ph type="ftr" sz="quarter" idx="3"/>
-          </p:nvPr>
-        </p:nvSpPr>
-        <p:spPr>
-          <a:xfrm>
-            <a:off x="451514" y="6041362"/>
-            <a:ext cx="8644320" cy="365125"/>
+            <a:off x="1202919" y="284176"/>
+            <a:ext cx="9784080" cy="1508760"/>
           </a:xfrm>
           <a:prstGeom prst="rect">
             <a:avLst/>
           </a:prstGeom>
         </p:spPr>
         <p:txBody>
-          <a:bodyPr vert="horz" lIns="91440" tIns="45720" rIns="91440" bIns="45720" rtlCol="0" anchor="b"/>
+          <a:bodyPr vert="horz" lIns="91440" tIns="45720" rIns="91440" bIns="45720" rtlCol="0" anchor="ctr">
+            <a:normAutofit/>
+          </a:bodyPr>
+          <a:lstStyle/>
+          <a:p>
+            <a:r>
+              <a:rPr lang="en-US"/>
+              <a:t>Click to edit Master title style</a:t>
+            </a:r>
+            <a:endParaRPr lang="en-US" dirty="0"/>
+          </a:p>
+        </p:txBody>
+      </p:sp>
+      <p:sp>
+        <p:nvSpPr>
+          <p:cNvPr id="3" name="Text Placeholder 2"/>
+          <p:cNvSpPr>
+            <a:spLocks noGrp="1"/>
+          </p:cNvSpPr>
+          <p:nvPr>
+            <p:ph type="body" idx="1"/>
+          </p:nvPr>
+        </p:nvSpPr>
+        <p:spPr>
+          <a:xfrm>
+            <a:off x="1202919" y="2011680"/>
+            <a:ext cx="9784080" cy="4206240"/>
+          </a:xfrm>
+          <a:prstGeom prst="rect">
+            <a:avLst/>
+          </a:prstGeom>
+        </p:spPr>
+        <p:txBody>
+          <a:bodyPr vert="horz" lIns="91440" tIns="45720" rIns="91440" bIns="45720" rtlCol="0">
+            <a:normAutofit/>
+          </a:bodyPr>
+          <a:lstStyle/>
+          <a:p>
+            <a:pPr lvl="0"/>
+            <a:r>
+              <a:rPr lang="en-US"/>
+              <a:t>Click to edit Master text styles</a:t>
+            </a:r>
+          </a:p>
+          <a:p>
+            <a:pPr lvl="1"/>
+            <a:r>
+              <a:rPr lang="en-US"/>
+              <a:t>Second level</a:t>
+            </a:r>
+          </a:p>
+          <a:p>
+            <a:pPr lvl="2"/>
+            <a:r>
+              <a:rPr lang="en-US"/>
+              <a:t>Third level</a:t>
+            </a:r>
+          </a:p>
+          <a:p>
+            <a:pPr lvl="3"/>
+            <a:r>
+              <a:rPr lang="en-US"/>
+              <a:t>Fourth level</a:t>
+            </a:r>
+          </a:p>
+          <a:p>
+            <a:pPr lvl="4"/>
+            <a:r>
+              <a:rPr lang="en-US"/>
+              <a:t>Fifth level</a:t>
+            </a:r>
+            <a:endParaRPr lang="en-US" dirty="0"/>
+          </a:p>
+        </p:txBody>
+      </p:sp>
+      <p:sp>
+        <p:nvSpPr>
+          <p:cNvPr id="4" name="Date Placeholder 3"/>
+          <p:cNvSpPr>
+            <a:spLocks noGrp="1"/>
+          </p:cNvSpPr>
+          <p:nvPr>
+            <p:ph type="dt" sz="half" idx="2"/>
+          </p:nvPr>
+        </p:nvSpPr>
+        <p:spPr>
+          <a:xfrm>
+            <a:off x="1202266" y="6422854"/>
+            <a:ext cx="3000894" cy="365125"/>
+          </a:xfrm>
+          <a:prstGeom prst="rect">
+            <a:avLst/>
+          </a:prstGeom>
+        </p:spPr>
+        <p:txBody>
+          <a:bodyPr vert="horz" lIns="91440" tIns="45720" rIns="45720" bIns="45720" rtlCol="0" anchor="ctr"/>
           <a:lstStyle>
             <a:lvl1pPr algn="l">
-              <a:defRPr sz="900">
+              <a:defRPr sz="1050">
                 <a:solidFill>
                   <a:schemeClr val="tx1"/>
                 </a:solidFill>
@@ -4985,34 +2975,38 @@
             </a:lvl1pPr>
           </a:lstStyle>
           <a:p>
+            <a:fld id="{00464503-B255-4BAB-A675-58D659314144}" type="datetimeFigureOut">
+              <a:rPr lang="en-GB" smtClean="0"/>
+              <a:t>05/08/2022</a:t>
+            </a:fld>
             <a:endParaRPr lang="en-GB"/>
           </a:p>
         </p:txBody>
       </p:sp>
       <p:sp>
         <p:nvSpPr>
-          <p:cNvPr id="4" name="Date Placeholder 3"/>
-          <p:cNvSpPr>
-            <a:spLocks noGrp="1"/>
-          </p:cNvSpPr>
-          <p:nvPr>
-            <p:ph type="dt" sz="half" idx="2"/>
+          <p:cNvPr id="5" name="Footer Placeholder 4"/>
+          <p:cNvSpPr>
+            <a:spLocks noGrp="1"/>
+          </p:cNvSpPr>
+          <p:nvPr>
+            <p:ph type="ftr" sz="quarter" idx="3"/>
           </p:nvPr>
         </p:nvSpPr>
         <p:spPr>
           <a:xfrm>
-            <a:off x="9334626" y="6041362"/>
-            <a:ext cx="1343706" cy="365125"/>
+            <a:off x="5596471" y="6422854"/>
+            <a:ext cx="5044440" cy="365125"/>
           </a:xfrm>
           <a:prstGeom prst="rect">
             <a:avLst/>
           </a:prstGeom>
         </p:spPr>
         <p:txBody>
-          <a:bodyPr vert="horz" lIns="91440" tIns="45720" rIns="91440" bIns="45720" rtlCol="0" anchor="b"/>
+          <a:bodyPr vert="horz" lIns="91440" tIns="45720" rIns="91440" bIns="45720" rtlCol="0" anchor="ctr"/>
           <a:lstStyle>
             <a:lvl1pPr algn="r">
-              <a:defRPr sz="900">
+              <a:defRPr sz="1050">
                 <a:solidFill>
                   <a:schemeClr val="tx1"/>
                 </a:solidFill>
@@ -5020,10 +3014,6 @@
             </a:lvl1pPr>
           </a:lstStyle>
           <a:p>
-            <a:fld id="{00464503-B255-4BAB-A675-58D659314144}" type="datetimeFigureOut">
-              <a:rPr lang="en-GB" smtClean="0"/>
-              <a:t>05/08/2022</a:t>
-            </a:fld>
             <a:endParaRPr lang="en-GB"/>
           </a:p>
         </p:txBody>
@@ -5040,20 +3030,20 @@
         </p:nvSpPr>
         <p:spPr>
           <a:xfrm>
-            <a:off x="10678331" y="5915888"/>
-            <a:ext cx="1062155" cy="490599"/>
+            <a:off x="10658927" y="6422854"/>
+            <a:ext cx="946264" cy="365125"/>
           </a:xfrm>
           <a:prstGeom prst="rect">
             <a:avLst/>
           </a:prstGeom>
         </p:spPr>
         <p:txBody>
-          <a:bodyPr vert="horz" lIns="91440" tIns="45720" rIns="91440" bIns="10800" rtlCol="0" anchor="b"/>
+          <a:bodyPr vert="horz" lIns="45720" tIns="45720" rIns="91440" bIns="45720" rtlCol="0" anchor="ctr"/>
           <a:lstStyle>
-            <a:lvl1pPr algn="r">
-              <a:defRPr sz="2000">
+            <a:lvl1pPr algn="l">
+              <a:defRPr sz="1200" b="0">
                 <a:solidFill>
-                  <a:schemeClr val="accent1"/>
+                  <a:schemeClr val="tx1"/>
                 </a:solidFill>
               </a:defRPr>
             </a:lvl1pPr>
@@ -5070,113 +3060,108 @@
     </p:spTree>
     <p:extLst>
       <p:ext uri="{BB962C8B-B14F-4D97-AF65-F5344CB8AC3E}">
-        <p14:creationId xmlns:p14="http://schemas.microsoft.com/office/powerpoint/2010/main" val="2299337616"/>
+        <p14:creationId xmlns:p14="http://schemas.microsoft.com/office/powerpoint/2010/main" val="3698013913"/>
       </p:ext>
     </p:extLst>
   </p:cSld>
   <p:clrMap bg1="dk1" tx1="lt1" bg2="dk2" tx2="lt2" accent1="accent1" accent2="accent2" accent3="accent3" accent4="accent4" accent5="accent5" accent6="accent6" hlink="hlink" folHlink="folHlink"/>
   <p:sldLayoutIdLst>
-    <p:sldLayoutId id="2147483736" r:id="rId1"/>
-    <p:sldLayoutId id="2147483737" r:id="rId2"/>
-    <p:sldLayoutId id="2147483738" r:id="rId3"/>
-    <p:sldLayoutId id="2147483739" r:id="rId4"/>
-    <p:sldLayoutId id="2147483740" r:id="rId5"/>
-    <p:sldLayoutId id="2147483741" r:id="rId6"/>
-    <p:sldLayoutId id="2147483742" r:id="rId7"/>
-    <p:sldLayoutId id="2147483743" r:id="rId8"/>
-    <p:sldLayoutId id="2147483744" r:id="rId9"/>
-    <p:sldLayoutId id="2147483745" r:id="rId10"/>
-    <p:sldLayoutId id="2147483746" r:id="rId11"/>
-    <p:sldLayoutId id="2147483747" r:id="rId12"/>
-    <p:sldLayoutId id="2147483748" r:id="rId13"/>
-    <p:sldLayoutId id="2147483749" r:id="rId14"/>
+    <p:sldLayoutId id="2147483816" r:id="rId1"/>
+    <p:sldLayoutId id="2147483817" r:id="rId2"/>
+    <p:sldLayoutId id="2147483818" r:id="rId3"/>
+    <p:sldLayoutId id="2147483819" r:id="rId4"/>
+    <p:sldLayoutId id="2147483820" r:id="rId5"/>
+    <p:sldLayoutId id="2147483821" r:id="rId6"/>
+    <p:sldLayoutId id="2147483822" r:id="rId7"/>
+    <p:sldLayoutId id="2147483823" r:id="rId8"/>
+    <p:sldLayoutId id="2147483824" r:id="rId9"/>
+    <p:sldLayoutId id="2147483825" r:id="rId10"/>
+    <p:sldLayoutId id="2147483826" r:id="rId11"/>
   </p:sldLayoutIdLst>
   <p:txStyles>
     <p:titleStyle>
-      <a:lvl1pPr algn="l" defTabSz="457200" rtl="0" eaLnBrk="1" latinLnBrk="0" hangingPunct="1">
+      <a:lvl1pPr algn="l" defTabSz="914400" rtl="0" eaLnBrk="1" latinLnBrk="0" hangingPunct="1">
+        <a:lnSpc>
+          <a:spcPct val="85000"/>
+        </a:lnSpc>
         <a:spcBef>
           <a:spcPct val="0"/>
         </a:spcBef>
         <a:buNone/>
-        <a:defRPr sz="4000" b="1" kern="1200">
+        <a:defRPr sz="4000" kern="1200" cap="all" baseline="0">
           <a:solidFill>
-            <a:srgbClr val="FEFEFE"/>
+            <a:schemeClr val="bg2"/>
           </a:solidFill>
           <a:latin typeface="+mj-lt"/>
           <a:ea typeface="+mj-ea"/>
           <a:cs typeface="+mj-cs"/>
         </a:defRPr>
       </a:lvl1pPr>
-      <a:lvl2pPr eaLnBrk="1" hangingPunct="1">
-        <a:defRPr>
+    </p:titleStyle>
+    <p:bodyStyle>
+      <a:lvl1pPr marL="182880" indent="-182880" algn="l" defTabSz="914400" rtl="0" eaLnBrk="1" latinLnBrk="0" hangingPunct="1">
+        <a:lnSpc>
+          <a:spcPct val="90000"/>
+        </a:lnSpc>
+        <a:spcBef>
+          <a:spcPts val="1200"/>
+        </a:spcBef>
+        <a:spcAft>
+          <a:spcPts val="200"/>
+        </a:spcAft>
+        <a:buClr>
+          <a:schemeClr val="tx1"/>
+        </a:buClr>
+        <a:buFont typeface="Wingdings" pitchFamily="2" charset="2"/>
+        <a:buChar char=""/>
+        <a:defRPr sz="2200" kern="1200">
           <a:solidFill>
-            <a:schemeClr val="tx2"/>
+            <a:schemeClr val="tx1"/>
           </a:solidFill>
+          <a:latin typeface="+mn-lt"/>
+          <a:ea typeface="+mn-ea"/>
+          <a:cs typeface="+mn-cs"/>
+        </a:defRPr>
+      </a:lvl1pPr>
+      <a:lvl2pPr marL="411480" indent="-182880" algn="l" defTabSz="914400" rtl="0" eaLnBrk="1" latinLnBrk="0" hangingPunct="1">
+        <a:lnSpc>
+          <a:spcPct val="90000"/>
+        </a:lnSpc>
+        <a:spcBef>
+          <a:spcPts val="200"/>
+        </a:spcBef>
+        <a:spcAft>
+          <a:spcPts val="400"/>
+        </a:spcAft>
+        <a:buClr>
+          <a:schemeClr val="tx1"/>
+        </a:buClr>
+        <a:buFont typeface="Wingdings" pitchFamily="2" charset="2"/>
+        <a:buChar char=""/>
+        <a:defRPr sz="2000" kern="1200">
+          <a:solidFill>
+            <a:schemeClr val="tx1"/>
+          </a:solidFill>
+          <a:latin typeface="+mn-lt"/>
+          <a:ea typeface="+mn-ea"/>
+          <a:cs typeface="+mn-cs"/>
         </a:defRPr>
       </a:lvl2pPr>
-      <a:lvl3pPr eaLnBrk="1" hangingPunct="1">
-        <a:defRPr>
-          <a:solidFill>
-            <a:schemeClr val="tx2"/>
-          </a:solidFill>
-        </a:defRPr>
-      </a:lvl3pPr>
-      <a:lvl4pPr eaLnBrk="1" hangingPunct="1">
-        <a:defRPr>
-          <a:solidFill>
-            <a:schemeClr val="tx2"/>
-          </a:solidFill>
-        </a:defRPr>
-      </a:lvl4pPr>
-      <a:lvl5pPr eaLnBrk="1" hangingPunct="1">
-        <a:defRPr>
-          <a:solidFill>
-            <a:schemeClr val="tx2"/>
-          </a:solidFill>
-        </a:defRPr>
-      </a:lvl5pPr>
-      <a:lvl6pPr eaLnBrk="1" hangingPunct="1">
-        <a:defRPr>
-          <a:solidFill>
-            <a:schemeClr val="tx2"/>
-          </a:solidFill>
-        </a:defRPr>
-      </a:lvl6pPr>
-      <a:lvl7pPr eaLnBrk="1" hangingPunct="1">
-        <a:defRPr>
-          <a:solidFill>
-            <a:schemeClr val="tx2"/>
-          </a:solidFill>
-        </a:defRPr>
-      </a:lvl7pPr>
-      <a:lvl8pPr eaLnBrk="1" hangingPunct="1">
-        <a:defRPr>
-          <a:solidFill>
-            <a:schemeClr val="tx2"/>
-          </a:solidFill>
-        </a:defRPr>
-      </a:lvl8pPr>
-      <a:lvl9pPr eaLnBrk="1" hangingPunct="1">
-        <a:defRPr>
-          <a:solidFill>
-            <a:schemeClr val="tx2"/>
-          </a:solidFill>
-        </a:defRPr>
-      </a:lvl9pPr>
-    </p:titleStyle>
-    <p:bodyStyle>
-      <a:lvl1pPr marL="342900" indent="-342900" algn="l" defTabSz="457200" rtl="0" eaLnBrk="1" latinLnBrk="0" hangingPunct="1">
+      <a:lvl3pPr marL="640080" indent="-182880" algn="l" defTabSz="914400" rtl="0" eaLnBrk="1" latinLnBrk="0" hangingPunct="1">
+        <a:lnSpc>
+          <a:spcPct val="90000"/>
+        </a:lnSpc>
         <a:spcBef>
-          <a:spcPct val="20000"/>
+          <a:spcPts val="200"/>
         </a:spcBef>
         <a:spcAft>
-          <a:spcPts val="600"/>
+          <a:spcPts val="400"/>
         </a:spcAft>
         <a:buClr>
-          <a:schemeClr val="accent1"/>
+          <a:schemeClr val="tx1"/>
         </a:buClr>
-        <a:buFont typeface="Wingdings 2" charset="2"/>
-        <a:buChar char=""/>
+        <a:buFont typeface="Wingdings" pitchFamily="2" charset="2"/>
+        <a:buChar char=""/>
         <a:defRPr sz="1800" kern="1200">
           <a:solidFill>
             <a:schemeClr val="tx1"/>
@@ -5185,19 +3170,22 @@
           <a:ea typeface="+mn-ea"/>
           <a:cs typeface="+mn-cs"/>
         </a:defRPr>
-      </a:lvl1pPr>
-      <a:lvl2pPr marL="742950" indent="-285750" algn="l" defTabSz="457200" rtl="0" eaLnBrk="1" latinLnBrk="0" hangingPunct="1">
+      </a:lvl3pPr>
+      <a:lvl4pPr marL="868680" indent="-182880" algn="l" defTabSz="914400" rtl="0" eaLnBrk="1" latinLnBrk="0" hangingPunct="1">
+        <a:lnSpc>
+          <a:spcPct val="90000"/>
+        </a:lnSpc>
         <a:spcBef>
-          <a:spcPct val="20000"/>
+          <a:spcPts val="200"/>
         </a:spcBef>
         <a:spcAft>
-          <a:spcPts val="600"/>
+          <a:spcPts val="400"/>
         </a:spcAft>
         <a:buClr>
-          <a:schemeClr val="accent1"/>
+          <a:schemeClr val="tx1"/>
         </a:buClr>
-        <a:buFont typeface="Wingdings 2" charset="2"/>
-        <a:buChar char=""/>
+        <a:buFont typeface="Wingdings" pitchFamily="2" charset="2"/>
+        <a:buChar char=""/>
         <a:defRPr sz="1600" kern="1200">
           <a:solidFill>
             <a:schemeClr val="tx1"/>
@@ -5206,62 +3194,23 @@
           <a:ea typeface="+mn-ea"/>
           <a:cs typeface="+mn-cs"/>
         </a:defRPr>
-      </a:lvl2pPr>
-      <a:lvl3pPr marL="1143000" indent="-228600" algn="l" defTabSz="457200" rtl="0" eaLnBrk="1" latinLnBrk="0" hangingPunct="1">
+      </a:lvl4pPr>
+      <a:lvl5pPr marL="1097280" indent="-182880" algn="l" defTabSz="914400" rtl="0" eaLnBrk="1" latinLnBrk="0" hangingPunct="1">
+        <a:lnSpc>
+          <a:spcPct val="90000"/>
+        </a:lnSpc>
         <a:spcBef>
-          <a:spcPct val="20000"/>
+          <a:spcPts val="200"/>
         </a:spcBef>
         <a:spcAft>
-          <a:spcPts val="600"/>
+          <a:spcPts val="400"/>
         </a:spcAft>
         <a:buClr>
-          <a:schemeClr val="accent1"/>
+          <a:schemeClr val="tx1"/>
         </a:buClr>
-        <a:buFont typeface="Wingdings 2" charset="2"/>
-        <a:buChar char=""/>
-        <a:defRPr sz="1400" kern="1200">
-          <a:solidFill>
-            <a:schemeClr val="tx1"/>
-          </a:solidFill>
-          <a:latin typeface="+mn-lt"/>
-          <a:ea typeface="+mn-ea"/>
-          <a:cs typeface="+mn-cs"/>
-        </a:defRPr>
-      </a:lvl3pPr>
-      <a:lvl4pPr marL="1600200" indent="-228600" algn="l" defTabSz="457200" rtl="0" eaLnBrk="1" latinLnBrk="0" hangingPunct="1">
-        <a:spcBef>
-          <a:spcPct val="20000"/>
-        </a:spcBef>
-        <a:spcAft>
-          <a:spcPts val="600"/>
-        </a:spcAft>
-        <a:buClr>
-          <a:schemeClr val="accent1"/>
-        </a:buClr>
-        <a:buFont typeface="Wingdings 2" charset="2"/>
-        <a:buChar char=""/>
-        <a:defRPr sz="1200" kern="1200">
-          <a:solidFill>
-            <a:schemeClr val="tx1"/>
-          </a:solidFill>
-          <a:latin typeface="+mn-lt"/>
-          <a:ea typeface="+mn-ea"/>
-          <a:cs typeface="+mn-cs"/>
-        </a:defRPr>
-      </a:lvl4pPr>
-      <a:lvl5pPr marL="2057400" indent="-228600" algn="l" defTabSz="457200" rtl="0" eaLnBrk="1" latinLnBrk="0" hangingPunct="1">
-        <a:spcBef>
-          <a:spcPct val="20000"/>
-        </a:spcBef>
-        <a:spcAft>
-          <a:spcPts val="600"/>
-        </a:spcAft>
-        <a:buClr>
-          <a:schemeClr val="accent1"/>
-        </a:buClr>
-        <a:buFont typeface="Wingdings 2" charset="2"/>
-        <a:buChar char=""/>
-        <a:defRPr sz="1200" kern="1200">
+        <a:buFont typeface="Wingdings" pitchFamily="2" charset="2"/>
+        <a:buChar char=""/>
+        <a:defRPr sz="1600" kern="1200">
           <a:solidFill>
             <a:schemeClr val="tx1"/>
           </a:solidFill>
@@ -5270,19 +3219,22 @@
           <a:cs typeface="+mn-cs"/>
         </a:defRPr>
       </a:lvl5pPr>
-      <a:lvl6pPr marL="2400000" indent="-228600" algn="l" defTabSz="457200" rtl="0" eaLnBrk="1" latinLnBrk="0" hangingPunct="1">
+      <a:lvl6pPr marL="1284600" indent="-228600" algn="l" defTabSz="914400" rtl="0" eaLnBrk="1" latinLnBrk="0" hangingPunct="1">
+        <a:lnSpc>
+          <a:spcPct val="90000"/>
+        </a:lnSpc>
         <a:spcBef>
-          <a:spcPct val="20000"/>
+          <a:spcPts val="200"/>
         </a:spcBef>
         <a:spcAft>
-          <a:spcPts val="600"/>
+          <a:spcPts val="400"/>
         </a:spcAft>
         <a:buClr>
-          <a:schemeClr val="accent1"/>
+          <a:schemeClr val="tx1"/>
         </a:buClr>
-        <a:buFont typeface="Wingdings 2" charset="2"/>
-        <a:buChar char=""/>
-        <a:defRPr sz="1200" kern="1200">
+        <a:buFont typeface="Wingdings" pitchFamily="2" charset="2"/>
+        <a:buChar char=""/>
+        <a:defRPr sz="1600" kern="1200">
           <a:solidFill>
             <a:schemeClr val="tx1"/>
           </a:solidFill>
@@ -5291,19 +3243,22 @@
           <a:cs typeface="+mn-cs"/>
         </a:defRPr>
       </a:lvl6pPr>
-      <a:lvl7pPr marL="2800000" indent="-228600" algn="l" defTabSz="457200" rtl="0" eaLnBrk="1" latinLnBrk="0" hangingPunct="1">
+      <a:lvl7pPr marL="1471800" indent="-228600" algn="l" defTabSz="914400" rtl="0" eaLnBrk="1" latinLnBrk="0" hangingPunct="1">
+        <a:lnSpc>
+          <a:spcPct val="90000"/>
+        </a:lnSpc>
         <a:spcBef>
-          <a:spcPct val="20000"/>
+          <a:spcPts val="200"/>
         </a:spcBef>
         <a:spcAft>
-          <a:spcPts val="600"/>
+          <a:spcPts val="400"/>
         </a:spcAft>
         <a:buClr>
-          <a:schemeClr val="accent1"/>
+          <a:schemeClr val="tx1"/>
         </a:buClr>
-        <a:buFont typeface="Wingdings 2" charset="2"/>
-        <a:buChar char=""/>
-        <a:defRPr sz="1200" kern="1200">
+        <a:buFont typeface="Wingdings" pitchFamily="2" charset="2"/>
+        <a:buChar char=""/>
+        <a:defRPr sz="1600" kern="1200">
           <a:solidFill>
             <a:schemeClr val="tx1"/>
           </a:solidFill>
@@ -5312,19 +3267,22 @@
           <a:cs typeface="+mn-cs"/>
         </a:defRPr>
       </a:lvl7pPr>
-      <a:lvl8pPr marL="3200000" indent="-228600" algn="l" defTabSz="457200" rtl="0" eaLnBrk="1" latinLnBrk="0" hangingPunct="1">
+      <a:lvl8pPr marL="1629000" indent="-228600" algn="l" defTabSz="914400" rtl="0" eaLnBrk="1" latinLnBrk="0" hangingPunct="1">
+        <a:lnSpc>
+          <a:spcPct val="90000"/>
+        </a:lnSpc>
         <a:spcBef>
-          <a:spcPct val="20000"/>
+          <a:spcPts val="200"/>
         </a:spcBef>
         <a:spcAft>
-          <a:spcPts val="600"/>
+          <a:spcPts val="400"/>
         </a:spcAft>
         <a:buClr>
-          <a:schemeClr val="accent1"/>
+          <a:schemeClr val="tx1"/>
         </a:buClr>
-        <a:buFont typeface="Wingdings 2" charset="2"/>
-        <a:buChar char=""/>
-        <a:defRPr sz="1200" kern="1200">
+        <a:buFont typeface="Wingdings" pitchFamily="2" charset="2"/>
+        <a:buChar char=""/>
+        <a:defRPr sz="1600" kern="1200">
           <a:solidFill>
             <a:schemeClr val="tx1"/>
           </a:solidFill>
@@ -5333,19 +3291,22 @@
           <a:cs typeface="+mn-cs"/>
         </a:defRPr>
       </a:lvl8pPr>
-      <a:lvl9pPr marL="3600000" indent="-228600" algn="l" defTabSz="457200" rtl="0" eaLnBrk="1" latinLnBrk="0" hangingPunct="1">
+      <a:lvl9pPr marL="1806200" indent="-228600" algn="l" defTabSz="914400" rtl="0" eaLnBrk="1" latinLnBrk="0" hangingPunct="1">
+        <a:lnSpc>
+          <a:spcPct val="90000"/>
+        </a:lnSpc>
         <a:spcBef>
-          <a:spcPct val="20000"/>
+          <a:spcPts val="200"/>
         </a:spcBef>
         <a:spcAft>
-          <a:spcPts val="600"/>
+          <a:spcPts val="400"/>
         </a:spcAft>
         <a:buClr>
-          <a:schemeClr val="accent1"/>
+          <a:schemeClr val="tx1"/>
         </a:buClr>
-        <a:buFont typeface="Wingdings 2" charset="2"/>
-        <a:buChar char=""/>
-        <a:defRPr sz="1200" kern="1200">
+        <a:buFont typeface="Wingdings" pitchFamily="2" charset="2"/>
+        <a:buChar char=""/>
+        <a:defRPr sz="1600" kern="1200">
           <a:solidFill>
             <a:schemeClr val="tx1"/>
           </a:solidFill>
@@ -5359,7 +3320,7 @@
       <a:defPPr>
         <a:defRPr lang="en-US"/>
       </a:defPPr>
-      <a:lvl1pPr marL="0" algn="l" defTabSz="457200" rtl="0" eaLnBrk="1" latinLnBrk="0" hangingPunct="1">
+      <a:lvl1pPr marL="0" algn="l" defTabSz="914400" rtl="0" eaLnBrk="1" latinLnBrk="0" hangingPunct="1">
         <a:defRPr sz="1800" kern="1200">
           <a:solidFill>
             <a:schemeClr val="tx1"/>
@@ -5369,7 +3330,7 @@
           <a:cs typeface="+mn-cs"/>
         </a:defRPr>
       </a:lvl1pPr>
-      <a:lvl2pPr marL="457200" algn="l" defTabSz="457200" rtl="0" eaLnBrk="1" latinLnBrk="0" hangingPunct="1">
+      <a:lvl2pPr marL="457200" algn="l" defTabSz="914400" rtl="0" eaLnBrk="1" latinLnBrk="0" hangingPunct="1">
         <a:defRPr sz="1800" kern="1200">
           <a:solidFill>
             <a:schemeClr val="tx1"/>
@@ -5379,7 +3340,7 @@
           <a:cs typeface="+mn-cs"/>
         </a:defRPr>
       </a:lvl2pPr>
-      <a:lvl3pPr marL="914400" algn="l" defTabSz="457200" rtl="0" eaLnBrk="1" latinLnBrk="0" hangingPunct="1">
+      <a:lvl3pPr marL="914400" algn="l" defTabSz="914400" rtl="0" eaLnBrk="1" latinLnBrk="0" hangingPunct="1">
         <a:defRPr sz="1800" kern="1200">
           <a:solidFill>
             <a:schemeClr val="tx1"/>
@@ -5389,7 +3350,7 @@
           <a:cs typeface="+mn-cs"/>
         </a:defRPr>
       </a:lvl3pPr>
-      <a:lvl4pPr marL="1371600" algn="l" defTabSz="457200" rtl="0" eaLnBrk="1" latinLnBrk="0" hangingPunct="1">
+      <a:lvl4pPr marL="1371600" algn="l" defTabSz="914400" rtl="0" eaLnBrk="1" latinLnBrk="0" hangingPunct="1">
         <a:defRPr sz="1800" kern="1200">
           <a:solidFill>
             <a:schemeClr val="tx1"/>
@@ -5399,7 +3360,7 @@
           <a:cs typeface="+mn-cs"/>
         </a:defRPr>
       </a:lvl4pPr>
-      <a:lvl5pPr marL="1828800" algn="l" defTabSz="457200" rtl="0" eaLnBrk="1" latinLnBrk="0" hangingPunct="1">
+      <a:lvl5pPr marL="1828800" algn="l" defTabSz="914400" rtl="0" eaLnBrk="1" latinLnBrk="0" hangingPunct="1">
         <a:defRPr sz="1800" kern="1200">
           <a:solidFill>
             <a:schemeClr val="tx1"/>
@@ -5409,7 +3370,7 @@
           <a:cs typeface="+mn-cs"/>
         </a:defRPr>
       </a:lvl5pPr>
-      <a:lvl6pPr marL="2286000" algn="l" defTabSz="457200" rtl="0" eaLnBrk="1" latinLnBrk="0" hangingPunct="1">
+      <a:lvl6pPr marL="2286000" algn="l" defTabSz="914400" rtl="0" eaLnBrk="1" latinLnBrk="0" hangingPunct="1">
         <a:defRPr sz="1800" kern="1200">
           <a:solidFill>
             <a:schemeClr val="tx1"/>
@@ -5419,7 +3380,7 @@
           <a:cs typeface="+mn-cs"/>
         </a:defRPr>
       </a:lvl6pPr>
-      <a:lvl7pPr marL="2743200" algn="l" defTabSz="457200" rtl="0" eaLnBrk="1" latinLnBrk="0" hangingPunct="1">
+      <a:lvl7pPr marL="2743200" algn="l" defTabSz="914400" rtl="0" eaLnBrk="1" latinLnBrk="0" hangingPunct="1">
         <a:defRPr sz="1800" kern="1200">
           <a:solidFill>
             <a:schemeClr val="tx1"/>
@@ -5429,7 +3390,7 @@
           <a:cs typeface="+mn-cs"/>
         </a:defRPr>
       </a:lvl7pPr>
-      <a:lvl8pPr marL="3200400" algn="l" defTabSz="457200" rtl="0" eaLnBrk="1" latinLnBrk="0" hangingPunct="1">
+      <a:lvl8pPr marL="3200400" algn="l" defTabSz="914400" rtl="0" eaLnBrk="1" latinLnBrk="0" hangingPunct="1">
         <a:defRPr sz="1800" kern="1200">
           <a:solidFill>
             <a:schemeClr val="tx1"/>
@@ -5439,7 +3400,7 @@
           <a:cs typeface="+mn-cs"/>
         </a:defRPr>
       </a:lvl8pPr>
-      <a:lvl9pPr marL="3657600" algn="l" defTabSz="457200" rtl="0" eaLnBrk="1" latinLnBrk="0" hangingPunct="1">
+      <a:lvl9pPr marL="3657600" algn="l" defTabSz="914400" rtl="0" eaLnBrk="1" latinLnBrk="0" hangingPunct="1">
         <a:defRPr sz="1800" kern="1200">
           <a:solidFill>
             <a:schemeClr val="tx1"/>
@@ -5579,44 +3540,49 @@
         </p:blipFill>
         <p:spPr>
           <a:xfrm>
-            <a:off x="0" y="1910439"/>
-            <a:ext cx="5470711" cy="3409533"/>
+            <a:off x="0" y="1144571"/>
+            <a:ext cx="7330887" cy="4568858"/>
           </a:xfrm>
           <a:prstGeom prst="rect">
             <a:avLst/>
           </a:prstGeom>
         </p:spPr>
       </p:pic>
-      <p:pic>
-        <p:nvPicPr>
-          <p:cNvPr id="7" name="Picture 6">
+      <p:sp>
+        <p:nvSpPr>
+          <p:cNvPr id="2" name="TextBox 1">
             <a:extLst>
               <a:ext uri="{FF2B5EF4-FFF2-40B4-BE49-F238E27FC236}">
-                <a16:creationId xmlns:a16="http://schemas.microsoft.com/office/drawing/2014/main" id="{C2911340-7BB9-ED7D-C73F-E59AD3D79164}"/>
+                <a16:creationId xmlns:a16="http://schemas.microsoft.com/office/drawing/2014/main" id="{7C78A308-4B36-D8C0-A60D-4EBC5E6B0D49}"/>
               </a:ext>
             </a:extLst>
           </p:cNvPr>
-          <p:cNvPicPr>
-            <a:picLocks noChangeAspect="1"/>
-          </p:cNvPicPr>
+          <p:cNvSpPr txBox="1"/>
           <p:nvPr/>
-        </p:nvPicPr>
-        <p:blipFill>
-          <a:blip r:embed="rId3"/>
-          <a:stretch>
-            <a:fillRect/>
-          </a:stretch>
-        </p:blipFill>
+        </p:nvSpPr>
         <p:spPr>
           <a:xfrm>
-            <a:off x="5624857" y="2133974"/>
-            <a:ext cx="6567143" cy="2962465"/>
+            <a:off x="7539433" y="1874728"/>
+            <a:ext cx="4360370" cy="3108543"/>
           </a:xfrm>
           <a:prstGeom prst="rect">
             <a:avLst/>
           </a:prstGeom>
+          <a:noFill/>
         </p:spPr>
-      </p:pic>
+        <p:txBody>
+          <a:bodyPr wrap="square" rtlCol="0">
+            <a:spAutoFit/>
+          </a:bodyPr>
+          <a:lstStyle/>
+          <a:p>
+            <a:r>
+              <a:rPr lang="en-GB" sz="2800" dirty="0"/>
+              <a:t>There are two interpretations of empty file – entirely blank, or with the correct headers but no readings taken. This checks for both</a:t>
+            </a:r>
+          </a:p>
+        </p:txBody>
+      </p:sp>
     </p:spTree>
     <p:extLst>
       <p:ext uri="{BB962C8B-B14F-4D97-AF65-F5344CB8AC3E}">
@@ -5631,6 +3597,101 @@
 </file>
 
 <file path=ppt/slides/slide11.xml><?xml version="1.0" encoding="utf-8"?>
+<p:sld xmlns:a="http://schemas.openxmlformats.org/drawingml/2006/main" xmlns:r="http://schemas.openxmlformats.org/officeDocument/2006/relationships" xmlns:p="http://schemas.openxmlformats.org/presentationml/2006/main">
+  <p:cSld>
+    <p:spTree>
+      <p:nvGrpSpPr>
+        <p:cNvPr id="1" name=""/>
+        <p:cNvGrpSpPr/>
+        <p:nvPr/>
+      </p:nvGrpSpPr>
+      <p:grpSpPr>
+        <a:xfrm>
+          <a:off x="0" y="0"/>
+          <a:ext cx="0" cy="0"/>
+          <a:chOff x="0" y="0"/>
+          <a:chExt cx="0" cy="0"/>
+        </a:xfrm>
+      </p:grpSpPr>
+      <p:pic>
+        <p:nvPicPr>
+          <p:cNvPr id="2" name="Picture 1">
+            <a:extLst>
+              <a:ext uri="{FF2B5EF4-FFF2-40B4-BE49-F238E27FC236}">
+                <a16:creationId xmlns:a16="http://schemas.microsoft.com/office/drawing/2014/main" id="{4F1628E5-6014-1567-52C4-2C0AF6692B1C}"/>
+              </a:ext>
+            </a:extLst>
+          </p:cNvPr>
+          <p:cNvPicPr>
+            <a:picLocks noChangeAspect="1"/>
+          </p:cNvPicPr>
+          <p:nvPr/>
+        </p:nvPicPr>
+        <p:blipFill>
+          <a:blip r:embed="rId2"/>
+          <a:stretch>
+            <a:fillRect/>
+          </a:stretch>
+        </p:blipFill>
+        <p:spPr>
+          <a:xfrm>
+            <a:off x="0" y="1631895"/>
+            <a:ext cx="7967585" cy="3594210"/>
+          </a:xfrm>
+          <a:prstGeom prst="rect">
+            <a:avLst/>
+          </a:prstGeom>
+        </p:spPr>
+      </p:pic>
+      <p:sp>
+        <p:nvSpPr>
+          <p:cNvPr id="3" name="TextBox 2">
+            <a:extLst>
+              <a:ext uri="{FF2B5EF4-FFF2-40B4-BE49-F238E27FC236}">
+                <a16:creationId xmlns:a16="http://schemas.microsoft.com/office/drawing/2014/main" id="{7C63B54B-D45E-1797-6E2B-7C8981A6F8FF}"/>
+              </a:ext>
+            </a:extLst>
+          </p:cNvPr>
+          <p:cNvSpPr txBox="1"/>
+          <p:nvPr/>
+        </p:nvSpPr>
+        <p:spPr>
+          <a:xfrm>
+            <a:off x="8160090" y="1874728"/>
+            <a:ext cx="3759194" cy="3108543"/>
+          </a:xfrm>
+          <a:prstGeom prst="rect">
+            <a:avLst/>
+          </a:prstGeom>
+          <a:noFill/>
+        </p:spPr>
+        <p:txBody>
+          <a:bodyPr wrap="square" rtlCol="0">
+            <a:spAutoFit/>
+          </a:bodyPr>
+          <a:lstStyle/>
+          <a:p>
+            <a:r>
+              <a:rPr lang="en-GB" sz="2800" dirty="0"/>
+              <a:t>Once we ensure the file does have content, we make sure that the headings have the correct names in the correct orders</a:t>
+            </a:r>
+          </a:p>
+        </p:txBody>
+      </p:sp>
+    </p:spTree>
+    <p:extLst>
+      <p:ext uri="{BB962C8B-B14F-4D97-AF65-F5344CB8AC3E}">
+        <p14:creationId xmlns:p14="http://schemas.microsoft.com/office/powerpoint/2010/main" val="3083857121"/>
+      </p:ext>
+    </p:extLst>
+  </p:cSld>
+  <p:clrMapOvr>
+    <a:masterClrMapping/>
+  </p:clrMapOvr>
+</p:sld>
+</file>
+
+<file path=ppt/slides/slide12.xml><?xml version="1.0" encoding="utf-8"?>
 <p:sld xmlns:a="http://schemas.openxmlformats.org/drawingml/2006/main" xmlns:r="http://schemas.openxmlformats.org/officeDocument/2006/relationships" xmlns:p="http://schemas.openxmlformats.org/presentationml/2006/main">
   <p:cSld>
     <p:spTree>
@@ -5669,44 +3730,49 @@
         </p:blipFill>
         <p:spPr>
           <a:xfrm>
-            <a:off x="0" y="1617697"/>
-            <a:ext cx="5203696" cy="3622606"/>
+            <a:off x="0" y="1153754"/>
+            <a:ext cx="6536559" cy="4550492"/>
           </a:xfrm>
           <a:prstGeom prst="rect">
             <a:avLst/>
           </a:prstGeom>
         </p:spPr>
       </p:pic>
-      <p:pic>
-        <p:nvPicPr>
-          <p:cNvPr id="5" name="Picture 4">
+      <p:sp>
+        <p:nvSpPr>
+          <p:cNvPr id="6" name="TextBox 5">
             <a:extLst>
               <a:ext uri="{FF2B5EF4-FFF2-40B4-BE49-F238E27FC236}">
-                <a16:creationId xmlns:a16="http://schemas.microsoft.com/office/drawing/2014/main" id="{CDE69570-222F-09BB-5E44-D566AE72C795}"/>
+                <a16:creationId xmlns:a16="http://schemas.microsoft.com/office/drawing/2014/main" id="{CBF70417-D779-0E98-5BB7-79378EDA5626}"/>
               </a:ext>
             </a:extLst>
           </p:cNvPr>
-          <p:cNvPicPr>
-            <a:picLocks noChangeAspect="1"/>
-          </p:cNvPicPr>
+          <p:cNvSpPr txBox="1"/>
           <p:nvPr/>
-        </p:nvPicPr>
-        <p:blipFill>
-          <a:blip r:embed="rId3"/>
-          <a:stretch>
-            <a:fillRect/>
-          </a:stretch>
-        </p:blipFill>
+        </p:nvSpPr>
         <p:spPr>
           <a:xfrm>
-            <a:off x="5668902" y="2190577"/>
-            <a:ext cx="6535062" cy="2476846"/>
+            <a:off x="7042484" y="1010653"/>
+            <a:ext cx="4652211" cy="369332"/>
           </a:xfrm>
           <a:prstGeom prst="rect">
             <a:avLst/>
           </a:prstGeom>
+          <a:noFill/>
         </p:spPr>
-      </p:pic>
+        <p:txBody>
+          <a:bodyPr wrap="square" rtlCol="0">
+            <a:spAutoFit/>
+          </a:bodyPr>
+          <a:lstStyle/>
+          <a:p>
+            <a:r>
+              <a:rPr lang="en-GB" dirty="0"/>
+              <a:t>Each file consists of multiple batches. We</a:t>
+            </a:r>
+          </a:p>
+        </p:txBody>
+      </p:sp>
     </p:spTree>
     <p:extLst>
       <p:ext uri="{BB962C8B-B14F-4D97-AF65-F5344CB8AC3E}">
@@ -5720,7 +3786,67 @@
 </p:sld>
 </file>
 
-<file path=ppt/slides/slide12.xml><?xml version="1.0" encoding="utf-8"?>
+<file path=ppt/slides/slide13.xml><?xml version="1.0" encoding="utf-8"?>
+<p:sld xmlns:a="http://schemas.openxmlformats.org/drawingml/2006/main" xmlns:r="http://schemas.openxmlformats.org/officeDocument/2006/relationships" xmlns:p="http://schemas.openxmlformats.org/presentationml/2006/main">
+  <p:cSld>
+    <p:spTree>
+      <p:nvGrpSpPr>
+        <p:cNvPr id="1" name=""/>
+        <p:cNvGrpSpPr/>
+        <p:nvPr/>
+      </p:nvGrpSpPr>
+      <p:grpSpPr>
+        <a:xfrm>
+          <a:off x="0" y="0"/>
+          <a:ext cx="0" cy="0"/>
+          <a:chOff x="0" y="0"/>
+          <a:chExt cx="0" cy="0"/>
+        </a:xfrm>
+      </p:grpSpPr>
+      <p:pic>
+        <p:nvPicPr>
+          <p:cNvPr id="2" name="Picture 1">
+            <a:extLst>
+              <a:ext uri="{FF2B5EF4-FFF2-40B4-BE49-F238E27FC236}">
+                <a16:creationId xmlns:a16="http://schemas.microsoft.com/office/drawing/2014/main" id="{5406E8F4-1ADE-433D-9904-542996F4BFFC}"/>
+              </a:ext>
+            </a:extLst>
+          </p:cNvPr>
+          <p:cNvPicPr>
+            <a:picLocks noChangeAspect="1"/>
+          </p:cNvPicPr>
+          <p:nvPr/>
+        </p:nvPicPr>
+        <p:blipFill>
+          <a:blip r:embed="rId2"/>
+          <a:stretch>
+            <a:fillRect/>
+          </a:stretch>
+        </p:blipFill>
+        <p:spPr>
+          <a:xfrm>
+            <a:off x="0" y="2009688"/>
+            <a:ext cx="7489597" cy="2838623"/>
+          </a:xfrm>
+          <a:prstGeom prst="rect">
+            <a:avLst/>
+          </a:prstGeom>
+        </p:spPr>
+      </p:pic>
+    </p:spTree>
+    <p:extLst>
+      <p:ext uri="{BB962C8B-B14F-4D97-AF65-F5344CB8AC3E}">
+        <p14:creationId xmlns:p14="http://schemas.microsoft.com/office/powerpoint/2010/main" val="2250734504"/>
+      </p:ext>
+    </p:extLst>
+  </p:cSld>
+  <p:clrMapOvr>
+    <a:masterClrMapping/>
+  </p:clrMapOvr>
+</p:sld>
+</file>
+
+<file path=ppt/slides/slide14.xml><?xml version="1.0" encoding="utf-8"?>
 <p:sld xmlns:a="http://schemas.openxmlformats.org/drawingml/2006/main" xmlns:r="http://schemas.openxmlformats.org/officeDocument/2006/relationships" xmlns:p="http://schemas.openxmlformats.org/presentationml/2006/main">
   <p:cSld>
     <p:spTree>
@@ -5810,7 +3936,7 @@
 </p:sld>
 </file>
 
-<file path=ppt/slides/slide13.xml><?xml version="1.0" encoding="utf-8"?>
+<file path=ppt/slides/slide15.xml><?xml version="1.0" encoding="utf-8"?>
 <p:sld xmlns:a="http://schemas.openxmlformats.org/drawingml/2006/main" xmlns:r="http://schemas.openxmlformats.org/officeDocument/2006/relationships" xmlns:p="http://schemas.openxmlformats.org/presentationml/2006/main">
   <p:cSld>
     <p:spTree>
@@ -5893,7 +4019,7 @@
 </p:sld>
 </file>
 
-<file path=ppt/slides/slide14.xml><?xml version="1.0" encoding="utf-8"?>
+<file path=ppt/slides/slide16.xml><?xml version="1.0" encoding="utf-8"?>
 <p:sld xmlns:a="http://schemas.openxmlformats.org/drawingml/2006/main" xmlns:r="http://schemas.openxmlformats.org/officeDocument/2006/relationships" xmlns:p="http://schemas.openxmlformats.org/presentationml/2006/main">
   <p:cSld>
     <p:spTree>
@@ -6046,7 +4172,9 @@
         </p:nvSpPr>
         <p:spPr/>
         <p:txBody>
-          <a:bodyPr/>
+          <a:bodyPr>
+            <a:normAutofit/>
+          </a:bodyPr>
           <a:lstStyle/>
           <a:p>
             <a:r>
@@ -6236,7 +4364,7 @@
         </p:nvSpPr>
         <p:spPr>
           <a:xfrm>
-            <a:off x="8470900" y="616714"/>
+            <a:off x="8470900" y="1012954"/>
             <a:ext cx="3721100" cy="4832092"/>
           </a:xfrm>
           <a:prstGeom prst="rect">
@@ -6342,7 +4470,7 @@
         </p:nvSpPr>
         <p:spPr>
           <a:xfrm>
-            <a:off x="8417194" y="1659285"/>
+            <a:off x="8447674" y="1659285"/>
             <a:ext cx="3744326" cy="3539430"/>
           </a:xfrm>
           <a:prstGeom prst="rect">
@@ -6523,7 +4651,7 @@
         </p:nvSpPr>
         <p:spPr>
           <a:xfrm>
-            <a:off x="7552267" y="319385"/>
+            <a:off x="7343719" y="1427379"/>
             <a:ext cx="4499325" cy="4154984"/>
           </a:xfrm>
           <a:prstGeom prst="rect">
@@ -6591,7 +4719,7 @@
         </p:blipFill>
         <p:spPr>
           <a:xfrm>
-            <a:off x="38810" y="304025"/>
+            <a:off x="22768" y="304025"/>
             <a:ext cx="6725589" cy="6401693"/>
           </a:xfrm>
           <a:prstGeom prst="rect">
@@ -6717,12 +4845,116 @@
           <a:chExt cx="0" cy="0"/>
         </a:xfrm>
       </p:grpSpPr>
+      <p:sp>
+        <p:nvSpPr>
+          <p:cNvPr id="4" name="TextBox 3">
+            <a:extLst>
+              <a:ext uri="{FF2B5EF4-FFF2-40B4-BE49-F238E27FC236}">
+                <a16:creationId xmlns:a16="http://schemas.microsoft.com/office/drawing/2014/main" id="{37A59FC0-C489-DB37-CB9E-DCDA8985194A}"/>
+              </a:ext>
+            </a:extLst>
+          </p:cNvPr>
+          <p:cNvSpPr txBox="1"/>
+          <p:nvPr/>
+        </p:nvSpPr>
+        <p:spPr>
+          <a:xfrm>
+            <a:off x="6356685" y="294837"/>
+            <a:ext cx="5504194" cy="6370975"/>
+          </a:xfrm>
+          <a:prstGeom prst="rect">
+            <a:avLst/>
+          </a:prstGeom>
+          <a:noFill/>
+        </p:spPr>
+        <p:txBody>
+          <a:bodyPr wrap="square" rtlCol="0">
+            <a:spAutoFit/>
+          </a:bodyPr>
+          <a:lstStyle/>
+          <a:p>
+            <a:r>
+              <a:rPr lang="en-GB" sz="2400" dirty="0"/>
+              <a:t>Once all the required files have been downloaded, the program ensures that they are all valid.</a:t>
+            </a:r>
+          </a:p>
+          <a:p>
+            <a:r>
+              <a:rPr lang="en-GB" sz="2400" dirty="0"/>
+              <a:t>The checks made are:</a:t>
+            </a:r>
+          </a:p>
+          <a:p>
+            <a:pPr marL="285750" indent="-285750">
+              <a:buFont typeface="Arial" panose="020B0604020202020204" pitchFamily="34" charset="0"/>
+              <a:buChar char="•"/>
+            </a:pPr>
+            <a:r>
+              <a:rPr lang="en-GB" sz="2400" dirty="0"/>
+              <a:t>Ensuring file isn’t empty</a:t>
+            </a:r>
+          </a:p>
+          <a:p>
+            <a:pPr marL="285750" indent="-285750">
+              <a:buFont typeface="Arial" panose="020B0604020202020204" pitchFamily="34" charset="0"/>
+              <a:buChar char="•"/>
+            </a:pPr>
+            <a:r>
+              <a:rPr lang="en-GB" sz="2400" dirty="0"/>
+              <a:t>Ensure all columns headings follow standard naming conventions and order</a:t>
+            </a:r>
+          </a:p>
+          <a:p>
+            <a:pPr marL="285750" indent="-285750">
+              <a:buFont typeface="Arial" panose="020B0604020202020204" pitchFamily="34" charset="0"/>
+              <a:buChar char="•"/>
+            </a:pPr>
+            <a:r>
+              <a:rPr lang="en-GB" sz="2400" dirty="0"/>
+              <a:t>Ensure each batch in the file has a unique ID</a:t>
+            </a:r>
+          </a:p>
+          <a:p>
+            <a:pPr marL="285750" indent="-285750">
+              <a:buFont typeface="Arial" panose="020B0604020202020204" pitchFamily="34" charset="0"/>
+              <a:buChar char="•"/>
+            </a:pPr>
+            <a:r>
+              <a:rPr lang="en-GB" sz="2400" dirty="0"/>
+              <a:t>Ensuring there are no missing columns</a:t>
+            </a:r>
+          </a:p>
+          <a:p>
+            <a:pPr marL="285750" indent="-285750">
+              <a:buFont typeface="Arial" panose="020B0604020202020204" pitchFamily="34" charset="0"/>
+              <a:buChar char="•"/>
+            </a:pPr>
+            <a:r>
+              <a:rPr lang="en-GB" sz="2400" dirty="0"/>
+              <a:t>Ensure data entered is valid (0 &lt; data &lt;= 9.999)</a:t>
+            </a:r>
+          </a:p>
+          <a:p>
+            <a:pPr marL="285750" indent="-285750">
+              <a:buFont typeface="Arial" panose="020B0604020202020204" pitchFamily="34" charset="0"/>
+              <a:buChar char="•"/>
+            </a:pPr>
+            <a:endParaRPr lang="en-GB" sz="2400" dirty="0"/>
+          </a:p>
+          <a:p>
+            <a:r>
+              <a:rPr lang="en-GB" sz="2400" dirty="0"/>
+              <a:t>If an error is found, a log containing the filename, a timestamp, and a message about the type of error is added to the log file</a:t>
+            </a:r>
+          </a:p>
+        </p:txBody>
+      </p:sp>
       <p:pic>
         <p:nvPicPr>
-          <p:cNvPr id="3" name="Picture 2">
+          <p:cNvPr id="5" name="Picture 4">
             <a:extLst>
               <a:ext uri="{FF2B5EF4-FFF2-40B4-BE49-F238E27FC236}">
-                <a16:creationId xmlns:a16="http://schemas.microsoft.com/office/drawing/2014/main" id="{B215A277-0438-D368-A421-150B229555CA}"/>
+                <a16:creationId xmlns:a16="http://schemas.microsoft.com/office/drawing/2014/main" id="{50935F05-82AA-E7E3-D908-7AE12F5B2BB9}"/>
               </a:ext>
             </a:extLst>
           </p:cNvPr>
@@ -6739,118 +4971,14 @@
         </p:blipFill>
         <p:spPr>
           <a:xfrm>
-            <a:off x="0" y="232916"/>
-            <a:ext cx="7163800" cy="6392167"/>
+            <a:off x="0" y="294837"/>
+            <a:ext cx="5687219" cy="6268325"/>
           </a:xfrm>
           <a:prstGeom prst="rect">
             <a:avLst/>
           </a:prstGeom>
         </p:spPr>
       </p:pic>
-      <p:sp>
-        <p:nvSpPr>
-          <p:cNvPr id="4" name="TextBox 3">
-            <a:extLst>
-              <a:ext uri="{FF2B5EF4-FFF2-40B4-BE49-F238E27FC236}">
-                <a16:creationId xmlns:a16="http://schemas.microsoft.com/office/drawing/2014/main" id="{37A59FC0-C489-DB37-CB9E-DCDA8985194A}"/>
-              </a:ext>
-            </a:extLst>
-          </p:cNvPr>
-          <p:cNvSpPr txBox="1"/>
-          <p:nvPr/>
-        </p:nvSpPr>
-        <p:spPr>
-          <a:xfrm>
-            <a:off x="7495969" y="382755"/>
-            <a:ext cx="4348065" cy="6247864"/>
-          </a:xfrm>
-          <a:prstGeom prst="rect">
-            <a:avLst/>
-          </a:prstGeom>
-          <a:noFill/>
-        </p:spPr>
-        <p:txBody>
-          <a:bodyPr wrap="square" rtlCol="0">
-            <a:spAutoFit/>
-          </a:bodyPr>
-          <a:lstStyle/>
-          <a:p>
-            <a:r>
-              <a:rPr lang="en-GB" sz="2000" dirty="0"/>
-              <a:t>Once all the required files have been downloaded, the program ensures that they are all valid.</a:t>
-            </a:r>
-          </a:p>
-          <a:p>
-            <a:r>
-              <a:rPr lang="en-GB" sz="2000" dirty="0"/>
-              <a:t>The checks made are:</a:t>
-            </a:r>
-          </a:p>
-          <a:p>
-            <a:pPr marL="285750" indent="-285750">
-              <a:buFont typeface="Arial" panose="020B0604020202020204" pitchFamily="34" charset="0"/>
-              <a:buChar char="•"/>
-            </a:pPr>
-            <a:r>
-              <a:rPr lang="en-GB" sz="2000" dirty="0"/>
-              <a:t>Ensuring file isn’t empty</a:t>
-            </a:r>
-          </a:p>
-          <a:p>
-            <a:pPr marL="285750" indent="-285750">
-              <a:buFont typeface="Arial" panose="020B0604020202020204" pitchFamily="34" charset="0"/>
-              <a:buChar char="•"/>
-            </a:pPr>
-            <a:r>
-              <a:rPr lang="en-GB" sz="2000" dirty="0"/>
-              <a:t>Ensure all columns headings follow standard naming conventions and order</a:t>
-            </a:r>
-          </a:p>
-          <a:p>
-            <a:pPr marL="285750" indent="-285750">
-              <a:buFont typeface="Arial" panose="020B0604020202020204" pitchFamily="34" charset="0"/>
-              <a:buChar char="•"/>
-            </a:pPr>
-            <a:r>
-              <a:rPr lang="en-GB" sz="2000" dirty="0"/>
-              <a:t>Ensure each batch in the file has a unique ID</a:t>
-            </a:r>
-          </a:p>
-          <a:p>
-            <a:pPr marL="285750" indent="-285750">
-              <a:buFont typeface="Arial" panose="020B0604020202020204" pitchFamily="34" charset="0"/>
-              <a:buChar char="•"/>
-            </a:pPr>
-            <a:r>
-              <a:rPr lang="en-GB" sz="2000" dirty="0"/>
-              <a:t>Ensuring there are no missing columns</a:t>
-            </a:r>
-          </a:p>
-          <a:p>
-            <a:pPr marL="285750" indent="-285750">
-              <a:buFont typeface="Arial" panose="020B0604020202020204" pitchFamily="34" charset="0"/>
-              <a:buChar char="•"/>
-            </a:pPr>
-            <a:r>
-              <a:rPr lang="en-GB" sz="2000" dirty="0"/>
-              <a:t>Ensure data entered is valid (0 &lt; data &lt;= 9.999)</a:t>
-            </a:r>
-          </a:p>
-          <a:p>
-            <a:pPr marL="285750" indent="-285750">
-              <a:buFont typeface="Arial" panose="020B0604020202020204" pitchFamily="34" charset="0"/>
-              <a:buChar char="•"/>
-            </a:pPr>
-            <a:endParaRPr lang="en-GB" sz="2000" dirty="0"/>
-          </a:p>
-          <a:p>
-            <a:r>
-              <a:rPr lang="en-GB" sz="2000" dirty="0"/>
-              <a:t>If an error is found, a log containing the filename, a timestamp, and a message about the type of error is added to the log file</a:t>
-            </a:r>
-          </a:p>
-        </p:txBody>
-      </p:sp>
     </p:spTree>
     <p:extLst>
       <p:ext uri="{BB962C8B-B14F-4D97-AF65-F5344CB8AC3E}">
@@ -6865,49 +4993,49 @@
 </file>
 
 <file path=ppt/theme/theme1.xml><?xml version="1.0" encoding="utf-8"?>
-<a:theme xmlns:a="http://schemas.openxmlformats.org/drawingml/2006/main" name="Quotable">
+<a:theme xmlns:a="http://schemas.openxmlformats.org/drawingml/2006/main" name="Banded">
   <a:themeElements>
-    <a:clrScheme name="Quotable">
+    <a:clrScheme name="Banded">
       <a:dk1>
-        <a:sysClr val="windowText" lastClr="000000"/>
+        <a:srgbClr val="2C2C2C"/>
       </a:dk1>
       <a:lt1>
-        <a:sysClr val="window" lastClr="FFFFFF"/>
+        <a:srgbClr val="FFFFFF"/>
       </a:lt1>
       <a:dk2>
-        <a:srgbClr val="212121"/>
+        <a:srgbClr val="099BDD"/>
       </a:dk2>
       <a:lt2>
-        <a:srgbClr val="636363"/>
+        <a:srgbClr val="F2F2F2"/>
       </a:lt2>
       <a:accent1>
-        <a:srgbClr val="8664B0"/>
+        <a:srgbClr val="FFC000"/>
       </a:accent1>
       <a:accent2>
-        <a:srgbClr val="D75BCD"/>
+        <a:srgbClr val="A5D028"/>
       </a:accent2>
       <a:accent3>
-        <a:srgbClr val="E54D86"/>
+        <a:srgbClr val="08CC78"/>
       </a:accent3>
       <a:accent4>
-        <a:srgbClr val="DE4547"/>
+        <a:srgbClr val="F24099"/>
       </a:accent4>
       <a:accent5>
-        <a:srgbClr val="F16E40"/>
+        <a:srgbClr val="828288"/>
       </a:accent5>
       <a:accent6>
-        <a:srgbClr val="EB9C5A"/>
+        <a:srgbClr val="F56617"/>
       </a:accent6>
       <a:hlink>
-        <a:srgbClr val="8F8F8F"/>
+        <a:srgbClr val="005DBA"/>
       </a:hlink>
       <a:folHlink>
-        <a:srgbClr val="A5A5A5"/>
+        <a:srgbClr val="6C606A"/>
       </a:folHlink>
     </a:clrScheme>
-    <a:fontScheme name="Quotable">
+    <a:fontScheme name="Banded">
       <a:majorFont>
-        <a:latin typeface="Century Gothic" panose="020B0502020202020204"/>
+        <a:latin typeface="Corbel" panose="020B0503020204020204"/>
         <a:ea typeface=""/>
         <a:cs typeface=""/>
         <a:font script="Jpan" typeface="ＭＳ ゴシック"/>
@@ -6942,7 +5070,7 @@
         <a:font script="Geor" typeface="Sylfaen"/>
       </a:majorFont>
       <a:minorFont>
-        <a:latin typeface="Century Gothic" panose="020B0502020202020204"/>
+        <a:latin typeface="Corbel" panose="020B0503020204020204"/>
         <a:ea typeface=""/>
         <a:cs typeface=""/>
         <a:font script="Jpan" typeface="ＭＳ ゴシック"/>
@@ -6977,7 +5105,7 @@
         <a:font script="Geor" typeface="Sylfaen"/>
       </a:minorFont>
     </a:fontScheme>
-    <a:fmtScheme name="Quotable">
+    <a:fmtScheme name="Banded">
       <a:fillStyleLst>
         <a:solidFill>
           <a:schemeClr val="phClr"/>
@@ -6986,48 +5114,70 @@
           <a:gsLst>
             <a:gs pos="0">
               <a:schemeClr val="phClr">
-                <a:tint val="80000"/>
-                <a:lumMod val="105000"/>
+                <a:tint val="65000"/>
+                <a:satMod val="120000"/>
+                <a:lumMod val="107000"/>
+              </a:schemeClr>
+            </a:gs>
+            <a:gs pos="50000">
+              <a:schemeClr val="phClr">
+                <a:tint val="70000"/>
+                <a:satMod val="124000"/>
+                <a:lumMod val="103000"/>
               </a:schemeClr>
             </a:gs>
             <a:gs pos="100000">
               <a:schemeClr val="phClr">
-                <a:tint val="90000"/>
+                <a:tint val="85000"/>
+                <a:satMod val="120000"/>
+                <a:lumMod val="100000"/>
               </a:schemeClr>
             </a:gs>
           </a:gsLst>
           <a:lin ang="5400000" scaled="0"/>
         </a:gradFill>
-        <a:blipFill rotWithShape="1">
-          <a:blip xmlns:r="http://schemas.openxmlformats.org/officeDocument/2006/relationships" r:embed="rId1">
-            <a:duotone>
+        <a:gradFill rotWithShape="1">
+          <a:gsLst>
+            <a:gs pos="0">
               <a:schemeClr val="phClr">
-                <a:tint val="98000"/>
-                <a:lumMod val="102000"/>
+                <a:tint val="85000"/>
+                <a:shade val="98000"/>
+                <a:satMod val="110000"/>
+                <a:lumMod val="103000"/>
               </a:schemeClr>
+            </a:gs>
+            <a:gs pos="50000">
               <a:schemeClr val="phClr">
-                <a:shade val="98000"/>
-                <a:lumMod val="98000"/>
+                <a:shade val="85000"/>
+                <a:satMod val="105000"/>
+                <a:lumMod val="100000"/>
               </a:schemeClr>
-            </a:duotone>
-          </a:blip>
-          <a:tile tx="0" ty="0" sx="100000" sy="100000" flip="none" algn="tl"/>
-        </a:blipFill>
+            </a:gs>
+            <a:gs pos="100000">
+              <a:schemeClr val="phClr">
+                <a:shade val="60000"/>
+                <a:satMod val="120000"/>
+                <a:lumMod val="100000"/>
+              </a:schemeClr>
+            </a:gs>
+          </a:gsLst>
+          <a:lin ang="5400000" scaled="0"/>
+        </a:gradFill>
       </a:fillStyleLst>
       <a:lnStyleLst>
-        <a:ln w="9525" cap="rnd" cmpd="sng" algn="ctr">
+        <a:ln w="9525" cap="flat" cmpd="sng" algn="ctr">
           <a:solidFill>
             <a:schemeClr val="phClr"/>
           </a:solidFill>
           <a:prstDash val="solid"/>
         </a:ln>
-        <a:ln w="15875" cap="rnd" cmpd="sng" algn="ctr">
+        <a:ln w="12700" cap="flat" cmpd="sng" algn="ctr">
           <a:solidFill>
             <a:schemeClr val="phClr"/>
           </a:solidFill>
           <a:prstDash val="solid"/>
         </a:ln>
-        <a:ln w="25400" cap="rnd" cmpd="sng" algn="ctr">
+        <a:ln w="25400" cap="flat" cmpd="sng" algn="ctr">
           <a:solidFill>
             <a:schemeClr val="phClr"/>
           </a:solidFill>
@@ -7039,15 +5189,21 @@
           <a:effectLst/>
         </a:effectStyle>
         <a:effectStyle>
-          <a:effectLst/>
+          <a:effectLst>
+            <a:outerShdw blurRad="50800" dist="15875" dir="5400000" algn="ctr" rotWithShape="0">
+              <a:srgbClr val="000000">
+                <a:alpha val="68000"/>
+              </a:srgbClr>
+            </a:outerShdw>
+          </a:effectLst>
         </a:effectStyle>
         <a:effectStyle>
           <a:effectLst>
-            <a:innerShdw blurRad="63500" dist="25400" dir="13500000">
+            <a:outerShdw blurRad="88900" dist="27940" dir="5400000" algn="ctr" rotWithShape="0">
               <a:srgbClr val="000000">
-                <a:alpha val="75000"/>
+                <a:alpha val="63000"/>
               </a:srgbClr>
-            </a:innerShdw>
+            </a:outerShdw>
           </a:effectLst>
         </a:effectStyle>
       </a:effectStyleLst>
@@ -7055,35 +5211,32 @@
         <a:solidFill>
           <a:schemeClr val="phClr"/>
         </a:solidFill>
+        <a:blipFill rotWithShape="1">
+          <a:blip xmlns:r="http://schemas.openxmlformats.org/officeDocument/2006/relationships" r:embed="rId1">
+            <a:duotone>
+              <a:schemeClr val="phClr"/>
+              <a:schemeClr val="phClr">
+                <a:shade val="91000"/>
+                <a:satMod val="105000"/>
+              </a:schemeClr>
+            </a:duotone>
+          </a:blip>
+          <a:tile tx="0" ty="0" sx="100000" sy="100000" flip="none" algn="tl"/>
+        </a:blipFill>
         <a:gradFill rotWithShape="1">
           <a:gsLst>
             <a:gs pos="0">
               <a:schemeClr val="phClr">
                 <a:tint val="100000"/>
+                <a:shade val="0"/>
+                <a:satMod val="100000"/>
               </a:schemeClr>
             </a:gs>
             <a:gs pos="100000">
               <a:schemeClr val="phClr">
-                <a:tint val="84000"/>
-                <a:shade val="84000"/>
-                <a:lumMod val="90000"/>
+                <a:shade val="100000"/>
+                <a:satMod val="100000"/>
               </a:schemeClr>
-            </a:gs>
-          </a:gsLst>
-          <a:lin ang="5400000" scaled="0"/>
-        </a:gradFill>
-        <a:gradFill rotWithShape="1">
-          <a:gsLst>
-            <a:gs pos="0">
-              <a:schemeClr val="phClr">
-                <a:tint val="84000"/>
-                <a:shade val="90000"/>
-                <a:satMod val="120000"/>
-                <a:lumMod val="90000"/>
-              </a:schemeClr>
-            </a:gs>
-            <a:gs pos="100000">
-              <a:schemeClr val="phClr"/>
             </a:gs>
           </a:gsLst>
           <a:lin ang="5400000" scaled="0"/>
@@ -7095,7 +5248,7 @@
   <a:extraClrSchemeLst/>
   <a:extLst>
     <a:ext uri="{05A4C25C-085E-4340-85A3-A5531E510DB2}">
-      <thm15:themeFamily xmlns:thm15="http://schemas.microsoft.com/office/thememl/2012/main" name="Quotable" id="{39EC5628-30ED-4578-ACD8-9820EDB8E15A}" vid="{7AF46513-5B0D-4B03-9323-32F3F0BFC9D6}"/>
+      <thm15:themeFamily xmlns:thm15="http://schemas.microsoft.com/office/thememl/2012/main" name="Banded" id="{98DFF888-2449-4D28-977C-6306C017633E}" vid="{9792607F-9579-4224-82FF-9C88C3E1E53D}"/>
     </a:ext>
   </a:extLst>
 </a:theme>
